--- a/Neural Networks.pptx
+++ b/Neural Networks.pptx
@@ -5,14 +5,18 @@
     <p:sldMasterId id="2147483648" r:id="rId1"/>
   </p:sldMasterIdLst>
   <p:notesMasterIdLst>
-    <p:notesMasterId r:id="rId7"/>
+    <p:notesMasterId r:id="rId11"/>
   </p:notesMasterIdLst>
   <p:sldIdLst>
     <p:sldId id="256" r:id="rId2"/>
     <p:sldId id="257" r:id="rId3"/>
-    <p:sldId id="258" r:id="rId4"/>
+    <p:sldId id="264" r:id="rId4"/>
     <p:sldId id="259" r:id="rId5"/>
-    <p:sldId id="260" r:id="rId6"/>
+    <p:sldId id="263" r:id="rId6"/>
+    <p:sldId id="260" r:id="rId7"/>
+    <p:sldId id="262" r:id="rId8"/>
+    <p:sldId id="258" r:id="rId9"/>
+    <p:sldId id="261" r:id="rId10"/>
   </p:sldIdLst>
   <p:sldSz cx="9144000" cy="6858000" type="screen4x3"/>
   <p:notesSz cx="6858000" cy="9144000"/>
@@ -196,6 +200,7 @@
           <a:p>
             <a:fld id="{E576DB28-2D08-4098-9507-7EA7A116FE78}" type="datetimeFigureOut">
               <a:rPr lang="en-US" smtClean="0"/>
+              <a:pPr/>
               <a:t>10/2/2010</a:t>
             </a:fld>
             <a:endParaRPr lang="en-US"/>
@@ -357,6 +362,7 @@
           <a:p>
             <a:fld id="{27130E92-8CBD-4B47-8EE9-1F233874DC22}" type="slidenum">
               <a:rPr lang="en-US" smtClean="0"/>
+              <a:pPr/>
               <a:t>‹#›</a:t>
             </a:fld>
             <a:endParaRPr lang="en-US"/>
@@ -528,6 +534,7 @@
           <a:p>
             <a:fld id="{27130E92-8CBD-4B47-8EE9-1F233874DC22}" type="slidenum">
               <a:rPr lang="en-US" smtClean="0"/>
+              <a:pPr/>
               <a:t>1</a:t>
             </a:fld>
             <a:endParaRPr lang="en-US"/>
@@ -609,6 +616,7 @@
           <a:p>
             <a:fld id="{27130E92-8CBD-4B47-8EE9-1F233874DC22}" type="slidenum">
               <a:rPr lang="en-US" smtClean="0"/>
+              <a:pPr/>
               <a:t>2</a:t>
             </a:fld>
             <a:endParaRPr lang="en-US"/>
@@ -690,6 +698,7 @@
           <a:p>
             <a:fld id="{27130E92-8CBD-4B47-8EE9-1F233874DC22}" type="slidenum">
               <a:rPr lang="en-US" smtClean="0"/>
+              <a:pPr/>
               <a:t>3</a:t>
             </a:fld>
             <a:endParaRPr lang="en-US"/>
@@ -771,6 +780,7 @@
           <a:p>
             <a:fld id="{27130E92-8CBD-4B47-8EE9-1F233874DC22}" type="slidenum">
               <a:rPr lang="en-US" smtClean="0"/>
+              <a:pPr/>
               <a:t>4</a:t>
             </a:fld>
             <a:endParaRPr lang="en-US"/>
@@ -852,7 +862,336 @@
           <a:p>
             <a:fld id="{27130E92-8CBD-4B47-8EE9-1F233874DC22}" type="slidenum">
               <a:rPr lang="en-US" smtClean="0"/>
+              <a:pPr/>
               <a:t>5</a:t>
+            </a:fld>
+            <a:endParaRPr lang="en-US"/>
+          </a:p>
+        </p:txBody>
+      </p:sp>
+    </p:spTree>
+  </p:cSld>
+  <p:clrMapOvr>
+    <a:masterClrMapping/>
+  </p:clrMapOvr>
+</p:notes>
+</file>
+
+<file path=ppt/notesSlides/notesSlide6.xml><?xml version="1.0" encoding="utf-8"?>
+<p:notes xmlns:a="http://schemas.openxmlformats.org/drawingml/2006/main" xmlns:r="http://schemas.openxmlformats.org/officeDocument/2006/relationships" xmlns:p="http://schemas.openxmlformats.org/presentationml/2006/main">
+  <p:cSld>
+    <p:spTree>
+      <p:nvGrpSpPr>
+        <p:cNvPr id="1" name=""/>
+        <p:cNvGrpSpPr/>
+        <p:nvPr/>
+      </p:nvGrpSpPr>
+      <p:grpSpPr>
+        <a:xfrm>
+          <a:off x="0" y="0"/>
+          <a:ext cx="0" cy="0"/>
+          <a:chOff x="0" y="0"/>
+          <a:chExt cx="0" cy="0"/>
+        </a:xfrm>
+      </p:grpSpPr>
+      <p:sp>
+        <p:nvSpPr>
+          <p:cNvPr id="2" name="Slide Image Placeholder 1"/>
+          <p:cNvSpPr>
+            <a:spLocks noGrp="1" noRot="1" noChangeAspect="1"/>
+          </p:cNvSpPr>
+          <p:nvPr>
+            <p:ph type="sldImg"/>
+          </p:nvPr>
+        </p:nvSpPr>
+        <p:spPr/>
+      </p:sp>
+      <p:sp>
+        <p:nvSpPr>
+          <p:cNvPr id="3" name="Notes Placeholder 2"/>
+          <p:cNvSpPr>
+            <a:spLocks noGrp="1"/>
+          </p:cNvSpPr>
+          <p:nvPr>
+            <p:ph type="body" idx="1"/>
+          </p:nvPr>
+        </p:nvSpPr>
+        <p:spPr/>
+        <p:txBody>
+          <a:bodyPr>
+            <a:normAutofit/>
+          </a:bodyPr>
+          <a:lstStyle/>
+          <a:p>
+            <a:endParaRPr lang="en-US"/>
+          </a:p>
+        </p:txBody>
+      </p:sp>
+      <p:sp>
+        <p:nvSpPr>
+          <p:cNvPr id="4" name="Slide Number Placeholder 3"/>
+          <p:cNvSpPr>
+            <a:spLocks noGrp="1"/>
+          </p:cNvSpPr>
+          <p:nvPr>
+            <p:ph type="sldNum" sz="quarter" idx="10"/>
+          </p:nvPr>
+        </p:nvSpPr>
+        <p:spPr/>
+        <p:txBody>
+          <a:bodyPr/>
+          <a:lstStyle/>
+          <a:p>
+            <a:fld id="{27130E92-8CBD-4B47-8EE9-1F233874DC22}" type="slidenum">
+              <a:rPr lang="en-US" smtClean="0"/>
+              <a:pPr/>
+              <a:t>6</a:t>
+            </a:fld>
+            <a:endParaRPr lang="en-US"/>
+          </a:p>
+        </p:txBody>
+      </p:sp>
+    </p:spTree>
+  </p:cSld>
+  <p:clrMapOvr>
+    <a:masterClrMapping/>
+  </p:clrMapOvr>
+</p:notes>
+</file>
+
+<file path=ppt/notesSlides/notesSlide7.xml><?xml version="1.0" encoding="utf-8"?>
+<p:notes xmlns:a="http://schemas.openxmlformats.org/drawingml/2006/main" xmlns:r="http://schemas.openxmlformats.org/officeDocument/2006/relationships" xmlns:p="http://schemas.openxmlformats.org/presentationml/2006/main">
+  <p:cSld>
+    <p:spTree>
+      <p:nvGrpSpPr>
+        <p:cNvPr id="1" name=""/>
+        <p:cNvGrpSpPr/>
+        <p:nvPr/>
+      </p:nvGrpSpPr>
+      <p:grpSpPr>
+        <a:xfrm>
+          <a:off x="0" y="0"/>
+          <a:ext cx="0" cy="0"/>
+          <a:chOff x="0" y="0"/>
+          <a:chExt cx="0" cy="0"/>
+        </a:xfrm>
+      </p:grpSpPr>
+      <p:sp>
+        <p:nvSpPr>
+          <p:cNvPr id="2" name="Slide Image Placeholder 1"/>
+          <p:cNvSpPr>
+            <a:spLocks noGrp="1" noRot="1" noChangeAspect="1"/>
+          </p:cNvSpPr>
+          <p:nvPr>
+            <p:ph type="sldImg"/>
+          </p:nvPr>
+        </p:nvSpPr>
+        <p:spPr/>
+      </p:sp>
+      <p:sp>
+        <p:nvSpPr>
+          <p:cNvPr id="3" name="Notes Placeholder 2"/>
+          <p:cNvSpPr>
+            <a:spLocks noGrp="1"/>
+          </p:cNvSpPr>
+          <p:nvPr>
+            <p:ph type="body" idx="1"/>
+          </p:nvPr>
+        </p:nvSpPr>
+        <p:spPr/>
+        <p:txBody>
+          <a:bodyPr>
+            <a:normAutofit/>
+          </a:bodyPr>
+          <a:lstStyle/>
+          <a:p>
+            <a:endParaRPr lang="en-US"/>
+          </a:p>
+        </p:txBody>
+      </p:sp>
+      <p:sp>
+        <p:nvSpPr>
+          <p:cNvPr id="4" name="Slide Number Placeholder 3"/>
+          <p:cNvSpPr>
+            <a:spLocks noGrp="1"/>
+          </p:cNvSpPr>
+          <p:nvPr>
+            <p:ph type="sldNum" sz="quarter" idx="10"/>
+          </p:nvPr>
+        </p:nvSpPr>
+        <p:spPr/>
+        <p:txBody>
+          <a:bodyPr/>
+          <a:lstStyle/>
+          <a:p>
+            <a:fld id="{27130E92-8CBD-4B47-8EE9-1F233874DC22}" type="slidenum">
+              <a:rPr lang="en-US" smtClean="0"/>
+              <a:pPr/>
+              <a:t>7</a:t>
+            </a:fld>
+            <a:endParaRPr lang="en-US"/>
+          </a:p>
+        </p:txBody>
+      </p:sp>
+    </p:spTree>
+  </p:cSld>
+  <p:clrMapOvr>
+    <a:masterClrMapping/>
+  </p:clrMapOvr>
+</p:notes>
+</file>
+
+<file path=ppt/notesSlides/notesSlide8.xml><?xml version="1.0" encoding="utf-8"?>
+<p:notes xmlns:a="http://schemas.openxmlformats.org/drawingml/2006/main" xmlns:r="http://schemas.openxmlformats.org/officeDocument/2006/relationships" xmlns:p="http://schemas.openxmlformats.org/presentationml/2006/main">
+  <p:cSld>
+    <p:spTree>
+      <p:nvGrpSpPr>
+        <p:cNvPr id="1" name=""/>
+        <p:cNvGrpSpPr/>
+        <p:nvPr/>
+      </p:nvGrpSpPr>
+      <p:grpSpPr>
+        <a:xfrm>
+          <a:off x="0" y="0"/>
+          <a:ext cx="0" cy="0"/>
+          <a:chOff x="0" y="0"/>
+          <a:chExt cx="0" cy="0"/>
+        </a:xfrm>
+      </p:grpSpPr>
+      <p:sp>
+        <p:nvSpPr>
+          <p:cNvPr id="2" name="Slide Image Placeholder 1"/>
+          <p:cNvSpPr>
+            <a:spLocks noGrp="1" noRot="1" noChangeAspect="1"/>
+          </p:cNvSpPr>
+          <p:nvPr>
+            <p:ph type="sldImg"/>
+          </p:nvPr>
+        </p:nvSpPr>
+        <p:spPr/>
+      </p:sp>
+      <p:sp>
+        <p:nvSpPr>
+          <p:cNvPr id="3" name="Notes Placeholder 2"/>
+          <p:cNvSpPr>
+            <a:spLocks noGrp="1"/>
+          </p:cNvSpPr>
+          <p:nvPr>
+            <p:ph type="body" idx="1"/>
+          </p:nvPr>
+        </p:nvSpPr>
+        <p:spPr/>
+        <p:txBody>
+          <a:bodyPr>
+            <a:normAutofit/>
+          </a:bodyPr>
+          <a:lstStyle/>
+          <a:p>
+            <a:endParaRPr lang="en-US"/>
+          </a:p>
+        </p:txBody>
+      </p:sp>
+      <p:sp>
+        <p:nvSpPr>
+          <p:cNvPr id="4" name="Slide Number Placeholder 3"/>
+          <p:cNvSpPr>
+            <a:spLocks noGrp="1"/>
+          </p:cNvSpPr>
+          <p:nvPr>
+            <p:ph type="sldNum" sz="quarter" idx="10"/>
+          </p:nvPr>
+        </p:nvSpPr>
+        <p:spPr/>
+        <p:txBody>
+          <a:bodyPr/>
+          <a:lstStyle/>
+          <a:p>
+            <a:fld id="{27130E92-8CBD-4B47-8EE9-1F233874DC22}" type="slidenum">
+              <a:rPr lang="en-US" smtClean="0"/>
+              <a:pPr/>
+              <a:t>8</a:t>
+            </a:fld>
+            <a:endParaRPr lang="en-US"/>
+          </a:p>
+        </p:txBody>
+      </p:sp>
+    </p:spTree>
+  </p:cSld>
+  <p:clrMapOvr>
+    <a:masterClrMapping/>
+  </p:clrMapOvr>
+</p:notes>
+</file>
+
+<file path=ppt/notesSlides/notesSlide9.xml><?xml version="1.0" encoding="utf-8"?>
+<p:notes xmlns:a="http://schemas.openxmlformats.org/drawingml/2006/main" xmlns:r="http://schemas.openxmlformats.org/officeDocument/2006/relationships" xmlns:p="http://schemas.openxmlformats.org/presentationml/2006/main">
+  <p:cSld>
+    <p:spTree>
+      <p:nvGrpSpPr>
+        <p:cNvPr id="1" name=""/>
+        <p:cNvGrpSpPr/>
+        <p:nvPr/>
+      </p:nvGrpSpPr>
+      <p:grpSpPr>
+        <a:xfrm>
+          <a:off x="0" y="0"/>
+          <a:ext cx="0" cy="0"/>
+          <a:chOff x="0" y="0"/>
+          <a:chExt cx="0" cy="0"/>
+        </a:xfrm>
+      </p:grpSpPr>
+      <p:sp>
+        <p:nvSpPr>
+          <p:cNvPr id="2" name="Slide Image Placeholder 1"/>
+          <p:cNvSpPr>
+            <a:spLocks noGrp="1" noRot="1" noChangeAspect="1"/>
+          </p:cNvSpPr>
+          <p:nvPr>
+            <p:ph type="sldImg"/>
+          </p:nvPr>
+        </p:nvSpPr>
+        <p:spPr/>
+      </p:sp>
+      <p:sp>
+        <p:nvSpPr>
+          <p:cNvPr id="3" name="Notes Placeholder 2"/>
+          <p:cNvSpPr>
+            <a:spLocks noGrp="1"/>
+          </p:cNvSpPr>
+          <p:nvPr>
+            <p:ph type="body" idx="1"/>
+          </p:nvPr>
+        </p:nvSpPr>
+        <p:spPr/>
+        <p:txBody>
+          <a:bodyPr>
+            <a:normAutofit/>
+          </a:bodyPr>
+          <a:lstStyle/>
+          <a:p>
+            <a:endParaRPr lang="en-US"/>
+          </a:p>
+        </p:txBody>
+      </p:sp>
+      <p:sp>
+        <p:nvSpPr>
+          <p:cNvPr id="4" name="Slide Number Placeholder 3"/>
+          <p:cNvSpPr>
+            <a:spLocks noGrp="1"/>
+          </p:cNvSpPr>
+          <p:nvPr>
+            <p:ph type="sldNum" sz="quarter" idx="10"/>
+          </p:nvPr>
+        </p:nvSpPr>
+        <p:spPr/>
+        <p:txBody>
+          <a:bodyPr/>
+          <a:lstStyle/>
+          <a:p>
+            <a:fld id="{27130E92-8CBD-4B47-8EE9-1F233874DC22}" type="slidenum">
+              <a:rPr lang="en-US" smtClean="0"/>
+              <a:pPr/>
+              <a:t>9</a:t>
             </a:fld>
             <a:endParaRPr lang="en-US"/>
           </a:p>
@@ -1047,6 +1386,7 @@
           <a:p>
             <a:fld id="{362286D1-24D9-44CC-8FA4-530545EF0900}" type="datetimeFigureOut">
               <a:rPr lang="en-US" smtClean="0"/>
+              <a:pPr/>
               <a:t>10/2/2010</a:t>
             </a:fld>
             <a:endParaRPr lang="en-US"/>
@@ -1089,6 +1429,7 @@
           <a:p>
             <a:fld id="{3C77AE0D-5F09-4056-9F1C-2A9145FA4C03}" type="slidenum">
               <a:rPr lang="en-US" smtClean="0"/>
+              <a:pPr/>
               <a:t>‹#›</a:t>
             </a:fld>
             <a:endParaRPr lang="en-US"/>
@@ -1212,6 +1553,7 @@
           <a:p>
             <a:fld id="{362286D1-24D9-44CC-8FA4-530545EF0900}" type="datetimeFigureOut">
               <a:rPr lang="en-US" smtClean="0"/>
+              <a:pPr/>
               <a:t>10/2/2010</a:t>
             </a:fld>
             <a:endParaRPr lang="en-US"/>
@@ -1254,6 +1596,7 @@
           <a:p>
             <a:fld id="{3C77AE0D-5F09-4056-9F1C-2A9145FA4C03}" type="slidenum">
               <a:rPr lang="en-US" smtClean="0"/>
+              <a:pPr/>
               <a:t>‹#›</a:t>
             </a:fld>
             <a:endParaRPr lang="en-US"/>
@@ -1387,6 +1730,7 @@
           <a:p>
             <a:fld id="{362286D1-24D9-44CC-8FA4-530545EF0900}" type="datetimeFigureOut">
               <a:rPr lang="en-US" smtClean="0"/>
+              <a:pPr/>
               <a:t>10/2/2010</a:t>
             </a:fld>
             <a:endParaRPr lang="en-US"/>
@@ -1429,6 +1773,7 @@
           <a:p>
             <a:fld id="{3C77AE0D-5F09-4056-9F1C-2A9145FA4C03}" type="slidenum">
               <a:rPr lang="en-US" smtClean="0"/>
+              <a:pPr/>
               <a:t>‹#›</a:t>
             </a:fld>
             <a:endParaRPr lang="en-US"/>
@@ -1552,6 +1897,7 @@
           <a:p>
             <a:fld id="{362286D1-24D9-44CC-8FA4-530545EF0900}" type="datetimeFigureOut">
               <a:rPr lang="en-US" smtClean="0"/>
+              <a:pPr/>
               <a:t>10/2/2010</a:t>
             </a:fld>
             <a:endParaRPr lang="en-US"/>
@@ -1594,6 +1940,7 @@
           <a:p>
             <a:fld id="{3C77AE0D-5F09-4056-9F1C-2A9145FA4C03}" type="slidenum">
               <a:rPr lang="en-US" smtClean="0"/>
+              <a:pPr/>
               <a:t>‹#›</a:t>
             </a:fld>
             <a:endParaRPr lang="en-US"/>
@@ -1793,6 +2140,7 @@
           <a:p>
             <a:fld id="{362286D1-24D9-44CC-8FA4-530545EF0900}" type="datetimeFigureOut">
               <a:rPr lang="en-US" smtClean="0"/>
+              <a:pPr/>
               <a:t>10/2/2010</a:t>
             </a:fld>
             <a:endParaRPr lang="en-US"/>
@@ -1835,6 +2183,7 @@
           <a:p>
             <a:fld id="{3C77AE0D-5F09-4056-9F1C-2A9145FA4C03}" type="slidenum">
               <a:rPr lang="en-US" smtClean="0"/>
+              <a:pPr/>
               <a:t>‹#›</a:t>
             </a:fld>
             <a:endParaRPr lang="en-US"/>
@@ -2076,6 +2425,7 @@
           <a:p>
             <a:fld id="{362286D1-24D9-44CC-8FA4-530545EF0900}" type="datetimeFigureOut">
               <a:rPr lang="en-US" smtClean="0"/>
+              <a:pPr/>
               <a:t>10/2/2010</a:t>
             </a:fld>
             <a:endParaRPr lang="en-US"/>
@@ -2118,6 +2468,7 @@
           <a:p>
             <a:fld id="{3C77AE0D-5F09-4056-9F1C-2A9145FA4C03}" type="slidenum">
               <a:rPr lang="en-US" smtClean="0"/>
+              <a:pPr/>
               <a:t>‹#›</a:t>
             </a:fld>
             <a:endParaRPr lang="en-US"/>
@@ -2493,6 +2844,7 @@
           <a:p>
             <a:fld id="{362286D1-24D9-44CC-8FA4-530545EF0900}" type="datetimeFigureOut">
               <a:rPr lang="en-US" smtClean="0"/>
+              <a:pPr/>
               <a:t>10/2/2010</a:t>
             </a:fld>
             <a:endParaRPr lang="en-US"/>
@@ -2535,6 +2887,7 @@
           <a:p>
             <a:fld id="{3C77AE0D-5F09-4056-9F1C-2A9145FA4C03}" type="slidenum">
               <a:rPr lang="en-US" smtClean="0"/>
+              <a:pPr/>
               <a:t>‹#›</a:t>
             </a:fld>
             <a:endParaRPr lang="en-US"/>
@@ -2606,6 +2959,7 @@
           <a:p>
             <a:fld id="{362286D1-24D9-44CC-8FA4-530545EF0900}" type="datetimeFigureOut">
               <a:rPr lang="en-US" smtClean="0"/>
+              <a:pPr/>
               <a:t>10/2/2010</a:t>
             </a:fld>
             <a:endParaRPr lang="en-US"/>
@@ -2648,6 +3002,7 @@
           <a:p>
             <a:fld id="{3C77AE0D-5F09-4056-9F1C-2A9145FA4C03}" type="slidenum">
               <a:rPr lang="en-US" smtClean="0"/>
+              <a:pPr/>
               <a:t>‹#›</a:t>
             </a:fld>
             <a:endParaRPr lang="en-US"/>
@@ -2696,6 +3051,7 @@
           <a:p>
             <a:fld id="{362286D1-24D9-44CC-8FA4-530545EF0900}" type="datetimeFigureOut">
               <a:rPr lang="en-US" smtClean="0"/>
+              <a:pPr/>
               <a:t>10/2/2010</a:t>
             </a:fld>
             <a:endParaRPr lang="en-US"/>
@@ -2738,6 +3094,7 @@
           <a:p>
             <a:fld id="{3C77AE0D-5F09-4056-9F1C-2A9145FA4C03}" type="slidenum">
               <a:rPr lang="en-US" smtClean="0"/>
+              <a:pPr/>
               <a:t>‹#›</a:t>
             </a:fld>
             <a:endParaRPr lang="en-US"/>
@@ -2968,6 +3325,7 @@
           <a:p>
             <a:fld id="{362286D1-24D9-44CC-8FA4-530545EF0900}" type="datetimeFigureOut">
               <a:rPr lang="en-US" smtClean="0"/>
+              <a:pPr/>
               <a:t>10/2/2010</a:t>
             </a:fld>
             <a:endParaRPr lang="en-US"/>
@@ -3010,6 +3368,7 @@
           <a:p>
             <a:fld id="{3C77AE0D-5F09-4056-9F1C-2A9145FA4C03}" type="slidenum">
               <a:rPr lang="en-US" smtClean="0"/>
+              <a:pPr/>
               <a:t>‹#›</a:t>
             </a:fld>
             <a:endParaRPr lang="en-US"/>
@@ -3216,6 +3575,7 @@
           <a:p>
             <a:fld id="{362286D1-24D9-44CC-8FA4-530545EF0900}" type="datetimeFigureOut">
               <a:rPr lang="en-US" smtClean="0"/>
+              <a:pPr/>
               <a:t>10/2/2010</a:t>
             </a:fld>
             <a:endParaRPr lang="en-US"/>
@@ -3258,6 +3618,7 @@
           <a:p>
             <a:fld id="{3C77AE0D-5F09-4056-9F1C-2A9145FA4C03}" type="slidenum">
               <a:rPr lang="en-US" smtClean="0"/>
+              <a:pPr/>
               <a:t>‹#›</a:t>
             </a:fld>
             <a:endParaRPr lang="en-US"/>
@@ -3424,6 +3785,7 @@
           <a:p>
             <a:fld id="{362286D1-24D9-44CC-8FA4-530545EF0900}" type="datetimeFigureOut">
               <a:rPr lang="en-US" smtClean="0"/>
+              <a:pPr/>
               <a:t>10/2/2010</a:t>
             </a:fld>
             <a:endParaRPr lang="en-US"/>
@@ -3502,6 +3864,7 @@
           <a:p>
             <a:fld id="{3C77AE0D-5F09-4056-9F1C-2A9145FA4C03}" type="slidenum">
               <a:rPr lang="en-US" smtClean="0"/>
+              <a:pPr/>
               <a:t>‹#›</a:t>
             </a:fld>
             <a:endParaRPr lang="en-US"/>
@@ -3892,19 +4255,44 @@
         </p:nvSpPr>
         <p:spPr/>
         <p:txBody>
-          <a:bodyPr/>
+          <a:bodyPr>
+            <a:normAutofit/>
+          </a:bodyPr>
           <a:lstStyle/>
           <a:p>
             <a:r>
               <a:rPr lang="en-US" dirty="0" smtClean="0"/>
-              <a:t>Neural Network: Set of simple, analog signal processors connected by links, where each link has a numeric weight.</a:t>
+              <a:t>Mimics the Parallel interconnections, that exist between the neurons of the brain.</a:t>
             </a:r>
           </a:p>
           <a:p>
             <a:r>
               <a:rPr lang="en-US" dirty="0" smtClean="0"/>
-              <a:t>It is a directed graph.</a:t>
-            </a:r>
+              <a:t>1 op 10^-9: processor </a:t>
+            </a:r>
+            <a:r>
+              <a:rPr lang="en-US" dirty="0" err="1" smtClean="0"/>
+              <a:t>vs</a:t>
+            </a:r>
+            <a:r>
+              <a:rPr lang="en-US" dirty="0" smtClean="0"/>
+              <a:t> 10^-3: neuron. Yet neurons are faster for complex tasks such as: Face </a:t>
+            </a:r>
+            <a:r>
+              <a:rPr lang="en-US" dirty="0" smtClean="0"/>
+              <a:t>recognition, natural speech.</a:t>
+            </a:r>
+          </a:p>
+          <a:p>
+            <a:r>
+              <a:rPr lang="en-US" dirty="0" smtClean="0"/>
+              <a:t>Why? The network is massively </a:t>
+            </a:r>
+            <a:r>
+              <a:rPr lang="en-US" smtClean="0"/>
+              <a:t>parallel.</a:t>
+            </a:r>
+            <a:endParaRPr lang="en-US" dirty="0" smtClean="0"/>
           </a:p>
         </p:txBody>
       </p:sp>
@@ -3913,6 +4301,13 @@
   <p:clrMapOvr>
     <a:masterClrMapping/>
   </p:clrMapOvr>
+  <p:timing>
+    <p:tnLst>
+      <p:par>
+        <p:cTn id="1" dur="indefinite" restart="never" nodeType="tmRoot"/>
+      </p:par>
+    </p:tnLst>
+  </p:timing>
 </p:sld>
 </file>
 
@@ -3969,13 +4364,21 @@
           <a:p>
             <a:r>
               <a:rPr lang="en-US" dirty="0" smtClean="0"/>
-              <a:t>Each layer performs an analog integration of it inputs.</a:t>
-            </a:r>
-          </a:p>
-          <a:p>
+              <a:t>Neural Network: Set of simple, analog signal processors connected by links, where each link has a numeric weight</a:t>
+            </a:r>
             <a:r>
               <a:rPr lang="en-US" dirty="0" smtClean="0"/>
-              <a:t>From this integration an activation value is determined.</a:t>
+              <a:t>.</a:t>
+            </a:r>
+          </a:p>
+          <a:p>
+            <a:r>
+              <a:rPr lang="en-US" dirty="0" smtClean="0"/>
+              <a:t>It </a:t>
+            </a:r>
+            <a:r>
+              <a:rPr lang="en-US" dirty="0" smtClean="0"/>
+              <a:t>is a directed graph.</a:t>
             </a:r>
           </a:p>
           <a:p>
@@ -3988,6 +4391,13 @@
   <p:clrMapOvr>
     <a:masterClrMapping/>
   </p:clrMapOvr>
+  <p:timing>
+    <p:tnLst>
+      <p:par>
+        <p:cTn id="1" dur="indefinite" restart="never" nodeType="tmRoot"/>
+      </p:par>
+    </p:tnLst>
+  </p:timing>
 </p:sld>
 </file>
 
@@ -5755,11 +6165,7 @@
             <a:p>
               <a:r>
                 <a:rPr lang="en-US" i="1" dirty="0" smtClean="0"/>
-                <a:t>I</a:t>
-              </a:r>
-              <a:r>
-                <a:rPr lang="en-US" i="1" dirty="0" smtClean="0"/>
-                <a:t>_2</a:t>
+                <a:t>I_2</a:t>
               </a:r>
               <a:endParaRPr lang="en-US" i="1" dirty="0"/>
             </a:p>
@@ -5789,11 +6195,7 @@
             <a:p>
               <a:r>
                 <a:rPr lang="en-US" i="1" dirty="0" err="1" smtClean="0"/>
-                <a:t>I</a:t>
-              </a:r>
-              <a:r>
-                <a:rPr lang="en-US" i="1" dirty="0" err="1" smtClean="0"/>
-                <a:t>_n</a:t>
+                <a:t>I_n</a:t>
               </a:r>
               <a:endParaRPr lang="en-US" i="1" dirty="0"/>
             </a:p>
@@ -6327,9 +6729,100 @@
           <a:chExt cx="0" cy="0"/>
         </a:xfrm>
       </p:grpSpPr>
+      <p:sp>
+        <p:nvSpPr>
+          <p:cNvPr id="2" name="Title 1"/>
+          <p:cNvSpPr>
+            <a:spLocks noGrp="1"/>
+          </p:cNvSpPr>
+          <p:nvPr>
+            <p:ph type="title"/>
+          </p:nvPr>
+        </p:nvSpPr>
+        <p:spPr/>
+        <p:txBody>
+          <a:bodyPr/>
+          <a:lstStyle/>
+          <a:p>
+            <a:endParaRPr lang="en-US"/>
+          </a:p>
+        </p:txBody>
+      </p:sp>
+      <p:sp>
+        <p:nvSpPr>
+          <p:cNvPr id="3" name="Content Placeholder 2"/>
+          <p:cNvSpPr>
+            <a:spLocks noGrp="1"/>
+          </p:cNvSpPr>
+          <p:nvPr>
+            <p:ph idx="1"/>
+          </p:nvPr>
+        </p:nvSpPr>
+        <p:spPr/>
+        <p:txBody>
+          <a:bodyPr/>
+          <a:lstStyle/>
+          <a:p>
+            <a:r>
+              <a:rPr lang="en-US" dirty="0" smtClean="0"/>
+              <a:t>Each unit receives stimulation from other units, except the input </a:t>
+            </a:r>
+            <a:r>
+              <a:rPr lang="en-US" dirty="0" smtClean="0"/>
+              <a:t>layer.</a:t>
+            </a:r>
+            <a:endParaRPr lang="en-US" dirty="0" smtClean="0"/>
+          </a:p>
+          <a:p>
+            <a:r>
+              <a:rPr lang="en-US" dirty="0" smtClean="0"/>
+              <a:t>The signal received is modulated by the weighting value of the connection.</a:t>
+            </a:r>
+          </a:p>
+          <a:p>
+            <a:r>
+              <a:rPr lang="en-US" dirty="0" smtClean="0"/>
+              <a:t>The modulated in puts are then integrated. (summed)</a:t>
+            </a:r>
+            <a:endParaRPr lang="en-US" dirty="0"/>
+          </a:p>
+        </p:txBody>
+      </p:sp>
+    </p:spTree>
+  </p:cSld>
+  <p:clrMapOvr>
+    <a:masterClrMapping/>
+  </p:clrMapOvr>
+  <p:timing>
+    <p:tnLst>
+      <p:par>
+        <p:cTn id="1" dur="indefinite" restart="never" nodeType="tmRoot"/>
+      </p:par>
+    </p:tnLst>
+  </p:timing>
+</p:sld>
+</file>
+
+<file path=ppt/slides/slide6.xml><?xml version="1.0" encoding="utf-8"?>
+<p:sld xmlns:a="http://schemas.openxmlformats.org/drawingml/2006/main" xmlns:r="http://schemas.openxmlformats.org/officeDocument/2006/relationships" xmlns:p="http://schemas.openxmlformats.org/presentationml/2006/main">
+  <p:cSld>
+    <p:spTree>
+      <p:nvGrpSpPr>
+        <p:cNvPr id="1" name=""/>
+        <p:cNvGrpSpPr/>
+        <p:nvPr/>
+      </p:nvGrpSpPr>
+      <p:grpSpPr>
+        <a:xfrm>
+          <a:off x="0" y="0"/>
+          <a:ext cx="0" cy="0"/>
+          <a:chOff x="0" y="0"/>
+          <a:chExt cx="0" cy="0"/>
+        </a:xfrm>
+      </p:grpSpPr>
       <p:pic>
         <p:nvPicPr>
-          <p:cNvPr id="1026" name="Picture 2"/>
+          <p:cNvPr id="2050" name="Picture 2"/>
           <p:cNvPicPr>
             <a:picLocks noChangeAspect="1" noChangeArrowheads="1"/>
           </p:cNvPicPr>
@@ -6344,8 +6837,8 @@
         </p:blipFill>
         <p:spPr bwMode="auto">
           <a:xfrm>
-            <a:off x="457200" y="1524000"/>
-            <a:ext cx="8254825" cy="3886200"/>
+            <a:off x="685800" y="1752600"/>
+            <a:ext cx="7524124" cy="3352800"/>
           </a:xfrm>
           <a:prstGeom prst="rect">
             <a:avLst/>
@@ -6360,6 +6853,650 @@
           <a:effectLst/>
         </p:spPr>
       </p:pic>
+      <p:grpSp>
+        <p:nvGrpSpPr>
+          <p:cNvPr id="10" name="Group 9"/>
+          <p:cNvGrpSpPr/>
+          <p:nvPr/>
+        </p:nvGrpSpPr>
+        <p:grpSpPr>
+          <a:xfrm>
+            <a:off x="381000" y="1600200"/>
+            <a:ext cx="8077200" cy="3722132"/>
+            <a:chOff x="381000" y="1600200"/>
+            <a:chExt cx="8077200" cy="3722132"/>
+          </a:xfrm>
+        </p:grpSpPr>
+        <p:sp>
+          <p:nvSpPr>
+            <p:cNvPr id="6" name="Rectangle 5"/>
+            <p:cNvSpPr/>
+            <p:nvPr/>
+          </p:nvSpPr>
+          <p:spPr>
+            <a:xfrm>
+              <a:off x="381000" y="1600200"/>
+              <a:ext cx="990600" cy="609600"/>
+            </a:xfrm>
+            <a:prstGeom prst="rect">
+              <a:avLst/>
+            </a:prstGeom>
+            <a:solidFill>
+              <a:schemeClr val="accent1">
+                <a:alpha val="20000"/>
+              </a:schemeClr>
+            </a:solidFill>
+            <a:ln>
+              <a:noFill/>
+            </a:ln>
+          </p:spPr>
+          <p:style>
+            <a:lnRef idx="2">
+              <a:schemeClr val="accent1">
+                <a:shade val="50000"/>
+              </a:schemeClr>
+            </a:lnRef>
+            <a:fillRef idx="1">
+              <a:schemeClr val="accent1"/>
+            </a:fillRef>
+            <a:effectRef idx="0">
+              <a:schemeClr val="accent1"/>
+            </a:effectRef>
+            <a:fontRef idx="minor">
+              <a:schemeClr val="lt1"/>
+            </a:fontRef>
+          </p:style>
+          <p:txBody>
+            <a:bodyPr rtlCol="0" anchor="ctr"/>
+            <a:lstStyle/>
+            <a:p>
+              <a:pPr algn="ctr"/>
+              <a:endParaRPr lang="en-US" dirty="0"/>
+            </a:p>
+          </p:txBody>
+        </p:sp>
+        <p:sp>
+          <p:nvSpPr>
+            <p:cNvPr id="7" name="Rectangle 6"/>
+            <p:cNvSpPr/>
+            <p:nvPr/>
+          </p:nvSpPr>
+          <p:spPr>
+            <a:xfrm>
+              <a:off x="1905000" y="1676400"/>
+              <a:ext cx="990600" cy="609600"/>
+            </a:xfrm>
+            <a:prstGeom prst="rect">
+              <a:avLst/>
+            </a:prstGeom>
+            <a:solidFill>
+              <a:schemeClr val="accent1">
+                <a:alpha val="20000"/>
+              </a:schemeClr>
+            </a:solidFill>
+            <a:ln>
+              <a:noFill/>
+            </a:ln>
+          </p:spPr>
+          <p:style>
+            <a:lnRef idx="2">
+              <a:schemeClr val="accent1">
+                <a:shade val="50000"/>
+              </a:schemeClr>
+            </a:lnRef>
+            <a:fillRef idx="1">
+              <a:schemeClr val="accent1"/>
+            </a:fillRef>
+            <a:effectRef idx="0">
+              <a:schemeClr val="accent1"/>
+            </a:effectRef>
+            <a:fontRef idx="minor">
+              <a:schemeClr val="lt1"/>
+            </a:fontRef>
+          </p:style>
+          <p:txBody>
+            <a:bodyPr rtlCol="0" anchor="ctr"/>
+            <a:lstStyle/>
+            <a:p>
+              <a:pPr algn="ctr"/>
+              <a:endParaRPr lang="en-US" dirty="0"/>
+            </a:p>
+          </p:txBody>
+        </p:sp>
+        <p:sp>
+          <p:nvSpPr>
+            <p:cNvPr id="8" name="Rectangle 7"/>
+            <p:cNvSpPr/>
+            <p:nvPr/>
+          </p:nvSpPr>
+          <p:spPr>
+            <a:xfrm>
+              <a:off x="4800600" y="4267200"/>
+              <a:ext cx="1600200" cy="609600"/>
+            </a:xfrm>
+            <a:prstGeom prst="rect">
+              <a:avLst/>
+            </a:prstGeom>
+            <a:solidFill>
+              <a:schemeClr val="accent1">
+                <a:alpha val="20000"/>
+              </a:schemeClr>
+            </a:solidFill>
+            <a:ln>
+              <a:noFill/>
+            </a:ln>
+          </p:spPr>
+          <p:style>
+            <a:lnRef idx="2">
+              <a:schemeClr val="accent1">
+                <a:shade val="50000"/>
+              </a:schemeClr>
+            </a:lnRef>
+            <a:fillRef idx="1">
+              <a:schemeClr val="accent1"/>
+            </a:fillRef>
+            <a:effectRef idx="0">
+              <a:schemeClr val="accent1"/>
+            </a:effectRef>
+            <a:fontRef idx="minor">
+              <a:schemeClr val="lt1"/>
+            </a:fontRef>
+          </p:style>
+          <p:txBody>
+            <a:bodyPr rtlCol="0" anchor="ctr"/>
+            <a:lstStyle/>
+            <a:p>
+              <a:pPr algn="ctr"/>
+              <a:endParaRPr lang="en-US" dirty="0"/>
+            </a:p>
+          </p:txBody>
+        </p:sp>
+        <p:sp>
+          <p:nvSpPr>
+            <p:cNvPr id="9" name="TextBox 8"/>
+            <p:cNvSpPr txBox="1"/>
+            <p:nvPr/>
+          </p:nvSpPr>
+          <p:spPr>
+            <a:xfrm>
+              <a:off x="4769690" y="4953000"/>
+              <a:ext cx="3688510" cy="369332"/>
+            </a:xfrm>
+            <a:prstGeom prst="rect">
+              <a:avLst/>
+            </a:prstGeom>
+            <a:noFill/>
+          </p:spPr>
+          <p:txBody>
+            <a:bodyPr wrap="none" rtlCol="0">
+              <a:spAutoFit/>
+            </a:bodyPr>
+            <a:lstStyle/>
+            <a:p>
+              <a:r>
+                <a:rPr lang="en-US" dirty="0" smtClean="0"/>
+                <a:t>The input is modulated by the weight</a:t>
+              </a:r>
+              <a:endParaRPr lang="en-US" dirty="0"/>
+            </a:p>
+          </p:txBody>
+        </p:sp>
+      </p:grpSp>
+      <p:grpSp>
+        <p:nvGrpSpPr>
+          <p:cNvPr id="13" name="Group 12"/>
+          <p:cNvGrpSpPr/>
+          <p:nvPr/>
+        </p:nvGrpSpPr>
+        <p:grpSpPr>
+          <a:xfrm>
+            <a:off x="2819400" y="2682875"/>
+            <a:ext cx="3048000" cy="2193925"/>
+            <a:chOff x="2819400" y="2682875"/>
+            <a:chExt cx="3048000" cy="2193925"/>
+          </a:xfrm>
+        </p:grpSpPr>
+        <p:sp>
+          <p:nvSpPr>
+            <p:cNvPr id="11" name="Rectangle 10"/>
+            <p:cNvSpPr/>
+            <p:nvPr/>
+          </p:nvSpPr>
+          <p:spPr>
+            <a:xfrm>
+              <a:off x="5181600" y="2682875"/>
+              <a:ext cx="685800" cy="228600"/>
+            </a:xfrm>
+            <a:prstGeom prst="rect">
+              <a:avLst/>
+            </a:prstGeom>
+            <a:solidFill>
+              <a:schemeClr val="accent1">
+                <a:alpha val="20000"/>
+              </a:schemeClr>
+            </a:solidFill>
+            <a:ln>
+              <a:noFill/>
+            </a:ln>
+          </p:spPr>
+          <p:style>
+            <a:lnRef idx="2">
+              <a:schemeClr val="accent1">
+                <a:shade val="50000"/>
+              </a:schemeClr>
+            </a:lnRef>
+            <a:fillRef idx="1">
+              <a:schemeClr val="accent1"/>
+            </a:fillRef>
+            <a:effectRef idx="0">
+              <a:schemeClr val="accent1"/>
+            </a:effectRef>
+            <a:fontRef idx="minor">
+              <a:schemeClr val="lt1"/>
+            </a:fontRef>
+          </p:style>
+          <p:txBody>
+            <a:bodyPr rtlCol="0" anchor="ctr"/>
+            <a:lstStyle/>
+            <a:p>
+              <a:pPr algn="ctr"/>
+              <a:endParaRPr lang="en-US" dirty="0"/>
+            </a:p>
+          </p:txBody>
+        </p:sp>
+        <p:sp>
+          <p:nvSpPr>
+            <p:cNvPr id="12" name="Rectangle 11"/>
+            <p:cNvSpPr/>
+            <p:nvPr/>
+          </p:nvSpPr>
+          <p:spPr>
+            <a:xfrm>
+              <a:off x="2819400" y="4343400"/>
+              <a:ext cx="1066800" cy="533400"/>
+            </a:xfrm>
+            <a:prstGeom prst="rect">
+              <a:avLst/>
+            </a:prstGeom>
+            <a:solidFill>
+              <a:schemeClr val="accent1">
+                <a:alpha val="20000"/>
+              </a:schemeClr>
+            </a:solidFill>
+            <a:ln>
+              <a:noFill/>
+            </a:ln>
+          </p:spPr>
+          <p:style>
+            <a:lnRef idx="2">
+              <a:schemeClr val="accent1">
+                <a:shade val="50000"/>
+              </a:schemeClr>
+            </a:lnRef>
+            <a:fillRef idx="1">
+              <a:schemeClr val="accent1"/>
+            </a:fillRef>
+            <a:effectRef idx="0">
+              <a:schemeClr val="accent1"/>
+            </a:effectRef>
+            <a:fontRef idx="minor">
+              <a:schemeClr val="lt1"/>
+            </a:fontRef>
+          </p:style>
+          <p:txBody>
+            <a:bodyPr rtlCol="0" anchor="ctr"/>
+            <a:lstStyle/>
+            <a:p>
+              <a:pPr algn="ctr"/>
+              <a:endParaRPr lang="en-US" dirty="0"/>
+            </a:p>
+          </p:txBody>
+        </p:sp>
+      </p:grpSp>
+    </p:spTree>
+  </p:cSld>
+  <p:clrMapOvr>
+    <a:masterClrMapping/>
+  </p:clrMapOvr>
+  <p:timing>
+    <p:tnLst>
+      <p:par>
+        <p:cTn id="1" dur="indefinite" restart="never" nodeType="tmRoot">
+          <p:childTnLst>
+            <p:seq concurrent="1" nextAc="seek">
+              <p:cTn id="2" dur="indefinite" nodeType="mainSeq">
+                <p:childTnLst>
+                  <p:par>
+                    <p:cTn id="3" fill="hold">
+                      <p:stCondLst>
+                        <p:cond delay="indefinite"/>
+                      </p:stCondLst>
+                      <p:childTnLst>
+                        <p:par>
+                          <p:cTn id="4" fill="hold">
+                            <p:stCondLst>
+                              <p:cond delay="0"/>
+                            </p:stCondLst>
+                            <p:childTnLst>
+                              <p:par>
+                                <p:cTn id="5" presetID="10" presetClass="entr" presetSubtype="0" fill="hold" nodeType="clickEffect">
+                                  <p:stCondLst>
+                                    <p:cond delay="0"/>
+                                  </p:stCondLst>
+                                  <p:childTnLst>
+                                    <p:set>
+                                      <p:cBhvr>
+                                        <p:cTn id="6" dur="1" fill="hold">
+                                          <p:stCondLst>
+                                            <p:cond delay="0"/>
+                                          </p:stCondLst>
+                                        </p:cTn>
+                                        <p:tgtEl>
+                                          <p:spTgt spid="10"/>
+                                        </p:tgtEl>
+                                        <p:attrNameLst>
+                                          <p:attrName>style.visibility</p:attrName>
+                                        </p:attrNameLst>
+                                      </p:cBhvr>
+                                      <p:to>
+                                        <p:strVal val="visible"/>
+                                      </p:to>
+                                    </p:set>
+                                    <p:animEffect transition="in" filter="fade">
+                                      <p:cBhvr>
+                                        <p:cTn id="7" dur="2000"/>
+                                        <p:tgtEl>
+                                          <p:spTgt spid="10"/>
+                                        </p:tgtEl>
+                                      </p:cBhvr>
+                                    </p:animEffect>
+                                  </p:childTnLst>
+                                </p:cTn>
+                              </p:par>
+                            </p:childTnLst>
+                          </p:cTn>
+                        </p:par>
+                      </p:childTnLst>
+                    </p:cTn>
+                  </p:par>
+                  <p:par>
+                    <p:cTn id="8" fill="hold">
+                      <p:stCondLst>
+                        <p:cond delay="indefinite"/>
+                      </p:stCondLst>
+                      <p:childTnLst>
+                        <p:par>
+                          <p:cTn id="9" fill="hold">
+                            <p:stCondLst>
+                              <p:cond delay="0"/>
+                            </p:stCondLst>
+                            <p:childTnLst>
+                              <p:par>
+                                <p:cTn id="10" presetID="10" presetClass="entr" presetSubtype="0" fill="hold" nodeType="clickEffect">
+                                  <p:stCondLst>
+                                    <p:cond delay="0"/>
+                                  </p:stCondLst>
+                                  <p:childTnLst>
+                                    <p:set>
+                                      <p:cBhvr>
+                                        <p:cTn id="11" dur="1" fill="hold">
+                                          <p:stCondLst>
+                                            <p:cond delay="0"/>
+                                          </p:stCondLst>
+                                        </p:cTn>
+                                        <p:tgtEl>
+                                          <p:spTgt spid="13"/>
+                                        </p:tgtEl>
+                                        <p:attrNameLst>
+                                          <p:attrName>style.visibility</p:attrName>
+                                        </p:attrNameLst>
+                                      </p:cBhvr>
+                                      <p:to>
+                                        <p:strVal val="visible"/>
+                                      </p:to>
+                                    </p:set>
+                                    <p:animEffect transition="in" filter="fade">
+                                      <p:cBhvr>
+                                        <p:cTn id="12" dur="2000"/>
+                                        <p:tgtEl>
+                                          <p:spTgt spid="13"/>
+                                        </p:tgtEl>
+                                      </p:cBhvr>
+                                    </p:animEffect>
+                                  </p:childTnLst>
+                                </p:cTn>
+                              </p:par>
+                              <p:par>
+                                <p:cTn id="13" presetID="9" presetClass="exit" presetSubtype="0" fill="hold" nodeType="withEffect">
+                                  <p:stCondLst>
+                                    <p:cond delay="0"/>
+                                  </p:stCondLst>
+                                  <p:childTnLst>
+                                    <p:animEffect transition="out" filter="dissolve">
+                                      <p:cBhvr>
+                                        <p:cTn id="14" dur="500"/>
+                                        <p:tgtEl>
+                                          <p:spTgt spid="10"/>
+                                        </p:tgtEl>
+                                      </p:cBhvr>
+                                    </p:animEffect>
+                                    <p:set>
+                                      <p:cBhvr>
+                                        <p:cTn id="15" dur="1" fill="hold">
+                                          <p:stCondLst>
+                                            <p:cond delay="499"/>
+                                          </p:stCondLst>
+                                        </p:cTn>
+                                        <p:tgtEl>
+                                          <p:spTgt spid="10"/>
+                                        </p:tgtEl>
+                                        <p:attrNameLst>
+                                          <p:attrName>style.visibility</p:attrName>
+                                        </p:attrNameLst>
+                                      </p:cBhvr>
+                                      <p:to>
+                                        <p:strVal val="hidden"/>
+                                      </p:to>
+                                    </p:set>
+                                  </p:childTnLst>
+                                </p:cTn>
+                              </p:par>
+                            </p:childTnLst>
+                          </p:cTn>
+                        </p:par>
+                      </p:childTnLst>
+                    </p:cTn>
+                  </p:par>
+                </p:childTnLst>
+              </p:cTn>
+              <p:prevCondLst>
+                <p:cond evt="onPrev" delay="0">
+                  <p:tgtEl>
+                    <p:sldTgt/>
+                  </p:tgtEl>
+                </p:cond>
+              </p:prevCondLst>
+              <p:nextCondLst>
+                <p:cond evt="onNext" delay="0">
+                  <p:tgtEl>
+                    <p:sldTgt/>
+                  </p:tgtEl>
+                </p:cond>
+              </p:nextCondLst>
+            </p:seq>
+          </p:childTnLst>
+        </p:cTn>
+      </p:par>
+    </p:tnLst>
+  </p:timing>
+</p:sld>
+</file>
+
+<file path=ppt/slides/slide7.xml><?xml version="1.0" encoding="utf-8"?>
+<p:sld xmlns:a="http://schemas.openxmlformats.org/drawingml/2006/main" xmlns:r="http://schemas.openxmlformats.org/officeDocument/2006/relationships" xmlns:p="http://schemas.openxmlformats.org/presentationml/2006/main">
+  <p:cSld>
+    <p:spTree>
+      <p:nvGrpSpPr>
+        <p:cNvPr id="1" name=""/>
+        <p:cNvGrpSpPr/>
+        <p:nvPr/>
+      </p:nvGrpSpPr>
+      <p:grpSpPr>
+        <a:xfrm>
+          <a:off x="0" y="0"/>
+          <a:ext cx="0" cy="0"/>
+          <a:chOff x="0" y="0"/>
+          <a:chExt cx="0" cy="0"/>
+        </a:xfrm>
+      </p:grpSpPr>
+      <p:sp>
+        <p:nvSpPr>
+          <p:cNvPr id="2" name="Title 1"/>
+          <p:cNvSpPr>
+            <a:spLocks noGrp="1"/>
+          </p:cNvSpPr>
+          <p:nvPr>
+            <p:ph type="title"/>
+          </p:nvPr>
+        </p:nvSpPr>
+        <p:spPr/>
+        <p:txBody>
+          <a:bodyPr/>
+          <a:lstStyle/>
+          <a:p>
+            <a:endParaRPr lang="en-US"/>
+          </a:p>
+        </p:txBody>
+      </p:sp>
+      <p:sp>
+        <p:nvSpPr>
+          <p:cNvPr id="3" name="Content Placeholder 2"/>
+          <p:cNvSpPr>
+            <a:spLocks noGrp="1"/>
+          </p:cNvSpPr>
+          <p:nvPr>
+            <p:ph idx="1"/>
+          </p:nvPr>
+        </p:nvSpPr>
+        <p:spPr/>
+        <p:txBody>
+          <a:bodyPr/>
+          <a:lstStyle/>
+          <a:p>
+            <a:pPr>
+              <a:buNone/>
+            </a:pPr>
+            <a:endParaRPr lang="en-US" dirty="0"/>
+          </a:p>
+        </p:txBody>
+      </p:sp>
+    </p:spTree>
+  </p:cSld>
+  <p:clrMapOvr>
+    <a:masterClrMapping/>
+  </p:clrMapOvr>
+</p:sld>
+</file>
+
+<file path=ppt/slides/slide8.xml><?xml version="1.0" encoding="utf-8"?>
+<p:sld xmlns:a="http://schemas.openxmlformats.org/drawingml/2006/main" xmlns:r="http://schemas.openxmlformats.org/officeDocument/2006/relationships" xmlns:p="http://schemas.openxmlformats.org/presentationml/2006/main">
+  <p:cSld>
+    <p:spTree>
+      <p:nvGrpSpPr>
+        <p:cNvPr id="1" name=""/>
+        <p:cNvGrpSpPr/>
+        <p:nvPr/>
+      </p:nvGrpSpPr>
+      <p:grpSpPr>
+        <a:xfrm>
+          <a:off x="0" y="0"/>
+          <a:ext cx="0" cy="0"/>
+          <a:chOff x="0" y="0"/>
+          <a:chExt cx="0" cy="0"/>
+        </a:xfrm>
+      </p:grpSpPr>
+      <p:sp>
+        <p:nvSpPr>
+          <p:cNvPr id="2" name="Title 1"/>
+          <p:cNvSpPr>
+            <a:spLocks noGrp="1"/>
+          </p:cNvSpPr>
+          <p:nvPr>
+            <p:ph type="title"/>
+          </p:nvPr>
+        </p:nvSpPr>
+        <p:spPr/>
+        <p:txBody>
+          <a:bodyPr/>
+          <a:lstStyle/>
+          <a:p>
+            <a:endParaRPr lang="en-US"/>
+          </a:p>
+        </p:txBody>
+      </p:sp>
+      <p:sp>
+        <p:nvSpPr>
+          <p:cNvPr id="3" name="Content Placeholder 2"/>
+          <p:cNvSpPr>
+            <a:spLocks noGrp="1"/>
+          </p:cNvSpPr>
+          <p:nvPr>
+            <p:ph idx="1"/>
+          </p:nvPr>
+        </p:nvSpPr>
+        <p:spPr/>
+        <p:txBody>
+          <a:bodyPr/>
+          <a:lstStyle/>
+          <a:p>
+            <a:r>
+              <a:rPr lang="en-US" dirty="0" smtClean="0"/>
+              <a:t>Each layer performs an analog integration of it inputs.</a:t>
+            </a:r>
+          </a:p>
+          <a:p>
+            <a:r>
+              <a:rPr lang="en-US" dirty="0" smtClean="0"/>
+              <a:t>From this integration an activation value is determined.</a:t>
+            </a:r>
+          </a:p>
+          <a:p>
+            <a:endParaRPr lang="en-US" dirty="0"/>
+          </a:p>
+        </p:txBody>
+      </p:sp>
+    </p:spTree>
+  </p:cSld>
+  <p:clrMapOvr>
+    <a:masterClrMapping/>
+  </p:clrMapOvr>
+  <p:timing>
+    <p:tnLst>
+      <p:par>
+        <p:cTn id="1" dur="indefinite" restart="never" nodeType="tmRoot"/>
+      </p:par>
+    </p:tnLst>
+  </p:timing>
+</p:sld>
+</file>
+
+<file path=ppt/slides/slide9.xml><?xml version="1.0" encoding="utf-8"?>
+<p:sld xmlns:a="http://schemas.openxmlformats.org/drawingml/2006/main" xmlns:r="http://schemas.openxmlformats.org/officeDocument/2006/relationships" xmlns:p="http://schemas.openxmlformats.org/presentationml/2006/main">
+  <p:cSld>
+    <p:spTree>
+      <p:nvGrpSpPr>
+        <p:cNvPr id="1" name=""/>
+        <p:cNvGrpSpPr/>
+        <p:nvPr/>
+      </p:nvGrpSpPr>
+      <p:grpSpPr>
+        <a:xfrm>
+          <a:off x="0" y="0"/>
+          <a:ext cx="0" cy="0"/>
+          <a:chOff x="0" y="0"/>
+          <a:chExt cx="0" cy="0"/>
+        </a:xfrm>
+      </p:grpSpPr>
     </p:spTree>
   </p:cSld>
   <p:clrMapOvr>

--- a/Neural Networks.pptx
+++ b/Neural Networks.pptx
@@ -5,21 +5,31 @@
     <p:sldMasterId id="2147483648" r:id="rId1"/>
   </p:sldMasterIdLst>
   <p:notesMasterIdLst>
-    <p:notesMasterId r:id="rId11"/>
+    <p:notesMasterId r:id="rId18"/>
   </p:notesMasterIdLst>
   <p:sldIdLst>
     <p:sldId id="256" r:id="rId2"/>
     <p:sldId id="257" r:id="rId3"/>
     <p:sldId id="264" r:id="rId4"/>
     <p:sldId id="259" r:id="rId5"/>
-    <p:sldId id="263" r:id="rId6"/>
-    <p:sldId id="260" r:id="rId7"/>
-    <p:sldId id="262" r:id="rId8"/>
-    <p:sldId id="258" r:id="rId9"/>
-    <p:sldId id="261" r:id="rId10"/>
+    <p:sldId id="258" r:id="rId6"/>
+    <p:sldId id="263" r:id="rId7"/>
+    <p:sldId id="260" r:id="rId8"/>
+    <p:sldId id="267" r:id="rId9"/>
+    <p:sldId id="262" r:id="rId10"/>
+    <p:sldId id="266" r:id="rId11"/>
+    <p:sldId id="261" r:id="rId12"/>
+    <p:sldId id="268" r:id="rId13"/>
+    <p:sldId id="269" r:id="rId14"/>
+    <p:sldId id="270" r:id="rId15"/>
+    <p:sldId id="271" r:id="rId16"/>
+    <p:sldId id="272" r:id="rId17"/>
   </p:sldIdLst>
   <p:sldSz cx="9144000" cy="6858000" type="screen4x3"/>
   <p:notesSz cx="6858000" cy="9144000"/>
+  <p:custDataLst>
+    <p:tags r:id="rId19"/>
+  </p:custDataLst>
   <p:defaultTextStyle>
     <a:defPPr>
       <a:defRPr lang="en-US"/>
@@ -201,7 +211,7 @@
             <a:fld id="{E576DB28-2D08-4098-9507-7EA7A116FE78}" type="datetimeFigureOut">
               <a:rPr lang="en-US" smtClean="0"/>
               <a:pPr/>
-              <a:t>10/2/2010</a:t>
+              <a:t>10/4/2010</a:t>
             </a:fld>
             <a:endParaRPr lang="en-US"/>
           </a:p>
@@ -549,6 +559,580 @@
 </p:notes>
 </file>
 
+<file path=ppt/notesSlides/notesSlide10.xml><?xml version="1.0" encoding="utf-8"?>
+<p:notes xmlns:a="http://schemas.openxmlformats.org/drawingml/2006/main" xmlns:r="http://schemas.openxmlformats.org/officeDocument/2006/relationships" xmlns:p="http://schemas.openxmlformats.org/presentationml/2006/main">
+  <p:cSld>
+    <p:spTree>
+      <p:nvGrpSpPr>
+        <p:cNvPr id="1" name=""/>
+        <p:cNvGrpSpPr/>
+        <p:nvPr/>
+      </p:nvGrpSpPr>
+      <p:grpSpPr>
+        <a:xfrm>
+          <a:off x="0" y="0"/>
+          <a:ext cx="0" cy="0"/>
+          <a:chOff x="0" y="0"/>
+          <a:chExt cx="0" cy="0"/>
+        </a:xfrm>
+      </p:grpSpPr>
+      <p:sp>
+        <p:nvSpPr>
+          <p:cNvPr id="2" name="Slide Image Placeholder 1"/>
+          <p:cNvSpPr>
+            <a:spLocks noGrp="1" noRot="1" noChangeAspect="1"/>
+          </p:cNvSpPr>
+          <p:nvPr>
+            <p:ph type="sldImg"/>
+          </p:nvPr>
+        </p:nvSpPr>
+        <p:spPr/>
+      </p:sp>
+      <p:sp>
+        <p:nvSpPr>
+          <p:cNvPr id="3" name="Notes Placeholder 2"/>
+          <p:cNvSpPr>
+            <a:spLocks noGrp="1"/>
+          </p:cNvSpPr>
+          <p:nvPr>
+            <p:ph type="body" idx="1"/>
+          </p:nvPr>
+        </p:nvSpPr>
+        <p:spPr/>
+        <p:txBody>
+          <a:bodyPr>
+            <a:normAutofit/>
+          </a:bodyPr>
+          <a:lstStyle/>
+          <a:p>
+            <a:endParaRPr lang="en-US"/>
+          </a:p>
+        </p:txBody>
+      </p:sp>
+      <p:sp>
+        <p:nvSpPr>
+          <p:cNvPr id="4" name="Slide Number Placeholder 3"/>
+          <p:cNvSpPr>
+            <a:spLocks noGrp="1"/>
+          </p:cNvSpPr>
+          <p:nvPr>
+            <p:ph type="sldNum" sz="quarter" idx="10"/>
+          </p:nvPr>
+        </p:nvSpPr>
+        <p:spPr/>
+        <p:txBody>
+          <a:bodyPr/>
+          <a:lstStyle/>
+          <a:p>
+            <a:fld id="{27130E92-8CBD-4B47-8EE9-1F233874DC22}" type="slidenum">
+              <a:rPr lang="en-US" smtClean="0"/>
+              <a:pPr/>
+              <a:t>10</a:t>
+            </a:fld>
+            <a:endParaRPr lang="en-US"/>
+          </a:p>
+        </p:txBody>
+      </p:sp>
+    </p:spTree>
+  </p:cSld>
+  <p:clrMapOvr>
+    <a:masterClrMapping/>
+  </p:clrMapOvr>
+</p:notes>
+</file>
+
+<file path=ppt/notesSlides/notesSlide11.xml><?xml version="1.0" encoding="utf-8"?>
+<p:notes xmlns:a="http://schemas.openxmlformats.org/drawingml/2006/main" xmlns:r="http://schemas.openxmlformats.org/officeDocument/2006/relationships" xmlns:p="http://schemas.openxmlformats.org/presentationml/2006/main">
+  <p:cSld>
+    <p:spTree>
+      <p:nvGrpSpPr>
+        <p:cNvPr id="1" name=""/>
+        <p:cNvGrpSpPr/>
+        <p:nvPr/>
+      </p:nvGrpSpPr>
+      <p:grpSpPr>
+        <a:xfrm>
+          <a:off x="0" y="0"/>
+          <a:ext cx="0" cy="0"/>
+          <a:chOff x="0" y="0"/>
+          <a:chExt cx="0" cy="0"/>
+        </a:xfrm>
+      </p:grpSpPr>
+      <p:sp>
+        <p:nvSpPr>
+          <p:cNvPr id="2" name="Slide Image Placeholder 1"/>
+          <p:cNvSpPr>
+            <a:spLocks noGrp="1" noRot="1" noChangeAspect="1"/>
+          </p:cNvSpPr>
+          <p:nvPr>
+            <p:ph type="sldImg"/>
+          </p:nvPr>
+        </p:nvSpPr>
+        <p:spPr/>
+      </p:sp>
+      <p:sp>
+        <p:nvSpPr>
+          <p:cNvPr id="3" name="Notes Placeholder 2"/>
+          <p:cNvSpPr>
+            <a:spLocks noGrp="1"/>
+          </p:cNvSpPr>
+          <p:nvPr>
+            <p:ph type="body" idx="1"/>
+          </p:nvPr>
+        </p:nvSpPr>
+        <p:spPr/>
+        <p:txBody>
+          <a:bodyPr>
+            <a:normAutofit/>
+          </a:bodyPr>
+          <a:lstStyle/>
+          <a:p>
+            <a:endParaRPr lang="en-US"/>
+          </a:p>
+        </p:txBody>
+      </p:sp>
+      <p:sp>
+        <p:nvSpPr>
+          <p:cNvPr id="4" name="Slide Number Placeholder 3"/>
+          <p:cNvSpPr>
+            <a:spLocks noGrp="1"/>
+          </p:cNvSpPr>
+          <p:nvPr>
+            <p:ph type="sldNum" sz="quarter" idx="10"/>
+          </p:nvPr>
+        </p:nvSpPr>
+        <p:spPr/>
+        <p:txBody>
+          <a:bodyPr/>
+          <a:lstStyle/>
+          <a:p>
+            <a:fld id="{27130E92-8CBD-4B47-8EE9-1F233874DC22}" type="slidenum">
+              <a:rPr lang="en-US" smtClean="0"/>
+              <a:pPr/>
+              <a:t>11</a:t>
+            </a:fld>
+            <a:endParaRPr lang="en-US"/>
+          </a:p>
+        </p:txBody>
+      </p:sp>
+    </p:spTree>
+  </p:cSld>
+  <p:clrMapOvr>
+    <a:masterClrMapping/>
+  </p:clrMapOvr>
+</p:notes>
+</file>
+
+<file path=ppt/notesSlides/notesSlide12.xml><?xml version="1.0" encoding="utf-8"?>
+<p:notes xmlns:a="http://schemas.openxmlformats.org/drawingml/2006/main" xmlns:r="http://schemas.openxmlformats.org/officeDocument/2006/relationships" xmlns:p="http://schemas.openxmlformats.org/presentationml/2006/main">
+  <p:cSld>
+    <p:spTree>
+      <p:nvGrpSpPr>
+        <p:cNvPr id="1" name=""/>
+        <p:cNvGrpSpPr/>
+        <p:nvPr/>
+      </p:nvGrpSpPr>
+      <p:grpSpPr>
+        <a:xfrm>
+          <a:off x="0" y="0"/>
+          <a:ext cx="0" cy="0"/>
+          <a:chOff x="0" y="0"/>
+          <a:chExt cx="0" cy="0"/>
+        </a:xfrm>
+      </p:grpSpPr>
+      <p:sp>
+        <p:nvSpPr>
+          <p:cNvPr id="2" name="Slide Image Placeholder 1"/>
+          <p:cNvSpPr>
+            <a:spLocks noGrp="1" noRot="1" noChangeAspect="1"/>
+          </p:cNvSpPr>
+          <p:nvPr>
+            <p:ph type="sldImg"/>
+          </p:nvPr>
+        </p:nvSpPr>
+        <p:spPr/>
+      </p:sp>
+      <p:sp>
+        <p:nvSpPr>
+          <p:cNvPr id="3" name="Notes Placeholder 2"/>
+          <p:cNvSpPr>
+            <a:spLocks noGrp="1"/>
+          </p:cNvSpPr>
+          <p:nvPr>
+            <p:ph type="body" idx="1"/>
+          </p:nvPr>
+        </p:nvSpPr>
+        <p:spPr/>
+        <p:txBody>
+          <a:bodyPr>
+            <a:normAutofit/>
+          </a:bodyPr>
+          <a:lstStyle/>
+          <a:p>
+            <a:endParaRPr lang="en-US"/>
+          </a:p>
+        </p:txBody>
+      </p:sp>
+      <p:sp>
+        <p:nvSpPr>
+          <p:cNvPr id="4" name="Slide Number Placeholder 3"/>
+          <p:cNvSpPr>
+            <a:spLocks noGrp="1"/>
+          </p:cNvSpPr>
+          <p:nvPr>
+            <p:ph type="sldNum" sz="quarter" idx="10"/>
+          </p:nvPr>
+        </p:nvSpPr>
+        <p:spPr/>
+        <p:txBody>
+          <a:bodyPr/>
+          <a:lstStyle/>
+          <a:p>
+            <a:fld id="{27130E92-8CBD-4B47-8EE9-1F233874DC22}" type="slidenum">
+              <a:rPr lang="en-US" smtClean="0"/>
+              <a:pPr/>
+              <a:t>12</a:t>
+            </a:fld>
+            <a:endParaRPr lang="en-US"/>
+          </a:p>
+        </p:txBody>
+      </p:sp>
+    </p:spTree>
+  </p:cSld>
+  <p:clrMapOvr>
+    <a:masterClrMapping/>
+  </p:clrMapOvr>
+</p:notes>
+</file>
+
+<file path=ppt/notesSlides/notesSlide13.xml><?xml version="1.0" encoding="utf-8"?>
+<p:notes xmlns:a="http://schemas.openxmlformats.org/drawingml/2006/main" xmlns:r="http://schemas.openxmlformats.org/officeDocument/2006/relationships" xmlns:p="http://schemas.openxmlformats.org/presentationml/2006/main">
+  <p:cSld>
+    <p:spTree>
+      <p:nvGrpSpPr>
+        <p:cNvPr id="1" name=""/>
+        <p:cNvGrpSpPr/>
+        <p:nvPr/>
+      </p:nvGrpSpPr>
+      <p:grpSpPr>
+        <a:xfrm>
+          <a:off x="0" y="0"/>
+          <a:ext cx="0" cy="0"/>
+          <a:chOff x="0" y="0"/>
+          <a:chExt cx="0" cy="0"/>
+        </a:xfrm>
+      </p:grpSpPr>
+      <p:sp>
+        <p:nvSpPr>
+          <p:cNvPr id="2" name="Slide Image Placeholder 1"/>
+          <p:cNvSpPr>
+            <a:spLocks noGrp="1" noRot="1" noChangeAspect="1"/>
+          </p:cNvSpPr>
+          <p:nvPr>
+            <p:ph type="sldImg"/>
+          </p:nvPr>
+        </p:nvSpPr>
+        <p:spPr/>
+      </p:sp>
+      <p:sp>
+        <p:nvSpPr>
+          <p:cNvPr id="3" name="Notes Placeholder 2"/>
+          <p:cNvSpPr>
+            <a:spLocks noGrp="1"/>
+          </p:cNvSpPr>
+          <p:nvPr>
+            <p:ph type="body" idx="1"/>
+          </p:nvPr>
+        </p:nvSpPr>
+        <p:spPr/>
+        <p:txBody>
+          <a:bodyPr>
+            <a:normAutofit/>
+          </a:bodyPr>
+          <a:lstStyle/>
+          <a:p>
+            <a:endParaRPr lang="en-US"/>
+          </a:p>
+        </p:txBody>
+      </p:sp>
+      <p:sp>
+        <p:nvSpPr>
+          <p:cNvPr id="4" name="Slide Number Placeholder 3"/>
+          <p:cNvSpPr>
+            <a:spLocks noGrp="1"/>
+          </p:cNvSpPr>
+          <p:nvPr>
+            <p:ph type="sldNum" sz="quarter" idx="10"/>
+          </p:nvPr>
+        </p:nvSpPr>
+        <p:spPr/>
+        <p:txBody>
+          <a:bodyPr/>
+          <a:lstStyle/>
+          <a:p>
+            <a:fld id="{27130E92-8CBD-4B47-8EE9-1F233874DC22}" type="slidenum">
+              <a:rPr lang="en-US" smtClean="0"/>
+              <a:pPr/>
+              <a:t>13</a:t>
+            </a:fld>
+            <a:endParaRPr lang="en-US"/>
+          </a:p>
+        </p:txBody>
+      </p:sp>
+    </p:spTree>
+  </p:cSld>
+  <p:clrMapOvr>
+    <a:masterClrMapping/>
+  </p:clrMapOvr>
+</p:notes>
+</file>
+
+<file path=ppt/notesSlides/notesSlide14.xml><?xml version="1.0" encoding="utf-8"?>
+<p:notes xmlns:a="http://schemas.openxmlformats.org/drawingml/2006/main" xmlns:r="http://schemas.openxmlformats.org/officeDocument/2006/relationships" xmlns:p="http://schemas.openxmlformats.org/presentationml/2006/main">
+  <p:cSld>
+    <p:spTree>
+      <p:nvGrpSpPr>
+        <p:cNvPr id="1" name=""/>
+        <p:cNvGrpSpPr/>
+        <p:nvPr/>
+      </p:nvGrpSpPr>
+      <p:grpSpPr>
+        <a:xfrm>
+          <a:off x="0" y="0"/>
+          <a:ext cx="0" cy="0"/>
+          <a:chOff x="0" y="0"/>
+          <a:chExt cx="0" cy="0"/>
+        </a:xfrm>
+      </p:grpSpPr>
+      <p:sp>
+        <p:nvSpPr>
+          <p:cNvPr id="2" name="Slide Image Placeholder 1"/>
+          <p:cNvSpPr>
+            <a:spLocks noGrp="1" noRot="1" noChangeAspect="1"/>
+          </p:cNvSpPr>
+          <p:nvPr>
+            <p:ph type="sldImg"/>
+          </p:nvPr>
+        </p:nvSpPr>
+        <p:spPr/>
+      </p:sp>
+      <p:sp>
+        <p:nvSpPr>
+          <p:cNvPr id="3" name="Notes Placeholder 2"/>
+          <p:cNvSpPr>
+            <a:spLocks noGrp="1"/>
+          </p:cNvSpPr>
+          <p:nvPr>
+            <p:ph type="body" idx="1"/>
+          </p:nvPr>
+        </p:nvSpPr>
+        <p:spPr/>
+        <p:txBody>
+          <a:bodyPr>
+            <a:normAutofit/>
+          </a:bodyPr>
+          <a:lstStyle/>
+          <a:p>
+            <a:endParaRPr lang="en-US"/>
+          </a:p>
+        </p:txBody>
+      </p:sp>
+      <p:sp>
+        <p:nvSpPr>
+          <p:cNvPr id="4" name="Slide Number Placeholder 3"/>
+          <p:cNvSpPr>
+            <a:spLocks noGrp="1"/>
+          </p:cNvSpPr>
+          <p:nvPr>
+            <p:ph type="sldNum" sz="quarter" idx="10"/>
+          </p:nvPr>
+        </p:nvSpPr>
+        <p:spPr/>
+        <p:txBody>
+          <a:bodyPr/>
+          <a:lstStyle/>
+          <a:p>
+            <a:fld id="{27130E92-8CBD-4B47-8EE9-1F233874DC22}" type="slidenum">
+              <a:rPr lang="en-US" smtClean="0"/>
+              <a:pPr/>
+              <a:t>14</a:t>
+            </a:fld>
+            <a:endParaRPr lang="en-US"/>
+          </a:p>
+        </p:txBody>
+      </p:sp>
+    </p:spTree>
+  </p:cSld>
+  <p:clrMapOvr>
+    <a:masterClrMapping/>
+  </p:clrMapOvr>
+</p:notes>
+</file>
+
+<file path=ppt/notesSlides/notesSlide15.xml><?xml version="1.0" encoding="utf-8"?>
+<p:notes xmlns:a="http://schemas.openxmlformats.org/drawingml/2006/main" xmlns:r="http://schemas.openxmlformats.org/officeDocument/2006/relationships" xmlns:p="http://schemas.openxmlformats.org/presentationml/2006/main">
+  <p:cSld>
+    <p:spTree>
+      <p:nvGrpSpPr>
+        <p:cNvPr id="1" name=""/>
+        <p:cNvGrpSpPr/>
+        <p:nvPr/>
+      </p:nvGrpSpPr>
+      <p:grpSpPr>
+        <a:xfrm>
+          <a:off x="0" y="0"/>
+          <a:ext cx="0" cy="0"/>
+          <a:chOff x="0" y="0"/>
+          <a:chExt cx="0" cy="0"/>
+        </a:xfrm>
+      </p:grpSpPr>
+      <p:sp>
+        <p:nvSpPr>
+          <p:cNvPr id="2" name="Slide Image Placeholder 1"/>
+          <p:cNvSpPr>
+            <a:spLocks noGrp="1" noRot="1" noChangeAspect="1"/>
+          </p:cNvSpPr>
+          <p:nvPr>
+            <p:ph type="sldImg"/>
+          </p:nvPr>
+        </p:nvSpPr>
+        <p:spPr/>
+      </p:sp>
+      <p:sp>
+        <p:nvSpPr>
+          <p:cNvPr id="3" name="Notes Placeholder 2"/>
+          <p:cNvSpPr>
+            <a:spLocks noGrp="1"/>
+          </p:cNvSpPr>
+          <p:nvPr>
+            <p:ph type="body" idx="1"/>
+          </p:nvPr>
+        </p:nvSpPr>
+        <p:spPr/>
+        <p:txBody>
+          <a:bodyPr>
+            <a:normAutofit/>
+          </a:bodyPr>
+          <a:lstStyle/>
+          <a:p>
+            <a:endParaRPr lang="en-US"/>
+          </a:p>
+        </p:txBody>
+      </p:sp>
+      <p:sp>
+        <p:nvSpPr>
+          <p:cNvPr id="4" name="Slide Number Placeholder 3"/>
+          <p:cNvSpPr>
+            <a:spLocks noGrp="1"/>
+          </p:cNvSpPr>
+          <p:nvPr>
+            <p:ph type="sldNum" sz="quarter" idx="10"/>
+          </p:nvPr>
+        </p:nvSpPr>
+        <p:spPr/>
+        <p:txBody>
+          <a:bodyPr/>
+          <a:lstStyle/>
+          <a:p>
+            <a:fld id="{27130E92-8CBD-4B47-8EE9-1F233874DC22}" type="slidenum">
+              <a:rPr lang="en-US" smtClean="0"/>
+              <a:pPr/>
+              <a:t>15</a:t>
+            </a:fld>
+            <a:endParaRPr lang="en-US"/>
+          </a:p>
+        </p:txBody>
+      </p:sp>
+    </p:spTree>
+  </p:cSld>
+  <p:clrMapOvr>
+    <a:masterClrMapping/>
+  </p:clrMapOvr>
+</p:notes>
+</file>
+
+<file path=ppt/notesSlides/notesSlide16.xml><?xml version="1.0" encoding="utf-8"?>
+<p:notes xmlns:a="http://schemas.openxmlformats.org/drawingml/2006/main" xmlns:r="http://schemas.openxmlformats.org/officeDocument/2006/relationships" xmlns:p="http://schemas.openxmlformats.org/presentationml/2006/main">
+  <p:cSld>
+    <p:spTree>
+      <p:nvGrpSpPr>
+        <p:cNvPr id="1" name=""/>
+        <p:cNvGrpSpPr/>
+        <p:nvPr/>
+      </p:nvGrpSpPr>
+      <p:grpSpPr>
+        <a:xfrm>
+          <a:off x="0" y="0"/>
+          <a:ext cx="0" cy="0"/>
+          <a:chOff x="0" y="0"/>
+          <a:chExt cx="0" cy="0"/>
+        </a:xfrm>
+      </p:grpSpPr>
+      <p:sp>
+        <p:nvSpPr>
+          <p:cNvPr id="2" name="Slide Image Placeholder 1"/>
+          <p:cNvSpPr>
+            <a:spLocks noGrp="1" noRot="1" noChangeAspect="1"/>
+          </p:cNvSpPr>
+          <p:nvPr>
+            <p:ph type="sldImg"/>
+          </p:nvPr>
+        </p:nvSpPr>
+        <p:spPr/>
+      </p:sp>
+      <p:sp>
+        <p:nvSpPr>
+          <p:cNvPr id="3" name="Notes Placeholder 2"/>
+          <p:cNvSpPr>
+            <a:spLocks noGrp="1"/>
+          </p:cNvSpPr>
+          <p:nvPr>
+            <p:ph type="body" idx="1"/>
+          </p:nvPr>
+        </p:nvSpPr>
+        <p:spPr/>
+        <p:txBody>
+          <a:bodyPr>
+            <a:normAutofit/>
+          </a:bodyPr>
+          <a:lstStyle/>
+          <a:p>
+            <a:endParaRPr lang="en-US"/>
+          </a:p>
+        </p:txBody>
+      </p:sp>
+      <p:sp>
+        <p:nvSpPr>
+          <p:cNvPr id="4" name="Slide Number Placeholder 3"/>
+          <p:cNvSpPr>
+            <a:spLocks noGrp="1"/>
+          </p:cNvSpPr>
+          <p:nvPr>
+            <p:ph type="sldNum" sz="quarter" idx="10"/>
+          </p:nvPr>
+        </p:nvSpPr>
+        <p:spPr/>
+        <p:txBody>
+          <a:bodyPr/>
+          <a:lstStyle/>
+          <a:p>
+            <a:fld id="{27130E92-8CBD-4B47-8EE9-1F233874DC22}" type="slidenum">
+              <a:rPr lang="en-US" smtClean="0"/>
+              <a:pPr/>
+              <a:t>16</a:t>
+            </a:fld>
+            <a:endParaRPr lang="en-US"/>
+          </a:p>
+        </p:txBody>
+      </p:sp>
+    </p:spTree>
+  </p:cSld>
+  <p:clrMapOvr>
+    <a:masterClrMapping/>
+  </p:clrMapOvr>
+</p:notes>
+</file>
+
 <file path=ppt/notesSlides/notesSlide2.xml><?xml version="1.0" encoding="utf-8"?>
 <p:notes xmlns:a="http://schemas.openxmlformats.org/drawingml/2006/main" xmlns:r="http://schemas.openxmlformats.org/officeDocument/2006/relationships" xmlns:p="http://schemas.openxmlformats.org/presentationml/2006/main">
   <p:cSld>
@@ -1387,7 +1971,7 @@
             <a:fld id="{362286D1-24D9-44CC-8FA4-530545EF0900}" type="datetimeFigureOut">
               <a:rPr lang="en-US" smtClean="0"/>
               <a:pPr/>
-              <a:t>10/2/2010</a:t>
+              <a:t>10/4/2010</a:t>
             </a:fld>
             <a:endParaRPr lang="en-US"/>
           </a:p>
@@ -1554,7 +2138,7 @@
             <a:fld id="{362286D1-24D9-44CC-8FA4-530545EF0900}" type="datetimeFigureOut">
               <a:rPr lang="en-US" smtClean="0"/>
               <a:pPr/>
-              <a:t>10/2/2010</a:t>
+              <a:t>10/4/2010</a:t>
             </a:fld>
             <a:endParaRPr lang="en-US"/>
           </a:p>
@@ -1731,7 +2315,7 @@
             <a:fld id="{362286D1-24D9-44CC-8FA4-530545EF0900}" type="datetimeFigureOut">
               <a:rPr lang="en-US" smtClean="0"/>
               <a:pPr/>
-              <a:t>10/2/2010</a:t>
+              <a:t>10/4/2010</a:t>
             </a:fld>
             <a:endParaRPr lang="en-US"/>
           </a:p>
@@ -1898,7 +2482,7 @@
             <a:fld id="{362286D1-24D9-44CC-8FA4-530545EF0900}" type="datetimeFigureOut">
               <a:rPr lang="en-US" smtClean="0"/>
               <a:pPr/>
-              <a:t>10/2/2010</a:t>
+              <a:t>10/4/2010</a:t>
             </a:fld>
             <a:endParaRPr lang="en-US"/>
           </a:p>
@@ -2141,7 +2725,7 @@
             <a:fld id="{362286D1-24D9-44CC-8FA4-530545EF0900}" type="datetimeFigureOut">
               <a:rPr lang="en-US" smtClean="0"/>
               <a:pPr/>
-              <a:t>10/2/2010</a:t>
+              <a:t>10/4/2010</a:t>
             </a:fld>
             <a:endParaRPr lang="en-US"/>
           </a:p>
@@ -2426,7 +3010,7 @@
             <a:fld id="{362286D1-24D9-44CC-8FA4-530545EF0900}" type="datetimeFigureOut">
               <a:rPr lang="en-US" smtClean="0"/>
               <a:pPr/>
-              <a:t>10/2/2010</a:t>
+              <a:t>10/4/2010</a:t>
             </a:fld>
             <a:endParaRPr lang="en-US"/>
           </a:p>
@@ -2845,7 +3429,7 @@
             <a:fld id="{362286D1-24D9-44CC-8FA4-530545EF0900}" type="datetimeFigureOut">
               <a:rPr lang="en-US" smtClean="0"/>
               <a:pPr/>
-              <a:t>10/2/2010</a:t>
+              <a:t>10/4/2010</a:t>
             </a:fld>
             <a:endParaRPr lang="en-US"/>
           </a:p>
@@ -2960,7 +3544,7 @@
             <a:fld id="{362286D1-24D9-44CC-8FA4-530545EF0900}" type="datetimeFigureOut">
               <a:rPr lang="en-US" smtClean="0"/>
               <a:pPr/>
-              <a:t>10/2/2010</a:t>
+              <a:t>10/4/2010</a:t>
             </a:fld>
             <a:endParaRPr lang="en-US"/>
           </a:p>
@@ -3052,7 +3636,7 @@
             <a:fld id="{362286D1-24D9-44CC-8FA4-530545EF0900}" type="datetimeFigureOut">
               <a:rPr lang="en-US" smtClean="0"/>
               <a:pPr/>
-              <a:t>10/2/2010</a:t>
+              <a:t>10/4/2010</a:t>
             </a:fld>
             <a:endParaRPr lang="en-US"/>
           </a:p>
@@ -3326,7 +3910,7 @@
             <a:fld id="{362286D1-24D9-44CC-8FA4-530545EF0900}" type="datetimeFigureOut">
               <a:rPr lang="en-US" smtClean="0"/>
               <a:pPr/>
-              <a:t>10/2/2010</a:t>
+              <a:t>10/4/2010</a:t>
             </a:fld>
             <a:endParaRPr lang="en-US"/>
           </a:p>
@@ -3576,7 +4160,7 @@
             <a:fld id="{362286D1-24D9-44CC-8FA4-530545EF0900}" type="datetimeFigureOut">
               <a:rPr lang="en-US" smtClean="0"/>
               <a:pPr/>
-              <a:t>10/2/2010</a:t>
+              <a:t>10/4/2010</a:t>
             </a:fld>
             <a:endParaRPr lang="en-US"/>
           </a:p>
@@ -3786,7 +4370,7 @@
             <a:fld id="{362286D1-24D9-44CC-8FA4-530545EF0900}" type="datetimeFigureOut">
               <a:rPr lang="en-US" smtClean="0"/>
               <a:pPr/>
-              <a:t>10/2/2010</a:t>
+              <a:t>10/4/2010</a:t>
             </a:fld>
             <a:endParaRPr lang="en-US"/>
           </a:p>
@@ -4204,6 +4788,2068 @@
   <p:clrMapOvr>
     <a:masterClrMapping/>
   </p:clrMapOvr>
+  <p:timing>
+    <p:tnLst>
+      <p:par>
+        <p:cTn id="1" dur="indefinite" restart="never" nodeType="tmRoot"/>
+      </p:par>
+    </p:tnLst>
+  </p:timing>
+</p:sld>
+</file>
+
+<file path=ppt/slides/slide10.xml><?xml version="1.0" encoding="utf-8"?>
+<p:sld xmlns:a="http://schemas.openxmlformats.org/drawingml/2006/main" xmlns:r="http://schemas.openxmlformats.org/officeDocument/2006/relationships" xmlns:p="http://schemas.openxmlformats.org/presentationml/2006/main">
+  <p:cSld>
+    <p:spTree>
+      <p:nvGrpSpPr>
+        <p:cNvPr id="1" name=""/>
+        <p:cNvGrpSpPr/>
+        <p:nvPr/>
+      </p:nvGrpSpPr>
+      <p:grpSpPr>
+        <a:xfrm>
+          <a:off x="0" y="0"/>
+          <a:ext cx="0" cy="0"/>
+          <a:chOff x="0" y="0"/>
+          <a:chExt cx="0" cy="0"/>
+        </a:xfrm>
+      </p:grpSpPr>
+      <p:sp>
+        <p:nvSpPr>
+          <p:cNvPr id="5" name="Title 4"/>
+          <p:cNvSpPr>
+            <a:spLocks noGrp="1"/>
+          </p:cNvSpPr>
+          <p:nvPr>
+            <p:ph type="title"/>
+          </p:nvPr>
+        </p:nvSpPr>
+        <p:spPr/>
+        <p:txBody>
+          <a:bodyPr/>
+          <a:lstStyle/>
+          <a:p>
+            <a:r>
+              <a:rPr lang="en-US" dirty="0" smtClean="0"/>
+              <a:t>Sigmoid Function</a:t>
+            </a:r>
+            <a:endParaRPr lang="en-US" dirty="0"/>
+          </a:p>
+        </p:txBody>
+      </p:sp>
+      <p:sp>
+        <p:nvSpPr>
+          <p:cNvPr id="9" name="Content Placeholder 8"/>
+          <p:cNvSpPr>
+            <a:spLocks noGrp="1"/>
+          </p:cNvSpPr>
+          <p:nvPr>
+            <p:ph sz="half" idx="1"/>
+          </p:nvPr>
+        </p:nvSpPr>
+        <p:spPr/>
+        <p:txBody>
+          <a:bodyPr/>
+          <a:lstStyle/>
+          <a:p>
+            <a:r>
+              <a:rPr lang="en-US" dirty="0" smtClean="0"/>
+              <a:t>Two stable states with a transition region.</a:t>
+            </a:r>
+          </a:p>
+          <a:p>
+            <a:r>
+              <a:rPr lang="en-US" dirty="0" smtClean="0"/>
+              <a:t>Mathematically </a:t>
+            </a:r>
+            <a:r>
+              <a:rPr lang="en-US" i="1" dirty="0" smtClean="0"/>
+              <a:t>continuous</a:t>
+            </a:r>
+            <a:endParaRPr lang="en-US" i="1" dirty="0" smtClean="0"/>
+          </a:p>
+          <a:p>
+            <a:r>
+              <a:rPr lang="en-US" dirty="0" smtClean="0"/>
+              <a:t>Many possible functions.</a:t>
+            </a:r>
+          </a:p>
+        </p:txBody>
+      </p:sp>
+      <p:pic>
+        <p:nvPicPr>
+          <p:cNvPr id="31747" name="Picture 3"/>
+          <p:cNvPicPr>
+            <a:picLocks noChangeAspect="1" noChangeArrowheads="1"/>
+          </p:cNvPicPr>
+          <p:nvPr/>
+        </p:nvPicPr>
+        <p:blipFill>
+          <a:blip r:embed="rId3" cstate="print"/>
+          <a:srcRect/>
+          <a:stretch>
+            <a:fillRect/>
+          </a:stretch>
+        </p:blipFill>
+        <p:spPr bwMode="auto">
+          <a:xfrm>
+            <a:off x="4191000" y="5562600"/>
+            <a:ext cx="4800600" cy="643112"/>
+          </a:xfrm>
+          <a:prstGeom prst="rect">
+            <a:avLst/>
+          </a:prstGeom>
+          <a:noFill/>
+          <a:ln w="9525">
+            <a:noFill/>
+            <a:miter lim="800000"/>
+            <a:headEnd/>
+            <a:tailEnd/>
+          </a:ln>
+          <a:effectLst/>
+        </p:spPr>
+      </p:pic>
+      <p:pic>
+        <p:nvPicPr>
+          <p:cNvPr id="31748" name="Picture 4"/>
+          <p:cNvPicPr>
+            <a:picLocks noChangeAspect="1" noChangeArrowheads="1"/>
+          </p:cNvPicPr>
+          <p:nvPr/>
+        </p:nvPicPr>
+        <p:blipFill>
+          <a:blip r:embed="rId4" cstate="print"/>
+          <a:srcRect/>
+          <a:stretch>
+            <a:fillRect/>
+          </a:stretch>
+        </p:blipFill>
+        <p:spPr bwMode="auto">
+          <a:xfrm>
+            <a:off x="4201516" y="4724400"/>
+            <a:ext cx="4332883" cy="675592"/>
+          </a:xfrm>
+          <a:prstGeom prst="rect">
+            <a:avLst/>
+          </a:prstGeom>
+          <a:noFill/>
+          <a:ln w="9525">
+            <a:noFill/>
+            <a:miter lim="800000"/>
+            <a:headEnd/>
+            <a:tailEnd/>
+          </a:ln>
+          <a:effectLst/>
+        </p:spPr>
+      </p:pic>
+      <p:pic>
+        <p:nvPicPr>
+          <p:cNvPr id="1026" name="Picture 2"/>
+          <p:cNvPicPr>
+            <a:picLocks noChangeAspect="1" noChangeArrowheads="1"/>
+          </p:cNvPicPr>
+          <p:nvPr/>
+        </p:nvPicPr>
+        <p:blipFill>
+          <a:blip r:embed="rId5" cstate="print"/>
+          <a:srcRect/>
+          <a:stretch>
+            <a:fillRect/>
+          </a:stretch>
+        </p:blipFill>
+        <p:spPr bwMode="auto">
+          <a:xfrm>
+            <a:off x="4565237" y="1600200"/>
+            <a:ext cx="4350163" cy="2743200"/>
+          </a:xfrm>
+          <a:prstGeom prst="rect">
+            <a:avLst/>
+          </a:prstGeom>
+          <a:noFill/>
+          <a:ln w="9525">
+            <a:noFill/>
+            <a:miter lim="800000"/>
+            <a:headEnd/>
+            <a:tailEnd/>
+          </a:ln>
+          <a:effectLst/>
+        </p:spPr>
+      </p:pic>
+    </p:spTree>
+  </p:cSld>
+  <p:clrMapOvr>
+    <a:masterClrMapping/>
+  </p:clrMapOvr>
+  <p:timing>
+    <p:tnLst>
+      <p:par>
+        <p:cTn id="1" dur="indefinite" restart="never" nodeType="tmRoot"/>
+      </p:par>
+    </p:tnLst>
+  </p:timing>
+</p:sld>
+</file>
+
+<file path=ppt/slides/slide11.xml><?xml version="1.0" encoding="utf-8"?>
+<p:sld xmlns:a="http://schemas.openxmlformats.org/drawingml/2006/main" xmlns:r="http://schemas.openxmlformats.org/officeDocument/2006/relationships" xmlns:p="http://schemas.openxmlformats.org/presentationml/2006/main">
+  <p:cSld>
+    <p:spTree>
+      <p:nvGrpSpPr>
+        <p:cNvPr id="1" name=""/>
+        <p:cNvGrpSpPr/>
+        <p:nvPr/>
+      </p:nvGrpSpPr>
+      <p:grpSpPr>
+        <a:xfrm>
+          <a:off x="0" y="0"/>
+          <a:ext cx="0" cy="0"/>
+          <a:chOff x="0" y="0"/>
+          <a:chExt cx="0" cy="0"/>
+        </a:xfrm>
+      </p:grpSpPr>
+      <p:sp>
+        <p:nvSpPr>
+          <p:cNvPr id="2" name="Title 1"/>
+          <p:cNvSpPr>
+            <a:spLocks noGrp="1"/>
+          </p:cNvSpPr>
+          <p:nvPr>
+            <p:ph type="title"/>
+          </p:nvPr>
+        </p:nvSpPr>
+        <p:spPr/>
+        <p:txBody>
+          <a:bodyPr/>
+          <a:lstStyle/>
+          <a:p>
+            <a:r>
+              <a:rPr lang="en-US" dirty="0" smtClean="0"/>
+              <a:t>Competitive function</a:t>
+            </a:r>
+            <a:endParaRPr lang="en-US" dirty="0"/>
+          </a:p>
+        </p:txBody>
+      </p:sp>
+      <p:sp>
+        <p:nvSpPr>
+          <p:cNvPr id="3" name="Content Placeholder 2"/>
+          <p:cNvSpPr>
+            <a:spLocks noGrp="1"/>
+          </p:cNvSpPr>
+          <p:nvPr>
+            <p:ph sz="half" idx="1"/>
+          </p:nvPr>
+        </p:nvSpPr>
+        <p:spPr>
+          <a:xfrm>
+            <a:off x="457200" y="1600201"/>
+            <a:ext cx="4038600" cy="1981200"/>
+          </a:xfrm>
+        </p:spPr>
+        <p:txBody>
+          <a:bodyPr>
+            <a:normAutofit fontScale="77500" lnSpcReduction="20000"/>
+          </a:bodyPr>
+          <a:lstStyle/>
+          <a:p>
+            <a:r>
+              <a:rPr lang="en-US" dirty="0" err="1" smtClean="0"/>
+              <a:t>Outstar</a:t>
+            </a:r>
+            <a:r>
+              <a:rPr lang="en-US" dirty="0" smtClean="0"/>
+              <a:t>: </a:t>
+            </a:r>
+          </a:p>
+          <a:p>
+            <a:r>
+              <a:rPr lang="en-US" dirty="0" smtClean="0"/>
+              <a:t>Only 2 states (active, inactive)</a:t>
+            </a:r>
+          </a:p>
+          <a:p>
+            <a:r>
+              <a:rPr lang="en-US" dirty="0" smtClean="0"/>
+              <a:t>When active it transmits a </a:t>
+            </a:r>
+            <a:r>
+              <a:rPr lang="en-US" b="1" dirty="0" smtClean="0"/>
+              <a:t>memory pattern</a:t>
+            </a:r>
+          </a:p>
+          <a:p>
+            <a:r>
+              <a:rPr lang="en-US" dirty="0" smtClean="0"/>
+              <a:t>When inactive, it transmits </a:t>
+            </a:r>
+            <a:r>
+              <a:rPr lang="en-US" i="1" dirty="0" smtClean="0"/>
+              <a:t>nothing</a:t>
+            </a:r>
+          </a:p>
+          <a:p>
+            <a:endParaRPr lang="en-US" b="1" dirty="0" smtClean="0"/>
+          </a:p>
+        </p:txBody>
+      </p:sp>
+      <p:sp>
+        <p:nvSpPr>
+          <p:cNvPr id="5" name="Content Placeholder 4"/>
+          <p:cNvSpPr>
+            <a:spLocks noGrp="1"/>
+          </p:cNvSpPr>
+          <p:nvPr>
+            <p:ph sz="half" idx="2"/>
+          </p:nvPr>
+        </p:nvSpPr>
+        <p:spPr>
+          <a:xfrm>
+            <a:off x="4648200" y="1600201"/>
+            <a:ext cx="4038600" cy="1981200"/>
+          </a:xfrm>
+        </p:spPr>
+        <p:txBody>
+          <a:bodyPr>
+            <a:normAutofit fontScale="77500" lnSpcReduction="20000"/>
+          </a:bodyPr>
+          <a:lstStyle/>
+          <a:p>
+            <a:r>
+              <a:rPr lang="en-US" dirty="0" err="1" smtClean="0"/>
+              <a:t>Instar</a:t>
+            </a:r>
+            <a:r>
+              <a:rPr lang="en-US" dirty="0" smtClean="0"/>
+              <a:t>:</a:t>
+            </a:r>
+          </a:p>
+          <a:p>
+            <a:r>
+              <a:rPr lang="en-US" dirty="0" smtClean="0"/>
+              <a:t>Excited only by specific input patterns</a:t>
+            </a:r>
+          </a:p>
+          <a:p>
+            <a:r>
+              <a:rPr lang="en-US" dirty="0" smtClean="0"/>
+              <a:t>They compete among themselves.</a:t>
+            </a:r>
+          </a:p>
+          <a:p>
+            <a:endParaRPr lang="en-US" dirty="0"/>
+          </a:p>
+        </p:txBody>
+      </p:sp>
+      <p:pic>
+        <p:nvPicPr>
+          <p:cNvPr id="2050" name="Picture 2"/>
+          <p:cNvPicPr>
+            <a:picLocks noChangeAspect="1" noChangeArrowheads="1"/>
+          </p:cNvPicPr>
+          <p:nvPr/>
+        </p:nvPicPr>
+        <p:blipFill>
+          <a:blip r:embed="rId3" cstate="print"/>
+          <a:srcRect/>
+          <a:stretch>
+            <a:fillRect/>
+          </a:stretch>
+        </p:blipFill>
+        <p:spPr bwMode="auto">
+          <a:xfrm>
+            <a:off x="2133600" y="3581400"/>
+            <a:ext cx="5162550" cy="2647950"/>
+          </a:xfrm>
+          <a:prstGeom prst="rect">
+            <a:avLst/>
+          </a:prstGeom>
+          <a:noFill/>
+          <a:ln w="9525">
+            <a:noFill/>
+            <a:miter lim="800000"/>
+            <a:headEnd/>
+            <a:tailEnd/>
+          </a:ln>
+          <a:effectLst/>
+        </p:spPr>
+      </p:pic>
+      <p:pic>
+        <p:nvPicPr>
+          <p:cNvPr id="2051" name="Picture 3"/>
+          <p:cNvPicPr>
+            <a:picLocks noChangeAspect="1" noChangeArrowheads="1"/>
+          </p:cNvPicPr>
+          <p:nvPr/>
+        </p:nvPicPr>
+        <p:blipFill>
+          <a:blip r:embed="rId4" cstate="print"/>
+          <a:srcRect/>
+          <a:stretch>
+            <a:fillRect/>
+          </a:stretch>
+        </p:blipFill>
+        <p:spPr bwMode="auto">
+          <a:xfrm>
+            <a:off x="609600" y="4495800"/>
+            <a:ext cx="7972425" cy="866775"/>
+          </a:xfrm>
+          <a:prstGeom prst="rect">
+            <a:avLst/>
+          </a:prstGeom>
+          <a:noFill/>
+          <a:ln w="9525">
+            <a:noFill/>
+            <a:miter lim="800000"/>
+            <a:headEnd/>
+            <a:tailEnd/>
+          </a:ln>
+          <a:effectLst/>
+        </p:spPr>
+      </p:pic>
+    </p:spTree>
+  </p:cSld>
+  <p:clrMapOvr>
+    <a:masterClrMapping/>
+  </p:clrMapOvr>
+  <p:timing>
+    <p:tnLst>
+      <p:par>
+        <p:cTn id="1" dur="indefinite" restart="never" nodeType="tmRoot">
+          <p:childTnLst>
+            <p:seq concurrent="1" nextAc="seek">
+              <p:cTn id="2" dur="indefinite" nodeType="mainSeq">
+                <p:childTnLst>
+                  <p:par>
+                    <p:cTn id="3" fill="hold">
+                      <p:stCondLst>
+                        <p:cond delay="indefinite"/>
+                      </p:stCondLst>
+                      <p:childTnLst>
+                        <p:par>
+                          <p:cTn id="4" fill="hold">
+                            <p:stCondLst>
+                              <p:cond delay="0"/>
+                            </p:stCondLst>
+                            <p:childTnLst>
+                              <p:par>
+                                <p:cTn id="5" presetID="9" presetClass="entr" presetSubtype="0" fill="hold" nodeType="clickEffect">
+                                  <p:stCondLst>
+                                    <p:cond delay="0"/>
+                                  </p:stCondLst>
+                                  <p:childTnLst>
+                                    <p:set>
+                                      <p:cBhvr>
+                                        <p:cTn id="6" dur="1" fill="hold">
+                                          <p:stCondLst>
+                                            <p:cond delay="0"/>
+                                          </p:stCondLst>
+                                        </p:cTn>
+                                        <p:tgtEl>
+                                          <p:spTgt spid="2051"/>
+                                        </p:tgtEl>
+                                        <p:attrNameLst>
+                                          <p:attrName>style.visibility</p:attrName>
+                                        </p:attrNameLst>
+                                      </p:cBhvr>
+                                      <p:to>
+                                        <p:strVal val="visible"/>
+                                      </p:to>
+                                    </p:set>
+                                    <p:animEffect transition="in" filter="dissolve">
+                                      <p:cBhvr>
+                                        <p:cTn id="7" dur="500"/>
+                                        <p:tgtEl>
+                                          <p:spTgt spid="2051"/>
+                                        </p:tgtEl>
+                                      </p:cBhvr>
+                                    </p:animEffect>
+                                  </p:childTnLst>
+                                </p:cTn>
+                              </p:par>
+                            </p:childTnLst>
+                          </p:cTn>
+                        </p:par>
+                      </p:childTnLst>
+                    </p:cTn>
+                  </p:par>
+                  <p:par>
+                    <p:cTn id="8" fill="hold">
+                      <p:stCondLst>
+                        <p:cond delay="indefinite"/>
+                      </p:stCondLst>
+                      <p:childTnLst>
+                        <p:par>
+                          <p:cTn id="9" fill="hold">
+                            <p:stCondLst>
+                              <p:cond delay="0"/>
+                            </p:stCondLst>
+                            <p:childTnLst>
+                              <p:par>
+                                <p:cTn id="10" presetID="9" presetClass="entr" presetSubtype="0" fill="hold" nodeType="clickEffect">
+                                  <p:stCondLst>
+                                    <p:cond delay="0"/>
+                                  </p:stCondLst>
+                                  <p:childTnLst>
+                                    <p:set>
+                                      <p:cBhvr>
+                                        <p:cTn id="11" dur="1" fill="hold">
+                                          <p:stCondLst>
+                                            <p:cond delay="0"/>
+                                          </p:stCondLst>
+                                        </p:cTn>
+                                        <p:tgtEl>
+                                          <p:spTgt spid="2050"/>
+                                        </p:tgtEl>
+                                        <p:attrNameLst>
+                                          <p:attrName>style.visibility</p:attrName>
+                                        </p:attrNameLst>
+                                      </p:cBhvr>
+                                      <p:to>
+                                        <p:strVal val="visible"/>
+                                      </p:to>
+                                    </p:set>
+                                    <p:animEffect transition="in" filter="dissolve">
+                                      <p:cBhvr>
+                                        <p:cTn id="12" dur="500"/>
+                                        <p:tgtEl>
+                                          <p:spTgt spid="2050"/>
+                                        </p:tgtEl>
+                                      </p:cBhvr>
+                                    </p:animEffect>
+                                  </p:childTnLst>
+                                </p:cTn>
+                              </p:par>
+                              <p:par>
+                                <p:cTn id="13" presetID="9" presetClass="exit" presetSubtype="0" fill="hold" nodeType="withEffect">
+                                  <p:stCondLst>
+                                    <p:cond delay="0"/>
+                                  </p:stCondLst>
+                                  <p:childTnLst>
+                                    <p:animEffect transition="out" filter="dissolve">
+                                      <p:cBhvr>
+                                        <p:cTn id="14" dur="500"/>
+                                        <p:tgtEl>
+                                          <p:spTgt spid="2051"/>
+                                        </p:tgtEl>
+                                      </p:cBhvr>
+                                    </p:animEffect>
+                                    <p:set>
+                                      <p:cBhvr>
+                                        <p:cTn id="15" dur="1" fill="hold">
+                                          <p:stCondLst>
+                                            <p:cond delay="499"/>
+                                          </p:stCondLst>
+                                        </p:cTn>
+                                        <p:tgtEl>
+                                          <p:spTgt spid="2051"/>
+                                        </p:tgtEl>
+                                        <p:attrNameLst>
+                                          <p:attrName>style.visibility</p:attrName>
+                                        </p:attrNameLst>
+                                      </p:cBhvr>
+                                      <p:to>
+                                        <p:strVal val="hidden"/>
+                                      </p:to>
+                                    </p:set>
+                                  </p:childTnLst>
+                                </p:cTn>
+                              </p:par>
+                            </p:childTnLst>
+                          </p:cTn>
+                        </p:par>
+                      </p:childTnLst>
+                    </p:cTn>
+                  </p:par>
+                </p:childTnLst>
+              </p:cTn>
+              <p:prevCondLst>
+                <p:cond evt="onPrev" delay="0">
+                  <p:tgtEl>
+                    <p:sldTgt/>
+                  </p:tgtEl>
+                </p:cond>
+              </p:prevCondLst>
+              <p:nextCondLst>
+                <p:cond evt="onNext" delay="0">
+                  <p:tgtEl>
+                    <p:sldTgt/>
+                  </p:tgtEl>
+                </p:cond>
+              </p:nextCondLst>
+            </p:seq>
+          </p:childTnLst>
+        </p:cTn>
+      </p:par>
+    </p:tnLst>
+  </p:timing>
+</p:sld>
+</file>
+
+<file path=ppt/slides/slide12.xml><?xml version="1.0" encoding="utf-8"?>
+<p:sld xmlns:a="http://schemas.openxmlformats.org/drawingml/2006/main" xmlns:r="http://schemas.openxmlformats.org/officeDocument/2006/relationships" xmlns:p="http://schemas.openxmlformats.org/presentationml/2006/main">
+  <p:cSld>
+    <p:spTree>
+      <p:nvGrpSpPr>
+        <p:cNvPr id="1" name=""/>
+        <p:cNvGrpSpPr/>
+        <p:nvPr/>
+      </p:nvGrpSpPr>
+      <p:grpSpPr>
+        <a:xfrm>
+          <a:off x="0" y="0"/>
+          <a:ext cx="0" cy="0"/>
+          <a:chOff x="0" y="0"/>
+          <a:chExt cx="0" cy="0"/>
+        </a:xfrm>
+      </p:grpSpPr>
+      <p:pic>
+        <p:nvPicPr>
+          <p:cNvPr id="3074" name="Picture 2"/>
+          <p:cNvPicPr>
+            <a:picLocks noChangeAspect="1" noChangeArrowheads="1"/>
+          </p:cNvPicPr>
+          <p:nvPr/>
+        </p:nvPicPr>
+        <p:blipFill>
+          <a:blip r:embed="rId3" cstate="print"/>
+          <a:srcRect/>
+          <a:stretch>
+            <a:fillRect/>
+          </a:stretch>
+        </p:blipFill>
+        <p:spPr bwMode="auto">
+          <a:xfrm>
+            <a:off x="1371600" y="4642935"/>
+            <a:ext cx="6477000" cy="1224465"/>
+          </a:xfrm>
+          <a:prstGeom prst="rect">
+            <a:avLst/>
+          </a:prstGeom>
+          <a:noFill/>
+          <a:ln w="9525">
+            <a:noFill/>
+            <a:miter lim="800000"/>
+            <a:headEnd/>
+            <a:tailEnd/>
+          </a:ln>
+          <a:effectLst/>
+        </p:spPr>
+      </p:pic>
+      <p:pic>
+        <p:nvPicPr>
+          <p:cNvPr id="6" name="Picture 4"/>
+          <p:cNvPicPr>
+            <a:picLocks noChangeAspect="1" noChangeArrowheads="1"/>
+          </p:cNvPicPr>
+          <p:nvPr/>
+        </p:nvPicPr>
+        <p:blipFill>
+          <a:blip r:embed="rId4" cstate="print"/>
+          <a:srcRect/>
+          <a:stretch>
+            <a:fillRect/>
+          </a:stretch>
+        </p:blipFill>
+        <p:spPr bwMode="auto">
+          <a:xfrm>
+            <a:off x="950033" y="533400"/>
+            <a:ext cx="7279567" cy="3733800"/>
+          </a:xfrm>
+          <a:prstGeom prst="rect">
+            <a:avLst/>
+          </a:prstGeom>
+          <a:noFill/>
+          <a:ln w="9525">
+            <a:noFill/>
+            <a:miter lim="800000"/>
+            <a:headEnd/>
+            <a:tailEnd/>
+          </a:ln>
+          <a:effectLst/>
+        </p:spPr>
+      </p:pic>
+    </p:spTree>
+  </p:cSld>
+  <p:clrMapOvr>
+    <a:masterClrMapping/>
+  </p:clrMapOvr>
+  <p:timing>
+    <p:tnLst>
+      <p:par>
+        <p:cTn id="1" dur="indefinite" restart="never" nodeType="tmRoot"/>
+      </p:par>
+    </p:tnLst>
+  </p:timing>
+</p:sld>
+</file>
+
+<file path=ppt/slides/slide13.xml><?xml version="1.0" encoding="utf-8"?>
+<p:sld xmlns:a="http://schemas.openxmlformats.org/drawingml/2006/main" xmlns:r="http://schemas.openxmlformats.org/officeDocument/2006/relationships" xmlns:p="http://schemas.openxmlformats.org/presentationml/2006/main">
+  <p:cSld>
+    <p:spTree>
+      <p:nvGrpSpPr>
+        <p:cNvPr id="1" name=""/>
+        <p:cNvGrpSpPr/>
+        <p:nvPr/>
+      </p:nvGrpSpPr>
+      <p:grpSpPr>
+        <a:xfrm>
+          <a:off x="0" y="0"/>
+          <a:ext cx="0" cy="0"/>
+          <a:chOff x="0" y="0"/>
+          <a:chExt cx="0" cy="0"/>
+        </a:xfrm>
+      </p:grpSpPr>
+      <p:sp>
+        <p:nvSpPr>
+          <p:cNvPr id="2" name="Title 1"/>
+          <p:cNvSpPr>
+            <a:spLocks noGrp="1"/>
+          </p:cNvSpPr>
+          <p:nvPr>
+            <p:ph type="title"/>
+          </p:nvPr>
+        </p:nvSpPr>
+        <p:spPr/>
+        <p:txBody>
+          <a:bodyPr/>
+          <a:lstStyle/>
+          <a:p>
+            <a:endParaRPr lang="en-US" dirty="0"/>
+          </a:p>
+        </p:txBody>
+      </p:sp>
+      <p:pic>
+        <p:nvPicPr>
+          <p:cNvPr id="4098" name="Picture 2"/>
+          <p:cNvPicPr>
+            <a:picLocks noChangeAspect="1" noChangeArrowheads="1"/>
+          </p:cNvPicPr>
+          <p:nvPr/>
+        </p:nvPicPr>
+        <p:blipFill>
+          <a:blip r:embed="rId3" cstate="print"/>
+          <a:srcRect/>
+          <a:stretch>
+            <a:fillRect/>
+          </a:stretch>
+        </p:blipFill>
+        <p:spPr bwMode="auto">
+          <a:xfrm>
+            <a:off x="914400" y="1600200"/>
+            <a:ext cx="3505200" cy="683615"/>
+          </a:xfrm>
+          <a:prstGeom prst="rect">
+            <a:avLst/>
+          </a:prstGeom>
+          <a:noFill/>
+          <a:ln w="9525">
+            <a:noFill/>
+            <a:miter lim="800000"/>
+            <a:headEnd/>
+            <a:tailEnd/>
+          </a:ln>
+        </p:spPr>
+      </p:pic>
+      <p:pic>
+        <p:nvPicPr>
+          <p:cNvPr id="4099" name="Picture 3"/>
+          <p:cNvPicPr>
+            <a:picLocks noChangeAspect="1" noChangeArrowheads="1"/>
+          </p:cNvPicPr>
+          <p:nvPr/>
+        </p:nvPicPr>
+        <p:blipFill>
+          <a:blip r:embed="rId4" cstate="print"/>
+          <a:srcRect/>
+          <a:stretch>
+            <a:fillRect/>
+          </a:stretch>
+        </p:blipFill>
+        <p:spPr bwMode="auto">
+          <a:xfrm>
+            <a:off x="4953000" y="1524000"/>
+            <a:ext cx="3457575" cy="666750"/>
+          </a:xfrm>
+          <a:prstGeom prst="rect">
+            <a:avLst/>
+          </a:prstGeom>
+          <a:noFill/>
+          <a:ln w="9525">
+            <a:noFill/>
+            <a:miter lim="800000"/>
+            <a:headEnd/>
+            <a:tailEnd/>
+          </a:ln>
+        </p:spPr>
+      </p:pic>
+    </p:spTree>
+  </p:cSld>
+  <p:clrMapOvr>
+    <a:masterClrMapping/>
+  </p:clrMapOvr>
+  <p:timing>
+    <p:tnLst>
+      <p:par>
+        <p:cTn id="1" dur="indefinite" restart="never" nodeType="tmRoot"/>
+      </p:par>
+    </p:tnLst>
+  </p:timing>
+</p:sld>
+</file>
+
+<file path=ppt/slides/slide14.xml><?xml version="1.0" encoding="utf-8"?>
+<p:sld xmlns:a="http://schemas.openxmlformats.org/drawingml/2006/main" xmlns:r="http://schemas.openxmlformats.org/officeDocument/2006/relationships" xmlns:p="http://schemas.openxmlformats.org/presentationml/2006/main">
+  <p:cSld>
+    <p:spTree>
+      <p:nvGrpSpPr>
+        <p:cNvPr id="1" name=""/>
+        <p:cNvGrpSpPr/>
+        <p:nvPr/>
+      </p:nvGrpSpPr>
+      <p:grpSpPr>
+        <a:xfrm>
+          <a:off x="0" y="0"/>
+          <a:ext cx="0" cy="0"/>
+          <a:chOff x="0" y="0"/>
+          <a:chExt cx="0" cy="0"/>
+        </a:xfrm>
+      </p:grpSpPr>
+      <p:sp>
+        <p:nvSpPr>
+          <p:cNvPr id="2" name="Title 1"/>
+          <p:cNvSpPr>
+            <a:spLocks noGrp="1"/>
+          </p:cNvSpPr>
+          <p:nvPr>
+            <p:ph type="title"/>
+          </p:nvPr>
+        </p:nvSpPr>
+        <p:spPr/>
+        <p:txBody>
+          <a:bodyPr/>
+          <a:lstStyle/>
+          <a:p>
+            <a:r>
+              <a:rPr lang="en-US" dirty="0" smtClean="0"/>
+              <a:t>Gaussian Function</a:t>
+            </a:r>
+            <a:endParaRPr lang="en-US" dirty="0"/>
+          </a:p>
+        </p:txBody>
+      </p:sp>
+      <p:sp>
+        <p:nvSpPr>
+          <p:cNvPr id="3" name="Content Placeholder 2"/>
+          <p:cNvSpPr>
+            <a:spLocks noGrp="1"/>
+          </p:cNvSpPr>
+          <p:nvPr>
+            <p:ph idx="1"/>
+          </p:nvPr>
+        </p:nvSpPr>
+        <p:spPr/>
+        <p:txBody>
+          <a:bodyPr/>
+          <a:lstStyle/>
+          <a:p>
+            <a:r>
+              <a:rPr lang="en-US" dirty="0" smtClean="0"/>
+              <a:t>Acts as a … </a:t>
+            </a:r>
+            <a:endParaRPr lang="en-US" dirty="0"/>
+          </a:p>
+        </p:txBody>
+      </p:sp>
+      <p:pic>
+        <p:nvPicPr>
+          <p:cNvPr id="4" name="Picture 3"/>
+          <p:cNvPicPr>
+            <a:picLocks noChangeAspect="1" noChangeArrowheads="1"/>
+          </p:cNvPicPr>
+          <p:nvPr/>
+        </p:nvPicPr>
+        <p:blipFill>
+          <a:blip r:embed="rId3" cstate="print"/>
+          <a:srcRect/>
+          <a:stretch>
+            <a:fillRect/>
+          </a:stretch>
+        </p:blipFill>
+        <p:spPr bwMode="auto">
+          <a:xfrm>
+            <a:off x="1143000" y="4114800"/>
+            <a:ext cx="3457575" cy="666750"/>
+          </a:xfrm>
+          <a:prstGeom prst="rect">
+            <a:avLst/>
+          </a:prstGeom>
+          <a:noFill/>
+          <a:ln w="9525">
+            <a:noFill/>
+            <a:miter lim="800000"/>
+            <a:headEnd/>
+            <a:tailEnd/>
+          </a:ln>
+        </p:spPr>
+      </p:pic>
+    </p:spTree>
+  </p:cSld>
+  <p:clrMapOvr>
+    <a:masterClrMapping/>
+  </p:clrMapOvr>
+  <p:timing>
+    <p:tnLst>
+      <p:par>
+        <p:cTn id="1" dur="indefinite" restart="never" nodeType="tmRoot"/>
+      </p:par>
+    </p:tnLst>
+  </p:timing>
+</p:sld>
+</file>
+
+<file path=ppt/slides/slide15.xml><?xml version="1.0" encoding="utf-8"?>
+<p:sld xmlns:a="http://schemas.openxmlformats.org/drawingml/2006/main" xmlns:r="http://schemas.openxmlformats.org/officeDocument/2006/relationships" xmlns:p="http://schemas.openxmlformats.org/presentationml/2006/main">
+  <p:cSld>
+    <p:spTree>
+      <p:nvGrpSpPr>
+        <p:cNvPr id="1" name=""/>
+        <p:cNvGrpSpPr/>
+        <p:nvPr/>
+      </p:nvGrpSpPr>
+      <p:grpSpPr>
+        <a:xfrm>
+          <a:off x="0" y="0"/>
+          <a:ext cx="0" cy="0"/>
+          <a:chOff x="0" y="0"/>
+          <a:chExt cx="0" cy="0"/>
+        </a:xfrm>
+      </p:grpSpPr>
+      <p:sp>
+        <p:nvSpPr>
+          <p:cNvPr id="7" name="Oval 6"/>
+          <p:cNvSpPr/>
+          <p:nvPr/>
+        </p:nvSpPr>
+        <p:spPr>
+          <a:xfrm>
+            <a:off x="1600200" y="304800"/>
+            <a:ext cx="762000" cy="762000"/>
+          </a:xfrm>
+          <a:prstGeom prst="ellipse">
+            <a:avLst/>
+          </a:prstGeom>
+        </p:spPr>
+        <p:style>
+          <a:lnRef idx="2">
+            <a:schemeClr val="accent1"/>
+          </a:lnRef>
+          <a:fillRef idx="1">
+            <a:schemeClr val="lt1"/>
+          </a:fillRef>
+          <a:effectRef idx="0">
+            <a:schemeClr val="accent1"/>
+          </a:effectRef>
+          <a:fontRef idx="minor">
+            <a:schemeClr val="dk1"/>
+          </a:fontRef>
+        </p:style>
+        <p:txBody>
+          <a:bodyPr rtlCol="0" anchor="ctr"/>
+          <a:lstStyle/>
+          <a:p>
+            <a:pPr algn="ctr"/>
+            <a:r>
+              <a:rPr lang="en-US" dirty="0" smtClean="0"/>
+              <a:t>O1</a:t>
+            </a:r>
+            <a:endParaRPr lang="en-US" dirty="0"/>
+          </a:p>
+        </p:txBody>
+      </p:sp>
+      <p:sp>
+        <p:nvSpPr>
+          <p:cNvPr id="8" name="Oval 7"/>
+          <p:cNvSpPr/>
+          <p:nvPr/>
+        </p:nvSpPr>
+        <p:spPr>
+          <a:xfrm>
+            <a:off x="2590800" y="1638300"/>
+            <a:ext cx="762000" cy="762000"/>
+          </a:xfrm>
+          <a:prstGeom prst="ellipse">
+            <a:avLst/>
+          </a:prstGeom>
+        </p:spPr>
+        <p:style>
+          <a:lnRef idx="2">
+            <a:schemeClr val="accent1"/>
+          </a:lnRef>
+          <a:fillRef idx="1">
+            <a:schemeClr val="lt1"/>
+          </a:fillRef>
+          <a:effectRef idx="0">
+            <a:schemeClr val="accent1"/>
+          </a:effectRef>
+          <a:fontRef idx="minor">
+            <a:schemeClr val="dk1"/>
+          </a:fontRef>
+        </p:style>
+        <p:txBody>
+          <a:bodyPr rtlCol="0" anchor="ctr"/>
+          <a:lstStyle/>
+          <a:p>
+            <a:pPr algn="ctr"/>
+            <a:r>
+              <a:rPr lang="en-US" dirty="0" smtClean="0"/>
+              <a:t>H2</a:t>
+            </a:r>
+            <a:endParaRPr lang="en-US" dirty="0"/>
+          </a:p>
+        </p:txBody>
+      </p:sp>
+      <p:sp>
+        <p:nvSpPr>
+          <p:cNvPr id="9" name="Oval 8"/>
+          <p:cNvSpPr/>
+          <p:nvPr/>
+        </p:nvSpPr>
+        <p:spPr>
+          <a:xfrm>
+            <a:off x="685800" y="1638300"/>
+            <a:ext cx="762000" cy="762000"/>
+          </a:xfrm>
+          <a:prstGeom prst="ellipse">
+            <a:avLst/>
+          </a:prstGeom>
+        </p:spPr>
+        <p:style>
+          <a:lnRef idx="2">
+            <a:schemeClr val="accent1"/>
+          </a:lnRef>
+          <a:fillRef idx="1">
+            <a:schemeClr val="lt1"/>
+          </a:fillRef>
+          <a:effectRef idx="0">
+            <a:schemeClr val="accent1"/>
+          </a:effectRef>
+          <a:fontRef idx="minor">
+            <a:schemeClr val="dk1"/>
+          </a:fontRef>
+        </p:style>
+        <p:txBody>
+          <a:bodyPr rtlCol="0" anchor="ctr"/>
+          <a:lstStyle/>
+          <a:p>
+            <a:pPr algn="ctr"/>
+            <a:r>
+              <a:rPr lang="en-US" dirty="0" smtClean="0"/>
+              <a:t>H1</a:t>
+            </a:r>
+            <a:endParaRPr lang="en-US" dirty="0"/>
+          </a:p>
+        </p:txBody>
+      </p:sp>
+      <p:sp>
+        <p:nvSpPr>
+          <p:cNvPr id="10" name="Oval 9"/>
+          <p:cNvSpPr/>
+          <p:nvPr/>
+        </p:nvSpPr>
+        <p:spPr>
+          <a:xfrm>
+            <a:off x="2590800" y="3505200"/>
+            <a:ext cx="762000" cy="762000"/>
+          </a:xfrm>
+          <a:prstGeom prst="ellipse">
+            <a:avLst/>
+          </a:prstGeom>
+        </p:spPr>
+        <p:style>
+          <a:lnRef idx="2">
+            <a:schemeClr val="accent1"/>
+          </a:lnRef>
+          <a:fillRef idx="1">
+            <a:schemeClr val="lt1"/>
+          </a:fillRef>
+          <a:effectRef idx="0">
+            <a:schemeClr val="accent1"/>
+          </a:effectRef>
+          <a:fontRef idx="minor">
+            <a:schemeClr val="dk1"/>
+          </a:fontRef>
+        </p:style>
+        <p:txBody>
+          <a:bodyPr rtlCol="0" anchor="ctr"/>
+          <a:lstStyle/>
+          <a:p>
+            <a:pPr algn="ctr"/>
+            <a:r>
+              <a:rPr lang="en-US" dirty="0" smtClean="0"/>
+              <a:t>I2</a:t>
+            </a:r>
+            <a:endParaRPr lang="en-US" dirty="0"/>
+          </a:p>
+        </p:txBody>
+      </p:sp>
+      <p:sp>
+        <p:nvSpPr>
+          <p:cNvPr id="11" name="Oval 10"/>
+          <p:cNvSpPr/>
+          <p:nvPr/>
+        </p:nvSpPr>
+        <p:spPr>
+          <a:xfrm>
+            <a:off x="685800" y="3505200"/>
+            <a:ext cx="762000" cy="762000"/>
+          </a:xfrm>
+          <a:prstGeom prst="ellipse">
+            <a:avLst/>
+          </a:prstGeom>
+        </p:spPr>
+        <p:style>
+          <a:lnRef idx="2">
+            <a:schemeClr val="accent1"/>
+          </a:lnRef>
+          <a:fillRef idx="1">
+            <a:schemeClr val="lt1"/>
+          </a:fillRef>
+          <a:effectRef idx="0">
+            <a:schemeClr val="accent1"/>
+          </a:effectRef>
+          <a:fontRef idx="minor">
+            <a:schemeClr val="dk1"/>
+          </a:fontRef>
+        </p:style>
+        <p:txBody>
+          <a:bodyPr rtlCol="0" anchor="ctr"/>
+          <a:lstStyle/>
+          <a:p>
+            <a:pPr algn="ctr"/>
+            <a:r>
+              <a:rPr lang="en-US" dirty="0" smtClean="0"/>
+              <a:t>I1</a:t>
+            </a:r>
+            <a:endParaRPr lang="en-US" dirty="0"/>
+          </a:p>
+        </p:txBody>
+      </p:sp>
+      <p:cxnSp>
+        <p:nvCxnSpPr>
+          <p:cNvPr id="13" name="Straight Arrow Connector 12"/>
+          <p:cNvCxnSpPr>
+            <a:stCxn id="11" idx="7"/>
+            <a:endCxn id="8" idx="3"/>
+          </p:cNvCxnSpPr>
+          <p:nvPr/>
+        </p:nvCxnSpPr>
+        <p:spPr>
+          <a:xfrm rot="5400000" flipH="1" flipV="1">
+            <a:off x="1355258" y="2269658"/>
+            <a:ext cx="1328084" cy="1366184"/>
+          </a:xfrm>
+          <a:prstGeom prst="straightConnector1">
+            <a:avLst/>
+          </a:prstGeom>
+          <a:ln>
+            <a:tailEnd type="arrow"/>
+          </a:ln>
+        </p:spPr>
+        <p:style>
+          <a:lnRef idx="1">
+            <a:schemeClr val="accent1"/>
+          </a:lnRef>
+          <a:fillRef idx="0">
+            <a:schemeClr val="accent1"/>
+          </a:fillRef>
+          <a:effectRef idx="0">
+            <a:schemeClr val="accent1"/>
+          </a:effectRef>
+          <a:fontRef idx="minor">
+            <a:schemeClr val="tx1"/>
+          </a:fontRef>
+        </p:style>
+      </p:cxnSp>
+      <p:cxnSp>
+        <p:nvCxnSpPr>
+          <p:cNvPr id="14" name="Straight Arrow Connector 13"/>
+          <p:cNvCxnSpPr>
+            <a:stCxn id="10" idx="1"/>
+            <a:endCxn id="9" idx="5"/>
+          </p:cNvCxnSpPr>
+          <p:nvPr/>
+        </p:nvCxnSpPr>
+        <p:spPr>
+          <a:xfrm rot="16200000" flipV="1">
+            <a:off x="1355258" y="2269658"/>
+            <a:ext cx="1328084" cy="1366184"/>
+          </a:xfrm>
+          <a:prstGeom prst="straightConnector1">
+            <a:avLst/>
+          </a:prstGeom>
+          <a:ln>
+            <a:tailEnd type="arrow"/>
+          </a:ln>
+        </p:spPr>
+        <p:style>
+          <a:lnRef idx="1">
+            <a:schemeClr val="accent1"/>
+          </a:lnRef>
+          <a:fillRef idx="0">
+            <a:schemeClr val="accent1"/>
+          </a:fillRef>
+          <a:effectRef idx="0">
+            <a:schemeClr val="accent1"/>
+          </a:effectRef>
+          <a:fontRef idx="minor">
+            <a:schemeClr val="tx1"/>
+          </a:fontRef>
+        </p:style>
+      </p:cxnSp>
+      <p:cxnSp>
+        <p:nvCxnSpPr>
+          <p:cNvPr id="17" name="Straight Arrow Connector 16"/>
+          <p:cNvCxnSpPr>
+            <a:stCxn id="11" idx="0"/>
+            <a:endCxn id="9" idx="4"/>
+          </p:cNvCxnSpPr>
+          <p:nvPr/>
+        </p:nvCxnSpPr>
+        <p:spPr>
+          <a:xfrm rot="5400000" flipH="1" flipV="1">
+            <a:off x="514350" y="2952750"/>
+            <a:ext cx="1104900" cy="1588"/>
+          </a:xfrm>
+          <a:prstGeom prst="straightConnector1">
+            <a:avLst/>
+          </a:prstGeom>
+          <a:ln>
+            <a:tailEnd type="arrow"/>
+          </a:ln>
+        </p:spPr>
+        <p:style>
+          <a:lnRef idx="1">
+            <a:schemeClr val="accent1"/>
+          </a:lnRef>
+          <a:fillRef idx="0">
+            <a:schemeClr val="accent1"/>
+          </a:fillRef>
+          <a:effectRef idx="0">
+            <a:schemeClr val="accent1"/>
+          </a:effectRef>
+          <a:fontRef idx="minor">
+            <a:schemeClr val="tx1"/>
+          </a:fontRef>
+        </p:style>
+      </p:cxnSp>
+      <p:cxnSp>
+        <p:nvCxnSpPr>
+          <p:cNvPr id="20" name="Straight Arrow Connector 19"/>
+          <p:cNvCxnSpPr>
+            <a:stCxn id="10" idx="0"/>
+            <a:endCxn id="8" idx="4"/>
+          </p:cNvCxnSpPr>
+          <p:nvPr/>
+        </p:nvCxnSpPr>
+        <p:spPr>
+          <a:xfrm rot="5400000" flipH="1" flipV="1">
+            <a:off x="2419350" y="2952750"/>
+            <a:ext cx="1104900" cy="1588"/>
+          </a:xfrm>
+          <a:prstGeom prst="straightConnector1">
+            <a:avLst/>
+          </a:prstGeom>
+          <a:ln>
+            <a:tailEnd type="arrow"/>
+          </a:ln>
+        </p:spPr>
+        <p:style>
+          <a:lnRef idx="1">
+            <a:schemeClr val="accent1"/>
+          </a:lnRef>
+          <a:fillRef idx="0">
+            <a:schemeClr val="accent1"/>
+          </a:fillRef>
+          <a:effectRef idx="0">
+            <a:schemeClr val="accent1"/>
+          </a:effectRef>
+          <a:fontRef idx="minor">
+            <a:schemeClr val="tx1"/>
+          </a:fontRef>
+        </p:style>
+      </p:cxnSp>
+      <p:cxnSp>
+        <p:nvCxnSpPr>
+          <p:cNvPr id="24" name="Straight Arrow Connector 23"/>
+          <p:cNvCxnSpPr>
+            <a:stCxn id="8" idx="0"/>
+            <a:endCxn id="7" idx="4"/>
+          </p:cNvCxnSpPr>
+          <p:nvPr/>
+        </p:nvCxnSpPr>
+        <p:spPr>
+          <a:xfrm rot="16200000" flipV="1">
+            <a:off x="2190750" y="857250"/>
+            <a:ext cx="571500" cy="990600"/>
+          </a:xfrm>
+          <a:prstGeom prst="straightConnector1">
+            <a:avLst/>
+          </a:prstGeom>
+          <a:ln>
+            <a:tailEnd type="arrow"/>
+          </a:ln>
+        </p:spPr>
+        <p:style>
+          <a:lnRef idx="1">
+            <a:schemeClr val="accent1"/>
+          </a:lnRef>
+          <a:fillRef idx="0">
+            <a:schemeClr val="accent1"/>
+          </a:fillRef>
+          <a:effectRef idx="0">
+            <a:schemeClr val="accent1"/>
+          </a:effectRef>
+          <a:fontRef idx="minor">
+            <a:schemeClr val="tx1"/>
+          </a:fontRef>
+        </p:style>
+      </p:cxnSp>
+      <p:cxnSp>
+        <p:nvCxnSpPr>
+          <p:cNvPr id="27" name="Straight Arrow Connector 26"/>
+          <p:cNvCxnSpPr>
+            <a:stCxn id="9" idx="0"/>
+            <a:endCxn id="7" idx="4"/>
+          </p:cNvCxnSpPr>
+          <p:nvPr/>
+        </p:nvCxnSpPr>
+        <p:spPr>
+          <a:xfrm rot="5400000" flipH="1" flipV="1">
+            <a:off x="1238250" y="895350"/>
+            <a:ext cx="571500" cy="914400"/>
+          </a:xfrm>
+          <a:prstGeom prst="straightConnector1">
+            <a:avLst/>
+          </a:prstGeom>
+          <a:ln>
+            <a:tailEnd type="arrow"/>
+          </a:ln>
+        </p:spPr>
+        <p:style>
+          <a:lnRef idx="1">
+            <a:schemeClr val="accent1"/>
+          </a:lnRef>
+          <a:fillRef idx="0">
+            <a:schemeClr val="accent1"/>
+          </a:fillRef>
+          <a:effectRef idx="0">
+            <a:schemeClr val="accent1"/>
+          </a:effectRef>
+          <a:fontRef idx="minor">
+            <a:schemeClr val="tx1"/>
+          </a:fontRef>
+        </p:style>
+      </p:cxnSp>
+      <p:sp>
+        <p:nvSpPr>
+          <p:cNvPr id="30" name="TextBox 29"/>
+          <p:cNvSpPr txBox="1"/>
+          <p:nvPr/>
+        </p:nvSpPr>
+        <p:spPr>
+          <a:xfrm>
+            <a:off x="1143000" y="1066800"/>
+            <a:ext cx="476412" cy="369332"/>
+          </a:xfrm>
+          <a:prstGeom prst="rect">
+            <a:avLst/>
+          </a:prstGeom>
+          <a:noFill/>
+        </p:spPr>
+        <p:txBody>
+          <a:bodyPr wrap="none" rtlCol="0">
+            <a:spAutoFit/>
+          </a:bodyPr>
+          <a:lstStyle/>
+          <a:p>
+            <a:r>
+              <a:rPr lang="en-US" dirty="0" smtClean="0"/>
+              <a:t>0.6</a:t>
+            </a:r>
+            <a:endParaRPr lang="en-US" dirty="0"/>
+          </a:p>
+        </p:txBody>
+      </p:sp>
+      <p:sp>
+        <p:nvSpPr>
+          <p:cNvPr id="31" name="TextBox 30"/>
+          <p:cNvSpPr txBox="1"/>
+          <p:nvPr/>
+        </p:nvSpPr>
+        <p:spPr>
+          <a:xfrm>
+            <a:off x="2362200" y="1078468"/>
+            <a:ext cx="546945" cy="369332"/>
+          </a:xfrm>
+          <a:prstGeom prst="rect">
+            <a:avLst/>
+          </a:prstGeom>
+          <a:noFill/>
+        </p:spPr>
+        <p:txBody>
+          <a:bodyPr wrap="none" rtlCol="0">
+            <a:spAutoFit/>
+          </a:bodyPr>
+          <a:lstStyle/>
+          <a:p>
+            <a:r>
+              <a:rPr lang="en-US" dirty="0" smtClean="0"/>
+              <a:t>-0.8</a:t>
+            </a:r>
+          </a:p>
+        </p:txBody>
+      </p:sp>
+      <p:sp>
+        <p:nvSpPr>
+          <p:cNvPr id="32" name="TextBox 31"/>
+          <p:cNvSpPr txBox="1"/>
+          <p:nvPr/>
+        </p:nvSpPr>
+        <p:spPr>
+          <a:xfrm>
+            <a:off x="2895600" y="2678668"/>
+            <a:ext cx="476412" cy="369332"/>
+          </a:xfrm>
+          <a:prstGeom prst="rect">
+            <a:avLst/>
+          </a:prstGeom>
+          <a:noFill/>
+        </p:spPr>
+        <p:txBody>
+          <a:bodyPr wrap="none" rtlCol="0">
+            <a:spAutoFit/>
+          </a:bodyPr>
+          <a:lstStyle/>
+          <a:p>
+            <a:r>
+              <a:rPr lang="en-US" dirty="0" smtClean="0"/>
+              <a:t>0.4</a:t>
+            </a:r>
+          </a:p>
+        </p:txBody>
+      </p:sp>
+      <p:sp>
+        <p:nvSpPr>
+          <p:cNvPr id="33" name="TextBox 32"/>
+          <p:cNvSpPr txBox="1"/>
+          <p:nvPr/>
+        </p:nvSpPr>
+        <p:spPr>
+          <a:xfrm>
+            <a:off x="666588" y="2678668"/>
+            <a:ext cx="476412" cy="369332"/>
+          </a:xfrm>
+          <a:prstGeom prst="rect">
+            <a:avLst/>
+          </a:prstGeom>
+          <a:noFill/>
+        </p:spPr>
+        <p:txBody>
+          <a:bodyPr wrap="none" rtlCol="0">
+            <a:spAutoFit/>
+          </a:bodyPr>
+          <a:lstStyle/>
+          <a:p>
+            <a:r>
+              <a:rPr lang="en-US" dirty="0" smtClean="0"/>
+              <a:t>0.6</a:t>
+            </a:r>
+          </a:p>
+        </p:txBody>
+      </p:sp>
+      <p:sp>
+        <p:nvSpPr>
+          <p:cNvPr id="34" name="TextBox 33"/>
+          <p:cNvSpPr txBox="1"/>
+          <p:nvPr/>
+        </p:nvSpPr>
+        <p:spPr>
+          <a:xfrm>
+            <a:off x="2266788" y="2362200"/>
+            <a:ext cx="476412" cy="369332"/>
+          </a:xfrm>
+          <a:prstGeom prst="rect">
+            <a:avLst/>
+          </a:prstGeom>
+          <a:noFill/>
+        </p:spPr>
+        <p:txBody>
+          <a:bodyPr wrap="none" rtlCol="0">
+            <a:spAutoFit/>
+          </a:bodyPr>
+          <a:lstStyle/>
+          <a:p>
+            <a:r>
+              <a:rPr lang="en-US" dirty="0" smtClean="0"/>
+              <a:t>0.3</a:t>
+            </a:r>
+          </a:p>
+        </p:txBody>
+      </p:sp>
+      <p:sp>
+        <p:nvSpPr>
+          <p:cNvPr id="35" name="TextBox 34"/>
+          <p:cNvSpPr txBox="1"/>
+          <p:nvPr/>
+        </p:nvSpPr>
+        <p:spPr>
+          <a:xfrm>
+            <a:off x="1371600" y="2373868"/>
+            <a:ext cx="476412" cy="369332"/>
+          </a:xfrm>
+          <a:prstGeom prst="rect">
+            <a:avLst/>
+          </a:prstGeom>
+          <a:noFill/>
+        </p:spPr>
+        <p:txBody>
+          <a:bodyPr wrap="none" rtlCol="0">
+            <a:spAutoFit/>
+          </a:bodyPr>
+          <a:lstStyle/>
+          <a:p>
+            <a:r>
+              <a:rPr lang="en-US" dirty="0" smtClean="0"/>
+              <a:t>0.7</a:t>
+            </a:r>
+          </a:p>
+        </p:txBody>
+      </p:sp>
+      <p:sp>
+        <p:nvSpPr>
+          <p:cNvPr id="36" name="TextBox 35"/>
+          <p:cNvSpPr txBox="1"/>
+          <p:nvPr/>
+        </p:nvSpPr>
+        <p:spPr>
+          <a:xfrm>
+            <a:off x="730884" y="5257800"/>
+            <a:ext cx="3841116" cy="369332"/>
+          </a:xfrm>
+          <a:prstGeom prst="rect">
+            <a:avLst/>
+          </a:prstGeom>
+          <a:noFill/>
+        </p:spPr>
+        <p:txBody>
+          <a:bodyPr wrap="none" rtlCol="0">
+            <a:spAutoFit/>
+          </a:bodyPr>
+          <a:lstStyle/>
+          <a:p>
+            <a:r>
+              <a:rPr lang="en-US" dirty="0" smtClean="0"/>
+              <a:t>O(t) = (I1(t-2)+I2(t-2))*~(I1(t-2)*I2(t-2))</a:t>
+            </a:r>
+            <a:endParaRPr lang="en-US" dirty="0"/>
+          </a:p>
+        </p:txBody>
+      </p:sp>
+      <p:sp>
+        <p:nvSpPr>
+          <p:cNvPr id="37" name="TextBox 36"/>
+          <p:cNvSpPr txBox="1"/>
+          <p:nvPr/>
+        </p:nvSpPr>
+        <p:spPr>
+          <a:xfrm>
+            <a:off x="3429000" y="1828800"/>
+            <a:ext cx="1841338" cy="369332"/>
+          </a:xfrm>
+          <a:prstGeom prst="rect">
+            <a:avLst/>
+          </a:prstGeom>
+          <a:noFill/>
+        </p:spPr>
+        <p:txBody>
+          <a:bodyPr wrap="none" rtlCol="0">
+            <a:spAutoFit/>
+          </a:bodyPr>
+          <a:lstStyle/>
+          <a:p>
+            <a:r>
+              <a:rPr lang="en-US" dirty="0" smtClean="0"/>
+              <a:t>Feature detectors</a:t>
+            </a:r>
+            <a:endParaRPr lang="en-US" dirty="0"/>
+          </a:p>
+        </p:txBody>
+      </p:sp>
+      <p:sp>
+        <p:nvSpPr>
+          <p:cNvPr id="38" name="TextBox 37"/>
+          <p:cNvSpPr txBox="1"/>
+          <p:nvPr/>
+        </p:nvSpPr>
+        <p:spPr>
+          <a:xfrm>
+            <a:off x="3429000" y="3657600"/>
+            <a:ext cx="2300502" cy="369332"/>
+          </a:xfrm>
+          <a:prstGeom prst="rect">
+            <a:avLst/>
+          </a:prstGeom>
+          <a:noFill/>
+        </p:spPr>
+        <p:txBody>
+          <a:bodyPr wrap="none" rtlCol="0">
+            <a:spAutoFit/>
+          </a:bodyPr>
+          <a:lstStyle/>
+          <a:p>
+            <a:r>
+              <a:rPr lang="en-US" dirty="0" smtClean="0"/>
+              <a:t>Filters for input signals</a:t>
+            </a:r>
+            <a:endParaRPr lang="en-US" dirty="0"/>
+          </a:p>
+        </p:txBody>
+      </p:sp>
+      <p:sp>
+        <p:nvSpPr>
+          <p:cNvPr id="39" name="TextBox 38"/>
+          <p:cNvSpPr txBox="1"/>
+          <p:nvPr/>
+        </p:nvSpPr>
+        <p:spPr>
+          <a:xfrm>
+            <a:off x="2362200" y="381000"/>
+            <a:ext cx="1365374" cy="369332"/>
+          </a:xfrm>
+          <a:prstGeom prst="rect">
+            <a:avLst/>
+          </a:prstGeom>
+          <a:noFill/>
+        </p:spPr>
+        <p:txBody>
+          <a:bodyPr wrap="none" rtlCol="0">
+            <a:spAutoFit/>
+          </a:bodyPr>
+          <a:lstStyle/>
+          <a:p>
+            <a:r>
+              <a:rPr lang="en-US" dirty="0" smtClean="0"/>
+              <a:t>Output layer</a:t>
+            </a:r>
+            <a:endParaRPr lang="en-US" dirty="0"/>
+          </a:p>
+        </p:txBody>
+      </p:sp>
+      <p:cxnSp>
+        <p:nvCxnSpPr>
+          <p:cNvPr id="41" name="Straight Arrow Connector 40"/>
+          <p:cNvCxnSpPr/>
+          <p:nvPr/>
+        </p:nvCxnSpPr>
+        <p:spPr>
+          <a:xfrm rot="5400000">
+            <a:off x="1676400" y="4724400"/>
+            <a:ext cx="762000" cy="1588"/>
+          </a:xfrm>
+          <a:prstGeom prst="straightConnector1">
+            <a:avLst/>
+          </a:prstGeom>
+          <a:ln>
+            <a:tailEnd type="arrow"/>
+          </a:ln>
+        </p:spPr>
+        <p:style>
+          <a:lnRef idx="1">
+            <a:schemeClr val="accent1"/>
+          </a:lnRef>
+          <a:fillRef idx="0">
+            <a:schemeClr val="accent1"/>
+          </a:fillRef>
+          <a:effectRef idx="0">
+            <a:schemeClr val="accent1"/>
+          </a:effectRef>
+          <a:fontRef idx="minor">
+            <a:schemeClr val="tx1"/>
+          </a:fontRef>
+        </p:style>
+      </p:cxnSp>
+      <p:sp>
+        <p:nvSpPr>
+          <p:cNvPr id="42" name="TextBox 41"/>
+          <p:cNvSpPr txBox="1"/>
+          <p:nvPr/>
+        </p:nvSpPr>
+        <p:spPr>
+          <a:xfrm>
+            <a:off x="2209800" y="4572000"/>
+            <a:ext cx="2726580" cy="369332"/>
+          </a:xfrm>
+          <a:prstGeom prst="rect">
+            <a:avLst/>
+          </a:prstGeom>
+          <a:noFill/>
+        </p:spPr>
+        <p:txBody>
+          <a:bodyPr wrap="none" rtlCol="0">
+            <a:spAutoFit/>
+          </a:bodyPr>
+          <a:lstStyle/>
+          <a:p>
+            <a:r>
+              <a:rPr lang="en-US" dirty="0" smtClean="0"/>
+              <a:t>How do they arrive to this?</a:t>
+            </a:r>
+            <a:endParaRPr lang="en-US" dirty="0"/>
+          </a:p>
+        </p:txBody>
+      </p:sp>
+    </p:spTree>
+  </p:cSld>
+  <p:clrMapOvr>
+    <a:masterClrMapping/>
+  </p:clrMapOvr>
+  <p:timing>
+    <p:tnLst>
+      <p:par>
+        <p:cTn id="1" dur="indefinite" restart="never" nodeType="tmRoot">
+          <p:childTnLst>
+            <p:seq concurrent="1" nextAc="seek">
+              <p:cTn id="2" dur="indefinite" nodeType="mainSeq">
+                <p:childTnLst>
+                  <p:par>
+                    <p:cTn id="3" fill="hold">
+                      <p:stCondLst>
+                        <p:cond delay="indefinite"/>
+                      </p:stCondLst>
+                      <p:childTnLst>
+                        <p:par>
+                          <p:cTn id="4" fill="hold">
+                            <p:stCondLst>
+                              <p:cond delay="0"/>
+                            </p:stCondLst>
+                            <p:childTnLst>
+                              <p:par>
+                                <p:cTn id="5" presetID="9" presetClass="entr" presetSubtype="0" fill="hold" grpId="0" nodeType="clickEffect">
+                                  <p:stCondLst>
+                                    <p:cond delay="0"/>
+                                  </p:stCondLst>
+                                  <p:childTnLst>
+                                    <p:set>
+                                      <p:cBhvr>
+                                        <p:cTn id="6" dur="1" fill="hold">
+                                          <p:stCondLst>
+                                            <p:cond delay="0"/>
+                                          </p:stCondLst>
+                                        </p:cTn>
+                                        <p:tgtEl>
+                                          <p:spTgt spid="38"/>
+                                        </p:tgtEl>
+                                        <p:attrNameLst>
+                                          <p:attrName>style.visibility</p:attrName>
+                                        </p:attrNameLst>
+                                      </p:cBhvr>
+                                      <p:to>
+                                        <p:strVal val="visible"/>
+                                      </p:to>
+                                    </p:set>
+                                    <p:animEffect transition="in" filter="dissolve">
+                                      <p:cBhvr>
+                                        <p:cTn id="7" dur="500"/>
+                                        <p:tgtEl>
+                                          <p:spTgt spid="38"/>
+                                        </p:tgtEl>
+                                      </p:cBhvr>
+                                    </p:animEffect>
+                                  </p:childTnLst>
+                                </p:cTn>
+                              </p:par>
+                            </p:childTnLst>
+                          </p:cTn>
+                        </p:par>
+                      </p:childTnLst>
+                    </p:cTn>
+                  </p:par>
+                  <p:par>
+                    <p:cTn id="8" fill="hold">
+                      <p:stCondLst>
+                        <p:cond delay="indefinite"/>
+                      </p:stCondLst>
+                      <p:childTnLst>
+                        <p:par>
+                          <p:cTn id="9" fill="hold">
+                            <p:stCondLst>
+                              <p:cond delay="0"/>
+                            </p:stCondLst>
+                            <p:childTnLst>
+                              <p:par>
+                                <p:cTn id="10" presetID="10" presetClass="entr" presetSubtype="0" fill="hold" grpId="0" nodeType="clickEffect">
+                                  <p:stCondLst>
+                                    <p:cond delay="0"/>
+                                  </p:stCondLst>
+                                  <p:childTnLst>
+                                    <p:set>
+                                      <p:cBhvr>
+                                        <p:cTn id="11" dur="1" fill="hold">
+                                          <p:stCondLst>
+                                            <p:cond delay="0"/>
+                                          </p:stCondLst>
+                                        </p:cTn>
+                                        <p:tgtEl>
+                                          <p:spTgt spid="37"/>
+                                        </p:tgtEl>
+                                        <p:attrNameLst>
+                                          <p:attrName>style.visibility</p:attrName>
+                                        </p:attrNameLst>
+                                      </p:cBhvr>
+                                      <p:to>
+                                        <p:strVal val="visible"/>
+                                      </p:to>
+                                    </p:set>
+                                    <p:animEffect transition="in" filter="fade">
+                                      <p:cBhvr>
+                                        <p:cTn id="12" dur="2000"/>
+                                        <p:tgtEl>
+                                          <p:spTgt spid="37"/>
+                                        </p:tgtEl>
+                                      </p:cBhvr>
+                                    </p:animEffect>
+                                  </p:childTnLst>
+                                </p:cTn>
+                              </p:par>
+                            </p:childTnLst>
+                          </p:cTn>
+                        </p:par>
+                      </p:childTnLst>
+                    </p:cTn>
+                  </p:par>
+                  <p:par>
+                    <p:cTn id="13" fill="hold">
+                      <p:stCondLst>
+                        <p:cond delay="indefinite"/>
+                      </p:stCondLst>
+                      <p:childTnLst>
+                        <p:par>
+                          <p:cTn id="14" fill="hold">
+                            <p:stCondLst>
+                              <p:cond delay="0"/>
+                            </p:stCondLst>
+                            <p:childTnLst>
+                              <p:par>
+                                <p:cTn id="15" presetID="9" presetClass="entr" presetSubtype="0" fill="hold" grpId="0" nodeType="clickEffect">
+                                  <p:stCondLst>
+                                    <p:cond delay="0"/>
+                                  </p:stCondLst>
+                                  <p:childTnLst>
+                                    <p:set>
+                                      <p:cBhvr>
+                                        <p:cTn id="16" dur="1" fill="hold">
+                                          <p:stCondLst>
+                                            <p:cond delay="0"/>
+                                          </p:stCondLst>
+                                        </p:cTn>
+                                        <p:tgtEl>
+                                          <p:spTgt spid="39"/>
+                                        </p:tgtEl>
+                                        <p:attrNameLst>
+                                          <p:attrName>style.visibility</p:attrName>
+                                        </p:attrNameLst>
+                                      </p:cBhvr>
+                                      <p:to>
+                                        <p:strVal val="visible"/>
+                                      </p:to>
+                                    </p:set>
+                                    <p:animEffect transition="in" filter="dissolve">
+                                      <p:cBhvr>
+                                        <p:cTn id="17" dur="500"/>
+                                        <p:tgtEl>
+                                          <p:spTgt spid="39"/>
+                                        </p:tgtEl>
+                                      </p:cBhvr>
+                                    </p:animEffect>
+                                  </p:childTnLst>
+                                </p:cTn>
+                              </p:par>
+                            </p:childTnLst>
+                          </p:cTn>
+                        </p:par>
+                      </p:childTnLst>
+                    </p:cTn>
+                  </p:par>
+                  <p:par>
+                    <p:cTn id="18" fill="hold">
+                      <p:stCondLst>
+                        <p:cond delay="indefinite"/>
+                      </p:stCondLst>
+                      <p:childTnLst>
+                        <p:par>
+                          <p:cTn id="19" fill="hold">
+                            <p:stCondLst>
+                              <p:cond delay="0"/>
+                            </p:stCondLst>
+                            <p:childTnLst>
+                              <p:par>
+                                <p:cTn id="20" presetID="9" presetClass="entr" presetSubtype="0" fill="hold" grpId="0" nodeType="clickEffect">
+                                  <p:stCondLst>
+                                    <p:cond delay="0"/>
+                                  </p:stCondLst>
+                                  <p:childTnLst>
+                                    <p:set>
+                                      <p:cBhvr>
+                                        <p:cTn id="21" dur="1" fill="hold">
+                                          <p:stCondLst>
+                                            <p:cond delay="0"/>
+                                          </p:stCondLst>
+                                        </p:cTn>
+                                        <p:tgtEl>
+                                          <p:spTgt spid="42"/>
+                                        </p:tgtEl>
+                                        <p:attrNameLst>
+                                          <p:attrName>style.visibility</p:attrName>
+                                        </p:attrNameLst>
+                                      </p:cBhvr>
+                                      <p:to>
+                                        <p:strVal val="visible"/>
+                                      </p:to>
+                                    </p:set>
+                                    <p:animEffect transition="in" filter="dissolve">
+                                      <p:cBhvr>
+                                        <p:cTn id="22" dur="500"/>
+                                        <p:tgtEl>
+                                          <p:spTgt spid="42"/>
+                                        </p:tgtEl>
+                                      </p:cBhvr>
+                                    </p:animEffect>
+                                  </p:childTnLst>
+                                </p:cTn>
+                              </p:par>
+                            </p:childTnLst>
+                          </p:cTn>
+                        </p:par>
+                      </p:childTnLst>
+                    </p:cTn>
+                  </p:par>
+                </p:childTnLst>
+              </p:cTn>
+              <p:prevCondLst>
+                <p:cond evt="onPrev" delay="0">
+                  <p:tgtEl>
+                    <p:sldTgt/>
+                  </p:tgtEl>
+                </p:cond>
+              </p:prevCondLst>
+              <p:nextCondLst>
+                <p:cond evt="onNext" delay="0">
+                  <p:tgtEl>
+                    <p:sldTgt/>
+                  </p:tgtEl>
+                </p:cond>
+              </p:nextCondLst>
+            </p:seq>
+          </p:childTnLst>
+        </p:cTn>
+      </p:par>
+    </p:tnLst>
+    <p:bldLst>
+      <p:bldP spid="37" grpId="0"/>
+      <p:bldP spid="38" grpId="0"/>
+      <p:bldP spid="39" grpId="0"/>
+      <p:bldP spid="42" grpId="0"/>
+    </p:bldLst>
+  </p:timing>
+</p:sld>
+</file>
+
+<file path=ppt/slides/slide16.xml><?xml version="1.0" encoding="utf-8"?>
+<p:sld xmlns:a="http://schemas.openxmlformats.org/drawingml/2006/main" xmlns:r="http://schemas.openxmlformats.org/officeDocument/2006/relationships" xmlns:p="http://schemas.openxmlformats.org/presentationml/2006/main">
+  <p:cSld>
+    <p:spTree>
+      <p:nvGrpSpPr>
+        <p:cNvPr id="1" name=""/>
+        <p:cNvGrpSpPr/>
+        <p:nvPr/>
+      </p:nvGrpSpPr>
+      <p:grpSpPr>
+        <a:xfrm>
+          <a:off x="0" y="0"/>
+          <a:ext cx="0" cy="0"/>
+          <a:chOff x="0" y="0"/>
+          <a:chExt cx="0" cy="0"/>
+        </a:xfrm>
+      </p:grpSpPr>
+      <p:pic>
+        <p:nvPicPr>
+          <p:cNvPr id="5122" name="Picture 2"/>
+          <p:cNvPicPr>
+            <a:picLocks noChangeAspect="1" noChangeArrowheads="1"/>
+          </p:cNvPicPr>
+          <p:nvPr/>
+        </p:nvPicPr>
+        <p:blipFill>
+          <a:blip r:embed="rId3" cstate="print"/>
+          <a:srcRect/>
+          <a:stretch>
+            <a:fillRect/>
+          </a:stretch>
+        </p:blipFill>
+        <p:spPr bwMode="auto">
+          <a:xfrm>
+            <a:off x="533400" y="1371600"/>
+            <a:ext cx="8077200" cy="4971243"/>
+          </a:xfrm>
+          <a:prstGeom prst="rect">
+            <a:avLst/>
+          </a:prstGeom>
+          <a:noFill/>
+          <a:ln w="9525">
+            <a:noFill/>
+            <a:miter lim="800000"/>
+            <a:headEnd/>
+            <a:tailEnd/>
+          </a:ln>
+        </p:spPr>
+      </p:pic>
+      <p:sp>
+        <p:nvSpPr>
+          <p:cNvPr id="3" name="Title 2"/>
+          <p:cNvSpPr>
+            <a:spLocks noGrp="1"/>
+          </p:cNvSpPr>
+          <p:nvPr>
+            <p:ph type="title"/>
+          </p:nvPr>
+        </p:nvSpPr>
+        <p:spPr/>
+        <p:txBody>
+          <a:bodyPr/>
+          <a:lstStyle/>
+          <a:p>
+            <a:r>
+              <a:rPr lang="en-US" dirty="0" smtClean="0"/>
+              <a:t>Algorithm</a:t>
+            </a:r>
+            <a:endParaRPr lang="en-US" dirty="0"/>
+          </a:p>
+        </p:txBody>
+      </p:sp>
+    </p:spTree>
+  </p:cSld>
+  <p:clrMapOvr>
+    <a:masterClrMapping/>
+  </p:clrMapOvr>
+  <p:timing>
+    <p:tnLst>
+      <p:par>
+        <p:cTn id="1" dur="indefinite" restart="never" nodeType="tmRoot"/>
+      </p:par>
+    </p:tnLst>
+  </p:timing>
 </p:sld>
 </file>
 
@@ -4266,6 +6912,17 @@
             </a:r>
           </a:p>
           <a:p>
+            <a:pPr marL="342900" lvl="1" indent="-342900">
+              <a:buFont typeface="Arial" pitchFamily="34" charset="0"/>
+              <a:buChar char="•"/>
+            </a:pPr>
+            <a:r>
+              <a:rPr lang="en-AU" sz="3200" dirty="0" smtClean="0"/>
+              <a:t>Synaptic connection strengths among neurons are used to store the acquired knowledge.</a:t>
+            </a:r>
+            <a:endParaRPr lang="en-US" sz="3200" dirty="0" smtClean="0"/>
+          </a:p>
+          <a:p>
             <a:r>
               <a:rPr lang="en-US" dirty="0" smtClean="0"/>
               <a:t>1 op 10^-9: processor </a:t>
@@ -4276,23 +6933,14 @@
             </a:r>
             <a:r>
               <a:rPr lang="en-US" dirty="0" smtClean="0"/>
-              <a:t> 10^-3: neuron. Yet neurons are faster for complex tasks such as: Face </a:t>
-            </a:r>
+              <a:t> 10^-3: neuron. Yet neurons are faster for complex tasks such as: Face recognition, natural speech.</a:t>
+            </a:r>
+          </a:p>
+          <a:p>
             <a:r>
               <a:rPr lang="en-US" dirty="0" smtClean="0"/>
-              <a:t>recognition, natural speech.</a:t>
-            </a:r>
-          </a:p>
-          <a:p>
-            <a:r>
-              <a:rPr lang="en-US" dirty="0" smtClean="0"/>
-              <a:t>Why? The network is massively </a:t>
-            </a:r>
-            <a:r>
-              <a:rPr lang="en-US" smtClean="0"/>
-              <a:t>parallel.</a:t>
-            </a:r>
-            <a:endParaRPr lang="en-US" dirty="0" smtClean="0"/>
+              <a:t>Why? The network is massively parallel.</a:t>
+            </a:r>
           </a:p>
         </p:txBody>
       </p:sp>
@@ -4359,30 +7007,41 @@
         </p:nvSpPr>
         <p:spPr/>
         <p:txBody>
-          <a:bodyPr/>
+          <a:bodyPr>
+            <a:normAutofit lnSpcReduction="10000"/>
+          </a:bodyPr>
           <a:lstStyle/>
           <a:p>
             <a:r>
               <a:rPr lang="en-US" dirty="0" smtClean="0"/>
-              <a:t>Neural Network: Set of simple, analog signal processors connected by links, where each link has a numeric weight</a:t>
-            </a:r>
+              <a:t>Neural Network: Set of simple, analog signal processors connected by links, where each link has a numeric weight.</a:t>
+            </a:r>
+          </a:p>
+          <a:p>
             <a:r>
               <a:rPr lang="en-US" dirty="0" smtClean="0"/>
-              <a:t>.</a:t>
+              <a:t>It is a directed graph.</a:t>
             </a:r>
           </a:p>
           <a:p>
             <a:r>
               <a:rPr lang="en-US" dirty="0" smtClean="0"/>
-              <a:t>It </a:t>
-            </a:r>
+              <a:t>It resembles the brain in two respects:</a:t>
+            </a:r>
+          </a:p>
+          <a:p>
+            <a:pPr lvl="1"/>
             <a:r>
               <a:rPr lang="en-US" dirty="0" smtClean="0"/>
-              <a:t>is a directed graph.</a:t>
-            </a:r>
-          </a:p>
-          <a:p>
-            <a:endParaRPr lang="en-US" dirty="0"/>
+              <a:t>Knowledge is acquired by the network from its environment through a learning process</a:t>
+            </a:r>
+          </a:p>
+          <a:p>
+            <a:pPr lvl="1"/>
+            <a:r>
+              <a:rPr lang="en-US" dirty="0" smtClean="0"/>
+              <a:t>Synaptic connection strengths among neurons are used to store the acquired knowledge.</a:t>
+            </a:r>
           </a:p>
         </p:txBody>
       </p:sp>
@@ -4592,406 +7251,451 @@
           </p:txBody>
         </p:sp>
       </p:grpSp>
-      <p:sp>
-        <p:nvSpPr>
-          <p:cNvPr id="4" name="Oval 3"/>
-          <p:cNvSpPr/>
+      <p:grpSp>
+        <p:nvGrpSpPr>
+          <p:cNvPr id="89" name="Group 88"/>
+          <p:cNvGrpSpPr/>
           <p:nvPr/>
-        </p:nvSpPr>
-        <p:spPr>
+        </p:nvGrpSpPr>
+        <p:grpSpPr>
           <a:xfrm>
-            <a:off x="2438400" y="1066800"/>
-            <a:ext cx="914400" cy="914400"/>
-          </a:xfrm>
-          <a:prstGeom prst="ellipse">
-            <a:avLst/>
-          </a:prstGeom>
-        </p:spPr>
-        <p:style>
-          <a:lnRef idx="2">
-            <a:schemeClr val="accent1">
-              <a:shade val="50000"/>
-            </a:schemeClr>
-          </a:lnRef>
-          <a:fillRef idx="1">
-            <a:schemeClr val="accent1"/>
-          </a:fillRef>
-          <a:effectRef idx="0">
-            <a:schemeClr val="accent1"/>
-          </a:effectRef>
-          <a:fontRef idx="minor">
-            <a:schemeClr val="lt1"/>
-          </a:fontRef>
-        </p:style>
-        <p:txBody>
-          <a:bodyPr rtlCol="0" anchor="ctr"/>
-          <a:lstStyle/>
-          <a:p>
-            <a:pPr algn="ctr"/>
-            <a:endParaRPr lang="en-US"/>
-          </a:p>
-        </p:txBody>
-      </p:sp>
-      <p:sp>
-        <p:nvSpPr>
-          <p:cNvPr id="5" name="Oval 4"/>
-          <p:cNvSpPr/>
+            <a:off x="2590800" y="990600"/>
+            <a:ext cx="3886200" cy="914400"/>
+            <a:chOff x="2438400" y="990600"/>
+            <a:chExt cx="3886200" cy="914400"/>
+          </a:xfrm>
+        </p:grpSpPr>
+        <p:sp>
+          <p:nvSpPr>
+            <p:cNvPr id="4" name="Oval 3"/>
+            <p:cNvSpPr/>
+            <p:nvPr/>
+          </p:nvSpPr>
+          <p:spPr>
+            <a:xfrm>
+              <a:off x="2438400" y="990600"/>
+              <a:ext cx="914400" cy="914400"/>
+            </a:xfrm>
+            <a:prstGeom prst="ellipse">
+              <a:avLst/>
+            </a:prstGeom>
+          </p:spPr>
+          <p:style>
+            <a:lnRef idx="2">
+              <a:schemeClr val="accent1">
+                <a:shade val="50000"/>
+              </a:schemeClr>
+            </a:lnRef>
+            <a:fillRef idx="1">
+              <a:schemeClr val="accent1"/>
+            </a:fillRef>
+            <a:effectRef idx="0">
+              <a:schemeClr val="accent1"/>
+            </a:effectRef>
+            <a:fontRef idx="minor">
+              <a:schemeClr val="lt1"/>
+            </a:fontRef>
+          </p:style>
+          <p:txBody>
+            <a:bodyPr rtlCol="0" anchor="ctr"/>
+            <a:lstStyle/>
+            <a:p>
+              <a:pPr algn="ctr"/>
+              <a:endParaRPr lang="en-US"/>
+            </a:p>
+          </p:txBody>
+        </p:sp>
+        <p:sp>
+          <p:nvSpPr>
+            <p:cNvPr id="5" name="Oval 4"/>
+            <p:cNvSpPr/>
+            <p:nvPr/>
+          </p:nvSpPr>
+          <p:spPr>
+            <a:xfrm>
+              <a:off x="3924300" y="990600"/>
+              <a:ext cx="914400" cy="914400"/>
+            </a:xfrm>
+            <a:prstGeom prst="ellipse">
+              <a:avLst/>
+            </a:prstGeom>
+          </p:spPr>
+          <p:style>
+            <a:lnRef idx="2">
+              <a:schemeClr val="accent1">
+                <a:shade val="50000"/>
+              </a:schemeClr>
+            </a:lnRef>
+            <a:fillRef idx="1">
+              <a:schemeClr val="accent1"/>
+            </a:fillRef>
+            <a:effectRef idx="0">
+              <a:schemeClr val="accent1"/>
+            </a:effectRef>
+            <a:fontRef idx="minor">
+              <a:schemeClr val="lt1"/>
+            </a:fontRef>
+          </p:style>
+          <p:txBody>
+            <a:bodyPr rtlCol="0" anchor="ctr"/>
+            <a:lstStyle/>
+            <a:p>
+              <a:pPr algn="ctr"/>
+              <a:endParaRPr lang="en-US"/>
+            </a:p>
+          </p:txBody>
+        </p:sp>
+        <p:sp>
+          <p:nvSpPr>
+            <p:cNvPr id="6" name="Oval 5"/>
+            <p:cNvSpPr/>
+            <p:nvPr/>
+          </p:nvSpPr>
+          <p:spPr>
+            <a:xfrm>
+              <a:off x="5410200" y="990600"/>
+              <a:ext cx="914400" cy="914400"/>
+            </a:xfrm>
+            <a:prstGeom prst="ellipse">
+              <a:avLst/>
+            </a:prstGeom>
+          </p:spPr>
+          <p:style>
+            <a:lnRef idx="2">
+              <a:schemeClr val="accent1">
+                <a:shade val="50000"/>
+              </a:schemeClr>
+            </a:lnRef>
+            <a:fillRef idx="1">
+              <a:schemeClr val="accent1"/>
+            </a:fillRef>
+            <a:effectRef idx="0">
+              <a:schemeClr val="accent1"/>
+            </a:effectRef>
+            <a:fontRef idx="minor">
+              <a:schemeClr val="lt1"/>
+            </a:fontRef>
+          </p:style>
+          <p:txBody>
+            <a:bodyPr rtlCol="0" anchor="ctr"/>
+            <a:lstStyle/>
+            <a:p>
+              <a:pPr algn="ctr"/>
+              <a:endParaRPr lang="en-US"/>
+            </a:p>
+          </p:txBody>
+        </p:sp>
+      </p:grpSp>
+      <p:grpSp>
+        <p:nvGrpSpPr>
+          <p:cNvPr id="88" name="Group 87"/>
+          <p:cNvGrpSpPr/>
           <p:nvPr/>
-        </p:nvSpPr>
-        <p:spPr>
+        </p:nvGrpSpPr>
+        <p:grpSpPr>
           <a:xfrm>
-            <a:off x="4038600" y="914400"/>
-            <a:ext cx="914400" cy="914400"/>
-          </a:xfrm>
-          <a:prstGeom prst="ellipse">
-            <a:avLst/>
-          </a:prstGeom>
-        </p:spPr>
-        <p:style>
-          <a:lnRef idx="2">
-            <a:schemeClr val="accent1">
-              <a:shade val="50000"/>
-            </a:schemeClr>
-          </a:lnRef>
-          <a:fillRef idx="1">
-            <a:schemeClr val="accent1"/>
-          </a:fillRef>
-          <a:effectRef idx="0">
-            <a:schemeClr val="accent1"/>
-          </a:effectRef>
-          <a:fontRef idx="minor">
-            <a:schemeClr val="lt1"/>
-          </a:fontRef>
-        </p:style>
-        <p:txBody>
-          <a:bodyPr rtlCol="0" anchor="ctr"/>
-          <a:lstStyle/>
-          <a:p>
-            <a:pPr algn="ctr"/>
-            <a:endParaRPr lang="en-US"/>
-          </a:p>
-        </p:txBody>
-      </p:sp>
-      <p:sp>
-        <p:nvSpPr>
-          <p:cNvPr id="6" name="Oval 5"/>
-          <p:cNvSpPr/>
+            <a:off x="1905000" y="2895600"/>
+            <a:ext cx="5486400" cy="914400"/>
+            <a:chOff x="1905000" y="2819400"/>
+            <a:chExt cx="5486400" cy="914400"/>
+          </a:xfrm>
+        </p:grpSpPr>
+        <p:sp>
+          <p:nvSpPr>
+            <p:cNvPr id="7" name="Oval 6"/>
+            <p:cNvSpPr/>
+            <p:nvPr/>
+          </p:nvSpPr>
+          <p:spPr>
+            <a:xfrm>
+              <a:off x="1905000" y="2819400"/>
+              <a:ext cx="914400" cy="914400"/>
+            </a:xfrm>
+            <a:prstGeom prst="ellipse">
+              <a:avLst/>
+            </a:prstGeom>
+          </p:spPr>
+          <p:style>
+            <a:lnRef idx="2">
+              <a:schemeClr val="accent1">
+                <a:shade val="50000"/>
+              </a:schemeClr>
+            </a:lnRef>
+            <a:fillRef idx="1">
+              <a:schemeClr val="accent1"/>
+            </a:fillRef>
+            <a:effectRef idx="0">
+              <a:schemeClr val="accent1"/>
+            </a:effectRef>
+            <a:fontRef idx="minor">
+              <a:schemeClr val="lt1"/>
+            </a:fontRef>
+          </p:style>
+          <p:txBody>
+            <a:bodyPr rtlCol="0" anchor="ctr"/>
+            <a:lstStyle/>
+            <a:p>
+              <a:pPr algn="ctr"/>
+              <a:endParaRPr lang="en-US"/>
+            </a:p>
+          </p:txBody>
+        </p:sp>
+        <p:sp>
+          <p:nvSpPr>
+            <p:cNvPr id="8" name="Oval 7"/>
+            <p:cNvSpPr/>
+            <p:nvPr/>
+          </p:nvSpPr>
+          <p:spPr>
+            <a:xfrm>
+              <a:off x="3429000" y="2819400"/>
+              <a:ext cx="914400" cy="914400"/>
+            </a:xfrm>
+            <a:prstGeom prst="ellipse">
+              <a:avLst/>
+            </a:prstGeom>
+          </p:spPr>
+          <p:style>
+            <a:lnRef idx="2">
+              <a:schemeClr val="accent1">
+                <a:shade val="50000"/>
+              </a:schemeClr>
+            </a:lnRef>
+            <a:fillRef idx="1">
+              <a:schemeClr val="accent1"/>
+            </a:fillRef>
+            <a:effectRef idx="0">
+              <a:schemeClr val="accent1"/>
+            </a:effectRef>
+            <a:fontRef idx="minor">
+              <a:schemeClr val="lt1"/>
+            </a:fontRef>
+          </p:style>
+          <p:txBody>
+            <a:bodyPr rtlCol="0" anchor="ctr"/>
+            <a:lstStyle/>
+            <a:p>
+              <a:pPr algn="ctr"/>
+              <a:endParaRPr lang="en-US"/>
+            </a:p>
+          </p:txBody>
+        </p:sp>
+        <p:sp>
+          <p:nvSpPr>
+            <p:cNvPr id="9" name="Oval 8"/>
+            <p:cNvSpPr/>
+            <p:nvPr/>
+          </p:nvSpPr>
+          <p:spPr>
+            <a:xfrm>
+              <a:off x="4953000" y="2819400"/>
+              <a:ext cx="914400" cy="914400"/>
+            </a:xfrm>
+            <a:prstGeom prst="ellipse">
+              <a:avLst/>
+            </a:prstGeom>
+          </p:spPr>
+          <p:style>
+            <a:lnRef idx="2">
+              <a:schemeClr val="accent1">
+                <a:shade val="50000"/>
+              </a:schemeClr>
+            </a:lnRef>
+            <a:fillRef idx="1">
+              <a:schemeClr val="accent1"/>
+            </a:fillRef>
+            <a:effectRef idx="0">
+              <a:schemeClr val="accent1"/>
+            </a:effectRef>
+            <a:fontRef idx="minor">
+              <a:schemeClr val="lt1"/>
+            </a:fontRef>
+          </p:style>
+          <p:txBody>
+            <a:bodyPr rtlCol="0" anchor="ctr"/>
+            <a:lstStyle/>
+            <a:p>
+              <a:pPr algn="ctr"/>
+              <a:endParaRPr lang="en-US"/>
+            </a:p>
+          </p:txBody>
+        </p:sp>
+        <p:sp>
+          <p:nvSpPr>
+            <p:cNvPr id="10" name="Oval 9"/>
+            <p:cNvSpPr/>
+            <p:nvPr/>
+          </p:nvSpPr>
+          <p:spPr>
+            <a:xfrm>
+              <a:off x="6477000" y="2819400"/>
+              <a:ext cx="914400" cy="914400"/>
+            </a:xfrm>
+            <a:prstGeom prst="ellipse">
+              <a:avLst/>
+            </a:prstGeom>
+          </p:spPr>
+          <p:style>
+            <a:lnRef idx="2">
+              <a:schemeClr val="accent1">
+                <a:shade val="50000"/>
+              </a:schemeClr>
+            </a:lnRef>
+            <a:fillRef idx="1">
+              <a:schemeClr val="accent1"/>
+            </a:fillRef>
+            <a:effectRef idx="0">
+              <a:schemeClr val="accent1"/>
+            </a:effectRef>
+            <a:fontRef idx="minor">
+              <a:schemeClr val="lt1"/>
+            </a:fontRef>
+          </p:style>
+          <p:txBody>
+            <a:bodyPr rtlCol="0" anchor="ctr"/>
+            <a:lstStyle/>
+            <a:p>
+              <a:pPr algn="ctr"/>
+              <a:endParaRPr lang="en-US"/>
+            </a:p>
+          </p:txBody>
+        </p:sp>
+      </p:grpSp>
+      <p:grpSp>
+        <p:nvGrpSpPr>
+          <p:cNvPr id="87" name="Group 86"/>
+          <p:cNvGrpSpPr/>
           <p:nvPr/>
-        </p:nvSpPr>
-        <p:spPr>
+        </p:nvGrpSpPr>
+        <p:grpSpPr>
           <a:xfrm>
-            <a:off x="5410200" y="1066800"/>
-            <a:ext cx="914400" cy="914400"/>
-          </a:xfrm>
-          <a:prstGeom prst="ellipse">
-            <a:avLst/>
-          </a:prstGeom>
-        </p:spPr>
-        <p:style>
-          <a:lnRef idx="2">
-            <a:schemeClr val="accent1">
-              <a:shade val="50000"/>
-            </a:schemeClr>
-          </a:lnRef>
-          <a:fillRef idx="1">
-            <a:schemeClr val="accent1"/>
-          </a:fillRef>
-          <a:effectRef idx="0">
-            <a:schemeClr val="accent1"/>
-          </a:effectRef>
-          <a:fontRef idx="minor">
-            <a:schemeClr val="lt1"/>
-          </a:fontRef>
-        </p:style>
-        <p:txBody>
-          <a:bodyPr rtlCol="0" anchor="ctr"/>
-          <a:lstStyle/>
-          <a:p>
-            <a:pPr algn="ctr"/>
-            <a:endParaRPr lang="en-US"/>
-          </a:p>
-        </p:txBody>
-      </p:sp>
-      <p:sp>
-        <p:nvSpPr>
-          <p:cNvPr id="7" name="Oval 6"/>
-          <p:cNvSpPr/>
-          <p:nvPr/>
-        </p:nvSpPr>
-        <p:spPr>
-          <a:xfrm>
-            <a:off x="1828800" y="3048000"/>
-            <a:ext cx="914400" cy="914400"/>
-          </a:xfrm>
-          <a:prstGeom prst="ellipse">
-            <a:avLst/>
-          </a:prstGeom>
-        </p:spPr>
-        <p:style>
-          <a:lnRef idx="2">
-            <a:schemeClr val="accent1">
-              <a:shade val="50000"/>
-            </a:schemeClr>
-          </a:lnRef>
-          <a:fillRef idx="1">
-            <a:schemeClr val="accent1"/>
-          </a:fillRef>
-          <a:effectRef idx="0">
-            <a:schemeClr val="accent1"/>
-          </a:effectRef>
-          <a:fontRef idx="minor">
-            <a:schemeClr val="lt1"/>
-          </a:fontRef>
-        </p:style>
-        <p:txBody>
-          <a:bodyPr rtlCol="0" anchor="ctr"/>
-          <a:lstStyle/>
-          <a:p>
-            <a:pPr algn="ctr"/>
-            <a:endParaRPr lang="en-US"/>
-          </a:p>
-        </p:txBody>
-      </p:sp>
-      <p:sp>
-        <p:nvSpPr>
-          <p:cNvPr id="8" name="Oval 7"/>
-          <p:cNvSpPr/>
-          <p:nvPr/>
-        </p:nvSpPr>
-        <p:spPr>
-          <a:xfrm>
-            <a:off x="3429000" y="2743200"/>
-            <a:ext cx="914400" cy="914400"/>
-          </a:xfrm>
-          <a:prstGeom prst="ellipse">
-            <a:avLst/>
-          </a:prstGeom>
-        </p:spPr>
-        <p:style>
-          <a:lnRef idx="2">
-            <a:schemeClr val="accent1">
-              <a:shade val="50000"/>
-            </a:schemeClr>
-          </a:lnRef>
-          <a:fillRef idx="1">
-            <a:schemeClr val="accent1"/>
-          </a:fillRef>
-          <a:effectRef idx="0">
-            <a:schemeClr val="accent1"/>
-          </a:effectRef>
-          <a:fontRef idx="minor">
-            <a:schemeClr val="lt1"/>
-          </a:fontRef>
-        </p:style>
-        <p:txBody>
-          <a:bodyPr rtlCol="0" anchor="ctr"/>
-          <a:lstStyle/>
-          <a:p>
-            <a:pPr algn="ctr"/>
-            <a:endParaRPr lang="en-US"/>
-          </a:p>
-        </p:txBody>
-      </p:sp>
-      <p:sp>
-        <p:nvSpPr>
-          <p:cNvPr id="9" name="Oval 8"/>
-          <p:cNvSpPr/>
-          <p:nvPr/>
-        </p:nvSpPr>
-        <p:spPr>
-          <a:xfrm>
-            <a:off x="5029200" y="2819400"/>
-            <a:ext cx="914400" cy="914400"/>
-          </a:xfrm>
-          <a:prstGeom prst="ellipse">
-            <a:avLst/>
-          </a:prstGeom>
-        </p:spPr>
-        <p:style>
-          <a:lnRef idx="2">
-            <a:schemeClr val="accent1">
-              <a:shade val="50000"/>
-            </a:schemeClr>
-          </a:lnRef>
-          <a:fillRef idx="1">
-            <a:schemeClr val="accent1"/>
-          </a:fillRef>
-          <a:effectRef idx="0">
-            <a:schemeClr val="accent1"/>
-          </a:effectRef>
-          <a:fontRef idx="minor">
-            <a:schemeClr val="lt1"/>
-          </a:fontRef>
-        </p:style>
-        <p:txBody>
-          <a:bodyPr rtlCol="0" anchor="ctr"/>
-          <a:lstStyle/>
-          <a:p>
-            <a:pPr algn="ctr"/>
-            <a:endParaRPr lang="en-US"/>
-          </a:p>
-        </p:txBody>
-      </p:sp>
-      <p:sp>
-        <p:nvSpPr>
-          <p:cNvPr id="10" name="Oval 9"/>
-          <p:cNvSpPr/>
-          <p:nvPr/>
-        </p:nvSpPr>
-        <p:spPr>
-          <a:xfrm>
-            <a:off x="6477000" y="2819400"/>
-            <a:ext cx="914400" cy="914400"/>
-          </a:xfrm>
-          <a:prstGeom prst="ellipse">
-            <a:avLst/>
-          </a:prstGeom>
-        </p:spPr>
-        <p:style>
-          <a:lnRef idx="2">
-            <a:schemeClr val="accent1">
-              <a:shade val="50000"/>
-            </a:schemeClr>
-          </a:lnRef>
-          <a:fillRef idx="1">
-            <a:schemeClr val="accent1"/>
-          </a:fillRef>
-          <a:effectRef idx="0">
-            <a:schemeClr val="accent1"/>
-          </a:effectRef>
-          <a:fontRef idx="minor">
-            <a:schemeClr val="lt1"/>
-          </a:fontRef>
-        </p:style>
-        <p:txBody>
-          <a:bodyPr rtlCol="0" anchor="ctr"/>
-          <a:lstStyle/>
-          <a:p>
-            <a:pPr algn="ctr"/>
-            <a:endParaRPr lang="en-US"/>
-          </a:p>
-        </p:txBody>
-      </p:sp>
-      <p:sp>
-        <p:nvSpPr>
-          <p:cNvPr id="11" name="Oval 10"/>
-          <p:cNvSpPr/>
-          <p:nvPr/>
-        </p:nvSpPr>
-        <p:spPr>
-          <a:xfrm>
-            <a:off x="2743200" y="4648200"/>
-            <a:ext cx="914400" cy="914400"/>
-          </a:xfrm>
-          <a:prstGeom prst="ellipse">
-            <a:avLst/>
-          </a:prstGeom>
-        </p:spPr>
-        <p:style>
-          <a:lnRef idx="2">
-            <a:schemeClr val="accent1">
-              <a:shade val="50000"/>
-            </a:schemeClr>
-          </a:lnRef>
-          <a:fillRef idx="1">
-            <a:schemeClr val="accent1"/>
-          </a:fillRef>
-          <a:effectRef idx="0">
-            <a:schemeClr val="accent1"/>
-          </a:effectRef>
-          <a:fontRef idx="minor">
-            <a:schemeClr val="lt1"/>
-          </a:fontRef>
-        </p:style>
-        <p:txBody>
-          <a:bodyPr rtlCol="0" anchor="ctr"/>
-          <a:lstStyle/>
-          <a:p>
-            <a:pPr algn="ctr"/>
-            <a:endParaRPr lang="en-US"/>
-          </a:p>
-        </p:txBody>
-      </p:sp>
-      <p:sp>
-        <p:nvSpPr>
-          <p:cNvPr id="12" name="Oval 11"/>
-          <p:cNvSpPr/>
-          <p:nvPr/>
-        </p:nvSpPr>
-        <p:spPr>
-          <a:xfrm>
-            <a:off x="4267200" y="4648200"/>
-            <a:ext cx="914400" cy="914400"/>
-          </a:xfrm>
-          <a:prstGeom prst="ellipse">
-            <a:avLst/>
-          </a:prstGeom>
-        </p:spPr>
-        <p:style>
-          <a:lnRef idx="2">
-            <a:schemeClr val="accent1">
-              <a:shade val="50000"/>
-            </a:schemeClr>
-          </a:lnRef>
-          <a:fillRef idx="1">
-            <a:schemeClr val="accent1"/>
-          </a:fillRef>
-          <a:effectRef idx="0">
-            <a:schemeClr val="accent1"/>
-          </a:effectRef>
-          <a:fontRef idx="minor">
-            <a:schemeClr val="lt1"/>
-          </a:fontRef>
-        </p:style>
-        <p:txBody>
-          <a:bodyPr rtlCol="0" anchor="ctr"/>
-          <a:lstStyle/>
-          <a:p>
-            <a:pPr algn="ctr"/>
-            <a:endParaRPr lang="en-US"/>
-          </a:p>
-        </p:txBody>
-      </p:sp>
-      <p:sp>
-        <p:nvSpPr>
-          <p:cNvPr id="13" name="Oval 12"/>
-          <p:cNvSpPr/>
-          <p:nvPr/>
-        </p:nvSpPr>
-        <p:spPr>
-          <a:xfrm>
-            <a:off x="5791200" y="4648200"/>
-            <a:ext cx="914400" cy="914400"/>
-          </a:xfrm>
-          <a:prstGeom prst="ellipse">
-            <a:avLst/>
-          </a:prstGeom>
-        </p:spPr>
-        <p:style>
-          <a:lnRef idx="2">
-            <a:schemeClr val="accent1">
-              <a:shade val="50000"/>
-            </a:schemeClr>
-          </a:lnRef>
-          <a:fillRef idx="1">
-            <a:schemeClr val="accent1"/>
-          </a:fillRef>
-          <a:effectRef idx="0">
-            <a:schemeClr val="accent1"/>
-          </a:effectRef>
-          <a:fontRef idx="minor">
-            <a:schemeClr val="lt1"/>
-          </a:fontRef>
-        </p:style>
-        <p:txBody>
-          <a:bodyPr rtlCol="0" anchor="ctr"/>
-          <a:lstStyle/>
-          <a:p>
-            <a:pPr algn="ctr"/>
-            <a:endParaRPr lang="en-US"/>
-          </a:p>
-        </p:txBody>
-      </p:sp>
+            <a:off x="2667000" y="4648200"/>
+            <a:ext cx="3962400" cy="914400"/>
+            <a:chOff x="2743200" y="4648200"/>
+            <a:chExt cx="3962400" cy="914400"/>
+          </a:xfrm>
+        </p:grpSpPr>
+        <p:sp>
+          <p:nvSpPr>
+            <p:cNvPr id="11" name="Oval 10"/>
+            <p:cNvSpPr/>
+            <p:nvPr/>
+          </p:nvSpPr>
+          <p:spPr>
+            <a:xfrm>
+              <a:off x="2743200" y="4648200"/>
+              <a:ext cx="914400" cy="914400"/>
+            </a:xfrm>
+            <a:prstGeom prst="ellipse">
+              <a:avLst/>
+            </a:prstGeom>
+          </p:spPr>
+          <p:style>
+            <a:lnRef idx="2">
+              <a:schemeClr val="accent1">
+                <a:shade val="50000"/>
+              </a:schemeClr>
+            </a:lnRef>
+            <a:fillRef idx="1">
+              <a:schemeClr val="accent1"/>
+            </a:fillRef>
+            <a:effectRef idx="0">
+              <a:schemeClr val="accent1"/>
+            </a:effectRef>
+            <a:fontRef idx="minor">
+              <a:schemeClr val="lt1"/>
+            </a:fontRef>
+          </p:style>
+          <p:txBody>
+            <a:bodyPr rtlCol="0" anchor="ctr"/>
+            <a:lstStyle/>
+            <a:p>
+              <a:pPr algn="ctr"/>
+              <a:endParaRPr lang="en-US"/>
+            </a:p>
+          </p:txBody>
+        </p:sp>
+        <p:sp>
+          <p:nvSpPr>
+            <p:cNvPr id="12" name="Oval 11"/>
+            <p:cNvSpPr/>
+            <p:nvPr/>
+          </p:nvSpPr>
+          <p:spPr>
+            <a:xfrm>
+              <a:off x="4267200" y="4648200"/>
+              <a:ext cx="914400" cy="914400"/>
+            </a:xfrm>
+            <a:prstGeom prst="ellipse">
+              <a:avLst/>
+            </a:prstGeom>
+          </p:spPr>
+          <p:style>
+            <a:lnRef idx="2">
+              <a:schemeClr val="accent1">
+                <a:shade val="50000"/>
+              </a:schemeClr>
+            </a:lnRef>
+            <a:fillRef idx="1">
+              <a:schemeClr val="accent1"/>
+            </a:fillRef>
+            <a:effectRef idx="0">
+              <a:schemeClr val="accent1"/>
+            </a:effectRef>
+            <a:fontRef idx="minor">
+              <a:schemeClr val="lt1"/>
+            </a:fontRef>
+          </p:style>
+          <p:txBody>
+            <a:bodyPr rtlCol="0" anchor="ctr"/>
+            <a:lstStyle/>
+            <a:p>
+              <a:pPr algn="ctr"/>
+              <a:endParaRPr lang="en-US"/>
+            </a:p>
+          </p:txBody>
+        </p:sp>
+        <p:sp>
+          <p:nvSpPr>
+            <p:cNvPr id="13" name="Oval 12"/>
+            <p:cNvSpPr/>
+            <p:nvPr/>
+          </p:nvSpPr>
+          <p:spPr>
+            <a:xfrm>
+              <a:off x="5791200" y="4648200"/>
+              <a:ext cx="914400" cy="914400"/>
+            </a:xfrm>
+            <a:prstGeom prst="ellipse">
+              <a:avLst/>
+            </a:prstGeom>
+          </p:spPr>
+          <p:style>
+            <a:lnRef idx="2">
+              <a:schemeClr val="accent1">
+                <a:shade val="50000"/>
+              </a:schemeClr>
+            </a:lnRef>
+            <a:fillRef idx="1">
+              <a:schemeClr val="accent1"/>
+            </a:fillRef>
+            <a:effectRef idx="0">
+              <a:schemeClr val="accent1"/>
+            </a:effectRef>
+            <a:fontRef idx="minor">
+              <a:schemeClr val="lt1"/>
+            </a:fontRef>
+          </p:style>
+          <p:txBody>
+            <a:bodyPr rtlCol="0" anchor="ctr"/>
+            <a:lstStyle/>
+            <a:p>
+              <a:pPr algn="ctr"/>
+              <a:endParaRPr lang="en-US"/>
+            </a:p>
+          </p:txBody>
+        </p:sp>
+      </p:grpSp>
       <p:cxnSp>
         <p:nvCxnSpPr>
           <p:cNvPr id="17" name="Straight Arrow Connector 16"/>
@@ -5002,9 +7706,9 @@
           <p:nvPr/>
         </p:nvCxnSpPr>
         <p:spPr>
-          <a:xfrm rot="10800000">
-            <a:off x="2609290" y="3828490"/>
-            <a:ext cx="133911" cy="1276911"/>
+          <a:xfrm rot="10800000" flipH="1">
+            <a:off x="2666999" y="3676090"/>
+            <a:ext cx="18489" cy="1429311"/>
           </a:xfrm>
           <a:prstGeom prst="straightConnector1">
             <a:avLst/>
@@ -5039,8 +7743,8 @@
         </p:nvCxnSpPr>
         <p:spPr>
           <a:xfrm rot="16200000" flipV="1">
-            <a:off x="3904690" y="3828489"/>
-            <a:ext cx="1124511" cy="514911"/>
+            <a:off x="3942790" y="3942789"/>
+            <a:ext cx="972111" cy="438711"/>
           </a:xfrm>
           <a:prstGeom prst="straightConnector1">
             <a:avLst/>
@@ -5075,8 +7779,8 @@
         </p:nvCxnSpPr>
         <p:spPr>
           <a:xfrm rot="16200000" flipV="1">
-            <a:off x="5504890" y="3904689"/>
-            <a:ext cx="1048311" cy="438711"/>
+            <a:off x="5466790" y="3942789"/>
+            <a:ext cx="972111" cy="438711"/>
           </a:xfrm>
           <a:prstGeom prst="straightConnector1">
             <a:avLst/>
@@ -5112,7 +7816,7 @@
         <p:spPr>
           <a:xfrm rot="5400000" flipH="1" flipV="1">
             <a:off x="6323478" y="3848100"/>
-            <a:ext cx="1182222" cy="685800"/>
+            <a:ext cx="1106022" cy="762000"/>
           </a:xfrm>
           <a:prstGeom prst="straightConnector1">
             <a:avLst/>
@@ -5147,8 +7851,8 @@
         </p:nvCxnSpPr>
         <p:spPr>
           <a:xfrm flipV="1">
-            <a:off x="5181600" y="3733800"/>
-            <a:ext cx="1752600" cy="1371600"/>
+            <a:off x="5105400" y="3810000"/>
+            <a:ext cx="1828800" cy="1295400"/>
           </a:xfrm>
           <a:prstGeom prst="straightConnector1">
             <a:avLst/>
@@ -5184,7 +7888,7 @@
         <p:spPr>
           <a:xfrm rot="5400000" flipH="1" flipV="1">
             <a:off x="4476189" y="2647389"/>
-            <a:ext cx="1182222" cy="3087222"/>
+            <a:ext cx="1106022" cy="3163422"/>
           </a:xfrm>
           <a:prstGeom prst="straightConnector1">
             <a:avLst/>
@@ -5218,8 +7922,8 @@
         </p:nvCxnSpPr>
         <p:spPr>
           <a:xfrm flipV="1">
-            <a:off x="3048000" y="3599889"/>
-            <a:ext cx="2115111" cy="1124511"/>
+            <a:off x="3124200" y="3676089"/>
+            <a:ext cx="1962711" cy="1124512"/>
           </a:xfrm>
           <a:prstGeom prst="straightConnector1">
             <a:avLst/>
@@ -5254,8 +7958,8 @@
         </p:nvCxnSpPr>
         <p:spPr>
           <a:xfrm rot="16200000" flipV="1">
-            <a:off x="2933701" y="3314700"/>
-            <a:ext cx="1276911" cy="1657911"/>
+            <a:off x="2857501" y="3314700"/>
+            <a:ext cx="1429311" cy="1505511"/>
           </a:xfrm>
           <a:prstGeom prst="straightConnector1">
             <a:avLst/>
@@ -5290,8 +7994,8 @@
         </p:nvCxnSpPr>
         <p:spPr>
           <a:xfrm rot="5400000" flipH="1" flipV="1">
-            <a:off x="2819400" y="3715312"/>
-            <a:ext cx="1124511" cy="1009089"/>
+            <a:off x="2857500" y="3753412"/>
+            <a:ext cx="972111" cy="1085289"/>
           </a:xfrm>
           <a:prstGeom prst="straightConnector1">
             <a:avLst/>
@@ -5326,8 +8030,8 @@
         </p:nvCxnSpPr>
         <p:spPr>
           <a:xfrm rot="5400000" flipH="1" flipV="1">
-            <a:off x="4742889" y="4038601"/>
-            <a:ext cx="1048311" cy="438711"/>
+            <a:off x="4704789" y="4076701"/>
+            <a:ext cx="972111" cy="438711"/>
           </a:xfrm>
           <a:prstGeom prst="straightConnector1">
             <a:avLst/>
@@ -5362,8 +8066,8 @@
         </p:nvCxnSpPr>
         <p:spPr>
           <a:xfrm rot="16200000" flipV="1">
-            <a:off x="4343401" y="3200400"/>
-            <a:ext cx="1581711" cy="1581711"/>
+            <a:off x="4381501" y="3314700"/>
+            <a:ext cx="1429311" cy="1505511"/>
           </a:xfrm>
           <a:prstGeom prst="straightConnector1">
             <a:avLst/>
@@ -5398,8 +8102,8 @@
         </p:nvCxnSpPr>
         <p:spPr>
           <a:xfrm rot="10800000">
-            <a:off x="2609290" y="3181912"/>
-            <a:ext cx="3181911" cy="1923489"/>
+            <a:off x="2685490" y="3029512"/>
+            <a:ext cx="3029511" cy="2075889"/>
           </a:xfrm>
           <a:prstGeom prst="straightConnector1">
             <a:avLst/>
@@ -5433,8 +8137,8 @@
         </p:nvCxnSpPr>
         <p:spPr>
           <a:xfrm rot="5400000" flipH="1" flipV="1">
-            <a:off x="2553494" y="723106"/>
-            <a:ext cx="685800" cy="1588"/>
+            <a:off x="2743994" y="685006"/>
+            <a:ext cx="609600" cy="1588"/>
           </a:xfrm>
           <a:prstGeom prst="straightConnector1">
             <a:avLst/>
@@ -5468,8 +8172,8 @@
         </p:nvCxnSpPr>
         <p:spPr>
           <a:xfrm rot="5400000" flipH="1" flipV="1">
-            <a:off x="4152900" y="571500"/>
-            <a:ext cx="685800" cy="1588"/>
+            <a:off x="4248150" y="666750"/>
+            <a:ext cx="609600" cy="38100"/>
           </a:xfrm>
           <a:prstGeom prst="straightConnector1">
             <a:avLst/>
@@ -5503,8 +8207,8 @@
         </p:nvCxnSpPr>
         <p:spPr>
           <a:xfrm rot="5400000" flipH="1" flipV="1">
-            <a:off x="5563394" y="761206"/>
-            <a:ext cx="609600" cy="1588"/>
+            <a:off x="5753894" y="723106"/>
+            <a:ext cx="533400" cy="1588"/>
           </a:xfrm>
           <a:prstGeom prst="straightConnector1">
             <a:avLst/>
@@ -5638,8 +8342,8 @@
         </p:nvCxnSpPr>
         <p:spPr>
           <a:xfrm rot="5400000" flipH="1" flipV="1">
-            <a:off x="2781300" y="1333500"/>
-            <a:ext cx="1219200" cy="2209800"/>
+            <a:off x="2952750" y="1314450"/>
+            <a:ext cx="990600" cy="2171700"/>
           </a:xfrm>
           <a:prstGeom prst="straightConnector1">
             <a:avLst/>
@@ -5674,8 +8378,8 @@
         </p:nvCxnSpPr>
         <p:spPr>
           <a:xfrm rot="5400000" flipH="1" flipV="1">
-            <a:off x="2057400" y="2209800"/>
-            <a:ext cx="1066800" cy="609600"/>
+            <a:off x="2209800" y="2057400"/>
+            <a:ext cx="990600" cy="685800"/>
           </a:xfrm>
           <a:prstGeom prst="straightConnector1">
             <a:avLst/>
@@ -5710,8 +8414,8 @@
         </p:nvCxnSpPr>
         <p:spPr>
           <a:xfrm rot="5400000" flipH="1" flipV="1">
-            <a:off x="3314700" y="818590"/>
-            <a:ext cx="1200711" cy="3258111"/>
+            <a:off x="3467100" y="666190"/>
+            <a:ext cx="1124511" cy="3334311"/>
           </a:xfrm>
           <a:prstGeom prst="straightConnector1">
             <a:avLst/>
@@ -5746,8 +8450,8 @@
         </p:nvCxnSpPr>
         <p:spPr>
           <a:xfrm rot="5400000" flipH="1" flipV="1">
-            <a:off x="4038600" y="1371600"/>
-            <a:ext cx="1219200" cy="1524000"/>
+            <a:off x="4000500" y="1333500"/>
+            <a:ext cx="1447800" cy="1676400"/>
           </a:xfrm>
           <a:prstGeom prst="straightConnector1">
             <a:avLst/>
@@ -5782,8 +8486,8 @@
         </p:nvCxnSpPr>
         <p:spPr>
           <a:xfrm rot="5400000" flipH="1" flipV="1">
-            <a:off x="3505200" y="2075890"/>
-            <a:ext cx="1048311" cy="286311"/>
+            <a:off x="3486150" y="2171140"/>
+            <a:ext cx="1124511" cy="324411"/>
           </a:xfrm>
           <a:prstGeom prst="straightConnector1">
             <a:avLst/>
@@ -5818,8 +8522,8 @@
         </p:nvCxnSpPr>
         <p:spPr>
           <a:xfrm rot="16200000" flipV="1">
-            <a:off x="3009900" y="1866900"/>
-            <a:ext cx="762000" cy="990600"/>
+            <a:off x="2971800" y="1981200"/>
+            <a:ext cx="990600" cy="838200"/>
           </a:xfrm>
           <a:prstGeom prst="straightConnector1">
             <a:avLst/>
@@ -5854,8 +8558,8 @@
         </p:nvCxnSpPr>
         <p:spPr>
           <a:xfrm rot="5400000" flipH="1" flipV="1">
-            <a:off x="5257800" y="2209800"/>
-            <a:ext cx="838200" cy="381000"/>
+            <a:off x="5219700" y="2095500"/>
+            <a:ext cx="990600" cy="609600"/>
           </a:xfrm>
           <a:prstGeom prst="straightConnector1">
             <a:avLst/>
@@ -5890,8 +8594,8 @@
         </p:nvCxnSpPr>
         <p:spPr>
           <a:xfrm rot="16200000" flipV="1">
-            <a:off x="4590490" y="1923489"/>
-            <a:ext cx="1124511" cy="667311"/>
+            <a:off x="4571440" y="2056839"/>
+            <a:ext cx="1124511" cy="553011"/>
           </a:xfrm>
           <a:prstGeom prst="straightConnector1">
             <a:avLst/>
@@ -5926,8 +8630,8 @@
         </p:nvCxnSpPr>
         <p:spPr>
           <a:xfrm rot="16200000" flipV="1">
-            <a:off x="3866590" y="1199589"/>
-            <a:ext cx="972111" cy="2267511"/>
+            <a:off x="3828490" y="1313889"/>
+            <a:ext cx="1124511" cy="2038911"/>
           </a:xfrm>
           <a:prstGeom prst="straightConnector1">
             <a:avLst/>
@@ -5962,8 +8666,8 @@
         </p:nvCxnSpPr>
         <p:spPr>
           <a:xfrm rot="16200000" flipV="1">
-            <a:off x="6076390" y="1961589"/>
-            <a:ext cx="972111" cy="743511"/>
+            <a:off x="6076390" y="2037789"/>
+            <a:ext cx="1124511" cy="591111"/>
           </a:xfrm>
           <a:prstGeom prst="straightConnector1">
             <a:avLst/>
@@ -5998,8 +8702,8 @@
         </p:nvCxnSpPr>
         <p:spPr>
           <a:xfrm rot="16200000" flipV="1">
-            <a:off x="5219700" y="1104900"/>
-            <a:ext cx="1447800" cy="1981200"/>
+            <a:off x="5238750" y="1200150"/>
+            <a:ext cx="1447800" cy="1943100"/>
           </a:xfrm>
           <a:prstGeom prst="straightConnector1">
             <a:avLst/>
@@ -6034,8 +8738,8 @@
         </p:nvCxnSpPr>
         <p:spPr>
           <a:xfrm rot="16200000" flipV="1">
-            <a:off x="4495800" y="381000"/>
-            <a:ext cx="1295400" cy="3581400"/>
+            <a:off x="4495800" y="457200"/>
+            <a:ext cx="1447800" cy="3429000"/>
           </a:xfrm>
           <a:prstGeom prst="straightConnector1">
             <a:avLst/>
@@ -6367,44 +9071,39 @@
           </p:txBody>
         </p:sp>
       </p:grpSp>
-      <p:sp>
-        <p:nvSpPr>
-          <p:cNvPr id="154" name="TextBox 153"/>
-          <p:cNvSpPr txBox="1"/>
+      <p:pic>
+        <p:nvPicPr>
+          <p:cNvPr id="3075" name="Picture 3"/>
+          <p:cNvPicPr>
+            <a:picLocks noChangeAspect="1" noChangeArrowheads="1"/>
+          </p:cNvPicPr>
           <p:nvPr/>
-        </p:nvSpPr>
-        <p:spPr>
+        </p:nvPicPr>
+        <p:blipFill>
+          <a:blip r:embed="rId3" cstate="print"/>
+          <a:srcRect/>
+          <a:stretch>
+            <a:fillRect/>
+          </a:stretch>
+        </p:blipFill>
+        <p:spPr bwMode="auto">
           <a:xfrm>
-            <a:off x="7086600" y="4038600"/>
-            <a:ext cx="756938" cy="369332"/>
+            <a:off x="7086600" y="4065752"/>
+            <a:ext cx="609600" cy="353848"/>
           </a:xfrm>
           <a:prstGeom prst="rect">
             <a:avLst/>
           </a:prstGeom>
           <a:noFill/>
+          <a:ln w="9525">
+            <a:noFill/>
+            <a:miter lim="800000"/>
+            <a:headEnd/>
+            <a:tailEnd/>
+          </a:ln>
+          <a:effectLst/>
         </p:spPr>
-        <p:txBody>
-          <a:bodyPr wrap="none" rtlCol="0">
-            <a:spAutoFit/>
-          </a:bodyPr>
-          <a:lstStyle/>
-          <a:p>
-            <a:r>
-              <a:rPr lang="en-US" i="1" dirty="0" smtClean="0"/>
-              <a:t>W_{</a:t>
-            </a:r>
-            <a:r>
-              <a:rPr lang="en-US" i="1" dirty="0" err="1" smtClean="0"/>
-              <a:t>ij</a:t>
-            </a:r>
-            <a:r>
-              <a:rPr lang="en-US" i="1" dirty="0" smtClean="0"/>
-              <a:t>}</a:t>
-            </a:r>
-            <a:endParaRPr lang="en-US" i="1" dirty="0"/>
-          </a:p>
-        </p:txBody>
-      </p:sp>
+      </p:pic>
     </p:spTree>
   </p:cSld>
   <p:clrMapOvr>
@@ -6484,7 +9183,7 @@
                             </p:stCondLst>
                             <p:childTnLst>
                               <p:par>
-                                <p:cTn id="10" presetID="10" presetClass="entr" presetSubtype="0" fill="hold" grpId="0" nodeType="clickEffect">
+                                <p:cTn id="10" presetID="10" presetClass="entr" presetSubtype="0" fill="hold" nodeType="clickEffect">
                                   <p:stCondLst>
                                     <p:cond delay="0"/>
                                   </p:stCondLst>
@@ -6497,7 +9196,7 @@
                                           </p:stCondLst>
                                         </p:cTn>
                                         <p:tgtEl>
-                                          <p:spTgt spid="154"/>
+                                          <p:spTgt spid="3075"/>
                                         </p:tgtEl>
                                         <p:attrNameLst>
                                           <p:attrName>style.visibility</p:attrName>
@@ -6511,7 +9210,7 @@
                                       <p:cBhvr>
                                         <p:cTn id="12" dur="2000"/>
                                         <p:tgtEl>
-                                          <p:spTgt spid="154"/>
+                                          <p:spTgt spid="3075"/>
                                         </p:tgtEl>
                                       </p:cBhvr>
                                     </p:animEffect>
@@ -6706,7 +9405,6 @@
     </p:tnLst>
     <p:bldLst>
       <p:bldP spid="142" grpId="0"/>
-      <p:bldP spid="154" grpId="0"/>
     </p:bldLst>
   </p:timing>
 </p:sld>
@@ -6765,25 +9463,29 @@
           <a:p>
             <a:r>
               <a:rPr lang="en-US" dirty="0" smtClean="0"/>
-              <a:t>Each unit receives stimulation from other units, except the input </a:t>
+              <a:t>Each layer performs an analog integration of </a:t>
             </a:r>
             <a:r>
               <a:rPr lang="en-US" dirty="0" smtClean="0"/>
-              <a:t>layer.</a:t>
+              <a:t>its inputs</a:t>
+            </a:r>
+            <a:r>
+              <a:rPr lang="en-US" dirty="0" smtClean="0"/>
+              <a:t>.</a:t>
+            </a:r>
+          </a:p>
+          <a:p>
+            <a:r>
+              <a:rPr lang="en-US" dirty="0" smtClean="0"/>
+              <a:t>From this integration an activation value is determined</a:t>
+            </a:r>
+            <a:r>
+              <a:rPr lang="en-US" dirty="0" smtClean="0"/>
+              <a:t>.</a:t>
             </a:r>
             <a:endParaRPr lang="en-US" dirty="0" smtClean="0"/>
           </a:p>
           <a:p>
-            <a:r>
-              <a:rPr lang="en-US" dirty="0" smtClean="0"/>
-              <a:t>The signal received is modulated by the weighting value of the connection.</a:t>
-            </a:r>
-          </a:p>
-          <a:p>
-            <a:r>
-              <a:rPr lang="en-US" dirty="0" smtClean="0"/>
-              <a:t>The modulated in puts are then integrated. (summed)</a:t>
-            </a:r>
             <a:endParaRPr lang="en-US" dirty="0"/>
           </a:p>
         </p:txBody>
@@ -6804,6 +9506,92 @@
 </file>
 
 <file path=ppt/slides/slide6.xml><?xml version="1.0" encoding="utf-8"?>
+<p:sld xmlns:a="http://schemas.openxmlformats.org/drawingml/2006/main" xmlns:r="http://schemas.openxmlformats.org/officeDocument/2006/relationships" xmlns:p="http://schemas.openxmlformats.org/presentationml/2006/main">
+  <p:cSld>
+    <p:spTree>
+      <p:nvGrpSpPr>
+        <p:cNvPr id="1" name=""/>
+        <p:cNvGrpSpPr/>
+        <p:nvPr/>
+      </p:nvGrpSpPr>
+      <p:grpSpPr>
+        <a:xfrm>
+          <a:off x="0" y="0"/>
+          <a:ext cx="0" cy="0"/>
+          <a:chOff x="0" y="0"/>
+          <a:chExt cx="0" cy="0"/>
+        </a:xfrm>
+      </p:grpSpPr>
+      <p:sp>
+        <p:nvSpPr>
+          <p:cNvPr id="2" name="Title 1"/>
+          <p:cNvSpPr>
+            <a:spLocks noGrp="1"/>
+          </p:cNvSpPr>
+          <p:nvPr>
+            <p:ph type="title"/>
+          </p:nvPr>
+        </p:nvSpPr>
+        <p:spPr/>
+        <p:txBody>
+          <a:bodyPr/>
+          <a:lstStyle/>
+          <a:p>
+            <a:endParaRPr lang="en-US"/>
+          </a:p>
+        </p:txBody>
+      </p:sp>
+      <p:sp>
+        <p:nvSpPr>
+          <p:cNvPr id="3" name="Content Placeholder 2"/>
+          <p:cNvSpPr>
+            <a:spLocks noGrp="1"/>
+          </p:cNvSpPr>
+          <p:nvPr>
+            <p:ph idx="1"/>
+          </p:nvPr>
+        </p:nvSpPr>
+        <p:spPr/>
+        <p:txBody>
+          <a:bodyPr/>
+          <a:lstStyle/>
+          <a:p>
+            <a:r>
+              <a:rPr lang="en-US" dirty="0" smtClean="0"/>
+              <a:t>Each unit receives stimulation from other units, except the input layer.</a:t>
+            </a:r>
+          </a:p>
+          <a:p>
+            <a:r>
+              <a:rPr lang="en-US" dirty="0" smtClean="0"/>
+              <a:t>The signal received is modulated by the weighting value of the connection.</a:t>
+            </a:r>
+          </a:p>
+          <a:p>
+            <a:r>
+              <a:rPr lang="en-US" dirty="0" smtClean="0"/>
+              <a:t>The modulated in puts are then integrated. (summed)</a:t>
+            </a:r>
+            <a:endParaRPr lang="en-US" dirty="0"/>
+          </a:p>
+        </p:txBody>
+      </p:sp>
+    </p:spTree>
+  </p:cSld>
+  <p:clrMapOvr>
+    <a:masterClrMapping/>
+  </p:clrMapOvr>
+  <p:timing>
+    <p:tnLst>
+      <p:par>
+        <p:cTn id="1" dur="indefinite" restart="never" nodeType="tmRoot"/>
+      </p:par>
+    </p:tnLst>
+  </p:timing>
+</p:sld>
+</file>
+
+<file path=ppt/slides/slide7.xml><?xml version="1.0" encoding="utf-8"?>
 <p:sld xmlns:a="http://schemas.openxmlformats.org/drawingml/2006/main" xmlns:r="http://schemas.openxmlformats.org/officeDocument/2006/relationships" xmlns:p="http://schemas.openxmlformats.org/presentationml/2006/main">
   <p:cSld>
     <p:spTree>
@@ -6861,10 +9649,10 @@
         </p:nvGrpSpPr>
         <p:grpSpPr>
           <a:xfrm>
-            <a:off x="381000" y="1600200"/>
-            <a:ext cx="8077200" cy="3722132"/>
-            <a:chOff x="381000" y="1600200"/>
-            <a:chExt cx="8077200" cy="3722132"/>
+            <a:off x="381000" y="1676400"/>
+            <a:ext cx="8077200" cy="3645932"/>
+            <a:chOff x="381000" y="1676400"/>
+            <a:chExt cx="8077200" cy="3645932"/>
           </a:xfrm>
         </p:grpSpPr>
         <p:sp>
@@ -6875,8 +9663,8 @@
           </p:nvSpPr>
           <p:spPr>
             <a:xfrm>
-              <a:off x="381000" y="1600200"/>
-              <a:ext cx="990600" cy="609600"/>
+              <a:off x="381000" y="1676400"/>
+              <a:ext cx="990600" cy="533400"/>
             </a:xfrm>
             <a:prstGeom prst="rect">
               <a:avLst/>
@@ -6923,8 +9711,8 @@
           </p:nvSpPr>
           <p:spPr>
             <a:xfrm>
-              <a:off x="1905000" y="1676400"/>
-              <a:ext cx="990600" cy="609600"/>
+              <a:off x="1905000" y="1752600"/>
+              <a:ext cx="990600" cy="533400"/>
             </a:xfrm>
             <a:prstGeom prst="rect">
               <a:avLst/>
@@ -7153,6 +9941,108 @@
           </p:txBody>
         </p:sp>
       </p:grpSp>
+      <p:sp>
+        <p:nvSpPr>
+          <p:cNvPr id="14" name="TextBox 13"/>
+          <p:cNvSpPr txBox="1"/>
+          <p:nvPr/>
+        </p:nvSpPr>
+        <p:spPr>
+          <a:xfrm>
+            <a:off x="5181600" y="1371600"/>
+            <a:ext cx="2791149" cy="369332"/>
+          </a:xfrm>
+          <a:prstGeom prst="rect">
+            <a:avLst/>
+          </a:prstGeom>
+          <a:noFill/>
+        </p:spPr>
+        <p:txBody>
+          <a:bodyPr wrap="none" rtlCol="0">
+            <a:spAutoFit/>
+          </a:bodyPr>
+          <a:lstStyle/>
+          <a:p>
+            <a:r>
+              <a:rPr lang="en-US" dirty="0" smtClean="0"/>
+              <a:t>Is the function f non-linear?</a:t>
+            </a:r>
+            <a:endParaRPr lang="en-US" dirty="0"/>
+          </a:p>
+        </p:txBody>
+      </p:sp>
+      <p:sp>
+        <p:nvSpPr>
+          <p:cNvPr id="15" name="TextBox 14"/>
+          <p:cNvSpPr txBox="1"/>
+          <p:nvPr/>
+        </p:nvSpPr>
+        <p:spPr>
+          <a:xfrm>
+            <a:off x="152400" y="914400"/>
+            <a:ext cx="1992340" cy="646331"/>
+          </a:xfrm>
+          <a:prstGeom prst="rect">
+            <a:avLst/>
+          </a:prstGeom>
+          <a:noFill/>
+        </p:spPr>
+        <p:txBody>
+          <a:bodyPr wrap="none" rtlCol="0">
+            <a:spAutoFit/>
+          </a:bodyPr>
+          <a:lstStyle/>
+          <a:p>
+            <a:r>
+              <a:rPr lang="en-US" dirty="0" smtClean="0"/>
+              <a:t>Input from another</a:t>
+            </a:r>
+          </a:p>
+          <a:p>
+            <a:r>
+              <a:rPr lang="en-US" dirty="0" smtClean="0"/>
+              <a:t>neuron j or source</a:t>
+            </a:r>
+            <a:endParaRPr lang="en-US" dirty="0"/>
+          </a:p>
+        </p:txBody>
+      </p:sp>
+      <p:sp>
+        <p:nvSpPr>
+          <p:cNvPr id="16" name="TextBox 15"/>
+          <p:cNvSpPr txBox="1"/>
+          <p:nvPr/>
+        </p:nvSpPr>
+        <p:spPr>
+          <a:xfrm>
+            <a:off x="2209800" y="1182469"/>
+            <a:ext cx="1891095" cy="646331"/>
+          </a:xfrm>
+          <a:prstGeom prst="rect">
+            <a:avLst/>
+          </a:prstGeom>
+          <a:noFill/>
+        </p:spPr>
+        <p:txBody>
+          <a:bodyPr wrap="none" rtlCol="0">
+            <a:spAutoFit/>
+          </a:bodyPr>
+          <a:lstStyle/>
+          <a:p>
+            <a:r>
+              <a:rPr lang="en-US" dirty="0" smtClean="0"/>
+              <a:t>Weight associated</a:t>
+            </a:r>
+          </a:p>
+          <a:p>
+            <a:r>
+              <a:rPr lang="en-US" dirty="0" smtClean="0"/>
+              <a:t>To link</a:t>
+            </a:r>
+            <a:endParaRPr lang="en-US" dirty="0"/>
+          </a:p>
+        </p:txBody>
+      </p:sp>
     </p:spTree>
   </p:cSld>
   <p:clrMapOvr>
@@ -7307,6 +10197,59 @@
                       </p:childTnLst>
                     </p:cTn>
                   </p:par>
+                  <p:par>
+                    <p:cTn id="16" fill="hold">
+                      <p:stCondLst>
+                        <p:cond delay="indefinite"/>
+                      </p:stCondLst>
+                      <p:childTnLst>
+                        <p:par>
+                          <p:cTn id="17" fill="hold">
+                            <p:stCondLst>
+                              <p:cond delay="0"/>
+                            </p:stCondLst>
+                            <p:childTnLst>
+                              <p:par>
+                                <p:cTn id="18" presetID="10" presetClass="entr" presetSubtype="0" fill="hold" grpId="0" nodeType="clickEffect">
+                                  <p:stCondLst>
+                                    <p:cond delay="0"/>
+                                  </p:stCondLst>
+                                  <p:childTnLst>
+                                    <p:set>
+                                      <p:cBhvr>
+                                        <p:cTn id="19" dur="1" fill="hold">
+                                          <p:stCondLst>
+                                            <p:cond delay="0"/>
+                                          </p:stCondLst>
+                                        </p:cTn>
+                                        <p:tgtEl>
+                                          <p:spTgt spid="14"/>
+                                        </p:tgtEl>
+                                        <p:attrNameLst>
+                                          <p:attrName>style.visibility</p:attrName>
+                                        </p:attrNameLst>
+                                      </p:cBhvr>
+                                      <p:to>
+                                        <p:strVal val="visible"/>
+                                      </p:to>
+                                    </p:set>
+                                    <p:animEffect transition="in" filter="fade">
+                                      <p:cBhvr>
+                                        <p:cTn id="20" dur="2000"/>
+                                        <p:tgtEl>
+                                          <p:spTgt spid="14"/>
+                                        </p:tgtEl>
+                                      </p:cBhvr>
+                                    </p:animEffect>
+                                  </p:childTnLst>
+                                </p:cTn>
+                              </p:par>
+                            </p:childTnLst>
+                          </p:cTn>
+                        </p:par>
+                      </p:childTnLst>
+                    </p:cTn>
+                  </p:par>
                 </p:childTnLst>
               </p:cTn>
               <p:prevCondLst>
@@ -7328,73 +10271,10 @@
         </p:cTn>
       </p:par>
     </p:tnLst>
+    <p:bldLst>
+      <p:bldP spid="14" grpId="0"/>
+    </p:bldLst>
   </p:timing>
-</p:sld>
-</file>
-
-<file path=ppt/slides/slide7.xml><?xml version="1.0" encoding="utf-8"?>
-<p:sld xmlns:a="http://schemas.openxmlformats.org/drawingml/2006/main" xmlns:r="http://schemas.openxmlformats.org/officeDocument/2006/relationships" xmlns:p="http://schemas.openxmlformats.org/presentationml/2006/main">
-  <p:cSld>
-    <p:spTree>
-      <p:nvGrpSpPr>
-        <p:cNvPr id="1" name=""/>
-        <p:cNvGrpSpPr/>
-        <p:nvPr/>
-      </p:nvGrpSpPr>
-      <p:grpSpPr>
-        <a:xfrm>
-          <a:off x="0" y="0"/>
-          <a:ext cx="0" cy="0"/>
-          <a:chOff x="0" y="0"/>
-          <a:chExt cx="0" cy="0"/>
-        </a:xfrm>
-      </p:grpSpPr>
-      <p:sp>
-        <p:nvSpPr>
-          <p:cNvPr id="2" name="Title 1"/>
-          <p:cNvSpPr>
-            <a:spLocks noGrp="1"/>
-          </p:cNvSpPr>
-          <p:nvPr>
-            <p:ph type="title"/>
-          </p:nvPr>
-        </p:nvSpPr>
-        <p:spPr/>
-        <p:txBody>
-          <a:bodyPr/>
-          <a:lstStyle/>
-          <a:p>
-            <a:endParaRPr lang="en-US"/>
-          </a:p>
-        </p:txBody>
-      </p:sp>
-      <p:sp>
-        <p:nvSpPr>
-          <p:cNvPr id="3" name="Content Placeholder 2"/>
-          <p:cNvSpPr>
-            <a:spLocks noGrp="1"/>
-          </p:cNvSpPr>
-          <p:nvPr>
-            <p:ph idx="1"/>
-          </p:nvPr>
-        </p:nvSpPr>
-        <p:spPr/>
-        <p:txBody>
-          <a:bodyPr/>
-          <a:lstStyle/>
-          <a:p>
-            <a:pPr>
-              <a:buNone/>
-            </a:pPr>
-            <a:endParaRPr lang="en-US" dirty="0"/>
-          </a:p>
-        </p:txBody>
-      </p:sp>
-    </p:spTree>
-  </p:cSld>
-  <p:clrMapOvr>
-    <a:masterClrMapping/>
-  </p:clrMapOvr>
 </p:sld>
 </file>
 
@@ -7417,7 +10297,7 @@
       </p:grpSpPr>
       <p:sp>
         <p:nvSpPr>
-          <p:cNvPr id="2" name="Title 1"/>
+          <p:cNvPr id="3" name="Title 2"/>
           <p:cNvSpPr>
             <a:spLocks noGrp="1"/>
           </p:cNvSpPr>
@@ -7430,13 +10310,17 @@
           <a:bodyPr/>
           <a:lstStyle/>
           <a:p>
-            <a:endParaRPr lang="en-US"/>
-          </a:p>
-        </p:txBody>
-      </p:sp>
-      <p:sp>
-        <p:nvSpPr>
-          <p:cNvPr id="3" name="Content Placeholder 2"/>
+            <a:r>
+              <a:rPr lang="en-US" dirty="0" smtClean="0"/>
+              <a:t>Vector talk, I don’t understand.</a:t>
+            </a:r>
+            <a:endParaRPr lang="en-US" dirty="0"/>
+          </a:p>
+        </p:txBody>
+      </p:sp>
+      <p:sp>
+        <p:nvSpPr>
+          <p:cNvPr id="4" name="Content Placeholder 3"/>
           <p:cNvSpPr>
             <a:spLocks noGrp="1"/>
           </p:cNvSpPr>
@@ -7450,17 +10334,267 @@
           <a:lstStyle/>
           <a:p>
             <a:r>
+              <a:rPr lang="en-US" dirty="0" err="1" smtClean="0"/>
+              <a:t>Net_i</a:t>
+            </a:r>
+            <a:r>
               <a:rPr lang="en-US" dirty="0" smtClean="0"/>
-              <a:t>Each layer performs an analog integration of it inputs.</a:t>
-            </a:r>
+              <a:t> = o * </a:t>
+            </a:r>
+            <a:r>
+              <a:rPr lang="en-US" dirty="0" err="1" smtClean="0"/>
+              <a:t>w_i</a:t>
+            </a:r>
+            <a:endParaRPr lang="en-US" dirty="0" smtClean="0"/>
           </a:p>
           <a:p>
             <a:r>
               <a:rPr lang="en-US" dirty="0" smtClean="0"/>
-              <a:t>From this integration an activation value is determined.</a:t>
-            </a:r>
-          </a:p>
-          <a:p>
+              <a:t>||o||||</a:t>
+            </a:r>
+            <a:r>
+              <a:rPr lang="en-US" dirty="0" err="1" smtClean="0"/>
+              <a:t>W_i</a:t>
+            </a:r>
+            <a:r>
+              <a:rPr lang="en-US" dirty="0" smtClean="0"/>
+              <a:t>|| * </a:t>
+            </a:r>
+            <a:r>
+              <a:rPr lang="en-US" dirty="0" err="1" smtClean="0"/>
+              <a:t>cos</a:t>
+            </a:r>
+            <a:r>
+              <a:rPr lang="en-US" dirty="0" smtClean="0"/>
+              <a:t>(theta)</a:t>
+            </a:r>
+          </a:p>
+          <a:p>
+            <a:endParaRPr lang="en-US" dirty="0" smtClean="0"/>
+          </a:p>
+        </p:txBody>
+      </p:sp>
+      <p:cxnSp>
+        <p:nvCxnSpPr>
+          <p:cNvPr id="6" name="Straight Arrow Connector 5"/>
+          <p:cNvCxnSpPr/>
+          <p:nvPr/>
+        </p:nvCxnSpPr>
+        <p:spPr>
+          <a:xfrm rot="5400000" flipH="1" flipV="1">
+            <a:off x="990600" y="4648200"/>
+            <a:ext cx="1981200" cy="304800"/>
+          </a:xfrm>
+          <a:prstGeom prst="straightConnector1">
+            <a:avLst/>
+          </a:prstGeom>
+          <a:ln>
+            <a:tailEnd type="arrow"/>
+          </a:ln>
+        </p:spPr>
+        <p:style>
+          <a:lnRef idx="1">
+            <a:schemeClr val="accent1"/>
+          </a:lnRef>
+          <a:fillRef idx="0">
+            <a:schemeClr val="accent1"/>
+          </a:fillRef>
+          <a:effectRef idx="0">
+            <a:schemeClr val="accent1"/>
+          </a:effectRef>
+          <a:fontRef idx="minor">
+            <a:schemeClr val="tx1"/>
+          </a:fontRef>
+        </p:style>
+      </p:cxnSp>
+      <p:cxnSp>
+        <p:nvCxnSpPr>
+          <p:cNvPr id="8" name="Straight Arrow Connector 7"/>
+          <p:cNvCxnSpPr/>
+          <p:nvPr/>
+        </p:nvCxnSpPr>
+        <p:spPr>
+          <a:xfrm rot="5400000" flipH="1" flipV="1">
+            <a:off x="1485900" y="3619500"/>
+            <a:ext cx="2514600" cy="1828800"/>
+          </a:xfrm>
+          <a:prstGeom prst="straightConnector1">
+            <a:avLst/>
+          </a:prstGeom>
+          <a:ln>
+            <a:tailEnd type="arrow"/>
+          </a:ln>
+        </p:spPr>
+        <p:style>
+          <a:lnRef idx="1">
+            <a:schemeClr val="accent1"/>
+          </a:lnRef>
+          <a:fillRef idx="0">
+            <a:schemeClr val="accent1"/>
+          </a:fillRef>
+          <a:effectRef idx="0">
+            <a:schemeClr val="accent1"/>
+          </a:effectRef>
+          <a:fontRef idx="minor">
+            <a:schemeClr val="tx1"/>
+          </a:fontRef>
+        </p:style>
+      </p:cxnSp>
+      <p:cxnSp>
+        <p:nvCxnSpPr>
+          <p:cNvPr id="12" name="Straight Connector 11"/>
+          <p:cNvCxnSpPr/>
+          <p:nvPr/>
+        </p:nvCxnSpPr>
+        <p:spPr>
+          <a:xfrm>
+            <a:off x="2133600" y="3810000"/>
+            <a:ext cx="762000" cy="533400"/>
+          </a:xfrm>
+          <a:prstGeom prst="line">
+            <a:avLst/>
+          </a:prstGeom>
+          <a:ln>
+            <a:prstDash val="sysDash"/>
+          </a:ln>
+        </p:spPr>
+        <p:style>
+          <a:lnRef idx="1">
+            <a:schemeClr val="accent1"/>
+          </a:lnRef>
+          <a:fillRef idx="0">
+            <a:schemeClr val="accent1"/>
+          </a:fillRef>
+          <a:effectRef idx="0">
+            <a:schemeClr val="accent1"/>
+          </a:effectRef>
+          <a:fontRef idx="minor">
+            <a:schemeClr val="tx1"/>
+          </a:fontRef>
+        </p:style>
+      </p:cxnSp>
+      <p:sp>
+        <p:nvSpPr>
+          <p:cNvPr id="15" name="TextBox 14"/>
+          <p:cNvSpPr txBox="1"/>
+          <p:nvPr/>
+        </p:nvSpPr>
+        <p:spPr>
+          <a:xfrm>
+            <a:off x="1600200" y="4191000"/>
+            <a:ext cx="295274" cy="369332"/>
+          </a:xfrm>
+          <a:prstGeom prst="rect">
+            <a:avLst/>
+          </a:prstGeom>
+          <a:noFill/>
+        </p:spPr>
+        <p:txBody>
+          <a:bodyPr wrap="none" rtlCol="0">
+            <a:spAutoFit/>
+          </a:bodyPr>
+          <a:lstStyle/>
+          <a:p>
+            <a:r>
+              <a:rPr lang="en-US" dirty="0" smtClean="0"/>
+              <a:t>a</a:t>
+            </a:r>
+            <a:endParaRPr lang="en-US" dirty="0"/>
+          </a:p>
+        </p:txBody>
+      </p:sp>
+      <p:sp>
+        <p:nvSpPr>
+          <p:cNvPr id="16" name="TextBox 15"/>
+          <p:cNvSpPr txBox="1"/>
+          <p:nvPr/>
+        </p:nvSpPr>
+        <p:spPr>
+          <a:xfrm>
+            <a:off x="2667000" y="4800600"/>
+            <a:ext cx="306494" cy="369332"/>
+          </a:xfrm>
+          <a:prstGeom prst="rect">
+            <a:avLst/>
+          </a:prstGeom>
+          <a:noFill/>
+        </p:spPr>
+        <p:txBody>
+          <a:bodyPr wrap="none" rtlCol="0">
+            <a:spAutoFit/>
+          </a:bodyPr>
+          <a:lstStyle/>
+          <a:p>
+            <a:r>
+              <a:rPr lang="en-US" dirty="0" smtClean="0"/>
+              <a:t>b</a:t>
+            </a:r>
+            <a:endParaRPr lang="en-US" dirty="0"/>
+          </a:p>
+        </p:txBody>
+      </p:sp>
+      <p:sp>
+        <p:nvSpPr>
+          <p:cNvPr id="17" name="TextBox 16"/>
+          <p:cNvSpPr txBox="1"/>
+          <p:nvPr/>
+        </p:nvSpPr>
+        <p:spPr>
+          <a:xfrm>
+            <a:off x="4495800" y="3657600"/>
+            <a:ext cx="4098173" cy="646331"/>
+          </a:xfrm>
+          <a:prstGeom prst="rect">
+            <a:avLst/>
+          </a:prstGeom>
+          <a:noFill/>
+        </p:spPr>
+        <p:txBody>
+          <a:bodyPr wrap="none" rtlCol="0">
+            <a:spAutoFit/>
+          </a:bodyPr>
+          <a:lstStyle/>
+          <a:p>
+            <a:r>
+              <a:rPr lang="en-US" dirty="0" smtClean="0"/>
+              <a:t>Inner product of a and b, is the projection</a:t>
+            </a:r>
+          </a:p>
+          <a:p>
+            <a:r>
+              <a:rPr lang="en-US" dirty="0" smtClean="0"/>
+              <a:t>Of a on b</a:t>
+            </a:r>
+            <a:endParaRPr lang="en-US" dirty="0"/>
+          </a:p>
+        </p:txBody>
+      </p:sp>
+      <p:sp>
+        <p:nvSpPr>
+          <p:cNvPr id="18" name="TextBox 17"/>
+          <p:cNvSpPr txBox="1"/>
+          <p:nvPr/>
+        </p:nvSpPr>
+        <p:spPr>
+          <a:xfrm>
+            <a:off x="4495800" y="3288268"/>
+            <a:ext cx="3043397" cy="369332"/>
+          </a:xfrm>
+          <a:prstGeom prst="rect">
+            <a:avLst/>
+          </a:prstGeom>
+          <a:noFill/>
+        </p:spPr>
+        <p:txBody>
+          <a:bodyPr wrap="none" rtlCol="0">
+            <a:spAutoFit/>
+          </a:bodyPr>
+          <a:lstStyle/>
+          <a:p>
+            <a:r>
+              <a:rPr lang="en-US" dirty="0" smtClean="0"/>
+              <a:t>Inner Product == Dot Product?</a:t>
+            </a:r>
             <a:endParaRPr lang="en-US" dirty="0"/>
           </a:p>
         </p:txBody>
@@ -7497,6 +10631,529 @@
           <a:chExt cx="0" cy="0"/>
         </a:xfrm>
       </p:grpSpPr>
+      <p:pic>
+        <p:nvPicPr>
+          <p:cNvPr id="30723" name="Picture 3"/>
+          <p:cNvPicPr>
+            <a:picLocks noChangeAspect="1" noChangeArrowheads="1"/>
+          </p:cNvPicPr>
+          <p:nvPr/>
+        </p:nvPicPr>
+        <p:blipFill>
+          <a:blip r:embed="rId3" cstate="print"/>
+          <a:srcRect/>
+          <a:stretch>
+            <a:fillRect/>
+          </a:stretch>
+        </p:blipFill>
+        <p:spPr bwMode="auto">
+          <a:xfrm>
+            <a:off x="561975" y="3238500"/>
+            <a:ext cx="6296025" cy="2933700"/>
+          </a:xfrm>
+          <a:prstGeom prst="rect">
+            <a:avLst/>
+          </a:prstGeom>
+          <a:noFill/>
+          <a:ln w="9525">
+            <a:noFill/>
+            <a:miter lim="800000"/>
+            <a:headEnd/>
+            <a:tailEnd/>
+          </a:ln>
+          <a:effectLst/>
+        </p:spPr>
+      </p:pic>
+      <p:grpSp>
+        <p:nvGrpSpPr>
+          <p:cNvPr id="10" name="Group 9"/>
+          <p:cNvGrpSpPr/>
+          <p:nvPr/>
+        </p:nvGrpSpPr>
+        <p:grpSpPr>
+          <a:xfrm>
+            <a:off x="6553200" y="1600200"/>
+            <a:ext cx="914400" cy="914400"/>
+            <a:chOff x="4343400" y="3733800"/>
+            <a:chExt cx="914400" cy="914400"/>
+          </a:xfrm>
+        </p:grpSpPr>
+        <p:sp>
+          <p:nvSpPr>
+            <p:cNvPr id="9" name="Oval 8"/>
+            <p:cNvSpPr/>
+            <p:nvPr/>
+          </p:nvSpPr>
+          <p:spPr>
+            <a:xfrm>
+              <a:off x="4343400" y="3733800"/>
+              <a:ext cx="914400" cy="914400"/>
+            </a:xfrm>
+            <a:prstGeom prst="ellipse">
+              <a:avLst/>
+            </a:prstGeom>
+          </p:spPr>
+          <p:style>
+            <a:lnRef idx="2">
+              <a:schemeClr val="accent1"/>
+            </a:lnRef>
+            <a:fillRef idx="1">
+              <a:schemeClr val="lt1"/>
+            </a:fillRef>
+            <a:effectRef idx="0">
+              <a:schemeClr val="accent1"/>
+            </a:effectRef>
+            <a:fontRef idx="minor">
+              <a:schemeClr val="dk1"/>
+            </a:fontRef>
+          </p:style>
+          <p:txBody>
+            <a:bodyPr rtlCol="0" anchor="ctr"/>
+            <a:lstStyle/>
+            <a:p>
+              <a:pPr algn="ctr"/>
+              <a:endParaRPr lang="en-US"/>
+            </a:p>
+          </p:txBody>
+        </p:sp>
+        <p:pic>
+          <p:nvPicPr>
+            <p:cNvPr id="30724" name="Picture 4"/>
+            <p:cNvPicPr>
+              <a:picLocks noChangeAspect="1" noChangeArrowheads="1"/>
+            </p:cNvPicPr>
+            <p:nvPr/>
+          </p:nvPicPr>
+          <p:blipFill>
+            <a:blip r:embed="rId4" cstate="print"/>
+            <a:srcRect/>
+            <a:stretch>
+              <a:fillRect/>
+            </a:stretch>
+          </p:blipFill>
+          <p:spPr bwMode="auto">
+            <a:xfrm>
+              <a:off x="4495800" y="4105275"/>
+              <a:ext cx="95250" cy="161925"/>
+            </a:xfrm>
+            <a:prstGeom prst="rect">
+              <a:avLst/>
+            </a:prstGeom>
+            <a:noFill/>
+            <a:ln w="9525">
+              <a:noFill/>
+              <a:miter lim="800000"/>
+              <a:headEnd/>
+              <a:tailEnd/>
+            </a:ln>
+            <a:effectLst/>
+          </p:spPr>
+        </p:pic>
+        <p:sp>
+          <p:nvSpPr>
+            <p:cNvPr id="8" name="TextBox 7"/>
+            <p:cNvSpPr txBox="1"/>
+            <p:nvPr/>
+          </p:nvSpPr>
+          <p:spPr>
+            <a:xfrm>
+              <a:off x="4572000" y="3999344"/>
+              <a:ext cx="593432" cy="338554"/>
+            </a:xfrm>
+            <a:prstGeom prst="rect">
+              <a:avLst/>
+            </a:prstGeom>
+            <a:noFill/>
+          </p:spPr>
+          <p:txBody>
+            <a:bodyPr wrap="none" rtlCol="0">
+              <a:spAutoFit/>
+            </a:bodyPr>
+            <a:lstStyle/>
+            <a:p>
+              <a:r>
+                <a:rPr lang="en-US" sz="1600" dirty="0" smtClean="0"/>
+                <a:t>= 0.4</a:t>
+              </a:r>
+              <a:endParaRPr lang="en-US" sz="1600" dirty="0"/>
+            </a:p>
+          </p:txBody>
+        </p:sp>
+      </p:grpSp>
+      <p:sp>
+        <p:nvSpPr>
+          <p:cNvPr id="12" name="Oval 11"/>
+          <p:cNvSpPr/>
+          <p:nvPr/>
+        </p:nvSpPr>
+        <p:spPr>
+          <a:xfrm>
+            <a:off x="4953000" y="4114800"/>
+            <a:ext cx="838200" cy="838200"/>
+          </a:xfrm>
+          <a:prstGeom prst="ellipse">
+            <a:avLst/>
+          </a:prstGeom>
+          <a:ln>
+            <a:noFill/>
+          </a:ln>
+        </p:spPr>
+        <p:style>
+          <a:lnRef idx="2">
+            <a:schemeClr val="accent1"/>
+          </a:lnRef>
+          <a:fillRef idx="1">
+            <a:schemeClr val="lt1"/>
+          </a:fillRef>
+          <a:effectRef idx="0">
+            <a:schemeClr val="accent1"/>
+          </a:effectRef>
+          <a:fontRef idx="minor">
+            <a:schemeClr val="dk1"/>
+          </a:fontRef>
+        </p:style>
+        <p:txBody>
+          <a:bodyPr rtlCol="0" anchor="ctr"/>
+          <a:lstStyle/>
+          <a:p>
+            <a:pPr algn="ctr"/>
+            <a:r>
+              <a:rPr lang="en-US" dirty="0" smtClean="0"/>
+              <a:t>0.0</a:t>
+            </a:r>
+            <a:endParaRPr lang="en-US" dirty="0"/>
+          </a:p>
+        </p:txBody>
+      </p:sp>
+      <p:sp>
+        <p:nvSpPr>
+          <p:cNvPr id="15" name="Oval 14"/>
+          <p:cNvSpPr/>
+          <p:nvPr/>
+        </p:nvSpPr>
+        <p:spPr>
+          <a:xfrm>
+            <a:off x="6045200" y="4114800"/>
+            <a:ext cx="838200" cy="838200"/>
+          </a:xfrm>
+          <a:prstGeom prst="ellipse">
+            <a:avLst/>
+          </a:prstGeom>
+          <a:ln>
+            <a:noFill/>
+          </a:ln>
+        </p:spPr>
+        <p:style>
+          <a:lnRef idx="2">
+            <a:schemeClr val="accent1"/>
+          </a:lnRef>
+          <a:fillRef idx="1">
+            <a:schemeClr val="lt1"/>
+          </a:fillRef>
+          <a:effectRef idx="0">
+            <a:schemeClr val="accent1"/>
+          </a:effectRef>
+          <a:fontRef idx="minor">
+            <a:schemeClr val="dk1"/>
+          </a:fontRef>
+        </p:style>
+        <p:txBody>
+          <a:bodyPr rtlCol="0" anchor="ctr"/>
+          <a:lstStyle/>
+          <a:p>
+            <a:pPr algn="ctr"/>
+            <a:r>
+              <a:rPr lang="en-US" dirty="0" smtClean="0"/>
+              <a:t>0.2</a:t>
+            </a:r>
+            <a:endParaRPr lang="en-US" dirty="0"/>
+          </a:p>
+        </p:txBody>
+      </p:sp>
+      <p:sp>
+        <p:nvSpPr>
+          <p:cNvPr id="16" name="Oval 15"/>
+          <p:cNvSpPr/>
+          <p:nvPr/>
+        </p:nvSpPr>
+        <p:spPr>
+          <a:xfrm>
+            <a:off x="7137400" y="4114800"/>
+            <a:ext cx="838200" cy="838200"/>
+          </a:xfrm>
+          <a:prstGeom prst="ellipse">
+            <a:avLst/>
+          </a:prstGeom>
+          <a:ln>
+            <a:noFill/>
+          </a:ln>
+        </p:spPr>
+        <p:style>
+          <a:lnRef idx="2">
+            <a:schemeClr val="accent1"/>
+          </a:lnRef>
+          <a:fillRef idx="1">
+            <a:schemeClr val="lt1"/>
+          </a:fillRef>
+          <a:effectRef idx="0">
+            <a:schemeClr val="accent1"/>
+          </a:effectRef>
+          <a:fontRef idx="minor">
+            <a:schemeClr val="dk1"/>
+          </a:fontRef>
+        </p:style>
+        <p:txBody>
+          <a:bodyPr rtlCol="0" anchor="ctr"/>
+          <a:lstStyle/>
+          <a:p>
+            <a:pPr algn="ctr"/>
+            <a:r>
+              <a:rPr lang="en-US" dirty="0" smtClean="0"/>
+              <a:t>0.3</a:t>
+            </a:r>
+            <a:endParaRPr lang="en-US" dirty="0"/>
+          </a:p>
+        </p:txBody>
+      </p:sp>
+      <p:sp>
+        <p:nvSpPr>
+          <p:cNvPr id="17" name="Oval 16"/>
+          <p:cNvSpPr/>
+          <p:nvPr/>
+        </p:nvSpPr>
+        <p:spPr>
+          <a:xfrm>
+            <a:off x="8229600" y="4114800"/>
+            <a:ext cx="838200" cy="838200"/>
+          </a:xfrm>
+          <a:prstGeom prst="ellipse">
+            <a:avLst/>
+          </a:prstGeom>
+          <a:ln>
+            <a:noFill/>
+          </a:ln>
+        </p:spPr>
+        <p:style>
+          <a:lnRef idx="2">
+            <a:schemeClr val="accent1"/>
+          </a:lnRef>
+          <a:fillRef idx="1">
+            <a:schemeClr val="lt1"/>
+          </a:fillRef>
+          <a:effectRef idx="0">
+            <a:schemeClr val="accent1"/>
+          </a:effectRef>
+          <a:fontRef idx="minor">
+            <a:schemeClr val="dk1"/>
+          </a:fontRef>
+        </p:style>
+        <p:txBody>
+          <a:bodyPr rtlCol="0" anchor="ctr"/>
+          <a:lstStyle/>
+          <a:p>
+            <a:pPr algn="ctr"/>
+            <a:r>
+              <a:rPr lang="en-US" dirty="0" smtClean="0"/>
+              <a:t>-0.2</a:t>
+            </a:r>
+            <a:endParaRPr lang="en-US" dirty="0"/>
+          </a:p>
+        </p:txBody>
+      </p:sp>
+      <p:cxnSp>
+        <p:nvCxnSpPr>
+          <p:cNvPr id="19" name="Straight Arrow Connector 18"/>
+          <p:cNvCxnSpPr>
+            <a:stCxn id="12" idx="0"/>
+          </p:cNvCxnSpPr>
+          <p:nvPr/>
+        </p:nvCxnSpPr>
+        <p:spPr>
+          <a:xfrm rot="5400000" flipH="1" flipV="1">
+            <a:off x="5391150" y="2495550"/>
+            <a:ext cx="1600200" cy="1638300"/>
+          </a:xfrm>
+          <a:prstGeom prst="straightConnector1">
+            <a:avLst/>
+          </a:prstGeom>
+          <a:ln>
+            <a:tailEnd type="arrow"/>
+          </a:ln>
+        </p:spPr>
+        <p:style>
+          <a:lnRef idx="1">
+            <a:schemeClr val="accent1"/>
+          </a:lnRef>
+          <a:fillRef idx="0">
+            <a:schemeClr val="accent1"/>
+          </a:fillRef>
+          <a:effectRef idx="0">
+            <a:schemeClr val="accent1"/>
+          </a:effectRef>
+          <a:fontRef idx="minor">
+            <a:schemeClr val="tx1"/>
+          </a:fontRef>
+        </p:style>
+      </p:cxnSp>
+      <p:cxnSp>
+        <p:nvCxnSpPr>
+          <p:cNvPr id="20" name="Straight Arrow Connector 19"/>
+          <p:cNvCxnSpPr>
+            <a:stCxn id="15" idx="0"/>
+          </p:cNvCxnSpPr>
+          <p:nvPr/>
+        </p:nvCxnSpPr>
+        <p:spPr>
+          <a:xfrm rot="5400000" flipH="1" flipV="1">
+            <a:off x="5937250" y="3041650"/>
+            <a:ext cx="1600200" cy="546100"/>
+          </a:xfrm>
+          <a:prstGeom prst="straightConnector1">
+            <a:avLst/>
+          </a:prstGeom>
+          <a:ln>
+            <a:tailEnd type="arrow"/>
+          </a:ln>
+        </p:spPr>
+        <p:style>
+          <a:lnRef idx="1">
+            <a:schemeClr val="accent1"/>
+          </a:lnRef>
+          <a:fillRef idx="0">
+            <a:schemeClr val="accent1"/>
+          </a:fillRef>
+          <a:effectRef idx="0">
+            <a:schemeClr val="accent1"/>
+          </a:effectRef>
+          <a:fontRef idx="minor">
+            <a:schemeClr val="tx1"/>
+          </a:fontRef>
+        </p:style>
+      </p:cxnSp>
+      <p:cxnSp>
+        <p:nvCxnSpPr>
+          <p:cNvPr id="23" name="Straight Arrow Connector 22"/>
+          <p:cNvCxnSpPr>
+            <a:stCxn id="16" idx="0"/>
+          </p:cNvCxnSpPr>
+          <p:nvPr/>
+        </p:nvCxnSpPr>
+        <p:spPr>
+          <a:xfrm rot="16200000" flipV="1">
+            <a:off x="6483350" y="3041650"/>
+            <a:ext cx="1600200" cy="546100"/>
+          </a:xfrm>
+          <a:prstGeom prst="straightConnector1">
+            <a:avLst/>
+          </a:prstGeom>
+          <a:ln>
+            <a:tailEnd type="arrow"/>
+          </a:ln>
+        </p:spPr>
+        <p:style>
+          <a:lnRef idx="1">
+            <a:schemeClr val="accent1"/>
+          </a:lnRef>
+          <a:fillRef idx="0">
+            <a:schemeClr val="accent1"/>
+          </a:fillRef>
+          <a:effectRef idx="0">
+            <a:schemeClr val="accent1"/>
+          </a:effectRef>
+          <a:fontRef idx="minor">
+            <a:schemeClr val="tx1"/>
+          </a:fontRef>
+        </p:style>
+      </p:cxnSp>
+      <p:cxnSp>
+        <p:nvCxnSpPr>
+          <p:cNvPr id="26" name="Straight Arrow Connector 25"/>
+          <p:cNvCxnSpPr>
+            <a:stCxn id="17" idx="0"/>
+          </p:cNvCxnSpPr>
+          <p:nvPr/>
+        </p:nvCxnSpPr>
+        <p:spPr>
+          <a:xfrm rot="16200000" flipV="1">
+            <a:off x="7029450" y="2495550"/>
+            <a:ext cx="1600200" cy="1638300"/>
+          </a:xfrm>
+          <a:prstGeom prst="straightConnector1">
+            <a:avLst/>
+          </a:prstGeom>
+          <a:ln>
+            <a:tailEnd type="arrow"/>
+          </a:ln>
+        </p:spPr>
+        <p:style>
+          <a:lnRef idx="1">
+            <a:schemeClr val="accent1"/>
+          </a:lnRef>
+          <a:fillRef idx="0">
+            <a:schemeClr val="accent1"/>
+          </a:fillRef>
+          <a:effectRef idx="0">
+            <a:schemeClr val="accent1"/>
+          </a:effectRef>
+          <a:fontRef idx="minor">
+            <a:schemeClr val="tx1"/>
+          </a:fontRef>
+        </p:style>
+      </p:cxnSp>
+      <p:sp>
+        <p:nvSpPr>
+          <p:cNvPr id="48" name="Title 47"/>
+          <p:cNvSpPr>
+            <a:spLocks noGrp="1"/>
+          </p:cNvSpPr>
+          <p:nvPr>
+            <p:ph type="title"/>
+          </p:nvPr>
+        </p:nvSpPr>
+        <p:spPr/>
+        <p:txBody>
+          <a:bodyPr/>
+          <a:lstStyle/>
+          <a:p>
+            <a:r>
+              <a:rPr lang="en-US" dirty="0" smtClean="0"/>
+              <a:t>Threshold Function</a:t>
+            </a:r>
+            <a:endParaRPr lang="en-US" dirty="0"/>
+          </a:p>
+        </p:txBody>
+      </p:sp>
+      <p:sp>
+        <p:nvSpPr>
+          <p:cNvPr id="47" name="Content Placeholder 46"/>
+          <p:cNvSpPr>
+            <a:spLocks noGrp="1"/>
+          </p:cNvSpPr>
+          <p:nvPr>
+            <p:ph idx="1"/>
+          </p:nvPr>
+        </p:nvSpPr>
+        <p:spPr/>
+        <p:txBody>
+          <a:bodyPr/>
+          <a:lstStyle/>
+          <a:p>
+            <a:r>
+              <a:rPr lang="en-US" dirty="0" smtClean="0"/>
+              <a:t>Hard Limited output</a:t>
+            </a:r>
+          </a:p>
+          <a:p>
+            <a:r>
+              <a:rPr lang="en-US" dirty="0" smtClean="0"/>
+              <a:t>Only two possible outputs 0 or 1</a:t>
+            </a:r>
+          </a:p>
+          <a:p>
+            <a:endParaRPr lang="en-US" dirty="0"/>
+          </a:p>
+        </p:txBody>
+      </p:sp>
     </p:spTree>
   </p:cSld>
   <p:clrMapOvr>
@@ -7505,11 +11162,93 @@
   <p:timing>
     <p:tnLst>
       <p:par>
-        <p:cTn id="1" dur="indefinite" restart="never" nodeType="tmRoot"/>
+        <p:cTn id="1" dur="indefinite" restart="never" nodeType="tmRoot">
+          <p:childTnLst>
+            <p:seq concurrent="1" nextAc="seek">
+              <p:cTn id="2" dur="indefinite" nodeType="mainSeq">
+                <p:childTnLst>
+                  <p:par>
+                    <p:cTn id="3" fill="hold">
+                      <p:stCondLst>
+                        <p:cond delay="indefinite"/>
+                      </p:stCondLst>
+                      <p:childTnLst>
+                        <p:par>
+                          <p:cTn id="4" fill="hold">
+                            <p:stCondLst>
+                              <p:cond delay="0"/>
+                            </p:stCondLst>
+                            <p:childTnLst>
+                              <p:par>
+                                <p:cTn id="5" presetID="10" presetClass="entr" presetSubtype="0" fill="hold" nodeType="clickEffect">
+                                  <p:stCondLst>
+                                    <p:cond delay="0"/>
+                                  </p:stCondLst>
+                                  <p:childTnLst>
+                                    <p:set>
+                                      <p:cBhvr>
+                                        <p:cTn id="6" dur="1" fill="hold">
+                                          <p:stCondLst>
+                                            <p:cond delay="0"/>
+                                          </p:stCondLst>
+                                        </p:cTn>
+                                        <p:tgtEl>
+                                          <p:spTgt spid="26"/>
+                                        </p:tgtEl>
+                                        <p:attrNameLst>
+                                          <p:attrName>style.visibility</p:attrName>
+                                        </p:attrNameLst>
+                                      </p:cBhvr>
+                                      <p:to>
+                                        <p:strVal val="visible"/>
+                                      </p:to>
+                                    </p:set>
+                                    <p:animEffect transition="in" filter="fade">
+                                      <p:cBhvr>
+                                        <p:cTn id="7" dur="2000"/>
+                                        <p:tgtEl>
+                                          <p:spTgt spid="26"/>
+                                        </p:tgtEl>
+                                      </p:cBhvr>
+                                    </p:animEffect>
+                                  </p:childTnLst>
+                                </p:cTn>
+                              </p:par>
+                            </p:childTnLst>
+                          </p:cTn>
+                        </p:par>
+                      </p:childTnLst>
+                    </p:cTn>
+                  </p:par>
+                </p:childTnLst>
+              </p:cTn>
+              <p:prevCondLst>
+                <p:cond evt="onPrev" delay="0">
+                  <p:tgtEl>
+                    <p:sldTgt/>
+                  </p:tgtEl>
+                </p:cond>
+              </p:prevCondLst>
+              <p:nextCondLst>
+                <p:cond evt="onNext" delay="0">
+                  <p:tgtEl>
+                    <p:sldTgt/>
+                  </p:tgtEl>
+                </p:cond>
+              </p:nextCondLst>
+            </p:seq>
+          </p:childTnLst>
+        </p:cTn>
       </p:par>
     </p:tnLst>
   </p:timing>
 </p:sld>
+</file>
+
+<file path=ppt/tags/tag1.xml><?xml version="1.0" encoding="utf-8"?>
+<p:tagLst xmlns:a="http://schemas.openxmlformats.org/drawingml/2006/main" xmlns:r="http://schemas.openxmlformats.org/officeDocument/2006/relationships" xmlns:p="http://schemas.openxmlformats.org/presentationml/2006/main">
+  <p:tag name="FIRSTVIPER@ZQZJMKMXSLWXY5MJ" val="3927"/>
+</p:tagLst>
 </file>
 
 <file path=ppt/theme/theme1.xml><?xml version="1.0" encoding="utf-8"?>

--- a/Neural Networks.pptx
+++ b/Neural Networks.pptx
@@ -12,9 +12,9 @@
     <p:sldId id="257" r:id="rId3"/>
     <p:sldId id="264" r:id="rId4"/>
     <p:sldId id="259" r:id="rId5"/>
-    <p:sldId id="258" r:id="rId6"/>
+    <p:sldId id="260" r:id="rId6"/>
     <p:sldId id="263" r:id="rId7"/>
-    <p:sldId id="260" r:id="rId8"/>
+    <p:sldId id="258" r:id="rId8"/>
     <p:sldId id="267" r:id="rId9"/>
     <p:sldId id="262" r:id="rId10"/>
     <p:sldId id="266" r:id="rId11"/>
@@ -4867,7 +4867,6 @@
               <a:rPr lang="en-US" i="1" dirty="0" smtClean="0"/>
               <a:t>continuous</a:t>
             </a:r>
-            <a:endParaRPr lang="en-US" i="1" dirty="0" smtClean="0"/>
           </a:p>
           <a:p>
             <a:r>
@@ -4960,7 +4959,7 @@
         </p:blipFill>
         <p:spPr bwMode="auto">
           <a:xfrm>
-            <a:off x="4565237" y="1600200"/>
+            <a:off x="4419600" y="1600200"/>
             <a:ext cx="4350163" cy="2743200"/>
           </a:xfrm>
           <a:prstGeom prst="rect">
@@ -4976,6 +4975,135 @@
           <a:effectLst/>
         </p:spPr>
       </p:pic>
+      <p:sp>
+        <p:nvSpPr>
+          <p:cNvPr id="7" name="Rectangle 6"/>
+          <p:cNvSpPr/>
+          <p:nvPr/>
+        </p:nvSpPr>
+        <p:spPr>
+          <a:xfrm>
+            <a:off x="7010400" y="1981200"/>
+            <a:ext cx="1066800" cy="838200"/>
+          </a:xfrm>
+          <a:prstGeom prst="rect">
+            <a:avLst/>
+          </a:prstGeom>
+          <a:solidFill>
+            <a:schemeClr val="accent1">
+              <a:alpha val="20000"/>
+            </a:schemeClr>
+          </a:solidFill>
+        </p:spPr>
+        <p:style>
+          <a:lnRef idx="1">
+            <a:schemeClr val="accent5"/>
+          </a:lnRef>
+          <a:fillRef idx="3">
+            <a:schemeClr val="accent5"/>
+          </a:fillRef>
+          <a:effectRef idx="2">
+            <a:schemeClr val="accent5"/>
+          </a:effectRef>
+          <a:fontRef idx="minor">
+            <a:schemeClr val="lt1"/>
+          </a:fontRef>
+        </p:style>
+        <p:txBody>
+          <a:bodyPr rtlCol="0" anchor="ctr"/>
+          <a:lstStyle/>
+          <a:p>
+            <a:pPr algn="ctr"/>
+            <a:endParaRPr lang="en-US"/>
+          </a:p>
+        </p:txBody>
+      </p:sp>
+      <p:sp>
+        <p:nvSpPr>
+          <p:cNvPr id="8" name="Rectangle 7"/>
+          <p:cNvSpPr/>
+          <p:nvPr/>
+        </p:nvSpPr>
+        <p:spPr>
+          <a:xfrm>
+            <a:off x="4724400" y="3505200"/>
+            <a:ext cx="1066800" cy="838200"/>
+          </a:xfrm>
+          <a:prstGeom prst="rect">
+            <a:avLst/>
+          </a:prstGeom>
+          <a:solidFill>
+            <a:schemeClr val="accent1">
+              <a:alpha val="20000"/>
+            </a:schemeClr>
+          </a:solidFill>
+        </p:spPr>
+        <p:style>
+          <a:lnRef idx="1">
+            <a:schemeClr val="accent5"/>
+          </a:lnRef>
+          <a:fillRef idx="3">
+            <a:schemeClr val="accent5"/>
+          </a:fillRef>
+          <a:effectRef idx="2">
+            <a:schemeClr val="accent5"/>
+          </a:effectRef>
+          <a:fontRef idx="minor">
+            <a:schemeClr val="lt1"/>
+          </a:fontRef>
+        </p:style>
+        <p:txBody>
+          <a:bodyPr rtlCol="0" anchor="ctr"/>
+          <a:lstStyle/>
+          <a:p>
+            <a:pPr algn="ctr"/>
+            <a:endParaRPr lang="en-US"/>
+          </a:p>
+        </p:txBody>
+      </p:sp>
+      <p:sp>
+        <p:nvSpPr>
+          <p:cNvPr id="10" name="Rectangle 9"/>
+          <p:cNvSpPr/>
+          <p:nvPr/>
+        </p:nvSpPr>
+        <p:spPr>
+          <a:xfrm>
+            <a:off x="5889810" y="2590800"/>
+            <a:ext cx="1066800" cy="1371600"/>
+          </a:xfrm>
+          <a:prstGeom prst="rect">
+            <a:avLst/>
+          </a:prstGeom>
+          <a:solidFill>
+            <a:srgbClr val="FF0000">
+              <a:alpha val="20000"/>
+            </a:srgbClr>
+          </a:solidFill>
+        </p:spPr>
+        <p:style>
+          <a:lnRef idx="1">
+            <a:schemeClr val="accent5"/>
+          </a:lnRef>
+          <a:fillRef idx="3">
+            <a:schemeClr val="accent5"/>
+          </a:fillRef>
+          <a:effectRef idx="2">
+            <a:schemeClr val="accent5"/>
+          </a:effectRef>
+          <a:fontRef idx="minor">
+            <a:schemeClr val="lt1"/>
+          </a:fontRef>
+        </p:style>
+        <p:txBody>
+          <a:bodyPr rtlCol="0" anchor="ctr"/>
+          <a:lstStyle/>
+          <a:p>
+            <a:pPr algn="ctr"/>
+            <a:endParaRPr lang="en-US"/>
+          </a:p>
+        </p:txBody>
+      </p:sp>
     </p:spTree>
   </p:cSld>
   <p:clrMapOvr>
@@ -4984,9 +5112,432 @@
   <p:timing>
     <p:tnLst>
       <p:par>
-        <p:cTn id="1" dur="indefinite" restart="never" nodeType="tmRoot"/>
+        <p:cTn id="1" dur="indefinite" restart="never" nodeType="tmRoot">
+          <p:childTnLst>
+            <p:seq concurrent="1" nextAc="seek">
+              <p:cTn id="2" dur="indefinite" nodeType="mainSeq">
+                <p:childTnLst>
+                  <p:par>
+                    <p:cTn id="3" fill="hold">
+                      <p:stCondLst>
+                        <p:cond delay="indefinite"/>
+                      </p:stCondLst>
+                      <p:childTnLst>
+                        <p:par>
+                          <p:cTn id="4" fill="hold">
+                            <p:stCondLst>
+                              <p:cond delay="0"/>
+                            </p:stCondLst>
+                            <p:childTnLst>
+                              <p:par>
+                                <p:cTn id="5" presetID="9" presetClass="entr" presetSubtype="0" fill="hold" grpId="0" nodeType="clickEffect">
+                                  <p:stCondLst>
+                                    <p:cond delay="0"/>
+                                  </p:stCondLst>
+                                  <p:childTnLst>
+                                    <p:set>
+                                      <p:cBhvr>
+                                        <p:cTn id="6" dur="1" fill="hold">
+                                          <p:stCondLst>
+                                            <p:cond delay="0"/>
+                                          </p:stCondLst>
+                                        </p:cTn>
+                                        <p:tgtEl>
+                                          <p:spTgt spid="9">
+                                            <p:txEl>
+                                              <p:pRg st="0" end="0"/>
+                                            </p:txEl>
+                                          </p:spTgt>
+                                        </p:tgtEl>
+                                        <p:attrNameLst>
+                                          <p:attrName>style.visibility</p:attrName>
+                                        </p:attrNameLst>
+                                      </p:cBhvr>
+                                      <p:to>
+                                        <p:strVal val="visible"/>
+                                      </p:to>
+                                    </p:set>
+                                    <p:animEffect transition="in" filter="dissolve">
+                                      <p:cBhvr>
+                                        <p:cTn id="7" dur="500"/>
+                                        <p:tgtEl>
+                                          <p:spTgt spid="9">
+                                            <p:txEl>
+                                              <p:pRg st="0" end="0"/>
+                                            </p:txEl>
+                                          </p:spTgt>
+                                        </p:tgtEl>
+                                      </p:cBhvr>
+                                    </p:animEffect>
+                                  </p:childTnLst>
+                                </p:cTn>
+                              </p:par>
+                            </p:childTnLst>
+                          </p:cTn>
+                        </p:par>
+                      </p:childTnLst>
+                    </p:cTn>
+                  </p:par>
+                  <p:par>
+                    <p:cTn id="8" fill="hold">
+                      <p:stCondLst>
+                        <p:cond delay="indefinite"/>
+                      </p:stCondLst>
+                      <p:childTnLst>
+                        <p:par>
+                          <p:cTn id="9" fill="hold">
+                            <p:stCondLst>
+                              <p:cond delay="0"/>
+                            </p:stCondLst>
+                            <p:childTnLst>
+                              <p:par>
+                                <p:cTn id="10" presetID="9" presetClass="entr" presetSubtype="0" fill="hold" grpId="0" nodeType="clickEffect">
+                                  <p:stCondLst>
+                                    <p:cond delay="0"/>
+                                  </p:stCondLst>
+                                  <p:childTnLst>
+                                    <p:set>
+                                      <p:cBhvr>
+                                        <p:cTn id="11" dur="1" fill="hold">
+                                          <p:stCondLst>
+                                            <p:cond delay="0"/>
+                                          </p:stCondLst>
+                                        </p:cTn>
+                                        <p:tgtEl>
+                                          <p:spTgt spid="7"/>
+                                        </p:tgtEl>
+                                        <p:attrNameLst>
+                                          <p:attrName>style.visibility</p:attrName>
+                                        </p:attrNameLst>
+                                      </p:cBhvr>
+                                      <p:to>
+                                        <p:strVal val="visible"/>
+                                      </p:to>
+                                    </p:set>
+                                    <p:animEffect transition="in" filter="dissolve">
+                                      <p:cBhvr>
+                                        <p:cTn id="12" dur="500"/>
+                                        <p:tgtEl>
+                                          <p:spTgt spid="7"/>
+                                        </p:tgtEl>
+                                      </p:cBhvr>
+                                    </p:animEffect>
+                                  </p:childTnLst>
+                                </p:cTn>
+                              </p:par>
+                              <p:par>
+                                <p:cTn id="13" presetID="9" presetClass="entr" presetSubtype="0" fill="hold" grpId="0" nodeType="withEffect">
+                                  <p:stCondLst>
+                                    <p:cond delay="0"/>
+                                  </p:stCondLst>
+                                  <p:childTnLst>
+                                    <p:set>
+                                      <p:cBhvr>
+                                        <p:cTn id="14" dur="1" fill="hold">
+                                          <p:stCondLst>
+                                            <p:cond delay="0"/>
+                                          </p:stCondLst>
+                                        </p:cTn>
+                                        <p:tgtEl>
+                                          <p:spTgt spid="8"/>
+                                        </p:tgtEl>
+                                        <p:attrNameLst>
+                                          <p:attrName>style.visibility</p:attrName>
+                                        </p:attrNameLst>
+                                      </p:cBhvr>
+                                      <p:to>
+                                        <p:strVal val="visible"/>
+                                      </p:to>
+                                    </p:set>
+                                    <p:animEffect transition="in" filter="dissolve">
+                                      <p:cBhvr>
+                                        <p:cTn id="15" dur="500"/>
+                                        <p:tgtEl>
+                                          <p:spTgt spid="8"/>
+                                        </p:tgtEl>
+                                      </p:cBhvr>
+                                    </p:animEffect>
+                                  </p:childTnLst>
+                                </p:cTn>
+                              </p:par>
+                            </p:childTnLst>
+                          </p:cTn>
+                        </p:par>
+                      </p:childTnLst>
+                    </p:cTn>
+                  </p:par>
+                  <p:par>
+                    <p:cTn id="16" fill="hold">
+                      <p:stCondLst>
+                        <p:cond delay="indefinite"/>
+                      </p:stCondLst>
+                      <p:childTnLst>
+                        <p:par>
+                          <p:cTn id="17" fill="hold">
+                            <p:stCondLst>
+                              <p:cond delay="0"/>
+                            </p:stCondLst>
+                            <p:childTnLst>
+                              <p:par>
+                                <p:cTn id="18" presetID="9" presetClass="entr" presetSubtype="0" fill="hold" grpId="0" nodeType="clickEffect">
+                                  <p:stCondLst>
+                                    <p:cond delay="0"/>
+                                  </p:stCondLst>
+                                  <p:childTnLst>
+                                    <p:set>
+                                      <p:cBhvr>
+                                        <p:cTn id="19" dur="1" fill="hold">
+                                          <p:stCondLst>
+                                            <p:cond delay="0"/>
+                                          </p:stCondLst>
+                                        </p:cTn>
+                                        <p:tgtEl>
+                                          <p:spTgt spid="10"/>
+                                        </p:tgtEl>
+                                        <p:attrNameLst>
+                                          <p:attrName>style.visibility</p:attrName>
+                                        </p:attrNameLst>
+                                      </p:cBhvr>
+                                      <p:to>
+                                        <p:strVal val="visible"/>
+                                      </p:to>
+                                    </p:set>
+                                    <p:animEffect transition="in" filter="dissolve">
+                                      <p:cBhvr>
+                                        <p:cTn id="20" dur="500"/>
+                                        <p:tgtEl>
+                                          <p:spTgt spid="10"/>
+                                        </p:tgtEl>
+                                      </p:cBhvr>
+                                    </p:animEffect>
+                                  </p:childTnLst>
+                                </p:cTn>
+                              </p:par>
+                            </p:childTnLst>
+                          </p:cTn>
+                        </p:par>
+                      </p:childTnLst>
+                    </p:cTn>
+                  </p:par>
+                  <p:par>
+                    <p:cTn id="21" fill="hold">
+                      <p:stCondLst>
+                        <p:cond delay="indefinite"/>
+                      </p:stCondLst>
+                      <p:childTnLst>
+                        <p:par>
+                          <p:cTn id="22" fill="hold">
+                            <p:stCondLst>
+                              <p:cond delay="0"/>
+                            </p:stCondLst>
+                            <p:childTnLst>
+                              <p:par>
+                                <p:cTn id="23" presetID="9" presetClass="entr" presetSubtype="0" fill="hold" grpId="0" nodeType="clickEffect">
+                                  <p:stCondLst>
+                                    <p:cond delay="0"/>
+                                  </p:stCondLst>
+                                  <p:childTnLst>
+                                    <p:set>
+                                      <p:cBhvr>
+                                        <p:cTn id="24" dur="1" fill="hold">
+                                          <p:stCondLst>
+                                            <p:cond delay="0"/>
+                                          </p:stCondLst>
+                                        </p:cTn>
+                                        <p:tgtEl>
+                                          <p:spTgt spid="9">
+                                            <p:txEl>
+                                              <p:pRg st="1" end="1"/>
+                                            </p:txEl>
+                                          </p:spTgt>
+                                        </p:tgtEl>
+                                        <p:attrNameLst>
+                                          <p:attrName>style.visibility</p:attrName>
+                                        </p:attrNameLst>
+                                      </p:cBhvr>
+                                      <p:to>
+                                        <p:strVal val="visible"/>
+                                      </p:to>
+                                    </p:set>
+                                    <p:animEffect transition="in" filter="dissolve">
+                                      <p:cBhvr>
+                                        <p:cTn id="25" dur="500"/>
+                                        <p:tgtEl>
+                                          <p:spTgt spid="9">
+                                            <p:txEl>
+                                              <p:pRg st="1" end="1"/>
+                                            </p:txEl>
+                                          </p:spTgt>
+                                        </p:tgtEl>
+                                      </p:cBhvr>
+                                    </p:animEffect>
+                                  </p:childTnLst>
+                                </p:cTn>
+                              </p:par>
+                            </p:childTnLst>
+                          </p:cTn>
+                        </p:par>
+                      </p:childTnLst>
+                    </p:cTn>
+                  </p:par>
+                  <p:par>
+                    <p:cTn id="26" fill="hold">
+                      <p:stCondLst>
+                        <p:cond delay="indefinite"/>
+                      </p:stCondLst>
+                      <p:childTnLst>
+                        <p:par>
+                          <p:cTn id="27" fill="hold">
+                            <p:stCondLst>
+                              <p:cond delay="0"/>
+                            </p:stCondLst>
+                            <p:childTnLst>
+                              <p:par>
+                                <p:cTn id="28" presetID="9" presetClass="entr" presetSubtype="0" fill="hold" grpId="0" nodeType="clickEffect">
+                                  <p:stCondLst>
+                                    <p:cond delay="0"/>
+                                  </p:stCondLst>
+                                  <p:childTnLst>
+                                    <p:set>
+                                      <p:cBhvr>
+                                        <p:cTn id="29" dur="1" fill="hold">
+                                          <p:stCondLst>
+                                            <p:cond delay="0"/>
+                                          </p:stCondLst>
+                                        </p:cTn>
+                                        <p:tgtEl>
+                                          <p:spTgt spid="9">
+                                            <p:txEl>
+                                              <p:pRg st="2" end="2"/>
+                                            </p:txEl>
+                                          </p:spTgt>
+                                        </p:tgtEl>
+                                        <p:attrNameLst>
+                                          <p:attrName>style.visibility</p:attrName>
+                                        </p:attrNameLst>
+                                      </p:cBhvr>
+                                      <p:to>
+                                        <p:strVal val="visible"/>
+                                      </p:to>
+                                    </p:set>
+                                    <p:animEffect transition="in" filter="dissolve">
+                                      <p:cBhvr>
+                                        <p:cTn id="30" dur="500"/>
+                                        <p:tgtEl>
+                                          <p:spTgt spid="9">
+                                            <p:txEl>
+                                              <p:pRg st="2" end="2"/>
+                                            </p:txEl>
+                                          </p:spTgt>
+                                        </p:tgtEl>
+                                      </p:cBhvr>
+                                    </p:animEffect>
+                                  </p:childTnLst>
+                                </p:cTn>
+                              </p:par>
+                              <p:par>
+                                <p:cTn id="31" presetID="9" presetClass="entr" presetSubtype="0" fill="hold" nodeType="withEffect">
+                                  <p:stCondLst>
+                                    <p:cond delay="0"/>
+                                  </p:stCondLst>
+                                  <p:childTnLst>
+                                    <p:set>
+                                      <p:cBhvr>
+                                        <p:cTn id="32" dur="1" fill="hold">
+                                          <p:stCondLst>
+                                            <p:cond delay="0"/>
+                                          </p:stCondLst>
+                                        </p:cTn>
+                                        <p:tgtEl>
+                                          <p:spTgt spid="31748"/>
+                                        </p:tgtEl>
+                                        <p:attrNameLst>
+                                          <p:attrName>style.visibility</p:attrName>
+                                        </p:attrNameLst>
+                                      </p:cBhvr>
+                                      <p:to>
+                                        <p:strVal val="visible"/>
+                                      </p:to>
+                                    </p:set>
+                                    <p:animEffect transition="in" filter="dissolve">
+                                      <p:cBhvr>
+                                        <p:cTn id="33" dur="500"/>
+                                        <p:tgtEl>
+                                          <p:spTgt spid="31748"/>
+                                        </p:tgtEl>
+                                      </p:cBhvr>
+                                    </p:animEffect>
+                                  </p:childTnLst>
+                                </p:cTn>
+                              </p:par>
+                              <p:par>
+                                <p:cTn id="34" presetID="9" presetClass="entr" presetSubtype="0" fill="hold" nodeType="withEffect">
+                                  <p:stCondLst>
+                                    <p:cond delay="0"/>
+                                  </p:stCondLst>
+                                  <p:childTnLst>
+                                    <p:set>
+                                      <p:cBhvr>
+                                        <p:cTn id="35" dur="1" fill="hold">
+                                          <p:stCondLst>
+                                            <p:cond delay="0"/>
+                                          </p:stCondLst>
+                                        </p:cTn>
+                                        <p:tgtEl>
+                                          <p:spTgt spid="31747"/>
+                                        </p:tgtEl>
+                                        <p:attrNameLst>
+                                          <p:attrName>style.visibility</p:attrName>
+                                        </p:attrNameLst>
+                                      </p:cBhvr>
+                                      <p:to>
+                                        <p:strVal val="visible"/>
+                                      </p:to>
+                                    </p:set>
+                                    <p:animEffect transition="in" filter="dissolve">
+                                      <p:cBhvr>
+                                        <p:cTn id="36" dur="500"/>
+                                        <p:tgtEl>
+                                          <p:spTgt spid="31747"/>
+                                        </p:tgtEl>
+                                      </p:cBhvr>
+                                    </p:animEffect>
+                                  </p:childTnLst>
+                                </p:cTn>
+                              </p:par>
+                            </p:childTnLst>
+                          </p:cTn>
+                        </p:par>
+                      </p:childTnLst>
+                    </p:cTn>
+                  </p:par>
+                </p:childTnLst>
+              </p:cTn>
+              <p:prevCondLst>
+                <p:cond evt="onPrev" delay="0">
+                  <p:tgtEl>
+                    <p:sldTgt/>
+                  </p:tgtEl>
+                </p:cond>
+              </p:prevCondLst>
+              <p:nextCondLst>
+                <p:cond evt="onNext" delay="0">
+                  <p:tgtEl>
+                    <p:sldTgt/>
+                  </p:tgtEl>
+                </p:cond>
+              </p:nextCondLst>
+            </p:seq>
+          </p:childTnLst>
+        </p:cTn>
       </p:par>
     </p:tnLst>
+    <p:bldLst>
+      <p:bldP spid="9" grpId="0" uiExpand="1" build="p"/>
+      <p:bldP spid="7" grpId="0" animBg="1"/>
+      <p:bldP spid="8" grpId="0" animBg="1"/>
+      <p:bldP spid="10" grpId="0" animBg="1"/>
+    </p:bldLst>
   </p:timing>
 </p:sld>
 </file>
@@ -5420,8 +5971,8 @@
         </p:blipFill>
         <p:spPr bwMode="auto">
           <a:xfrm>
-            <a:off x="1371600" y="4642935"/>
-            <a:ext cx="6477000" cy="1224465"/>
+            <a:off x="1600200" y="5149412"/>
+            <a:ext cx="5410200" cy="1022788"/>
           </a:xfrm>
           <a:prstGeom prst="rect">
             <a:avLst/>
@@ -5453,8 +6004,8 @@
         </p:blipFill>
         <p:spPr bwMode="auto">
           <a:xfrm>
-            <a:off x="950033" y="533400"/>
-            <a:ext cx="7279567" cy="3733800"/>
+            <a:off x="1178633" y="1630075"/>
+            <a:ext cx="5831767" cy="2991201"/>
           </a:xfrm>
           <a:prstGeom prst="rect">
             <a:avLst/>
@@ -5469,6 +6020,29 @@
           <a:effectLst/>
         </p:spPr>
       </p:pic>
+      <p:sp>
+        <p:nvSpPr>
+          <p:cNvPr id="4" name="Title 3"/>
+          <p:cNvSpPr>
+            <a:spLocks noGrp="1"/>
+          </p:cNvSpPr>
+          <p:nvPr>
+            <p:ph type="title"/>
+          </p:nvPr>
+        </p:nvSpPr>
+        <p:spPr/>
+        <p:txBody>
+          <a:bodyPr/>
+          <a:lstStyle/>
+          <a:p>
+            <a:r>
+              <a:rPr lang="en-US" dirty="0" smtClean="0"/>
+              <a:t>Interpolation Function</a:t>
+            </a:r>
+            <a:endParaRPr lang="en-US" dirty="0"/>
+          </a:p>
+        </p:txBody>
+      </p:sp>
     </p:spTree>
   </p:cSld>
   <p:clrMapOvr>
@@ -6885,7 +7459,11 @@
           <a:bodyPr/>
           <a:lstStyle/>
           <a:p>
-            <a:endParaRPr lang="en-US"/>
+            <a:r>
+              <a:rPr lang="en-US" dirty="0" smtClean="0"/>
+              <a:t>Artificial Neural Network</a:t>
+            </a:r>
+            <a:endParaRPr lang="en-US" dirty="0"/>
           </a:p>
         </p:txBody>
       </p:sp>
@@ -6991,7 +7569,11 @@
           <a:bodyPr/>
           <a:lstStyle/>
           <a:p>
-            <a:endParaRPr lang="en-US"/>
+            <a:r>
+              <a:rPr lang="en-US" dirty="0" smtClean="0"/>
+              <a:t>Artificial Neural Network</a:t>
+            </a:r>
+            <a:endParaRPr lang="en-US" dirty="0"/>
           </a:p>
         </p:txBody>
       </p:sp>
@@ -7008,7 +7590,7 @@
         <p:spPr/>
         <p:txBody>
           <a:bodyPr>
-            <a:normAutofit lnSpcReduction="10000"/>
+            <a:normAutofit/>
           </a:bodyPr>
           <a:lstStyle/>
           <a:p>
@@ -7020,13 +7602,11 @@
           <a:p>
             <a:r>
               <a:rPr lang="en-US" dirty="0" smtClean="0"/>
-              <a:t>It is a directed graph.</a:t>
-            </a:r>
-          </a:p>
-          <a:p>
+              <a:t>It </a:t>
+            </a:r>
             <a:r>
               <a:rPr lang="en-US" dirty="0" smtClean="0"/>
-              <a:t>It resembles the brain in two respects:</a:t>
+              <a:t>resembles the brain in two respects:</a:t>
             </a:r>
           </a:p>
           <a:p>
@@ -9427,187 +10007,6 @@
           <a:chExt cx="0" cy="0"/>
         </a:xfrm>
       </p:grpSpPr>
-      <p:sp>
-        <p:nvSpPr>
-          <p:cNvPr id="2" name="Title 1"/>
-          <p:cNvSpPr>
-            <a:spLocks noGrp="1"/>
-          </p:cNvSpPr>
-          <p:nvPr>
-            <p:ph type="title"/>
-          </p:nvPr>
-        </p:nvSpPr>
-        <p:spPr/>
-        <p:txBody>
-          <a:bodyPr/>
-          <a:lstStyle/>
-          <a:p>
-            <a:endParaRPr lang="en-US"/>
-          </a:p>
-        </p:txBody>
-      </p:sp>
-      <p:sp>
-        <p:nvSpPr>
-          <p:cNvPr id="3" name="Content Placeholder 2"/>
-          <p:cNvSpPr>
-            <a:spLocks noGrp="1"/>
-          </p:cNvSpPr>
-          <p:nvPr>
-            <p:ph idx="1"/>
-          </p:nvPr>
-        </p:nvSpPr>
-        <p:spPr/>
-        <p:txBody>
-          <a:bodyPr/>
-          <a:lstStyle/>
-          <a:p>
-            <a:r>
-              <a:rPr lang="en-US" dirty="0" smtClean="0"/>
-              <a:t>Each layer performs an analog integration of </a:t>
-            </a:r>
-            <a:r>
-              <a:rPr lang="en-US" dirty="0" smtClean="0"/>
-              <a:t>its inputs</a:t>
-            </a:r>
-            <a:r>
-              <a:rPr lang="en-US" dirty="0" smtClean="0"/>
-              <a:t>.</a:t>
-            </a:r>
-          </a:p>
-          <a:p>
-            <a:r>
-              <a:rPr lang="en-US" dirty="0" smtClean="0"/>
-              <a:t>From this integration an activation value is determined</a:t>
-            </a:r>
-            <a:r>
-              <a:rPr lang="en-US" dirty="0" smtClean="0"/>
-              <a:t>.</a:t>
-            </a:r>
-            <a:endParaRPr lang="en-US" dirty="0" smtClean="0"/>
-          </a:p>
-          <a:p>
-            <a:endParaRPr lang="en-US" dirty="0"/>
-          </a:p>
-        </p:txBody>
-      </p:sp>
-    </p:spTree>
-  </p:cSld>
-  <p:clrMapOvr>
-    <a:masterClrMapping/>
-  </p:clrMapOvr>
-  <p:timing>
-    <p:tnLst>
-      <p:par>
-        <p:cTn id="1" dur="indefinite" restart="never" nodeType="tmRoot"/>
-      </p:par>
-    </p:tnLst>
-  </p:timing>
-</p:sld>
-</file>
-
-<file path=ppt/slides/slide6.xml><?xml version="1.0" encoding="utf-8"?>
-<p:sld xmlns:a="http://schemas.openxmlformats.org/drawingml/2006/main" xmlns:r="http://schemas.openxmlformats.org/officeDocument/2006/relationships" xmlns:p="http://schemas.openxmlformats.org/presentationml/2006/main">
-  <p:cSld>
-    <p:spTree>
-      <p:nvGrpSpPr>
-        <p:cNvPr id="1" name=""/>
-        <p:cNvGrpSpPr/>
-        <p:nvPr/>
-      </p:nvGrpSpPr>
-      <p:grpSpPr>
-        <a:xfrm>
-          <a:off x="0" y="0"/>
-          <a:ext cx="0" cy="0"/>
-          <a:chOff x="0" y="0"/>
-          <a:chExt cx="0" cy="0"/>
-        </a:xfrm>
-      </p:grpSpPr>
-      <p:sp>
-        <p:nvSpPr>
-          <p:cNvPr id="2" name="Title 1"/>
-          <p:cNvSpPr>
-            <a:spLocks noGrp="1"/>
-          </p:cNvSpPr>
-          <p:nvPr>
-            <p:ph type="title"/>
-          </p:nvPr>
-        </p:nvSpPr>
-        <p:spPr/>
-        <p:txBody>
-          <a:bodyPr/>
-          <a:lstStyle/>
-          <a:p>
-            <a:endParaRPr lang="en-US"/>
-          </a:p>
-        </p:txBody>
-      </p:sp>
-      <p:sp>
-        <p:nvSpPr>
-          <p:cNvPr id="3" name="Content Placeholder 2"/>
-          <p:cNvSpPr>
-            <a:spLocks noGrp="1"/>
-          </p:cNvSpPr>
-          <p:nvPr>
-            <p:ph idx="1"/>
-          </p:nvPr>
-        </p:nvSpPr>
-        <p:spPr/>
-        <p:txBody>
-          <a:bodyPr/>
-          <a:lstStyle/>
-          <a:p>
-            <a:r>
-              <a:rPr lang="en-US" dirty="0" smtClean="0"/>
-              <a:t>Each unit receives stimulation from other units, except the input layer.</a:t>
-            </a:r>
-          </a:p>
-          <a:p>
-            <a:r>
-              <a:rPr lang="en-US" dirty="0" smtClean="0"/>
-              <a:t>The signal received is modulated by the weighting value of the connection.</a:t>
-            </a:r>
-          </a:p>
-          <a:p>
-            <a:r>
-              <a:rPr lang="en-US" dirty="0" smtClean="0"/>
-              <a:t>The modulated in puts are then integrated. (summed)</a:t>
-            </a:r>
-            <a:endParaRPr lang="en-US" dirty="0"/>
-          </a:p>
-        </p:txBody>
-      </p:sp>
-    </p:spTree>
-  </p:cSld>
-  <p:clrMapOvr>
-    <a:masterClrMapping/>
-  </p:clrMapOvr>
-  <p:timing>
-    <p:tnLst>
-      <p:par>
-        <p:cTn id="1" dur="indefinite" restart="never" nodeType="tmRoot"/>
-      </p:par>
-    </p:tnLst>
-  </p:timing>
-</p:sld>
-</file>
-
-<file path=ppt/slides/slide7.xml><?xml version="1.0" encoding="utf-8"?>
-<p:sld xmlns:a="http://schemas.openxmlformats.org/drawingml/2006/main" xmlns:r="http://schemas.openxmlformats.org/officeDocument/2006/relationships" xmlns:p="http://schemas.openxmlformats.org/presentationml/2006/main">
-  <p:cSld>
-    <p:spTree>
-      <p:nvGrpSpPr>
-        <p:cNvPr id="1" name=""/>
-        <p:cNvGrpSpPr/>
-        <p:nvPr/>
-      </p:nvGrpSpPr>
-      <p:grpSpPr>
-        <a:xfrm>
-          <a:off x="0" y="0"/>
-          <a:ext cx="0" cy="0"/>
-          <a:chOff x="0" y="0"/>
-          <a:chExt cx="0" cy="0"/>
-        </a:xfrm>
-      </p:grpSpPr>
       <p:pic>
         <p:nvPicPr>
           <p:cNvPr id="2050" name="Picture 2"/>
@@ -10043,6 +10442,122 @@
           </a:p>
         </p:txBody>
       </p:sp>
+      <p:sp>
+        <p:nvSpPr>
+          <p:cNvPr id="17" name="TextBox 16"/>
+          <p:cNvSpPr txBox="1"/>
+          <p:nvPr/>
+        </p:nvSpPr>
+        <p:spPr>
+          <a:xfrm>
+            <a:off x="7010400" y="3392269"/>
+            <a:ext cx="1878143" cy="646331"/>
+          </a:xfrm>
+          <a:prstGeom prst="rect">
+            <a:avLst/>
+          </a:prstGeom>
+          <a:noFill/>
+        </p:spPr>
+        <p:txBody>
+          <a:bodyPr wrap="none" rtlCol="0">
+            <a:spAutoFit/>
+          </a:bodyPr>
+          <a:lstStyle/>
+          <a:p>
+            <a:r>
+              <a:rPr lang="en-US" dirty="0" smtClean="0"/>
+              <a:t>Activation value is</a:t>
+            </a:r>
+          </a:p>
+          <a:p>
+            <a:r>
+              <a:rPr lang="en-US" dirty="0" smtClean="0"/>
+              <a:t>Then propagated</a:t>
+            </a:r>
+            <a:endParaRPr lang="en-US" dirty="0"/>
+          </a:p>
+        </p:txBody>
+      </p:sp>
+      <p:grpSp>
+        <p:nvGrpSpPr>
+          <p:cNvPr id="24" name="Group 23"/>
+          <p:cNvGrpSpPr/>
+          <p:nvPr/>
+        </p:nvGrpSpPr>
+        <p:grpSpPr>
+          <a:xfrm>
+            <a:off x="3505200" y="457200"/>
+            <a:ext cx="1966500" cy="2209802"/>
+            <a:chOff x="3505200" y="457200"/>
+            <a:chExt cx="1966500" cy="2209802"/>
+          </a:xfrm>
+        </p:grpSpPr>
+        <p:sp>
+          <p:nvSpPr>
+            <p:cNvPr id="18" name="TextBox 17"/>
+            <p:cNvSpPr txBox="1"/>
+            <p:nvPr/>
+          </p:nvSpPr>
+          <p:spPr>
+            <a:xfrm>
+              <a:off x="3505200" y="457200"/>
+              <a:ext cx="1966500" cy="369332"/>
+            </a:xfrm>
+            <a:prstGeom prst="rect">
+              <a:avLst/>
+            </a:prstGeom>
+            <a:noFill/>
+          </p:spPr>
+          <p:txBody>
+            <a:bodyPr wrap="square" rtlCol="0">
+              <a:spAutoFit/>
+            </a:bodyPr>
+            <a:lstStyle/>
+            <a:p>
+              <a:r>
+                <a:rPr lang="en-US" dirty="0" smtClean="0"/>
+                <a:t>Activation function</a:t>
+              </a:r>
+              <a:endParaRPr lang="en-US" dirty="0"/>
+            </a:p>
+          </p:txBody>
+        </p:sp>
+        <p:cxnSp>
+          <p:nvCxnSpPr>
+            <p:cNvPr id="20" name="Straight Arrow Connector 19"/>
+            <p:cNvCxnSpPr>
+              <a:stCxn id="18" idx="2"/>
+            </p:cNvCxnSpPr>
+            <p:nvPr/>
+          </p:nvCxnSpPr>
+          <p:spPr>
+            <a:xfrm rot="16200000" flipH="1">
+              <a:off x="3838590" y="1476392"/>
+              <a:ext cx="1840470" cy="540750"/>
+            </a:xfrm>
+            <a:prstGeom prst="straightConnector1">
+              <a:avLst/>
+            </a:prstGeom>
+            <a:ln>
+              <a:tailEnd type="arrow"/>
+            </a:ln>
+          </p:spPr>
+          <p:style>
+            <a:lnRef idx="1">
+              <a:schemeClr val="accent1"/>
+            </a:lnRef>
+            <a:fillRef idx="0">
+              <a:schemeClr val="accent1"/>
+            </a:fillRef>
+            <a:effectRef idx="0">
+              <a:schemeClr val="accent1"/>
+            </a:effectRef>
+            <a:fontRef idx="minor">
+              <a:schemeClr val="tx1"/>
+            </a:fontRef>
+          </p:style>
+        </p:cxnSp>
+      </p:grpSp>
     </p:spTree>
   </p:cSld>
   <p:clrMapOvr>
@@ -10069,7 +10584,7 @@
                             </p:stCondLst>
                             <p:childTnLst>
                               <p:par>
-                                <p:cTn id="5" presetID="10" presetClass="entr" presetSubtype="0" fill="hold" nodeType="clickEffect">
+                                <p:cTn id="5" presetID="9" presetClass="entr" presetSubtype="0" fill="hold" grpId="0" nodeType="clickEffect">
                                   <p:stCondLst>
                                     <p:cond delay="0"/>
                                   </p:stCondLst>
@@ -10082,7 +10597,7 @@
                                           </p:stCondLst>
                                         </p:cTn>
                                         <p:tgtEl>
-                                          <p:spTgt spid="10"/>
+                                          <p:spTgt spid="15"/>
                                         </p:tgtEl>
                                         <p:attrNameLst>
                                           <p:attrName>style.visibility</p:attrName>
@@ -10092,11 +10607,11 @@
                                         <p:strVal val="visible"/>
                                       </p:to>
                                     </p:set>
-                                    <p:animEffect transition="in" filter="fade">
+                                    <p:animEffect transition="in" filter="dissolve">
                                       <p:cBhvr>
-                                        <p:cTn id="7" dur="2000"/>
+                                        <p:cTn id="7" dur="500"/>
                                         <p:tgtEl>
-                                          <p:spTgt spid="10"/>
+                                          <p:spTgt spid="15"/>
                                         </p:tgtEl>
                                       </p:cBhvr>
                                     </p:animEffect>
@@ -10122,7 +10637,7 @@
                             </p:stCondLst>
                             <p:childTnLst>
                               <p:par>
-                                <p:cTn id="10" presetID="10" presetClass="entr" presetSubtype="0" fill="hold" nodeType="clickEffect">
+                                <p:cTn id="10" presetID="9" presetClass="entr" presetSubtype="0" fill="hold" grpId="0" nodeType="clickEffect">
                                   <p:stCondLst>
                                     <p:cond delay="0"/>
                                   </p:stCondLst>
@@ -10130,6 +10645,165 @@
                                     <p:set>
                                       <p:cBhvr>
                                         <p:cTn id="11" dur="1" fill="hold">
+                                          <p:stCondLst>
+                                            <p:cond delay="0"/>
+                                          </p:stCondLst>
+                                        </p:cTn>
+                                        <p:tgtEl>
+                                          <p:spTgt spid="16"/>
+                                        </p:tgtEl>
+                                        <p:attrNameLst>
+                                          <p:attrName>style.visibility</p:attrName>
+                                        </p:attrNameLst>
+                                      </p:cBhvr>
+                                      <p:to>
+                                        <p:strVal val="visible"/>
+                                      </p:to>
+                                    </p:set>
+                                    <p:animEffect transition="in" filter="dissolve">
+                                      <p:cBhvr>
+                                        <p:cTn id="12" dur="500"/>
+                                        <p:tgtEl>
+                                          <p:spTgt spid="16"/>
+                                        </p:tgtEl>
+                                      </p:cBhvr>
+                                    </p:animEffect>
+                                  </p:childTnLst>
+                                </p:cTn>
+                              </p:par>
+                            </p:childTnLst>
+                          </p:cTn>
+                        </p:par>
+                      </p:childTnLst>
+                    </p:cTn>
+                  </p:par>
+                  <p:par>
+                    <p:cTn id="13" fill="hold">
+                      <p:stCondLst>
+                        <p:cond delay="indefinite"/>
+                      </p:stCondLst>
+                      <p:childTnLst>
+                        <p:par>
+                          <p:cTn id="14" fill="hold">
+                            <p:stCondLst>
+                              <p:cond delay="0"/>
+                            </p:stCondLst>
+                            <p:childTnLst>
+                              <p:par>
+                                <p:cTn id="15" presetID="9" presetClass="entr" presetSubtype="0" fill="hold" nodeType="clickEffect">
+                                  <p:stCondLst>
+                                    <p:cond delay="0"/>
+                                  </p:stCondLst>
+                                  <p:childTnLst>
+                                    <p:set>
+                                      <p:cBhvr>
+                                        <p:cTn id="16" dur="1" fill="hold">
+                                          <p:stCondLst>
+                                            <p:cond delay="0"/>
+                                          </p:stCondLst>
+                                        </p:cTn>
+                                        <p:tgtEl>
+                                          <p:spTgt spid="24"/>
+                                        </p:tgtEl>
+                                        <p:attrNameLst>
+                                          <p:attrName>style.visibility</p:attrName>
+                                        </p:attrNameLst>
+                                      </p:cBhvr>
+                                      <p:to>
+                                        <p:strVal val="visible"/>
+                                      </p:to>
+                                    </p:set>
+                                    <p:animEffect transition="in" filter="dissolve">
+                                      <p:cBhvr>
+                                        <p:cTn id="17" dur="500"/>
+                                        <p:tgtEl>
+                                          <p:spTgt spid="24"/>
+                                        </p:tgtEl>
+                                      </p:cBhvr>
+                                    </p:animEffect>
+                                  </p:childTnLst>
+                                </p:cTn>
+                              </p:par>
+                            </p:childTnLst>
+                          </p:cTn>
+                        </p:par>
+                      </p:childTnLst>
+                    </p:cTn>
+                  </p:par>
+                  <p:par>
+                    <p:cTn id="18" fill="hold">
+                      <p:stCondLst>
+                        <p:cond delay="indefinite"/>
+                      </p:stCondLst>
+                      <p:childTnLst>
+                        <p:par>
+                          <p:cTn id="19" fill="hold">
+                            <p:stCondLst>
+                              <p:cond delay="0"/>
+                            </p:stCondLst>
+                            <p:childTnLst>
+                              <p:par>
+                                <p:cTn id="20" presetID="10" presetClass="entr" presetSubtype="0" fill="hold" nodeType="clickEffect">
+                                  <p:stCondLst>
+                                    <p:cond delay="0"/>
+                                  </p:stCondLst>
+                                  <p:childTnLst>
+                                    <p:set>
+                                      <p:cBhvr>
+                                        <p:cTn id="21" dur="1" fill="hold">
+                                          <p:stCondLst>
+                                            <p:cond delay="0"/>
+                                          </p:stCondLst>
+                                        </p:cTn>
+                                        <p:tgtEl>
+                                          <p:spTgt spid="10"/>
+                                        </p:tgtEl>
+                                        <p:attrNameLst>
+                                          <p:attrName>style.visibility</p:attrName>
+                                        </p:attrNameLst>
+                                      </p:cBhvr>
+                                      <p:to>
+                                        <p:strVal val="visible"/>
+                                      </p:to>
+                                    </p:set>
+                                    <p:animEffect transition="in" filter="fade">
+                                      <p:cBhvr>
+                                        <p:cTn id="22" dur="2000"/>
+                                        <p:tgtEl>
+                                          <p:spTgt spid="10"/>
+                                        </p:tgtEl>
+                                      </p:cBhvr>
+                                    </p:animEffect>
+                                  </p:childTnLst>
+                                </p:cTn>
+                              </p:par>
+                            </p:childTnLst>
+                          </p:cTn>
+                        </p:par>
+                      </p:childTnLst>
+                    </p:cTn>
+                  </p:par>
+                  <p:par>
+                    <p:cTn id="23" fill="hold">
+                      <p:stCondLst>
+                        <p:cond delay="indefinite"/>
+                      </p:stCondLst>
+                      <p:childTnLst>
+                        <p:par>
+                          <p:cTn id="24" fill="hold">
+                            <p:stCondLst>
+                              <p:cond delay="0"/>
+                            </p:stCondLst>
+                            <p:childTnLst>
+                              <p:par>
+                                <p:cTn id="25" presetID="10" presetClass="entr" presetSubtype="0" fill="hold" nodeType="clickEffect">
+                                  <p:stCondLst>
+                                    <p:cond delay="0"/>
+                                  </p:stCondLst>
+                                  <p:childTnLst>
+                                    <p:set>
+                                      <p:cBhvr>
+                                        <p:cTn id="26" dur="1" fill="hold">
                                           <p:stCondLst>
                                             <p:cond delay="0"/>
                                           </p:stCondLst>
@@ -10147,7 +10821,7 @@
                                     </p:set>
                                     <p:animEffect transition="in" filter="fade">
                                       <p:cBhvr>
-                                        <p:cTn id="12" dur="2000"/>
+                                        <p:cTn id="27" dur="2000"/>
                                         <p:tgtEl>
                                           <p:spTgt spid="13"/>
                                         </p:tgtEl>
@@ -10157,14 +10831,14 @@
                                 </p:cTn>
                               </p:par>
                               <p:par>
-                                <p:cTn id="13" presetID="9" presetClass="exit" presetSubtype="0" fill="hold" nodeType="withEffect">
+                                <p:cTn id="28" presetID="9" presetClass="exit" presetSubtype="0" fill="hold" nodeType="withEffect">
                                   <p:stCondLst>
                                     <p:cond delay="0"/>
                                   </p:stCondLst>
                                   <p:childTnLst>
                                     <p:animEffect transition="out" filter="dissolve">
                                       <p:cBhvr>
-                                        <p:cTn id="14" dur="500"/>
+                                        <p:cTn id="29" dur="500"/>
                                         <p:tgtEl>
                                           <p:spTgt spid="10"/>
                                         </p:tgtEl>
@@ -10172,7 +10846,7 @@
                                     </p:animEffect>
                                     <p:set>
                                       <p:cBhvr>
-                                        <p:cTn id="15" dur="1" fill="hold">
+                                        <p:cTn id="30" dur="1" fill="hold">
                                           <p:stCondLst>
                                             <p:cond delay="499"/>
                                           </p:stCondLst>
@@ -10198,26 +10872,26 @@
                     </p:cTn>
                   </p:par>
                   <p:par>
-                    <p:cTn id="16" fill="hold">
+                    <p:cTn id="31" fill="hold">
                       <p:stCondLst>
                         <p:cond delay="indefinite"/>
                       </p:stCondLst>
                       <p:childTnLst>
                         <p:par>
-                          <p:cTn id="17" fill="hold">
+                          <p:cTn id="32" fill="hold">
                             <p:stCondLst>
                               <p:cond delay="0"/>
                             </p:stCondLst>
                             <p:childTnLst>
                               <p:par>
-                                <p:cTn id="18" presetID="10" presetClass="entr" presetSubtype="0" fill="hold" grpId="0" nodeType="clickEffect">
+                                <p:cTn id="33" presetID="10" presetClass="entr" presetSubtype="0" fill="hold" grpId="0" nodeType="clickEffect">
                                   <p:stCondLst>
                                     <p:cond delay="0"/>
                                   </p:stCondLst>
                                   <p:childTnLst>
                                     <p:set>
                                       <p:cBhvr>
-                                        <p:cTn id="19" dur="1" fill="hold">
+                                        <p:cTn id="34" dur="1" fill="hold">
                                           <p:stCondLst>
                                             <p:cond delay="0"/>
                                           </p:stCondLst>
@@ -10235,9 +10909,62 @@
                                     </p:set>
                                     <p:animEffect transition="in" filter="fade">
                                       <p:cBhvr>
-                                        <p:cTn id="20" dur="2000"/>
+                                        <p:cTn id="35" dur="2000"/>
                                         <p:tgtEl>
                                           <p:spTgt spid="14"/>
+                                        </p:tgtEl>
+                                      </p:cBhvr>
+                                    </p:animEffect>
+                                  </p:childTnLst>
+                                </p:cTn>
+                              </p:par>
+                            </p:childTnLst>
+                          </p:cTn>
+                        </p:par>
+                      </p:childTnLst>
+                    </p:cTn>
+                  </p:par>
+                  <p:par>
+                    <p:cTn id="36" fill="hold">
+                      <p:stCondLst>
+                        <p:cond delay="indefinite"/>
+                      </p:stCondLst>
+                      <p:childTnLst>
+                        <p:par>
+                          <p:cTn id="37" fill="hold">
+                            <p:stCondLst>
+                              <p:cond delay="0"/>
+                            </p:stCondLst>
+                            <p:childTnLst>
+                              <p:par>
+                                <p:cTn id="38" presetID="9" presetClass="entr" presetSubtype="0" fill="hold" grpId="0" nodeType="clickEffect">
+                                  <p:stCondLst>
+                                    <p:cond delay="0"/>
+                                  </p:stCondLst>
+                                  <p:childTnLst>
+                                    <p:set>
+                                      <p:cBhvr>
+                                        <p:cTn id="39" dur="1" fill="hold">
+                                          <p:stCondLst>
+                                            <p:cond delay="0"/>
+                                          </p:stCondLst>
+                                        </p:cTn>
+                                        <p:tgtEl>
+                                          <p:spTgt spid="17"/>
+                                        </p:tgtEl>
+                                        <p:attrNameLst>
+                                          <p:attrName>style.visibility</p:attrName>
+                                        </p:attrNameLst>
+                                      </p:cBhvr>
+                                      <p:to>
+                                        <p:strVal val="visible"/>
+                                      </p:to>
+                                    </p:set>
+                                    <p:animEffect transition="in" filter="dissolve">
+                                      <p:cBhvr>
+                                        <p:cTn id="40" dur="500"/>
+                                        <p:tgtEl>
+                                          <p:spTgt spid="17"/>
                                         </p:tgtEl>
                                       </p:cBhvr>
                                     </p:animEffect>
@@ -10273,7 +11000,198 @@
     </p:tnLst>
     <p:bldLst>
       <p:bldP spid="14" grpId="0"/>
+      <p:bldP spid="15" grpId="0"/>
+      <p:bldP spid="16" grpId="0"/>
+      <p:bldP spid="17" grpId="0"/>
     </p:bldLst>
+  </p:timing>
+</p:sld>
+</file>
+
+<file path=ppt/slides/slide6.xml><?xml version="1.0" encoding="utf-8"?>
+<p:sld xmlns:a="http://schemas.openxmlformats.org/drawingml/2006/main" xmlns:r="http://schemas.openxmlformats.org/officeDocument/2006/relationships" xmlns:p="http://schemas.openxmlformats.org/presentationml/2006/main">
+  <p:cSld>
+    <p:spTree>
+      <p:nvGrpSpPr>
+        <p:cNvPr id="1" name=""/>
+        <p:cNvGrpSpPr/>
+        <p:nvPr/>
+      </p:nvGrpSpPr>
+      <p:grpSpPr>
+        <a:xfrm>
+          <a:off x="0" y="0"/>
+          <a:ext cx="0" cy="0"/>
+          <a:chOff x="0" y="0"/>
+          <a:chExt cx="0" cy="0"/>
+        </a:xfrm>
+      </p:grpSpPr>
+      <p:sp>
+        <p:nvSpPr>
+          <p:cNvPr id="2" name="Title 1"/>
+          <p:cNvSpPr>
+            <a:spLocks noGrp="1"/>
+          </p:cNvSpPr>
+          <p:nvPr>
+            <p:ph type="title"/>
+          </p:nvPr>
+        </p:nvSpPr>
+        <p:spPr/>
+        <p:txBody>
+          <a:bodyPr/>
+          <a:lstStyle/>
+          <a:p>
+            <a:endParaRPr lang="en-US"/>
+          </a:p>
+        </p:txBody>
+      </p:sp>
+      <p:sp>
+        <p:nvSpPr>
+          <p:cNvPr id="3" name="Content Placeholder 2"/>
+          <p:cNvSpPr>
+            <a:spLocks noGrp="1"/>
+          </p:cNvSpPr>
+          <p:nvPr>
+            <p:ph idx="1"/>
+          </p:nvPr>
+        </p:nvSpPr>
+        <p:spPr/>
+        <p:txBody>
+          <a:bodyPr/>
+          <a:lstStyle/>
+          <a:p>
+            <a:r>
+              <a:rPr lang="en-US" dirty="0" smtClean="0"/>
+              <a:t>Each unit receives stimulation from other units, except the input layer.</a:t>
+            </a:r>
+          </a:p>
+          <a:p>
+            <a:r>
+              <a:rPr lang="en-US" dirty="0" smtClean="0"/>
+              <a:t>The signal received is modulated by the weighting value of the connection.</a:t>
+            </a:r>
+          </a:p>
+          <a:p>
+            <a:r>
+              <a:rPr lang="en-US" dirty="0" smtClean="0"/>
+              <a:t>The modulated </a:t>
+            </a:r>
+            <a:r>
+              <a:rPr lang="en-US" dirty="0" smtClean="0"/>
+              <a:t>inputs </a:t>
+            </a:r>
+            <a:r>
+              <a:rPr lang="en-US" dirty="0" smtClean="0"/>
+              <a:t>are then integrated. (summed)</a:t>
+            </a:r>
+            <a:endParaRPr lang="en-US" dirty="0"/>
+          </a:p>
+        </p:txBody>
+      </p:sp>
+    </p:spTree>
+  </p:cSld>
+  <p:clrMapOvr>
+    <a:masterClrMapping/>
+  </p:clrMapOvr>
+  <p:timing>
+    <p:tnLst>
+      <p:par>
+        <p:cTn id="1" dur="indefinite" restart="never" nodeType="tmRoot"/>
+      </p:par>
+    </p:tnLst>
+  </p:timing>
+</p:sld>
+</file>
+
+<file path=ppt/slides/slide7.xml><?xml version="1.0" encoding="utf-8"?>
+<p:sld xmlns:a="http://schemas.openxmlformats.org/drawingml/2006/main" xmlns:r="http://schemas.openxmlformats.org/officeDocument/2006/relationships" xmlns:p="http://schemas.openxmlformats.org/presentationml/2006/main">
+  <p:cSld>
+    <p:spTree>
+      <p:nvGrpSpPr>
+        <p:cNvPr id="1" name=""/>
+        <p:cNvGrpSpPr/>
+        <p:nvPr/>
+      </p:nvGrpSpPr>
+      <p:grpSpPr>
+        <a:xfrm>
+          <a:off x="0" y="0"/>
+          <a:ext cx="0" cy="0"/>
+          <a:chOff x="0" y="0"/>
+          <a:chExt cx="0" cy="0"/>
+        </a:xfrm>
+      </p:grpSpPr>
+      <p:sp>
+        <p:nvSpPr>
+          <p:cNvPr id="2" name="Title 1"/>
+          <p:cNvSpPr>
+            <a:spLocks noGrp="1"/>
+          </p:cNvSpPr>
+          <p:nvPr>
+            <p:ph type="title"/>
+          </p:nvPr>
+        </p:nvSpPr>
+        <p:spPr/>
+        <p:txBody>
+          <a:bodyPr/>
+          <a:lstStyle/>
+          <a:p>
+            <a:endParaRPr lang="en-US"/>
+          </a:p>
+        </p:txBody>
+      </p:sp>
+      <p:sp>
+        <p:nvSpPr>
+          <p:cNvPr id="3" name="Content Placeholder 2"/>
+          <p:cNvSpPr>
+            <a:spLocks noGrp="1"/>
+          </p:cNvSpPr>
+          <p:nvPr>
+            <p:ph idx="1"/>
+          </p:nvPr>
+        </p:nvSpPr>
+        <p:spPr/>
+        <p:txBody>
+          <a:bodyPr/>
+          <a:lstStyle/>
+          <a:p>
+            <a:r>
+              <a:rPr lang="en-US" dirty="0" smtClean="0"/>
+              <a:t>An activation value is calculated with an activation function, which takes the sum of the inputs.</a:t>
+            </a:r>
+          </a:p>
+          <a:p>
+            <a:r>
+              <a:rPr lang="en-US" dirty="0" smtClean="0"/>
+              <a:t>The activation value is then propagated to other neurons.</a:t>
+            </a:r>
+          </a:p>
+          <a:p>
+            <a:r>
+              <a:rPr lang="en-US" dirty="0" smtClean="0"/>
+              <a:t>This activation function can be of different </a:t>
+            </a:r>
+            <a:r>
+              <a:rPr lang="en-US" b="1" dirty="0" smtClean="0"/>
+              <a:t>types</a:t>
+            </a:r>
+            <a:r>
+              <a:rPr lang="en-US" dirty="0" smtClean="0"/>
+              <a:t>.</a:t>
+            </a:r>
+            <a:endParaRPr lang="en-US" dirty="0"/>
+          </a:p>
+        </p:txBody>
+      </p:sp>
+    </p:spTree>
+  </p:cSld>
+  <p:clrMapOvr>
+    <a:masterClrMapping/>
+  </p:clrMapOvr>
+  <p:timing>
+    <p:tnLst>
+      <p:par>
+        <p:cTn id="1" dur="indefinite" restart="never" nodeType="tmRoot"/>
+      </p:par>
+    </p:tnLst>
   </p:timing>
 </p:sld>
 </file>
@@ -10672,7 +11590,7 @@
         </p:nvGrpSpPr>
         <p:grpSpPr>
           <a:xfrm>
-            <a:off x="6553200" y="1600200"/>
+            <a:off x="6781800" y="1600200"/>
             <a:ext cx="914400" cy="914400"/>
             <a:chOff x="4343400" y="3733800"/>
             <a:chExt cx="914400" cy="914400"/>
@@ -10788,7 +11706,7 @@
         </p:nvSpPr>
         <p:spPr>
           <a:xfrm>
-            <a:off x="4953000" y="4114800"/>
+            <a:off x="5181600" y="4114800"/>
             <a:ext cx="838200" cy="838200"/>
           </a:xfrm>
           <a:prstGeom prst="ellipse">
@@ -10833,7 +11751,7 @@
         </p:nvSpPr>
         <p:spPr>
           <a:xfrm>
-            <a:off x="6045200" y="4114800"/>
+            <a:off x="6273800" y="4114800"/>
             <a:ext cx="838200" cy="838200"/>
           </a:xfrm>
           <a:prstGeom prst="ellipse">
@@ -10878,7 +11796,7 @@
         </p:nvSpPr>
         <p:spPr>
           <a:xfrm>
-            <a:off x="7137400" y="4114800"/>
+            <a:off x="7366000" y="4114800"/>
             <a:ext cx="838200" cy="838200"/>
           </a:xfrm>
           <a:prstGeom prst="ellipse">
@@ -10923,7 +11841,7 @@
         </p:nvSpPr>
         <p:spPr>
           <a:xfrm>
-            <a:off x="8229600" y="4114800"/>
+            <a:off x="8458200" y="4114800"/>
             <a:ext cx="838200" cy="838200"/>
           </a:xfrm>
           <a:prstGeom prst="ellipse">
@@ -10970,7 +11888,7 @@
         </p:nvCxnSpPr>
         <p:spPr>
           <a:xfrm rot="5400000" flipH="1" flipV="1">
-            <a:off x="5391150" y="2495550"/>
+            <a:off x="5619750" y="2495550"/>
             <a:ext cx="1600200" cy="1638300"/>
           </a:xfrm>
           <a:prstGeom prst="straightConnector1">
@@ -11005,7 +11923,7 @@
         </p:nvCxnSpPr>
         <p:spPr>
           <a:xfrm rot="5400000" flipH="1" flipV="1">
-            <a:off x="5937250" y="3041650"/>
+            <a:off x="6165850" y="3041650"/>
             <a:ext cx="1600200" cy="546100"/>
           </a:xfrm>
           <a:prstGeom prst="straightConnector1">
@@ -11040,7 +11958,7 @@
         </p:nvCxnSpPr>
         <p:spPr>
           <a:xfrm rot="16200000" flipV="1">
-            <a:off x="6483350" y="3041650"/>
+            <a:off x="6711950" y="3041650"/>
             <a:ext cx="1600200" cy="546100"/>
           </a:xfrm>
           <a:prstGeom prst="straightConnector1">
@@ -11075,7 +11993,7 @@
         </p:nvCxnSpPr>
         <p:spPr>
           <a:xfrm rot="16200000" flipV="1">
-            <a:off x="7029450" y="2495550"/>
+            <a:off x="7258050" y="2495550"/>
             <a:ext cx="1600200" cy="1638300"/>
           </a:xfrm>
           <a:prstGeom prst="straightConnector1">
@@ -11150,6 +12068,140 @@
             </a:r>
           </a:p>
           <a:p>
+            <a:endParaRPr lang="en-US" dirty="0"/>
+          </a:p>
+        </p:txBody>
+      </p:sp>
+      <p:cxnSp>
+        <p:nvCxnSpPr>
+          <p:cNvPr id="18" name="Straight Arrow Connector 17"/>
+          <p:cNvCxnSpPr/>
+          <p:nvPr/>
+        </p:nvCxnSpPr>
+        <p:spPr>
+          <a:xfrm rot="5400000" flipH="1" flipV="1">
+            <a:off x="6781800" y="1143000"/>
+            <a:ext cx="914400" cy="1588"/>
+          </a:xfrm>
+          <a:prstGeom prst="straightConnector1">
+            <a:avLst/>
+          </a:prstGeom>
+          <a:ln>
+            <a:tailEnd type="arrow"/>
+          </a:ln>
+        </p:spPr>
+        <p:style>
+          <a:lnRef idx="1">
+            <a:schemeClr val="accent1"/>
+          </a:lnRef>
+          <a:fillRef idx="0">
+            <a:schemeClr val="accent1"/>
+          </a:fillRef>
+          <a:effectRef idx="0">
+            <a:schemeClr val="accent1"/>
+          </a:effectRef>
+          <a:fontRef idx="minor">
+            <a:schemeClr val="tx1"/>
+          </a:fontRef>
+        </p:style>
+      </p:cxnSp>
+      <p:sp>
+        <p:nvSpPr>
+          <p:cNvPr id="27" name="TextBox 26"/>
+          <p:cNvSpPr txBox="1"/>
+          <p:nvPr/>
+        </p:nvSpPr>
+        <p:spPr>
+          <a:xfrm>
+            <a:off x="7239000" y="914400"/>
+            <a:ext cx="301686" cy="369332"/>
+          </a:xfrm>
+          <a:prstGeom prst="rect">
+            <a:avLst/>
+          </a:prstGeom>
+          <a:noFill/>
+        </p:spPr>
+        <p:txBody>
+          <a:bodyPr wrap="none" rtlCol="0">
+            <a:spAutoFit/>
+          </a:bodyPr>
+          <a:lstStyle/>
+          <a:p>
+            <a:r>
+              <a:rPr lang="en-US" dirty="0" smtClean="0"/>
+              <a:t>1</a:t>
+            </a:r>
+            <a:endParaRPr lang="en-US" dirty="0"/>
+          </a:p>
+        </p:txBody>
+      </p:sp>
+      <p:sp>
+        <p:nvSpPr>
+          <p:cNvPr id="29" name="Rectangle 28"/>
+          <p:cNvSpPr/>
+          <p:nvPr/>
+        </p:nvSpPr>
+        <p:spPr>
+          <a:xfrm>
+            <a:off x="7315200" y="914400"/>
+            <a:ext cx="533400" cy="457200"/>
+          </a:xfrm>
+          <a:prstGeom prst="rect">
+            <a:avLst/>
+          </a:prstGeom>
+          <a:ln>
+            <a:noFill/>
+          </a:ln>
+        </p:spPr>
+        <p:style>
+          <a:lnRef idx="2">
+            <a:schemeClr val="accent1"/>
+          </a:lnRef>
+          <a:fillRef idx="1">
+            <a:schemeClr val="lt1"/>
+          </a:fillRef>
+          <a:effectRef idx="0">
+            <a:schemeClr val="accent1"/>
+          </a:effectRef>
+          <a:fontRef idx="minor">
+            <a:schemeClr val="dk1"/>
+          </a:fontRef>
+        </p:style>
+        <p:txBody>
+          <a:bodyPr rtlCol="0" anchor="ctr"/>
+          <a:lstStyle/>
+          <a:p>
+            <a:pPr algn="ctr"/>
+            <a:endParaRPr lang="en-US"/>
+          </a:p>
+        </p:txBody>
+      </p:sp>
+      <p:sp>
+        <p:nvSpPr>
+          <p:cNvPr id="28" name="TextBox 27"/>
+          <p:cNvSpPr txBox="1"/>
+          <p:nvPr/>
+        </p:nvSpPr>
+        <p:spPr>
+          <a:xfrm>
+            <a:off x="7239000" y="914400"/>
+            <a:ext cx="301686" cy="369332"/>
+          </a:xfrm>
+          <a:prstGeom prst="rect">
+            <a:avLst/>
+          </a:prstGeom>
+          <a:noFill/>
+        </p:spPr>
+        <p:txBody>
+          <a:bodyPr wrap="none" rtlCol="0">
+            <a:spAutoFit/>
+          </a:bodyPr>
+          <a:lstStyle/>
+          <a:p>
+            <a:r>
+              <a:rPr lang="en-US" dirty="0" smtClean="0"/>
+              <a:t>0</a:t>
+            </a:r>
             <a:endParaRPr lang="en-US" dirty="0"/>
           </a:p>
         </p:txBody>
@@ -11180,7 +12232,7 @@
                             </p:stCondLst>
                             <p:childTnLst>
                               <p:par>
-                                <p:cTn id="5" presetID="10" presetClass="entr" presetSubtype="0" fill="hold" nodeType="clickEffect">
+                                <p:cTn id="5" presetID="9" presetClass="entr" presetSubtype="0" fill="hold" grpId="0" nodeType="clickEffect">
                                   <p:stCondLst>
                                     <p:cond delay="0"/>
                                   </p:stCondLst>
@@ -11188,6 +12240,94 @@
                                     <p:set>
                                       <p:cBhvr>
                                         <p:cTn id="6" dur="1" fill="hold">
+                                          <p:stCondLst>
+                                            <p:cond delay="0"/>
+                                          </p:stCondLst>
+                                        </p:cTn>
+                                        <p:tgtEl>
+                                          <p:spTgt spid="27"/>
+                                        </p:tgtEl>
+                                        <p:attrNameLst>
+                                          <p:attrName>style.visibility</p:attrName>
+                                        </p:attrNameLst>
+                                      </p:cBhvr>
+                                      <p:to>
+                                        <p:strVal val="visible"/>
+                                      </p:to>
+                                    </p:set>
+                                    <p:animEffect transition="in" filter="dissolve">
+                                      <p:cBhvr>
+                                        <p:cTn id="7" dur="500"/>
+                                        <p:tgtEl>
+                                          <p:spTgt spid="27"/>
+                                        </p:tgtEl>
+                                      </p:cBhvr>
+                                    </p:animEffect>
+                                  </p:childTnLst>
+                                </p:cTn>
+                              </p:par>
+                              <p:par>
+                                <p:cTn id="8" presetID="10" presetClass="entr" presetSubtype="0" fill="hold" nodeType="withEffect">
+                                  <p:stCondLst>
+                                    <p:cond delay="0"/>
+                                  </p:stCondLst>
+                                  <p:childTnLst>
+                                    <p:set>
+                                      <p:cBhvr>
+                                        <p:cTn id="9" dur="1" fill="hold">
+                                          <p:stCondLst>
+                                            <p:cond delay="0"/>
+                                          </p:stCondLst>
+                                        </p:cTn>
+                                        <p:tgtEl>
+                                          <p:spTgt spid="18"/>
+                                        </p:tgtEl>
+                                        <p:attrNameLst>
+                                          <p:attrName>style.visibility</p:attrName>
+                                        </p:attrNameLst>
+                                      </p:cBhvr>
+                                      <p:to>
+                                        <p:strVal val="visible"/>
+                                      </p:to>
+                                    </p:set>
+                                    <p:animEffect transition="in" filter="fade">
+                                      <p:cBhvr>
+                                        <p:cTn id="10" dur="2000"/>
+                                        <p:tgtEl>
+                                          <p:spTgt spid="18"/>
+                                        </p:tgtEl>
+                                      </p:cBhvr>
+                                    </p:animEffect>
+                                  </p:childTnLst>
+                                </p:cTn>
+                              </p:par>
+                            </p:childTnLst>
+                          </p:cTn>
+                        </p:par>
+                      </p:childTnLst>
+                    </p:cTn>
+                  </p:par>
+                  <p:par>
+                    <p:cTn id="11" fill="hold">
+                      <p:stCondLst>
+                        <p:cond delay="indefinite"/>
+                      </p:stCondLst>
+                      <p:childTnLst>
+                        <p:par>
+                          <p:cTn id="12" fill="hold">
+                            <p:stCondLst>
+                              <p:cond delay="0"/>
+                            </p:stCondLst>
+                            <p:childTnLst>
+                              <p:par>
+                                <p:cTn id="13" presetID="10" presetClass="entr" presetSubtype="0" fill="hold" nodeType="clickEffect">
+                                  <p:stCondLst>
+                                    <p:cond delay="0"/>
+                                  </p:stCondLst>
+                                  <p:childTnLst>
+                                    <p:set>
+                                      <p:cBhvr>
+                                        <p:cTn id="14" dur="1" fill="hold">
                                           <p:stCondLst>
                                             <p:cond delay="0"/>
                                           </p:stCondLst>
@@ -11205,9 +12345,132 @@
                                     </p:set>
                                     <p:animEffect transition="in" filter="fade">
                                       <p:cBhvr>
-                                        <p:cTn id="7" dur="2000"/>
+                                        <p:cTn id="15" dur="2000"/>
                                         <p:tgtEl>
                                           <p:spTgt spid="26"/>
+                                        </p:tgtEl>
+                                      </p:cBhvr>
+                                    </p:animEffect>
+                                  </p:childTnLst>
+                                </p:cTn>
+                              </p:par>
+                              <p:par>
+                                <p:cTn id="16" presetID="9" presetClass="entr" presetSubtype="0" fill="hold" grpId="0" nodeType="withEffect">
+                                  <p:stCondLst>
+                                    <p:cond delay="0"/>
+                                  </p:stCondLst>
+                                  <p:childTnLst>
+                                    <p:set>
+                                      <p:cBhvr>
+                                        <p:cTn id="17" dur="1" fill="hold">
+                                          <p:stCondLst>
+                                            <p:cond delay="0"/>
+                                          </p:stCondLst>
+                                        </p:cTn>
+                                        <p:tgtEl>
+                                          <p:spTgt spid="17"/>
+                                        </p:tgtEl>
+                                        <p:attrNameLst>
+                                          <p:attrName>style.visibility</p:attrName>
+                                        </p:attrNameLst>
+                                      </p:cBhvr>
+                                      <p:to>
+                                        <p:strVal val="visible"/>
+                                      </p:to>
+                                    </p:set>
+                                    <p:animEffect transition="in" filter="dissolve">
+                                      <p:cBhvr>
+                                        <p:cTn id="18" dur="500"/>
+                                        <p:tgtEl>
+                                          <p:spTgt spid="17"/>
+                                        </p:tgtEl>
+                                      </p:cBhvr>
+                                    </p:animEffect>
+                                  </p:childTnLst>
+                                </p:cTn>
+                              </p:par>
+                            </p:childTnLst>
+                          </p:cTn>
+                        </p:par>
+                      </p:childTnLst>
+                    </p:cTn>
+                  </p:par>
+                  <p:par>
+                    <p:cTn id="19" fill="hold">
+                      <p:stCondLst>
+                        <p:cond delay="indefinite"/>
+                      </p:stCondLst>
+                      <p:childTnLst>
+                        <p:par>
+                          <p:cTn id="20" fill="hold">
+                            <p:stCondLst>
+                              <p:cond delay="0"/>
+                            </p:stCondLst>
+                            <p:childTnLst>
+                              <p:par>
+                                <p:cTn id="21" presetID="9" presetClass="entr" presetSubtype="0" fill="hold" grpId="0" nodeType="clickEffect">
+                                  <p:stCondLst>
+                                    <p:cond delay="0"/>
+                                  </p:stCondLst>
+                                  <p:childTnLst>
+                                    <p:set>
+                                      <p:cBhvr>
+                                        <p:cTn id="22" dur="1" fill="hold">
+                                          <p:stCondLst>
+                                            <p:cond delay="0"/>
+                                          </p:stCondLst>
+                                        </p:cTn>
+                                        <p:tgtEl>
+                                          <p:spTgt spid="29"/>
+                                        </p:tgtEl>
+                                        <p:attrNameLst>
+                                          <p:attrName>style.visibility</p:attrName>
+                                        </p:attrNameLst>
+                                      </p:cBhvr>
+                                      <p:to>
+                                        <p:strVal val="visible"/>
+                                      </p:to>
+                                    </p:set>
+                                    <p:animEffect transition="in" filter="dissolve">
+                                      <p:cBhvr>
+                                        <p:cTn id="23" dur="500"/>
+                                        <p:tgtEl>
+                                          <p:spTgt spid="29"/>
+                                        </p:tgtEl>
+                                      </p:cBhvr>
+                                    </p:animEffect>
+                                  </p:childTnLst>
+                                </p:cTn>
+                              </p:par>
+                              <p:par>
+                                <p:cTn id="24" presetID="9" presetClass="entr" presetSubtype="0" fill="hold" grpId="1" nodeType="withEffect">
+                                  <p:stCondLst>
+                                    <p:cond delay="0"/>
+                                  </p:stCondLst>
+                                  <p:childTnLst>
+                                    <p:set>
+                                      <p:cBhvr>
+                                        <p:cTn id="25" dur="1" fill="hold">
+                                          <p:stCondLst>
+                                            <p:cond delay="0"/>
+                                          </p:stCondLst>
+                                        </p:cTn>
+                                        <p:tgtEl>
+                                          <p:spTgt spid="28"/>
+                                        </p:tgtEl>
+                                        <p:attrNameLst>
+                                          <p:attrName>style.visibility</p:attrName>
+                                        </p:attrNameLst>
+                                      </p:cBhvr>
+                                      <p:to>
+                                        <p:strVal val="visible"/>
+                                      </p:to>
+                                    </p:set>
+                                    <p:animEffect transition="in" filter="dissolve">
+                                      <p:cBhvr>
+                                        <p:cTn id="26" dur="500"/>
+                                        <p:tgtEl>
+                                          <p:spTgt spid="28"/>
                                         </p:tgtEl>
                                       </p:cBhvr>
                                     </p:animEffect>
@@ -11241,6 +12504,12 @@
         </p:cTn>
       </p:par>
     </p:tnLst>
+    <p:bldLst>
+      <p:bldP spid="17" grpId="0" animBg="1"/>
+      <p:bldP spid="27" grpId="0"/>
+      <p:bldP spid="29" grpId="0" animBg="1"/>
+      <p:bldP spid="28" grpId="1"/>
+    </p:bldLst>
   </p:timing>
 </p:sld>
 </file>

--- a/Neural Networks.pptx
+++ b/Neural Networks.pptx
@@ -211,7 +211,7 @@
             <a:fld id="{E576DB28-2D08-4098-9507-7EA7A116FE78}" type="datetimeFigureOut">
               <a:rPr lang="en-US" smtClean="0"/>
               <a:pPr/>
-              <a:t>10/4/2010</a:t>
+              <a:t>10/9/2010</a:t>
             </a:fld>
             <a:endParaRPr lang="en-US"/>
           </a:p>
@@ -1971,7 +1971,7 @@
             <a:fld id="{362286D1-24D9-44CC-8FA4-530545EF0900}" type="datetimeFigureOut">
               <a:rPr lang="en-US" smtClean="0"/>
               <a:pPr/>
-              <a:t>10/4/2010</a:t>
+              <a:t>10/9/2010</a:t>
             </a:fld>
             <a:endParaRPr lang="en-US"/>
           </a:p>
@@ -2138,7 +2138,7 @@
             <a:fld id="{362286D1-24D9-44CC-8FA4-530545EF0900}" type="datetimeFigureOut">
               <a:rPr lang="en-US" smtClean="0"/>
               <a:pPr/>
-              <a:t>10/4/2010</a:t>
+              <a:t>10/9/2010</a:t>
             </a:fld>
             <a:endParaRPr lang="en-US"/>
           </a:p>
@@ -2315,7 +2315,7 @@
             <a:fld id="{362286D1-24D9-44CC-8FA4-530545EF0900}" type="datetimeFigureOut">
               <a:rPr lang="en-US" smtClean="0"/>
               <a:pPr/>
-              <a:t>10/4/2010</a:t>
+              <a:t>10/9/2010</a:t>
             </a:fld>
             <a:endParaRPr lang="en-US"/>
           </a:p>
@@ -2482,7 +2482,7 @@
             <a:fld id="{362286D1-24D9-44CC-8FA4-530545EF0900}" type="datetimeFigureOut">
               <a:rPr lang="en-US" smtClean="0"/>
               <a:pPr/>
-              <a:t>10/4/2010</a:t>
+              <a:t>10/9/2010</a:t>
             </a:fld>
             <a:endParaRPr lang="en-US"/>
           </a:p>
@@ -2725,7 +2725,7 @@
             <a:fld id="{362286D1-24D9-44CC-8FA4-530545EF0900}" type="datetimeFigureOut">
               <a:rPr lang="en-US" smtClean="0"/>
               <a:pPr/>
-              <a:t>10/4/2010</a:t>
+              <a:t>10/9/2010</a:t>
             </a:fld>
             <a:endParaRPr lang="en-US"/>
           </a:p>
@@ -3010,7 +3010,7 @@
             <a:fld id="{362286D1-24D9-44CC-8FA4-530545EF0900}" type="datetimeFigureOut">
               <a:rPr lang="en-US" smtClean="0"/>
               <a:pPr/>
-              <a:t>10/4/2010</a:t>
+              <a:t>10/9/2010</a:t>
             </a:fld>
             <a:endParaRPr lang="en-US"/>
           </a:p>
@@ -3429,7 +3429,7 @@
             <a:fld id="{362286D1-24D9-44CC-8FA4-530545EF0900}" type="datetimeFigureOut">
               <a:rPr lang="en-US" smtClean="0"/>
               <a:pPr/>
-              <a:t>10/4/2010</a:t>
+              <a:t>10/9/2010</a:t>
             </a:fld>
             <a:endParaRPr lang="en-US"/>
           </a:p>
@@ -3544,7 +3544,7 @@
             <a:fld id="{362286D1-24D9-44CC-8FA4-530545EF0900}" type="datetimeFigureOut">
               <a:rPr lang="en-US" smtClean="0"/>
               <a:pPr/>
-              <a:t>10/4/2010</a:t>
+              <a:t>10/9/2010</a:t>
             </a:fld>
             <a:endParaRPr lang="en-US"/>
           </a:p>
@@ -3636,7 +3636,7 @@
             <a:fld id="{362286D1-24D9-44CC-8FA4-530545EF0900}" type="datetimeFigureOut">
               <a:rPr lang="en-US" smtClean="0"/>
               <a:pPr/>
-              <a:t>10/4/2010</a:t>
+              <a:t>10/9/2010</a:t>
             </a:fld>
             <a:endParaRPr lang="en-US"/>
           </a:p>
@@ -3910,7 +3910,7 @@
             <a:fld id="{362286D1-24D9-44CC-8FA4-530545EF0900}" type="datetimeFigureOut">
               <a:rPr lang="en-US" smtClean="0"/>
               <a:pPr/>
-              <a:t>10/4/2010</a:t>
+              <a:t>10/9/2010</a:t>
             </a:fld>
             <a:endParaRPr lang="en-US"/>
           </a:p>
@@ -4160,7 +4160,7 @@
             <a:fld id="{362286D1-24D9-44CC-8FA4-530545EF0900}" type="datetimeFigureOut">
               <a:rPr lang="en-US" smtClean="0"/>
               <a:pPr/>
-              <a:t>10/4/2010</a:t>
+              <a:t>10/9/2010</a:t>
             </a:fld>
             <a:endParaRPr lang="en-US"/>
           </a:p>
@@ -4370,7 +4370,7 @@
             <a:fld id="{362286D1-24D9-44CC-8FA4-530545EF0900}" type="datetimeFigureOut">
               <a:rPr lang="en-US" smtClean="0"/>
               <a:pPr/>
-              <a:t>10/4/2010</a:t>
+              <a:t>10/9/2010</a:t>
             </a:fld>
             <a:endParaRPr lang="en-US"/>
           </a:p>
@@ -7602,11 +7602,7 @@
           <a:p>
             <a:r>
               <a:rPr lang="en-US" dirty="0" smtClean="0"/>
-              <a:t>It </a:t>
-            </a:r>
-            <a:r>
-              <a:rPr lang="en-US" dirty="0" smtClean="0"/>
-              <a:t>resembles the brain in two respects:</a:t>
+              <a:t>It resembles the brain in two respects:</a:t>
             </a:r>
           </a:p>
           <a:p>
@@ -11073,15 +11069,7 @@
           <a:p>
             <a:r>
               <a:rPr lang="en-US" dirty="0" smtClean="0"/>
-              <a:t>The modulated </a:t>
-            </a:r>
-            <a:r>
-              <a:rPr lang="en-US" dirty="0" smtClean="0"/>
-              <a:t>inputs </a:t>
-            </a:r>
-            <a:r>
-              <a:rPr lang="en-US" dirty="0" smtClean="0"/>
-              <a:t>are then integrated. (summed)</a:t>
+              <a:t>The modulated inputs are then integrated. (summed)</a:t>
             </a:r>
             <a:endParaRPr lang="en-US" dirty="0"/>
           </a:p>

--- a/Neural Networks.pptx
+++ b/Neural Networks.pptx
@@ -5,7 +5,7 @@
     <p:sldMasterId id="2147483648" r:id="rId1"/>
   </p:sldMasterIdLst>
   <p:notesMasterIdLst>
-    <p:notesMasterId r:id="rId18"/>
+    <p:notesMasterId r:id="rId20"/>
   </p:notesMasterIdLst>
   <p:sldIdLst>
     <p:sldId id="256" r:id="rId2"/>
@@ -16,19 +16,21 @@
     <p:sldId id="263" r:id="rId7"/>
     <p:sldId id="258" r:id="rId8"/>
     <p:sldId id="267" r:id="rId9"/>
-    <p:sldId id="262" r:id="rId10"/>
-    <p:sldId id="266" r:id="rId11"/>
-    <p:sldId id="261" r:id="rId12"/>
-    <p:sldId id="268" r:id="rId13"/>
-    <p:sldId id="269" r:id="rId14"/>
-    <p:sldId id="270" r:id="rId15"/>
-    <p:sldId id="271" r:id="rId16"/>
-    <p:sldId id="272" r:id="rId17"/>
+    <p:sldId id="273" r:id="rId10"/>
+    <p:sldId id="262" r:id="rId11"/>
+    <p:sldId id="266" r:id="rId12"/>
+    <p:sldId id="261" r:id="rId13"/>
+    <p:sldId id="268" r:id="rId14"/>
+    <p:sldId id="269" r:id="rId15"/>
+    <p:sldId id="270" r:id="rId16"/>
+    <p:sldId id="271" r:id="rId17"/>
+    <p:sldId id="272" r:id="rId18"/>
+    <p:sldId id="274" r:id="rId19"/>
   </p:sldIdLst>
   <p:sldSz cx="9144000" cy="6858000" type="screen4x3"/>
   <p:notesSz cx="6858000" cy="9144000"/>
   <p:custDataLst>
-    <p:tags r:id="rId19"/>
+    <p:tags r:id="rId21"/>
   </p:custDataLst>
   <p:defaultTextStyle>
     <a:defPPr>
@@ -211,7 +213,7 @@
             <a:fld id="{E576DB28-2D08-4098-9507-7EA7A116FE78}" type="datetimeFigureOut">
               <a:rPr lang="en-US" smtClean="0"/>
               <a:pPr/>
-              <a:t>10/9/2010</a:t>
+              <a:t>10/5/2010</a:t>
             </a:fld>
             <a:endParaRPr lang="en-US"/>
           </a:p>
@@ -627,7 +629,7 @@
             <a:fld id="{27130E92-8CBD-4B47-8EE9-1F233874DC22}" type="slidenum">
               <a:rPr lang="en-US" smtClean="0"/>
               <a:pPr/>
-              <a:t>10</a:t>
+              <a:t>11</a:t>
             </a:fld>
             <a:endParaRPr lang="en-US"/>
           </a:p>
@@ -709,7 +711,7 @@
             <a:fld id="{27130E92-8CBD-4B47-8EE9-1F233874DC22}" type="slidenum">
               <a:rPr lang="en-US" smtClean="0"/>
               <a:pPr/>
-              <a:t>11</a:t>
+              <a:t>12</a:t>
             </a:fld>
             <a:endParaRPr lang="en-US"/>
           </a:p>
@@ -791,7 +793,7 @@
             <a:fld id="{27130E92-8CBD-4B47-8EE9-1F233874DC22}" type="slidenum">
               <a:rPr lang="en-US" smtClean="0"/>
               <a:pPr/>
-              <a:t>12</a:t>
+              <a:t>13</a:t>
             </a:fld>
             <a:endParaRPr lang="en-US"/>
           </a:p>
@@ -873,7 +875,7 @@
             <a:fld id="{27130E92-8CBD-4B47-8EE9-1F233874DC22}" type="slidenum">
               <a:rPr lang="en-US" smtClean="0"/>
               <a:pPr/>
-              <a:t>13</a:t>
+              <a:t>14</a:t>
             </a:fld>
             <a:endParaRPr lang="en-US"/>
           </a:p>
@@ -955,7 +957,7 @@
             <a:fld id="{27130E92-8CBD-4B47-8EE9-1F233874DC22}" type="slidenum">
               <a:rPr lang="en-US" smtClean="0"/>
               <a:pPr/>
-              <a:t>14</a:t>
+              <a:t>15</a:t>
             </a:fld>
             <a:endParaRPr lang="en-US"/>
           </a:p>
@@ -1037,7 +1039,7 @@
             <a:fld id="{27130E92-8CBD-4B47-8EE9-1F233874DC22}" type="slidenum">
               <a:rPr lang="en-US" smtClean="0"/>
               <a:pPr/>
-              <a:t>15</a:t>
+              <a:t>16</a:t>
             </a:fld>
             <a:endParaRPr lang="en-US"/>
           </a:p>
@@ -1119,7 +1121,7 @@
             <a:fld id="{27130E92-8CBD-4B47-8EE9-1F233874DC22}" type="slidenum">
               <a:rPr lang="en-US" smtClean="0"/>
               <a:pPr/>
-              <a:t>16</a:t>
+              <a:t>17</a:t>
             </a:fld>
             <a:endParaRPr lang="en-US"/>
           </a:p>
@@ -1775,7 +1777,7 @@
             <a:fld id="{27130E92-8CBD-4B47-8EE9-1F233874DC22}" type="slidenum">
               <a:rPr lang="en-US" smtClean="0"/>
               <a:pPr/>
-              <a:t>9</a:t>
+              <a:t>10</a:t>
             </a:fld>
             <a:endParaRPr lang="en-US"/>
           </a:p>
@@ -1971,7 +1973,7 @@
             <a:fld id="{362286D1-24D9-44CC-8FA4-530545EF0900}" type="datetimeFigureOut">
               <a:rPr lang="en-US" smtClean="0"/>
               <a:pPr/>
-              <a:t>10/9/2010</a:t>
+              <a:t>10/5/2010</a:t>
             </a:fld>
             <a:endParaRPr lang="en-US"/>
           </a:p>
@@ -2138,7 +2140,7 @@
             <a:fld id="{362286D1-24D9-44CC-8FA4-530545EF0900}" type="datetimeFigureOut">
               <a:rPr lang="en-US" smtClean="0"/>
               <a:pPr/>
-              <a:t>10/9/2010</a:t>
+              <a:t>10/5/2010</a:t>
             </a:fld>
             <a:endParaRPr lang="en-US"/>
           </a:p>
@@ -2315,7 +2317,7 @@
             <a:fld id="{362286D1-24D9-44CC-8FA4-530545EF0900}" type="datetimeFigureOut">
               <a:rPr lang="en-US" smtClean="0"/>
               <a:pPr/>
-              <a:t>10/9/2010</a:t>
+              <a:t>10/5/2010</a:t>
             </a:fld>
             <a:endParaRPr lang="en-US"/>
           </a:p>
@@ -2482,7 +2484,7 @@
             <a:fld id="{362286D1-24D9-44CC-8FA4-530545EF0900}" type="datetimeFigureOut">
               <a:rPr lang="en-US" smtClean="0"/>
               <a:pPr/>
-              <a:t>10/9/2010</a:t>
+              <a:t>10/5/2010</a:t>
             </a:fld>
             <a:endParaRPr lang="en-US"/>
           </a:p>
@@ -2725,7 +2727,7 @@
             <a:fld id="{362286D1-24D9-44CC-8FA4-530545EF0900}" type="datetimeFigureOut">
               <a:rPr lang="en-US" smtClean="0"/>
               <a:pPr/>
-              <a:t>10/9/2010</a:t>
+              <a:t>10/5/2010</a:t>
             </a:fld>
             <a:endParaRPr lang="en-US"/>
           </a:p>
@@ -3010,7 +3012,7 @@
             <a:fld id="{362286D1-24D9-44CC-8FA4-530545EF0900}" type="datetimeFigureOut">
               <a:rPr lang="en-US" smtClean="0"/>
               <a:pPr/>
-              <a:t>10/9/2010</a:t>
+              <a:t>10/5/2010</a:t>
             </a:fld>
             <a:endParaRPr lang="en-US"/>
           </a:p>
@@ -3429,7 +3431,7 @@
             <a:fld id="{362286D1-24D9-44CC-8FA4-530545EF0900}" type="datetimeFigureOut">
               <a:rPr lang="en-US" smtClean="0"/>
               <a:pPr/>
-              <a:t>10/9/2010</a:t>
+              <a:t>10/5/2010</a:t>
             </a:fld>
             <a:endParaRPr lang="en-US"/>
           </a:p>
@@ -3544,7 +3546,7 @@
             <a:fld id="{362286D1-24D9-44CC-8FA4-530545EF0900}" type="datetimeFigureOut">
               <a:rPr lang="en-US" smtClean="0"/>
               <a:pPr/>
-              <a:t>10/9/2010</a:t>
+              <a:t>10/5/2010</a:t>
             </a:fld>
             <a:endParaRPr lang="en-US"/>
           </a:p>
@@ -3636,7 +3638,7 @@
             <a:fld id="{362286D1-24D9-44CC-8FA4-530545EF0900}" type="datetimeFigureOut">
               <a:rPr lang="en-US" smtClean="0"/>
               <a:pPr/>
-              <a:t>10/9/2010</a:t>
+              <a:t>10/5/2010</a:t>
             </a:fld>
             <a:endParaRPr lang="en-US"/>
           </a:p>
@@ -3910,7 +3912,7 @@
             <a:fld id="{362286D1-24D9-44CC-8FA4-530545EF0900}" type="datetimeFigureOut">
               <a:rPr lang="en-US" smtClean="0"/>
               <a:pPr/>
-              <a:t>10/9/2010</a:t>
+              <a:t>10/5/2010</a:t>
             </a:fld>
             <a:endParaRPr lang="en-US"/>
           </a:p>
@@ -4160,7 +4162,7 @@
             <a:fld id="{362286D1-24D9-44CC-8FA4-530545EF0900}" type="datetimeFigureOut">
               <a:rPr lang="en-US" smtClean="0"/>
               <a:pPr/>
-              <a:t>10/9/2010</a:t>
+              <a:t>10/5/2010</a:t>
             </a:fld>
             <a:endParaRPr lang="en-US"/>
           </a:p>
@@ -4370,7 +4372,7 @@
             <a:fld id="{362286D1-24D9-44CC-8FA4-530545EF0900}" type="datetimeFigureOut">
               <a:rPr lang="en-US" smtClean="0"/>
               <a:pPr/>
-              <a:t>10/9/2010</a:t>
+              <a:t>10/5/2010</a:t>
             </a:fld>
             <a:endParaRPr lang="en-US"/>
           </a:p>
@@ -4815,6 +4817,988 @@
           <a:chExt cx="0" cy="0"/>
         </a:xfrm>
       </p:grpSpPr>
+      <p:pic>
+        <p:nvPicPr>
+          <p:cNvPr id="30723" name="Picture 3"/>
+          <p:cNvPicPr>
+            <a:picLocks noChangeAspect="1" noChangeArrowheads="1"/>
+          </p:cNvPicPr>
+          <p:nvPr/>
+        </p:nvPicPr>
+        <p:blipFill>
+          <a:blip r:embed="rId3" cstate="print"/>
+          <a:srcRect/>
+          <a:stretch>
+            <a:fillRect/>
+          </a:stretch>
+        </p:blipFill>
+        <p:spPr bwMode="auto">
+          <a:xfrm>
+            <a:off x="561975" y="3238500"/>
+            <a:ext cx="6296025" cy="2933700"/>
+          </a:xfrm>
+          <a:prstGeom prst="rect">
+            <a:avLst/>
+          </a:prstGeom>
+          <a:noFill/>
+          <a:ln w="9525">
+            <a:noFill/>
+            <a:miter lim="800000"/>
+            <a:headEnd/>
+            <a:tailEnd/>
+          </a:ln>
+          <a:effectLst/>
+        </p:spPr>
+      </p:pic>
+      <p:grpSp>
+        <p:nvGrpSpPr>
+          <p:cNvPr id="10" name="Group 9"/>
+          <p:cNvGrpSpPr/>
+          <p:nvPr/>
+        </p:nvGrpSpPr>
+        <p:grpSpPr>
+          <a:xfrm>
+            <a:off x="6781800" y="1600200"/>
+            <a:ext cx="914400" cy="914400"/>
+            <a:chOff x="4343400" y="3733800"/>
+            <a:chExt cx="914400" cy="914400"/>
+          </a:xfrm>
+        </p:grpSpPr>
+        <p:sp>
+          <p:nvSpPr>
+            <p:cNvPr id="9" name="Oval 8"/>
+            <p:cNvSpPr/>
+            <p:nvPr/>
+          </p:nvSpPr>
+          <p:spPr>
+            <a:xfrm>
+              <a:off x="4343400" y="3733800"/>
+              <a:ext cx="914400" cy="914400"/>
+            </a:xfrm>
+            <a:prstGeom prst="ellipse">
+              <a:avLst/>
+            </a:prstGeom>
+          </p:spPr>
+          <p:style>
+            <a:lnRef idx="2">
+              <a:schemeClr val="accent1"/>
+            </a:lnRef>
+            <a:fillRef idx="1">
+              <a:schemeClr val="lt1"/>
+            </a:fillRef>
+            <a:effectRef idx="0">
+              <a:schemeClr val="accent1"/>
+            </a:effectRef>
+            <a:fontRef idx="minor">
+              <a:schemeClr val="dk1"/>
+            </a:fontRef>
+          </p:style>
+          <p:txBody>
+            <a:bodyPr rtlCol="0" anchor="ctr"/>
+            <a:lstStyle/>
+            <a:p>
+              <a:pPr algn="ctr"/>
+              <a:endParaRPr lang="en-US"/>
+            </a:p>
+          </p:txBody>
+        </p:sp>
+        <p:pic>
+          <p:nvPicPr>
+            <p:cNvPr id="30724" name="Picture 4"/>
+            <p:cNvPicPr>
+              <a:picLocks noChangeAspect="1" noChangeArrowheads="1"/>
+            </p:cNvPicPr>
+            <p:nvPr/>
+          </p:nvPicPr>
+          <p:blipFill>
+            <a:blip r:embed="rId4" cstate="print"/>
+            <a:srcRect/>
+            <a:stretch>
+              <a:fillRect/>
+            </a:stretch>
+          </p:blipFill>
+          <p:spPr bwMode="auto">
+            <a:xfrm>
+              <a:off x="4495800" y="4105275"/>
+              <a:ext cx="95250" cy="161925"/>
+            </a:xfrm>
+            <a:prstGeom prst="rect">
+              <a:avLst/>
+            </a:prstGeom>
+            <a:noFill/>
+            <a:ln w="9525">
+              <a:noFill/>
+              <a:miter lim="800000"/>
+              <a:headEnd/>
+              <a:tailEnd/>
+            </a:ln>
+            <a:effectLst/>
+          </p:spPr>
+        </p:pic>
+        <p:sp>
+          <p:nvSpPr>
+            <p:cNvPr id="8" name="TextBox 7"/>
+            <p:cNvSpPr txBox="1"/>
+            <p:nvPr/>
+          </p:nvSpPr>
+          <p:spPr>
+            <a:xfrm>
+              <a:off x="4572000" y="3999344"/>
+              <a:ext cx="593432" cy="338554"/>
+            </a:xfrm>
+            <a:prstGeom prst="rect">
+              <a:avLst/>
+            </a:prstGeom>
+            <a:noFill/>
+          </p:spPr>
+          <p:txBody>
+            <a:bodyPr wrap="none" rtlCol="0">
+              <a:spAutoFit/>
+            </a:bodyPr>
+            <a:lstStyle/>
+            <a:p>
+              <a:r>
+                <a:rPr lang="en-US" sz="1600" dirty="0" smtClean="0"/>
+                <a:t>= 0.4</a:t>
+              </a:r>
+              <a:endParaRPr lang="en-US" sz="1600" dirty="0"/>
+            </a:p>
+          </p:txBody>
+        </p:sp>
+      </p:grpSp>
+      <p:sp>
+        <p:nvSpPr>
+          <p:cNvPr id="12" name="Oval 11"/>
+          <p:cNvSpPr/>
+          <p:nvPr/>
+        </p:nvSpPr>
+        <p:spPr>
+          <a:xfrm>
+            <a:off x="5181600" y="4114800"/>
+            <a:ext cx="838200" cy="838200"/>
+          </a:xfrm>
+          <a:prstGeom prst="ellipse">
+            <a:avLst/>
+          </a:prstGeom>
+          <a:ln>
+            <a:noFill/>
+          </a:ln>
+        </p:spPr>
+        <p:style>
+          <a:lnRef idx="2">
+            <a:schemeClr val="accent1"/>
+          </a:lnRef>
+          <a:fillRef idx="1">
+            <a:schemeClr val="lt1"/>
+          </a:fillRef>
+          <a:effectRef idx="0">
+            <a:schemeClr val="accent1"/>
+          </a:effectRef>
+          <a:fontRef idx="minor">
+            <a:schemeClr val="dk1"/>
+          </a:fontRef>
+        </p:style>
+        <p:txBody>
+          <a:bodyPr rtlCol="0" anchor="ctr"/>
+          <a:lstStyle/>
+          <a:p>
+            <a:pPr algn="ctr"/>
+            <a:r>
+              <a:rPr lang="en-US" dirty="0" smtClean="0"/>
+              <a:t>0.0</a:t>
+            </a:r>
+            <a:endParaRPr lang="en-US" dirty="0"/>
+          </a:p>
+        </p:txBody>
+      </p:sp>
+      <p:sp>
+        <p:nvSpPr>
+          <p:cNvPr id="15" name="Oval 14"/>
+          <p:cNvSpPr/>
+          <p:nvPr/>
+        </p:nvSpPr>
+        <p:spPr>
+          <a:xfrm>
+            <a:off x="6273800" y="4114800"/>
+            <a:ext cx="838200" cy="838200"/>
+          </a:xfrm>
+          <a:prstGeom prst="ellipse">
+            <a:avLst/>
+          </a:prstGeom>
+          <a:ln>
+            <a:noFill/>
+          </a:ln>
+        </p:spPr>
+        <p:style>
+          <a:lnRef idx="2">
+            <a:schemeClr val="accent1"/>
+          </a:lnRef>
+          <a:fillRef idx="1">
+            <a:schemeClr val="lt1"/>
+          </a:fillRef>
+          <a:effectRef idx="0">
+            <a:schemeClr val="accent1"/>
+          </a:effectRef>
+          <a:fontRef idx="minor">
+            <a:schemeClr val="dk1"/>
+          </a:fontRef>
+        </p:style>
+        <p:txBody>
+          <a:bodyPr rtlCol="0" anchor="ctr"/>
+          <a:lstStyle/>
+          <a:p>
+            <a:pPr algn="ctr"/>
+            <a:r>
+              <a:rPr lang="en-US" dirty="0" smtClean="0"/>
+              <a:t>0.2</a:t>
+            </a:r>
+            <a:endParaRPr lang="en-US" dirty="0"/>
+          </a:p>
+        </p:txBody>
+      </p:sp>
+      <p:sp>
+        <p:nvSpPr>
+          <p:cNvPr id="16" name="Oval 15"/>
+          <p:cNvSpPr/>
+          <p:nvPr/>
+        </p:nvSpPr>
+        <p:spPr>
+          <a:xfrm>
+            <a:off x="7366000" y="4114800"/>
+            <a:ext cx="838200" cy="838200"/>
+          </a:xfrm>
+          <a:prstGeom prst="ellipse">
+            <a:avLst/>
+          </a:prstGeom>
+          <a:ln>
+            <a:noFill/>
+          </a:ln>
+        </p:spPr>
+        <p:style>
+          <a:lnRef idx="2">
+            <a:schemeClr val="accent1"/>
+          </a:lnRef>
+          <a:fillRef idx="1">
+            <a:schemeClr val="lt1"/>
+          </a:fillRef>
+          <a:effectRef idx="0">
+            <a:schemeClr val="accent1"/>
+          </a:effectRef>
+          <a:fontRef idx="minor">
+            <a:schemeClr val="dk1"/>
+          </a:fontRef>
+        </p:style>
+        <p:txBody>
+          <a:bodyPr rtlCol="0" anchor="ctr"/>
+          <a:lstStyle/>
+          <a:p>
+            <a:pPr algn="ctr"/>
+            <a:r>
+              <a:rPr lang="en-US" dirty="0" smtClean="0"/>
+              <a:t>0.3</a:t>
+            </a:r>
+            <a:endParaRPr lang="en-US" dirty="0"/>
+          </a:p>
+        </p:txBody>
+      </p:sp>
+      <p:sp>
+        <p:nvSpPr>
+          <p:cNvPr id="17" name="Oval 16"/>
+          <p:cNvSpPr/>
+          <p:nvPr/>
+        </p:nvSpPr>
+        <p:spPr>
+          <a:xfrm>
+            <a:off x="8458200" y="4114800"/>
+            <a:ext cx="838200" cy="838200"/>
+          </a:xfrm>
+          <a:prstGeom prst="ellipse">
+            <a:avLst/>
+          </a:prstGeom>
+          <a:ln>
+            <a:noFill/>
+          </a:ln>
+        </p:spPr>
+        <p:style>
+          <a:lnRef idx="2">
+            <a:schemeClr val="accent1"/>
+          </a:lnRef>
+          <a:fillRef idx="1">
+            <a:schemeClr val="lt1"/>
+          </a:fillRef>
+          <a:effectRef idx="0">
+            <a:schemeClr val="accent1"/>
+          </a:effectRef>
+          <a:fontRef idx="minor">
+            <a:schemeClr val="dk1"/>
+          </a:fontRef>
+        </p:style>
+        <p:txBody>
+          <a:bodyPr rtlCol="0" anchor="ctr"/>
+          <a:lstStyle/>
+          <a:p>
+            <a:pPr algn="ctr"/>
+            <a:r>
+              <a:rPr lang="en-US" dirty="0" smtClean="0"/>
+              <a:t>-0.2</a:t>
+            </a:r>
+            <a:endParaRPr lang="en-US" dirty="0"/>
+          </a:p>
+        </p:txBody>
+      </p:sp>
+      <p:cxnSp>
+        <p:nvCxnSpPr>
+          <p:cNvPr id="19" name="Straight Arrow Connector 18"/>
+          <p:cNvCxnSpPr>
+            <a:stCxn id="12" idx="0"/>
+          </p:cNvCxnSpPr>
+          <p:nvPr/>
+        </p:nvCxnSpPr>
+        <p:spPr>
+          <a:xfrm rot="5400000" flipH="1" flipV="1">
+            <a:off x="5619750" y="2495550"/>
+            <a:ext cx="1600200" cy="1638300"/>
+          </a:xfrm>
+          <a:prstGeom prst="straightConnector1">
+            <a:avLst/>
+          </a:prstGeom>
+          <a:ln>
+            <a:tailEnd type="arrow"/>
+          </a:ln>
+        </p:spPr>
+        <p:style>
+          <a:lnRef idx="1">
+            <a:schemeClr val="accent1"/>
+          </a:lnRef>
+          <a:fillRef idx="0">
+            <a:schemeClr val="accent1"/>
+          </a:fillRef>
+          <a:effectRef idx="0">
+            <a:schemeClr val="accent1"/>
+          </a:effectRef>
+          <a:fontRef idx="minor">
+            <a:schemeClr val="tx1"/>
+          </a:fontRef>
+        </p:style>
+      </p:cxnSp>
+      <p:cxnSp>
+        <p:nvCxnSpPr>
+          <p:cNvPr id="20" name="Straight Arrow Connector 19"/>
+          <p:cNvCxnSpPr>
+            <a:stCxn id="15" idx="0"/>
+          </p:cNvCxnSpPr>
+          <p:nvPr/>
+        </p:nvCxnSpPr>
+        <p:spPr>
+          <a:xfrm rot="5400000" flipH="1" flipV="1">
+            <a:off x="6165850" y="3041650"/>
+            <a:ext cx="1600200" cy="546100"/>
+          </a:xfrm>
+          <a:prstGeom prst="straightConnector1">
+            <a:avLst/>
+          </a:prstGeom>
+          <a:ln>
+            <a:tailEnd type="arrow"/>
+          </a:ln>
+        </p:spPr>
+        <p:style>
+          <a:lnRef idx="1">
+            <a:schemeClr val="accent1"/>
+          </a:lnRef>
+          <a:fillRef idx="0">
+            <a:schemeClr val="accent1"/>
+          </a:fillRef>
+          <a:effectRef idx="0">
+            <a:schemeClr val="accent1"/>
+          </a:effectRef>
+          <a:fontRef idx="minor">
+            <a:schemeClr val="tx1"/>
+          </a:fontRef>
+        </p:style>
+      </p:cxnSp>
+      <p:cxnSp>
+        <p:nvCxnSpPr>
+          <p:cNvPr id="23" name="Straight Arrow Connector 22"/>
+          <p:cNvCxnSpPr>
+            <a:stCxn id="16" idx="0"/>
+          </p:cNvCxnSpPr>
+          <p:nvPr/>
+        </p:nvCxnSpPr>
+        <p:spPr>
+          <a:xfrm rot="16200000" flipV="1">
+            <a:off x="6711950" y="3041650"/>
+            <a:ext cx="1600200" cy="546100"/>
+          </a:xfrm>
+          <a:prstGeom prst="straightConnector1">
+            <a:avLst/>
+          </a:prstGeom>
+          <a:ln>
+            <a:tailEnd type="arrow"/>
+          </a:ln>
+        </p:spPr>
+        <p:style>
+          <a:lnRef idx="1">
+            <a:schemeClr val="accent1"/>
+          </a:lnRef>
+          <a:fillRef idx="0">
+            <a:schemeClr val="accent1"/>
+          </a:fillRef>
+          <a:effectRef idx="0">
+            <a:schemeClr val="accent1"/>
+          </a:effectRef>
+          <a:fontRef idx="minor">
+            <a:schemeClr val="tx1"/>
+          </a:fontRef>
+        </p:style>
+      </p:cxnSp>
+      <p:cxnSp>
+        <p:nvCxnSpPr>
+          <p:cNvPr id="26" name="Straight Arrow Connector 25"/>
+          <p:cNvCxnSpPr>
+            <a:stCxn id="17" idx="0"/>
+          </p:cNvCxnSpPr>
+          <p:nvPr/>
+        </p:nvCxnSpPr>
+        <p:spPr>
+          <a:xfrm rot="16200000" flipV="1">
+            <a:off x="7258050" y="2495550"/>
+            <a:ext cx="1600200" cy="1638300"/>
+          </a:xfrm>
+          <a:prstGeom prst="straightConnector1">
+            <a:avLst/>
+          </a:prstGeom>
+          <a:ln>
+            <a:tailEnd type="arrow"/>
+          </a:ln>
+        </p:spPr>
+        <p:style>
+          <a:lnRef idx="1">
+            <a:schemeClr val="accent1"/>
+          </a:lnRef>
+          <a:fillRef idx="0">
+            <a:schemeClr val="accent1"/>
+          </a:fillRef>
+          <a:effectRef idx="0">
+            <a:schemeClr val="accent1"/>
+          </a:effectRef>
+          <a:fontRef idx="minor">
+            <a:schemeClr val="tx1"/>
+          </a:fontRef>
+        </p:style>
+      </p:cxnSp>
+      <p:sp>
+        <p:nvSpPr>
+          <p:cNvPr id="48" name="Title 47"/>
+          <p:cNvSpPr>
+            <a:spLocks noGrp="1"/>
+          </p:cNvSpPr>
+          <p:nvPr>
+            <p:ph type="title"/>
+          </p:nvPr>
+        </p:nvSpPr>
+        <p:spPr/>
+        <p:txBody>
+          <a:bodyPr/>
+          <a:lstStyle/>
+          <a:p>
+            <a:r>
+              <a:rPr lang="en-US" dirty="0" smtClean="0"/>
+              <a:t>Threshold Function</a:t>
+            </a:r>
+            <a:endParaRPr lang="en-US" dirty="0"/>
+          </a:p>
+        </p:txBody>
+      </p:sp>
+      <p:sp>
+        <p:nvSpPr>
+          <p:cNvPr id="47" name="Content Placeholder 46"/>
+          <p:cNvSpPr>
+            <a:spLocks noGrp="1"/>
+          </p:cNvSpPr>
+          <p:nvPr>
+            <p:ph idx="1"/>
+          </p:nvPr>
+        </p:nvSpPr>
+        <p:spPr/>
+        <p:txBody>
+          <a:bodyPr/>
+          <a:lstStyle/>
+          <a:p>
+            <a:r>
+              <a:rPr lang="en-US" dirty="0" smtClean="0"/>
+              <a:t>Hard Limited output</a:t>
+            </a:r>
+          </a:p>
+          <a:p>
+            <a:r>
+              <a:rPr lang="en-US" dirty="0" smtClean="0"/>
+              <a:t>Only two possible outputs 0 or 1</a:t>
+            </a:r>
+          </a:p>
+          <a:p>
+            <a:endParaRPr lang="en-US" dirty="0"/>
+          </a:p>
+        </p:txBody>
+      </p:sp>
+      <p:cxnSp>
+        <p:nvCxnSpPr>
+          <p:cNvPr id="18" name="Straight Arrow Connector 17"/>
+          <p:cNvCxnSpPr/>
+          <p:nvPr/>
+        </p:nvCxnSpPr>
+        <p:spPr>
+          <a:xfrm rot="5400000" flipH="1" flipV="1">
+            <a:off x="6781800" y="1143000"/>
+            <a:ext cx="914400" cy="1588"/>
+          </a:xfrm>
+          <a:prstGeom prst="straightConnector1">
+            <a:avLst/>
+          </a:prstGeom>
+          <a:ln>
+            <a:tailEnd type="arrow"/>
+          </a:ln>
+        </p:spPr>
+        <p:style>
+          <a:lnRef idx="1">
+            <a:schemeClr val="accent1"/>
+          </a:lnRef>
+          <a:fillRef idx="0">
+            <a:schemeClr val="accent1"/>
+          </a:fillRef>
+          <a:effectRef idx="0">
+            <a:schemeClr val="accent1"/>
+          </a:effectRef>
+          <a:fontRef idx="minor">
+            <a:schemeClr val="tx1"/>
+          </a:fontRef>
+        </p:style>
+      </p:cxnSp>
+      <p:sp>
+        <p:nvSpPr>
+          <p:cNvPr id="27" name="TextBox 26"/>
+          <p:cNvSpPr txBox="1"/>
+          <p:nvPr/>
+        </p:nvSpPr>
+        <p:spPr>
+          <a:xfrm>
+            <a:off x="7239000" y="914400"/>
+            <a:ext cx="301686" cy="369332"/>
+          </a:xfrm>
+          <a:prstGeom prst="rect">
+            <a:avLst/>
+          </a:prstGeom>
+          <a:noFill/>
+        </p:spPr>
+        <p:txBody>
+          <a:bodyPr wrap="none" rtlCol="0">
+            <a:spAutoFit/>
+          </a:bodyPr>
+          <a:lstStyle/>
+          <a:p>
+            <a:r>
+              <a:rPr lang="en-US" dirty="0" smtClean="0"/>
+              <a:t>1</a:t>
+            </a:r>
+            <a:endParaRPr lang="en-US" dirty="0"/>
+          </a:p>
+        </p:txBody>
+      </p:sp>
+      <p:sp>
+        <p:nvSpPr>
+          <p:cNvPr id="29" name="Rectangle 28"/>
+          <p:cNvSpPr/>
+          <p:nvPr/>
+        </p:nvSpPr>
+        <p:spPr>
+          <a:xfrm>
+            <a:off x="7315200" y="914400"/>
+            <a:ext cx="533400" cy="457200"/>
+          </a:xfrm>
+          <a:prstGeom prst="rect">
+            <a:avLst/>
+          </a:prstGeom>
+          <a:ln>
+            <a:noFill/>
+          </a:ln>
+        </p:spPr>
+        <p:style>
+          <a:lnRef idx="2">
+            <a:schemeClr val="accent1"/>
+          </a:lnRef>
+          <a:fillRef idx="1">
+            <a:schemeClr val="lt1"/>
+          </a:fillRef>
+          <a:effectRef idx="0">
+            <a:schemeClr val="accent1"/>
+          </a:effectRef>
+          <a:fontRef idx="minor">
+            <a:schemeClr val="dk1"/>
+          </a:fontRef>
+        </p:style>
+        <p:txBody>
+          <a:bodyPr rtlCol="0" anchor="ctr"/>
+          <a:lstStyle/>
+          <a:p>
+            <a:pPr algn="ctr"/>
+            <a:endParaRPr lang="en-US"/>
+          </a:p>
+        </p:txBody>
+      </p:sp>
+      <p:sp>
+        <p:nvSpPr>
+          <p:cNvPr id="28" name="TextBox 27"/>
+          <p:cNvSpPr txBox="1"/>
+          <p:nvPr/>
+        </p:nvSpPr>
+        <p:spPr>
+          <a:xfrm>
+            <a:off x="7239000" y="914400"/>
+            <a:ext cx="301686" cy="369332"/>
+          </a:xfrm>
+          <a:prstGeom prst="rect">
+            <a:avLst/>
+          </a:prstGeom>
+          <a:noFill/>
+        </p:spPr>
+        <p:txBody>
+          <a:bodyPr wrap="none" rtlCol="0">
+            <a:spAutoFit/>
+          </a:bodyPr>
+          <a:lstStyle/>
+          <a:p>
+            <a:r>
+              <a:rPr lang="en-US" dirty="0" smtClean="0"/>
+              <a:t>0</a:t>
+            </a:r>
+            <a:endParaRPr lang="en-US" dirty="0"/>
+          </a:p>
+        </p:txBody>
+      </p:sp>
+    </p:spTree>
+  </p:cSld>
+  <p:clrMapOvr>
+    <a:masterClrMapping/>
+  </p:clrMapOvr>
+  <p:timing>
+    <p:tnLst>
+      <p:par>
+        <p:cTn id="1" dur="indefinite" restart="never" nodeType="tmRoot">
+          <p:childTnLst>
+            <p:seq concurrent="1" nextAc="seek">
+              <p:cTn id="2" dur="indefinite" nodeType="mainSeq">
+                <p:childTnLst>
+                  <p:par>
+                    <p:cTn id="3" fill="hold">
+                      <p:stCondLst>
+                        <p:cond delay="indefinite"/>
+                      </p:stCondLst>
+                      <p:childTnLst>
+                        <p:par>
+                          <p:cTn id="4" fill="hold">
+                            <p:stCondLst>
+                              <p:cond delay="0"/>
+                            </p:stCondLst>
+                            <p:childTnLst>
+                              <p:par>
+                                <p:cTn id="5" presetID="9" presetClass="entr" presetSubtype="0" fill="hold" grpId="0" nodeType="clickEffect">
+                                  <p:stCondLst>
+                                    <p:cond delay="0"/>
+                                  </p:stCondLst>
+                                  <p:childTnLst>
+                                    <p:set>
+                                      <p:cBhvr>
+                                        <p:cTn id="6" dur="1" fill="hold">
+                                          <p:stCondLst>
+                                            <p:cond delay="0"/>
+                                          </p:stCondLst>
+                                        </p:cTn>
+                                        <p:tgtEl>
+                                          <p:spTgt spid="27"/>
+                                        </p:tgtEl>
+                                        <p:attrNameLst>
+                                          <p:attrName>style.visibility</p:attrName>
+                                        </p:attrNameLst>
+                                      </p:cBhvr>
+                                      <p:to>
+                                        <p:strVal val="visible"/>
+                                      </p:to>
+                                    </p:set>
+                                    <p:animEffect transition="in" filter="dissolve">
+                                      <p:cBhvr>
+                                        <p:cTn id="7" dur="500"/>
+                                        <p:tgtEl>
+                                          <p:spTgt spid="27"/>
+                                        </p:tgtEl>
+                                      </p:cBhvr>
+                                    </p:animEffect>
+                                  </p:childTnLst>
+                                </p:cTn>
+                              </p:par>
+                              <p:par>
+                                <p:cTn id="8" presetID="10" presetClass="entr" presetSubtype="0" fill="hold" nodeType="withEffect">
+                                  <p:stCondLst>
+                                    <p:cond delay="0"/>
+                                  </p:stCondLst>
+                                  <p:childTnLst>
+                                    <p:set>
+                                      <p:cBhvr>
+                                        <p:cTn id="9" dur="1" fill="hold">
+                                          <p:stCondLst>
+                                            <p:cond delay="0"/>
+                                          </p:stCondLst>
+                                        </p:cTn>
+                                        <p:tgtEl>
+                                          <p:spTgt spid="18"/>
+                                        </p:tgtEl>
+                                        <p:attrNameLst>
+                                          <p:attrName>style.visibility</p:attrName>
+                                        </p:attrNameLst>
+                                      </p:cBhvr>
+                                      <p:to>
+                                        <p:strVal val="visible"/>
+                                      </p:to>
+                                    </p:set>
+                                    <p:animEffect transition="in" filter="fade">
+                                      <p:cBhvr>
+                                        <p:cTn id="10" dur="2000"/>
+                                        <p:tgtEl>
+                                          <p:spTgt spid="18"/>
+                                        </p:tgtEl>
+                                      </p:cBhvr>
+                                    </p:animEffect>
+                                  </p:childTnLst>
+                                </p:cTn>
+                              </p:par>
+                            </p:childTnLst>
+                          </p:cTn>
+                        </p:par>
+                      </p:childTnLst>
+                    </p:cTn>
+                  </p:par>
+                  <p:par>
+                    <p:cTn id="11" fill="hold">
+                      <p:stCondLst>
+                        <p:cond delay="indefinite"/>
+                      </p:stCondLst>
+                      <p:childTnLst>
+                        <p:par>
+                          <p:cTn id="12" fill="hold">
+                            <p:stCondLst>
+                              <p:cond delay="0"/>
+                            </p:stCondLst>
+                            <p:childTnLst>
+                              <p:par>
+                                <p:cTn id="13" presetID="10" presetClass="entr" presetSubtype="0" fill="hold" nodeType="clickEffect">
+                                  <p:stCondLst>
+                                    <p:cond delay="0"/>
+                                  </p:stCondLst>
+                                  <p:childTnLst>
+                                    <p:set>
+                                      <p:cBhvr>
+                                        <p:cTn id="14" dur="1" fill="hold">
+                                          <p:stCondLst>
+                                            <p:cond delay="0"/>
+                                          </p:stCondLst>
+                                        </p:cTn>
+                                        <p:tgtEl>
+                                          <p:spTgt spid="26"/>
+                                        </p:tgtEl>
+                                        <p:attrNameLst>
+                                          <p:attrName>style.visibility</p:attrName>
+                                        </p:attrNameLst>
+                                      </p:cBhvr>
+                                      <p:to>
+                                        <p:strVal val="visible"/>
+                                      </p:to>
+                                    </p:set>
+                                    <p:animEffect transition="in" filter="fade">
+                                      <p:cBhvr>
+                                        <p:cTn id="15" dur="2000"/>
+                                        <p:tgtEl>
+                                          <p:spTgt spid="26"/>
+                                        </p:tgtEl>
+                                      </p:cBhvr>
+                                    </p:animEffect>
+                                  </p:childTnLst>
+                                </p:cTn>
+                              </p:par>
+                              <p:par>
+                                <p:cTn id="16" presetID="9" presetClass="entr" presetSubtype="0" fill="hold" grpId="0" nodeType="withEffect">
+                                  <p:stCondLst>
+                                    <p:cond delay="0"/>
+                                  </p:stCondLst>
+                                  <p:childTnLst>
+                                    <p:set>
+                                      <p:cBhvr>
+                                        <p:cTn id="17" dur="1" fill="hold">
+                                          <p:stCondLst>
+                                            <p:cond delay="0"/>
+                                          </p:stCondLst>
+                                        </p:cTn>
+                                        <p:tgtEl>
+                                          <p:spTgt spid="17"/>
+                                        </p:tgtEl>
+                                        <p:attrNameLst>
+                                          <p:attrName>style.visibility</p:attrName>
+                                        </p:attrNameLst>
+                                      </p:cBhvr>
+                                      <p:to>
+                                        <p:strVal val="visible"/>
+                                      </p:to>
+                                    </p:set>
+                                    <p:animEffect transition="in" filter="dissolve">
+                                      <p:cBhvr>
+                                        <p:cTn id="18" dur="500"/>
+                                        <p:tgtEl>
+                                          <p:spTgt spid="17"/>
+                                        </p:tgtEl>
+                                      </p:cBhvr>
+                                    </p:animEffect>
+                                  </p:childTnLst>
+                                </p:cTn>
+                              </p:par>
+                            </p:childTnLst>
+                          </p:cTn>
+                        </p:par>
+                      </p:childTnLst>
+                    </p:cTn>
+                  </p:par>
+                  <p:par>
+                    <p:cTn id="19" fill="hold">
+                      <p:stCondLst>
+                        <p:cond delay="indefinite"/>
+                      </p:stCondLst>
+                      <p:childTnLst>
+                        <p:par>
+                          <p:cTn id="20" fill="hold">
+                            <p:stCondLst>
+                              <p:cond delay="0"/>
+                            </p:stCondLst>
+                            <p:childTnLst>
+                              <p:par>
+                                <p:cTn id="21" presetID="9" presetClass="entr" presetSubtype="0" fill="hold" grpId="0" nodeType="clickEffect">
+                                  <p:stCondLst>
+                                    <p:cond delay="0"/>
+                                  </p:stCondLst>
+                                  <p:childTnLst>
+                                    <p:set>
+                                      <p:cBhvr>
+                                        <p:cTn id="22" dur="1" fill="hold">
+                                          <p:stCondLst>
+                                            <p:cond delay="0"/>
+                                          </p:stCondLst>
+                                        </p:cTn>
+                                        <p:tgtEl>
+                                          <p:spTgt spid="29"/>
+                                        </p:tgtEl>
+                                        <p:attrNameLst>
+                                          <p:attrName>style.visibility</p:attrName>
+                                        </p:attrNameLst>
+                                      </p:cBhvr>
+                                      <p:to>
+                                        <p:strVal val="visible"/>
+                                      </p:to>
+                                    </p:set>
+                                    <p:animEffect transition="in" filter="dissolve">
+                                      <p:cBhvr>
+                                        <p:cTn id="23" dur="500"/>
+                                        <p:tgtEl>
+                                          <p:spTgt spid="29"/>
+                                        </p:tgtEl>
+                                      </p:cBhvr>
+                                    </p:animEffect>
+                                  </p:childTnLst>
+                                </p:cTn>
+                              </p:par>
+                              <p:par>
+                                <p:cTn id="24" presetID="9" presetClass="entr" presetSubtype="0" fill="hold" grpId="1" nodeType="withEffect">
+                                  <p:stCondLst>
+                                    <p:cond delay="0"/>
+                                  </p:stCondLst>
+                                  <p:childTnLst>
+                                    <p:set>
+                                      <p:cBhvr>
+                                        <p:cTn id="25" dur="1" fill="hold">
+                                          <p:stCondLst>
+                                            <p:cond delay="0"/>
+                                          </p:stCondLst>
+                                        </p:cTn>
+                                        <p:tgtEl>
+                                          <p:spTgt spid="28"/>
+                                        </p:tgtEl>
+                                        <p:attrNameLst>
+                                          <p:attrName>style.visibility</p:attrName>
+                                        </p:attrNameLst>
+                                      </p:cBhvr>
+                                      <p:to>
+                                        <p:strVal val="visible"/>
+                                      </p:to>
+                                    </p:set>
+                                    <p:animEffect transition="in" filter="dissolve">
+                                      <p:cBhvr>
+                                        <p:cTn id="26" dur="500"/>
+                                        <p:tgtEl>
+                                          <p:spTgt spid="28"/>
+                                        </p:tgtEl>
+                                      </p:cBhvr>
+                                    </p:animEffect>
+                                  </p:childTnLst>
+                                </p:cTn>
+                              </p:par>
+                            </p:childTnLst>
+                          </p:cTn>
+                        </p:par>
+                      </p:childTnLst>
+                    </p:cTn>
+                  </p:par>
+                </p:childTnLst>
+              </p:cTn>
+              <p:prevCondLst>
+                <p:cond evt="onPrev" delay="0">
+                  <p:tgtEl>
+                    <p:sldTgt/>
+                  </p:tgtEl>
+                </p:cond>
+              </p:prevCondLst>
+              <p:nextCondLst>
+                <p:cond evt="onNext" delay="0">
+                  <p:tgtEl>
+                    <p:sldTgt/>
+                  </p:tgtEl>
+                </p:cond>
+              </p:nextCondLst>
+            </p:seq>
+          </p:childTnLst>
+        </p:cTn>
+      </p:par>
+    </p:tnLst>
+    <p:bldLst>
+      <p:bldP spid="17" grpId="0" animBg="1"/>
+      <p:bldP spid="27" grpId="0"/>
+      <p:bldP spid="29" grpId="0" animBg="1"/>
+      <p:bldP spid="28" grpId="1"/>
+    </p:bldLst>
+  </p:timing>
+</p:sld>
+</file>
+
+<file path=ppt/slides/slide11.xml><?xml version="1.0" encoding="utf-8"?>
+<p:sld xmlns:a="http://schemas.openxmlformats.org/drawingml/2006/main" xmlns:r="http://schemas.openxmlformats.org/officeDocument/2006/relationships" xmlns:p="http://schemas.openxmlformats.org/presentationml/2006/main">
+  <p:cSld>
+    <p:spTree>
+      <p:nvGrpSpPr>
+        <p:cNvPr id="1" name=""/>
+        <p:cNvGrpSpPr/>
+        <p:nvPr/>
+      </p:nvGrpSpPr>
+      <p:grpSpPr>
+        <a:xfrm>
+          <a:off x="0" y="0"/>
+          <a:ext cx="0" cy="0"/>
+          <a:chOff x="0" y="0"/>
+          <a:chExt cx="0" cy="0"/>
+        </a:xfrm>
+      </p:grpSpPr>
       <p:sp>
         <p:nvSpPr>
           <p:cNvPr id="5" name="Title 4"/>
@@ -4994,6 +5978,9 @@
               <a:alpha val="20000"/>
             </a:schemeClr>
           </a:solidFill>
+          <a:ln>
+            <a:noFill/>
+          </a:ln>
         </p:spPr>
         <p:style>
           <a:lnRef idx="1">
@@ -5037,6 +6024,9 @@
               <a:alpha val="20000"/>
             </a:schemeClr>
           </a:solidFill>
+          <a:ln>
+            <a:noFill/>
+          </a:ln>
         </p:spPr>
         <p:style>
           <a:lnRef idx="1">
@@ -5080,6 +6070,9 @@
               <a:alpha val="20000"/>
             </a:srgbClr>
           </a:solidFill>
+          <a:ln>
+            <a:noFill/>
+          </a:ln>
         </p:spPr>
         <p:style>
           <a:lnRef idx="1">
@@ -5542,7 +6535,7 @@
 </p:sld>
 </file>
 
-<file path=ppt/slides/slide11.xml><?xml version="1.0" encoding="utf-8"?>
+<file path=ppt/slides/slide12.xml><?xml version="1.0" encoding="utf-8"?>
 <p:sld xmlns:a="http://schemas.openxmlformats.org/drawingml/2006/main" xmlns:r="http://schemas.openxmlformats.org/officeDocument/2006/relationships" xmlns:p="http://schemas.openxmlformats.org/presentationml/2006/main">
   <p:cSld>
     <p:spTree>
@@ -5937,7 +6930,7 @@
 </p:sld>
 </file>
 
-<file path=ppt/slides/slide12.xml><?xml version="1.0" encoding="utf-8"?>
+<file path=ppt/slides/slide13.xml><?xml version="1.0" encoding="utf-8"?>
 <p:sld xmlns:a="http://schemas.openxmlformats.org/drawingml/2006/main" xmlns:r="http://schemas.openxmlformats.org/officeDocument/2006/relationships" xmlns:p="http://schemas.openxmlformats.org/presentationml/2006/main">
   <p:cSld>
     <p:spTree>
@@ -6058,7 +7051,7 @@
 </p:sld>
 </file>
 
-<file path=ppt/slides/slide13.xml><?xml version="1.0" encoding="utf-8"?>
+<file path=ppt/slides/slide14.xml><?xml version="1.0" encoding="utf-8"?>
 <p:sld xmlns:a="http://schemas.openxmlformats.org/drawingml/2006/main" xmlns:r="http://schemas.openxmlformats.org/officeDocument/2006/relationships" xmlns:p="http://schemas.openxmlformats.org/presentationml/2006/main">
   <p:cSld>
     <p:spTree>
@@ -6075,25 +7068,6 @@
           <a:chExt cx="0" cy="0"/>
         </a:xfrm>
       </p:grpSpPr>
-      <p:sp>
-        <p:nvSpPr>
-          <p:cNvPr id="2" name="Title 1"/>
-          <p:cNvSpPr>
-            <a:spLocks noGrp="1"/>
-          </p:cNvSpPr>
-          <p:nvPr>
-            <p:ph type="title"/>
-          </p:nvPr>
-        </p:nvSpPr>
-        <p:spPr/>
-        <p:txBody>
-          <a:bodyPr/>
-          <a:lstStyle/>
-          <a:p>
-            <a:endParaRPr lang="en-US" dirty="0"/>
-          </a:p>
-        </p:txBody>
-      </p:sp>
       <p:pic>
         <p:nvPicPr>
           <p:cNvPr id="4098" name="Picture 2"/>
@@ -6111,7 +7085,7 @@
         </p:blipFill>
         <p:spPr bwMode="auto">
           <a:xfrm>
-            <a:off x="914400" y="1600200"/>
+            <a:off x="5410200" y="5715000"/>
             <a:ext cx="3505200" cy="683615"/>
           </a:xfrm>
           <a:prstGeom prst="rect">
@@ -6128,7 +7102,7 @@
       </p:pic>
       <p:pic>
         <p:nvPicPr>
-          <p:cNvPr id="4099" name="Picture 3"/>
+          <p:cNvPr id="7" name="Picture 2"/>
           <p:cNvPicPr>
             <a:picLocks noChangeAspect="1" noChangeArrowheads="1"/>
           </p:cNvPicPr>
@@ -6143,8 +7117,8 @@
         </p:blipFill>
         <p:spPr bwMode="auto">
           <a:xfrm>
-            <a:off x="4953000" y="1524000"/>
-            <a:ext cx="3457575" cy="666750"/>
+            <a:off x="3505200" y="762000"/>
+            <a:ext cx="5410200" cy="1022788"/>
           </a:xfrm>
           <a:prstGeom prst="rect">
             <a:avLst/>
@@ -6156,8 +7130,409 @@
             <a:headEnd/>
             <a:tailEnd/>
           </a:ln>
+          <a:effectLst/>
         </p:spPr>
       </p:pic>
+      <p:cxnSp>
+        <p:nvCxnSpPr>
+          <p:cNvPr id="6" name="Straight Arrow Connector 5"/>
+          <p:cNvCxnSpPr/>
+          <p:nvPr/>
+        </p:nvCxnSpPr>
+        <p:spPr>
+          <a:xfrm rot="5400000" flipH="1" flipV="1">
+            <a:off x="528484" y="4073013"/>
+            <a:ext cx="2477729" cy="929148"/>
+          </a:xfrm>
+          <a:prstGeom prst="straightConnector1">
+            <a:avLst/>
+          </a:prstGeom>
+          <a:ln>
+            <a:tailEnd type="arrow"/>
+          </a:ln>
+        </p:spPr>
+        <p:style>
+          <a:lnRef idx="1">
+            <a:schemeClr val="accent1"/>
+          </a:lnRef>
+          <a:fillRef idx="0">
+            <a:schemeClr val="accent1"/>
+          </a:fillRef>
+          <a:effectRef idx="0">
+            <a:schemeClr val="accent1"/>
+          </a:effectRef>
+          <a:fontRef idx="minor">
+            <a:schemeClr val="tx1"/>
+          </a:fontRef>
+        </p:style>
+      </p:cxnSp>
+      <p:cxnSp>
+        <p:nvCxnSpPr>
+          <p:cNvPr id="29" name="Straight Arrow Connector 28"/>
+          <p:cNvCxnSpPr/>
+          <p:nvPr/>
+        </p:nvCxnSpPr>
+        <p:spPr>
+          <a:xfrm flipV="1">
+            <a:off x="1302774" y="2679290"/>
+            <a:ext cx="3252019" cy="3097163"/>
+          </a:xfrm>
+          <a:prstGeom prst="straightConnector1">
+            <a:avLst/>
+          </a:prstGeom>
+          <a:ln>
+            <a:tailEnd type="arrow"/>
+          </a:ln>
+        </p:spPr>
+        <p:style>
+          <a:lnRef idx="1">
+            <a:schemeClr val="accent1"/>
+          </a:lnRef>
+          <a:fillRef idx="0">
+            <a:schemeClr val="accent1"/>
+          </a:fillRef>
+          <a:effectRef idx="0">
+            <a:schemeClr val="accent1"/>
+          </a:effectRef>
+          <a:fontRef idx="minor">
+            <a:schemeClr val="tx1"/>
+          </a:fontRef>
+        </p:style>
+      </p:cxnSp>
+      <p:cxnSp>
+        <p:nvCxnSpPr>
+          <p:cNvPr id="32" name="Straight Arrow Connector 31"/>
+          <p:cNvCxnSpPr/>
+          <p:nvPr/>
+        </p:nvCxnSpPr>
+        <p:spPr>
+          <a:xfrm flipV="1">
+            <a:off x="1302774" y="4692445"/>
+            <a:ext cx="4336026" cy="1084008"/>
+          </a:xfrm>
+          <a:prstGeom prst="straightConnector1">
+            <a:avLst/>
+          </a:prstGeom>
+          <a:ln>
+            <a:tailEnd type="arrow"/>
+          </a:ln>
+        </p:spPr>
+        <p:style>
+          <a:lnRef idx="1">
+            <a:schemeClr val="accent1"/>
+          </a:lnRef>
+          <a:fillRef idx="0">
+            <a:schemeClr val="accent1"/>
+          </a:fillRef>
+          <a:effectRef idx="0">
+            <a:schemeClr val="accent1"/>
+          </a:effectRef>
+          <a:fontRef idx="minor">
+            <a:schemeClr val="tx1"/>
+          </a:fontRef>
+        </p:style>
+      </p:cxnSp>
+      <p:sp>
+        <p:nvSpPr>
+          <p:cNvPr id="35" name="TextBox 34"/>
+          <p:cNvSpPr txBox="1"/>
+          <p:nvPr/>
+        </p:nvSpPr>
+        <p:spPr>
+          <a:xfrm>
+            <a:off x="3429000" y="5192486"/>
+            <a:ext cx="453970" cy="369332"/>
+          </a:xfrm>
+          <a:prstGeom prst="rect">
+            <a:avLst/>
+          </a:prstGeom>
+          <a:noFill/>
+        </p:spPr>
+        <p:txBody>
+          <a:bodyPr wrap="none" rtlCol="0">
+            <a:spAutoFit/>
+          </a:bodyPr>
+          <a:lstStyle/>
+          <a:p>
+            <a:r>
+              <a:rPr lang="en-CA" dirty="0" err="1" smtClean="0"/>
+              <a:t>x_j</a:t>
+            </a:r>
+            <a:endParaRPr lang="en-CA" dirty="0"/>
+          </a:p>
+        </p:txBody>
+      </p:sp>
+      <p:sp>
+        <p:nvSpPr>
+          <p:cNvPr id="36" name="TextBox 35"/>
+          <p:cNvSpPr txBox="1"/>
+          <p:nvPr/>
+        </p:nvSpPr>
+        <p:spPr>
+          <a:xfrm>
+            <a:off x="1295400" y="4431022"/>
+            <a:ext cx="452368" cy="369332"/>
+          </a:xfrm>
+          <a:prstGeom prst="rect">
+            <a:avLst/>
+          </a:prstGeom>
+          <a:noFill/>
+        </p:spPr>
+        <p:txBody>
+          <a:bodyPr wrap="none" rtlCol="0">
+            <a:spAutoFit/>
+          </a:bodyPr>
+          <a:lstStyle/>
+          <a:p>
+            <a:r>
+              <a:rPr lang="en-CA" dirty="0" err="1" smtClean="0"/>
+              <a:t>x_i</a:t>
+            </a:r>
+            <a:endParaRPr lang="en-CA" dirty="0"/>
+          </a:p>
+        </p:txBody>
+      </p:sp>
+      <p:sp>
+        <p:nvSpPr>
+          <p:cNvPr id="40" name="TextBox 39"/>
+          <p:cNvSpPr txBox="1"/>
+          <p:nvPr/>
+        </p:nvSpPr>
+        <p:spPr>
+          <a:xfrm rot="18771319">
+            <a:off x="3048000" y="3687530"/>
+            <a:ext cx="942887" cy="369332"/>
+          </a:xfrm>
+          <a:prstGeom prst="rect">
+            <a:avLst/>
+          </a:prstGeom>
+          <a:noFill/>
+        </p:spPr>
+        <p:txBody>
+          <a:bodyPr wrap="none" rtlCol="0">
+            <a:spAutoFit/>
+          </a:bodyPr>
+          <a:lstStyle/>
+          <a:p>
+            <a:r>
+              <a:rPr lang="en-CA" dirty="0" err="1" smtClean="0"/>
+              <a:t>x_i</a:t>
+            </a:r>
+            <a:r>
+              <a:rPr lang="en-CA" dirty="0" smtClean="0"/>
+              <a:t> + </a:t>
+            </a:r>
+            <a:r>
+              <a:rPr lang="en-CA" dirty="0" err="1" smtClean="0"/>
+              <a:t>x_j</a:t>
+            </a:r>
+            <a:endParaRPr lang="en-CA" dirty="0"/>
+          </a:p>
+        </p:txBody>
+      </p:sp>
+      <p:grpSp>
+        <p:nvGrpSpPr>
+          <p:cNvPr id="46" name="Group 45"/>
+          <p:cNvGrpSpPr/>
+          <p:nvPr/>
+        </p:nvGrpSpPr>
+        <p:grpSpPr>
+          <a:xfrm>
+            <a:off x="2231925" y="2679290"/>
+            <a:ext cx="4702275" cy="3873910"/>
+            <a:chOff x="2231925" y="2679290"/>
+            <a:chExt cx="4702275" cy="3873910"/>
+          </a:xfrm>
+        </p:grpSpPr>
+        <p:cxnSp>
+          <p:nvCxnSpPr>
+            <p:cNvPr id="26" name="Straight Arrow Connector 25"/>
+            <p:cNvCxnSpPr/>
+            <p:nvPr/>
+          </p:nvCxnSpPr>
+          <p:spPr>
+            <a:xfrm flipV="1">
+              <a:off x="2231925" y="2679290"/>
+              <a:ext cx="2322873" cy="619434"/>
+            </a:xfrm>
+            <a:prstGeom prst="straightConnector1">
+              <a:avLst/>
+            </a:prstGeom>
+            <a:ln w="12700">
+              <a:solidFill>
+                <a:schemeClr val="tx1"/>
+              </a:solidFill>
+              <a:tailEnd type="arrow"/>
+            </a:ln>
+            <a:effectLst>
+              <a:outerShdw blurRad="50800" dist="50800" dir="5400000" algn="ctr" rotWithShape="0">
+                <a:schemeClr val="bg1"/>
+              </a:outerShdw>
+            </a:effectLst>
+          </p:spPr>
+          <p:style>
+            <a:lnRef idx="1">
+              <a:schemeClr val="accent1"/>
+            </a:lnRef>
+            <a:fillRef idx="0">
+              <a:schemeClr val="accent1"/>
+            </a:fillRef>
+            <a:effectRef idx="0">
+              <a:schemeClr val="accent1"/>
+            </a:effectRef>
+            <a:fontRef idx="minor">
+              <a:schemeClr val="tx1"/>
+            </a:fontRef>
+          </p:style>
+        </p:cxnSp>
+        <p:sp>
+          <p:nvSpPr>
+            <p:cNvPr id="43" name="Rectangle 42"/>
+            <p:cNvSpPr/>
+            <p:nvPr/>
+          </p:nvSpPr>
+          <p:spPr>
+            <a:xfrm>
+              <a:off x="5334000" y="5562600"/>
+              <a:ext cx="1600200" cy="990600"/>
+            </a:xfrm>
+            <a:prstGeom prst="rect">
+              <a:avLst/>
+            </a:prstGeom>
+            <a:solidFill>
+              <a:schemeClr val="dk1">
+                <a:alpha val="20000"/>
+              </a:schemeClr>
+            </a:solidFill>
+            <a:ln>
+              <a:noFill/>
+            </a:ln>
+          </p:spPr>
+          <p:style>
+            <a:lnRef idx="2">
+              <a:schemeClr val="dk1">
+                <a:shade val="50000"/>
+              </a:schemeClr>
+            </a:lnRef>
+            <a:fillRef idx="1">
+              <a:schemeClr val="dk1"/>
+            </a:fillRef>
+            <a:effectRef idx="0">
+              <a:schemeClr val="dk1"/>
+            </a:effectRef>
+            <a:fontRef idx="minor">
+              <a:schemeClr val="lt1"/>
+            </a:fontRef>
+          </p:style>
+          <p:txBody>
+            <a:bodyPr rtlCol="0" anchor="ctr"/>
+            <a:lstStyle/>
+            <a:p>
+              <a:pPr algn="ctr"/>
+              <a:endParaRPr lang="en-CA"/>
+            </a:p>
+          </p:txBody>
+        </p:sp>
+      </p:grpSp>
+      <p:grpSp>
+        <p:nvGrpSpPr>
+          <p:cNvPr id="45" name="Group 44"/>
+          <p:cNvGrpSpPr/>
+          <p:nvPr/>
+        </p:nvGrpSpPr>
+        <p:grpSpPr>
+          <a:xfrm>
+            <a:off x="2231926" y="1905000"/>
+            <a:ext cx="6683474" cy="4648200"/>
+            <a:chOff x="2231926" y="1905000"/>
+            <a:chExt cx="6683474" cy="4648200"/>
+          </a:xfrm>
+        </p:grpSpPr>
+        <p:cxnSp>
+          <p:nvCxnSpPr>
+            <p:cNvPr id="24" name="Straight Arrow Connector 23"/>
+            <p:cNvCxnSpPr/>
+            <p:nvPr/>
+          </p:nvCxnSpPr>
+          <p:spPr>
+            <a:xfrm rot="5400000" flipH="1" flipV="1">
+              <a:off x="1796387" y="2340539"/>
+              <a:ext cx="1393725" cy="522648"/>
+            </a:xfrm>
+            <a:prstGeom prst="straightConnector1">
+              <a:avLst/>
+            </a:prstGeom>
+            <a:ln w="12700">
+              <a:solidFill>
+                <a:srgbClr val="FF0000"/>
+              </a:solidFill>
+              <a:tailEnd type="arrow"/>
+            </a:ln>
+          </p:spPr>
+          <p:style>
+            <a:lnRef idx="1">
+              <a:schemeClr val="accent1"/>
+            </a:lnRef>
+            <a:fillRef idx="0">
+              <a:schemeClr val="accent1"/>
+            </a:fillRef>
+            <a:effectRef idx="0">
+              <a:schemeClr val="accent1"/>
+            </a:effectRef>
+            <a:fontRef idx="minor">
+              <a:schemeClr val="tx1"/>
+            </a:fontRef>
+          </p:style>
+        </p:cxnSp>
+        <p:sp>
+          <p:nvSpPr>
+            <p:cNvPr id="44" name="Rectangle 43"/>
+            <p:cNvSpPr/>
+            <p:nvPr/>
+          </p:nvSpPr>
+          <p:spPr>
+            <a:xfrm>
+              <a:off x="7315200" y="5562600"/>
+              <a:ext cx="1600200" cy="990600"/>
+            </a:xfrm>
+            <a:prstGeom prst="rect">
+              <a:avLst/>
+            </a:prstGeom>
+            <a:solidFill>
+              <a:srgbClr val="FF0000">
+                <a:alpha val="20000"/>
+              </a:srgbClr>
+            </a:solidFill>
+            <a:ln>
+              <a:noFill/>
+            </a:ln>
+          </p:spPr>
+          <p:style>
+            <a:lnRef idx="2">
+              <a:schemeClr val="dk1">
+                <a:shade val="50000"/>
+              </a:schemeClr>
+            </a:lnRef>
+            <a:fillRef idx="1">
+              <a:schemeClr val="dk1"/>
+            </a:fillRef>
+            <a:effectRef idx="0">
+              <a:schemeClr val="dk1"/>
+            </a:effectRef>
+            <a:fontRef idx="minor">
+              <a:schemeClr val="lt1"/>
+            </a:fontRef>
+          </p:style>
+          <p:txBody>
+            <a:bodyPr rtlCol="0" anchor="ctr"/>
+            <a:lstStyle/>
+            <a:p>
+              <a:pPr algn="ctr"/>
+              <a:endParaRPr lang="en-CA"/>
+            </a:p>
+          </p:txBody>
+        </p:sp>
+      </p:grpSp>
     </p:spTree>
   </p:cSld>
   <p:clrMapOvr>
@@ -6166,14 +7541,143 @@
   <p:timing>
     <p:tnLst>
       <p:par>
-        <p:cTn id="1" dur="indefinite" restart="never" nodeType="tmRoot"/>
+        <p:cTn id="1" dur="indefinite" restart="never" nodeType="tmRoot">
+          <p:childTnLst>
+            <p:seq concurrent="1" nextAc="seek">
+              <p:cTn id="2" dur="indefinite" nodeType="mainSeq">
+                <p:childTnLst>
+                  <p:par>
+                    <p:cTn id="3" fill="hold">
+                      <p:stCondLst>
+                        <p:cond delay="indefinite"/>
+                      </p:stCondLst>
+                      <p:childTnLst>
+                        <p:par>
+                          <p:cTn id="4" fill="hold">
+                            <p:stCondLst>
+                              <p:cond delay="0"/>
+                            </p:stCondLst>
+                            <p:childTnLst>
+                              <p:par>
+                                <p:cTn id="5" presetID="9" presetClass="entr" presetSubtype="0" fill="hold" nodeType="clickEffect">
+                                  <p:stCondLst>
+                                    <p:cond delay="0"/>
+                                  </p:stCondLst>
+                                  <p:childTnLst>
+                                    <p:set>
+                                      <p:cBhvr>
+                                        <p:cTn id="6" dur="1" fill="hold">
+                                          <p:stCondLst>
+                                            <p:cond delay="0"/>
+                                          </p:stCondLst>
+                                        </p:cTn>
+                                        <p:tgtEl>
+                                          <p:spTgt spid="45"/>
+                                        </p:tgtEl>
+                                        <p:attrNameLst>
+                                          <p:attrName>style.visibility</p:attrName>
+                                        </p:attrNameLst>
+                                      </p:cBhvr>
+                                      <p:to>
+                                        <p:strVal val="visible"/>
+                                      </p:to>
+                                    </p:set>
+                                    <p:animEffect transition="in" filter="dissolve">
+                                      <p:cBhvr>
+                                        <p:cTn id="7" dur="500"/>
+                                        <p:tgtEl>
+                                          <p:spTgt spid="45"/>
+                                        </p:tgtEl>
+                                      </p:cBhvr>
+                                    </p:animEffect>
+                                  </p:childTnLst>
+                                </p:cTn>
+                              </p:par>
+                            </p:childTnLst>
+                          </p:cTn>
+                        </p:par>
+                      </p:childTnLst>
+                    </p:cTn>
+                  </p:par>
+                  <p:par>
+                    <p:cTn id="8" fill="hold">
+                      <p:stCondLst>
+                        <p:cond delay="indefinite"/>
+                      </p:stCondLst>
+                      <p:childTnLst>
+                        <p:par>
+                          <p:cTn id="9" fill="hold">
+                            <p:stCondLst>
+                              <p:cond delay="0"/>
+                            </p:stCondLst>
+                            <p:childTnLst>
+                              <p:par>
+                                <p:cTn id="10" presetID="9" presetClass="entr" presetSubtype="0" fill="hold" nodeType="clickEffect">
+                                  <p:stCondLst>
+                                    <p:cond delay="0"/>
+                                  </p:stCondLst>
+                                  <p:childTnLst>
+                                    <p:set>
+                                      <p:cBhvr>
+                                        <p:cTn id="11" dur="1" fill="hold">
+                                          <p:stCondLst>
+                                            <p:cond delay="0"/>
+                                          </p:stCondLst>
+                                        </p:cTn>
+                                        <p:tgtEl>
+                                          <p:spTgt spid="46"/>
+                                        </p:tgtEl>
+                                        <p:attrNameLst>
+                                          <p:attrName>style.visibility</p:attrName>
+                                        </p:attrNameLst>
+                                      </p:cBhvr>
+                                      <p:to>
+                                        <p:strVal val="visible"/>
+                                      </p:to>
+                                    </p:set>
+                                    <p:animEffect transition="in" filter="dissolve">
+                                      <p:cBhvr>
+                                        <p:cTn id="12" dur="500"/>
+                                        <p:tgtEl>
+                                          <p:spTgt spid="46"/>
+                                        </p:tgtEl>
+                                      </p:cBhvr>
+                                    </p:animEffect>
+                                  </p:childTnLst>
+                                </p:cTn>
+                              </p:par>
+                            </p:childTnLst>
+                          </p:cTn>
+                        </p:par>
+                      </p:childTnLst>
+                    </p:cTn>
+                  </p:par>
+                </p:childTnLst>
+              </p:cTn>
+              <p:prevCondLst>
+                <p:cond evt="onPrev" delay="0">
+                  <p:tgtEl>
+                    <p:sldTgt/>
+                  </p:tgtEl>
+                </p:cond>
+              </p:prevCondLst>
+              <p:nextCondLst>
+                <p:cond evt="onNext" delay="0">
+                  <p:tgtEl>
+                    <p:sldTgt/>
+                  </p:tgtEl>
+                </p:cond>
+              </p:nextCondLst>
+            </p:seq>
+          </p:childTnLst>
+        </p:cTn>
       </p:par>
     </p:tnLst>
   </p:timing>
 </p:sld>
 </file>
 
-<file path=ppt/slides/slide14.xml><?xml version="1.0" encoding="utf-8"?>
+<file path=ppt/slides/slide15.xml><?xml version="1.0" encoding="utf-8"?>
 <p:sld xmlns:a="http://schemas.openxmlformats.org/drawingml/2006/main" xmlns:r="http://schemas.openxmlformats.org/officeDocument/2006/relationships" xmlns:p="http://schemas.openxmlformats.org/presentationml/2006/main">
   <p:cSld>
     <p:spTree>
@@ -6230,7 +7734,13 @@
           <a:p>
             <a:r>
               <a:rPr lang="en-US" dirty="0" smtClean="0"/>
-              <a:t>Acts as a … </a:t>
+              <a:t>Acts as a filter, allowing only input patterns that produce activations within a very narrow range to pass.</a:t>
+            </a:r>
+          </a:p>
+          <a:p>
+            <a:r>
+              <a:rPr lang="en-US" dirty="0" smtClean="0"/>
+              <a:t>\sigma is the smoothing factor</a:t>
             </a:r>
             <a:endParaRPr lang="en-US" dirty="0"/>
           </a:p>
@@ -6268,6 +7778,137 @@
           </a:ln>
         </p:spPr>
       </p:pic>
+      <p:grpSp>
+        <p:nvGrpSpPr>
+          <p:cNvPr id="18" name="Group 17"/>
+          <p:cNvGrpSpPr/>
+          <p:nvPr/>
+        </p:nvGrpSpPr>
+        <p:grpSpPr>
+          <a:xfrm>
+            <a:off x="4925023" y="4432211"/>
+            <a:ext cx="3533177" cy="1816189"/>
+            <a:chOff x="3324823" y="4356011"/>
+            <a:chExt cx="3533177" cy="1816189"/>
+          </a:xfrm>
+        </p:grpSpPr>
+        <p:grpSp>
+          <p:nvGrpSpPr>
+            <p:cNvPr id="17" name="Group 16"/>
+            <p:cNvGrpSpPr/>
+            <p:nvPr/>
+          </p:nvGrpSpPr>
+          <p:grpSpPr>
+            <a:xfrm>
+              <a:off x="4800600" y="4495800"/>
+              <a:ext cx="2057400" cy="1676400"/>
+              <a:chOff x="4800600" y="4495800"/>
+              <a:chExt cx="2057400" cy="1676400"/>
+            </a:xfrm>
+          </p:grpSpPr>
+          <p:cxnSp>
+            <p:nvCxnSpPr>
+              <p:cNvPr id="6" name="Straight Connector 5"/>
+              <p:cNvCxnSpPr/>
+              <p:nvPr/>
+            </p:nvCxnSpPr>
+            <p:spPr>
+              <a:xfrm rot="5400000">
+                <a:off x="4818529" y="5334000"/>
+                <a:ext cx="1676400" cy="0"/>
+              </a:xfrm>
+              <a:prstGeom prst="line">
+                <a:avLst/>
+              </a:prstGeom>
+            </p:spPr>
+            <p:style>
+              <a:lnRef idx="1">
+                <a:schemeClr val="accent1"/>
+              </a:lnRef>
+              <a:fillRef idx="0">
+                <a:schemeClr val="accent1"/>
+              </a:fillRef>
+              <a:effectRef idx="0">
+                <a:schemeClr val="accent1"/>
+              </a:effectRef>
+              <a:fontRef idx="minor">
+                <a:schemeClr val="tx1"/>
+              </a:fontRef>
+            </p:style>
+          </p:cxnSp>
+          <p:cxnSp>
+            <p:nvCxnSpPr>
+              <p:cNvPr id="7" name="Straight Connector 6"/>
+              <p:cNvCxnSpPr/>
+              <p:nvPr/>
+            </p:nvCxnSpPr>
+            <p:spPr>
+              <a:xfrm>
+                <a:off x="4800600" y="6060440"/>
+                <a:ext cx="2057400" cy="0"/>
+              </a:xfrm>
+              <a:prstGeom prst="line">
+                <a:avLst/>
+              </a:prstGeom>
+            </p:spPr>
+            <p:style>
+              <a:lnRef idx="1">
+                <a:schemeClr val="accent1"/>
+              </a:lnRef>
+              <a:fillRef idx="0">
+                <a:schemeClr val="accent1"/>
+              </a:fillRef>
+              <a:effectRef idx="0">
+                <a:schemeClr val="accent1"/>
+              </a:effectRef>
+              <a:fontRef idx="minor">
+                <a:schemeClr val="tx1"/>
+              </a:fontRef>
+            </p:style>
+          </p:cxnSp>
+        </p:grpSp>
+        <p:sp>
+          <p:nvSpPr>
+            <p:cNvPr id="12" name="Arc 11"/>
+            <p:cNvSpPr/>
+            <p:nvPr/>
+          </p:nvSpPr>
+          <p:spPr>
+            <a:xfrm rot="10590810">
+              <a:off x="3324823" y="4356011"/>
+              <a:ext cx="2971800" cy="1676400"/>
+            </a:xfrm>
+            <a:prstGeom prst="arc">
+              <a:avLst>
+                <a:gd name="adj1" fmla="val 10865345"/>
+                <a:gd name="adj2" fmla="val 16230673"/>
+              </a:avLst>
+            </a:prstGeom>
+          </p:spPr>
+          <p:style>
+            <a:lnRef idx="1">
+              <a:schemeClr val="accent1"/>
+            </a:lnRef>
+            <a:fillRef idx="0">
+              <a:schemeClr val="accent1"/>
+            </a:fillRef>
+            <a:effectRef idx="0">
+              <a:schemeClr val="accent1"/>
+            </a:effectRef>
+            <a:fontRef idx="minor">
+              <a:schemeClr val="tx1"/>
+            </a:fontRef>
+          </p:style>
+          <p:txBody>
+            <a:bodyPr rtlCol="0" anchor="ctr"/>
+            <a:lstStyle/>
+            <a:p>
+              <a:pPr algn="ctr"/>
+              <a:endParaRPr lang="en-CA"/>
+            </a:p>
+          </p:txBody>
+        </p:sp>
+      </p:grpSp>
     </p:spTree>
   </p:cSld>
   <p:clrMapOvr>
@@ -6283,7 +7924,7 @@
 </p:sld>
 </file>
 
-<file path=ppt/slides/slide15.xml><?xml version="1.0" encoding="utf-8"?>
+<file path=ppt/slides/slide16.xml><?xml version="1.0" encoding="utf-8"?>
 <p:sld xmlns:a="http://schemas.openxmlformats.org/drawingml/2006/main" xmlns:r="http://schemas.openxmlformats.org/officeDocument/2006/relationships" xmlns:p="http://schemas.openxmlformats.org/presentationml/2006/main">
   <p:cSld>
     <p:spTree>
@@ -7084,6 +8725,524 @@
           </a:p>
         </p:txBody>
       </p:sp>
+      <p:cxnSp>
+        <p:nvCxnSpPr>
+          <p:cNvPr id="26" name="Straight Arrow Connector 25"/>
+          <p:cNvCxnSpPr>
+            <a:endCxn id="11" idx="4"/>
+          </p:cNvCxnSpPr>
+          <p:nvPr/>
+        </p:nvCxnSpPr>
+        <p:spPr>
+          <a:xfrm rot="5400000" flipH="1" flipV="1">
+            <a:off x="876300" y="4457700"/>
+            <a:ext cx="381000" cy="1588"/>
+          </a:xfrm>
+          <a:prstGeom prst="straightConnector1">
+            <a:avLst/>
+          </a:prstGeom>
+          <a:ln>
+            <a:tailEnd type="arrow"/>
+          </a:ln>
+        </p:spPr>
+        <p:style>
+          <a:lnRef idx="1">
+            <a:schemeClr val="accent1"/>
+          </a:lnRef>
+          <a:fillRef idx="0">
+            <a:schemeClr val="accent1"/>
+          </a:fillRef>
+          <a:effectRef idx="0">
+            <a:schemeClr val="accent1"/>
+          </a:effectRef>
+          <a:fontRef idx="minor">
+            <a:schemeClr val="tx1"/>
+          </a:fontRef>
+        </p:style>
+      </p:cxnSp>
+      <p:grpSp>
+        <p:nvGrpSpPr>
+          <p:cNvPr id="46" name="Group 45"/>
+          <p:cNvGrpSpPr/>
+          <p:nvPr/>
+        </p:nvGrpSpPr>
+        <p:grpSpPr>
+          <a:xfrm>
+            <a:off x="5943600" y="381000"/>
+            <a:ext cx="449162" cy="3657600"/>
+            <a:chOff x="5943600" y="381000"/>
+            <a:chExt cx="449162" cy="3657600"/>
+          </a:xfrm>
+        </p:grpSpPr>
+        <p:sp>
+          <p:nvSpPr>
+            <p:cNvPr id="43" name="TextBox 42"/>
+            <p:cNvSpPr txBox="1"/>
+            <p:nvPr/>
+          </p:nvSpPr>
+          <p:spPr>
+            <a:xfrm>
+              <a:off x="5943600" y="3669268"/>
+              <a:ext cx="449162" cy="369332"/>
+            </a:xfrm>
+            <a:prstGeom prst="rect">
+              <a:avLst/>
+            </a:prstGeom>
+            <a:noFill/>
+          </p:spPr>
+          <p:txBody>
+            <a:bodyPr wrap="none" rtlCol="0">
+              <a:spAutoFit/>
+            </a:bodyPr>
+            <a:lstStyle/>
+            <a:p>
+              <a:r>
+                <a:rPr lang="en-CA" dirty="0" smtClean="0"/>
+                <a:t>t-2</a:t>
+              </a:r>
+              <a:endParaRPr lang="en-CA" dirty="0"/>
+            </a:p>
+          </p:txBody>
+        </p:sp>
+        <p:sp>
+          <p:nvSpPr>
+            <p:cNvPr id="44" name="TextBox 43"/>
+            <p:cNvSpPr txBox="1"/>
+            <p:nvPr/>
+          </p:nvSpPr>
+          <p:spPr>
+            <a:xfrm>
+              <a:off x="5943600" y="1828800"/>
+              <a:ext cx="449162" cy="369332"/>
+            </a:xfrm>
+            <a:prstGeom prst="rect">
+              <a:avLst/>
+            </a:prstGeom>
+            <a:noFill/>
+          </p:spPr>
+          <p:txBody>
+            <a:bodyPr wrap="none" rtlCol="0">
+              <a:spAutoFit/>
+            </a:bodyPr>
+            <a:lstStyle/>
+            <a:p>
+              <a:r>
+                <a:rPr lang="en-CA" dirty="0" smtClean="0"/>
+                <a:t>t-1</a:t>
+              </a:r>
+              <a:endParaRPr lang="en-CA" dirty="0"/>
+            </a:p>
+          </p:txBody>
+        </p:sp>
+        <p:sp>
+          <p:nvSpPr>
+            <p:cNvPr id="45" name="TextBox 44"/>
+            <p:cNvSpPr txBox="1"/>
+            <p:nvPr/>
+          </p:nvSpPr>
+          <p:spPr>
+            <a:xfrm>
+              <a:off x="5943600" y="381000"/>
+              <a:ext cx="261610" cy="369332"/>
+            </a:xfrm>
+            <a:prstGeom prst="rect">
+              <a:avLst/>
+            </a:prstGeom>
+            <a:noFill/>
+          </p:spPr>
+          <p:txBody>
+            <a:bodyPr wrap="none" rtlCol="0">
+              <a:spAutoFit/>
+            </a:bodyPr>
+            <a:lstStyle/>
+            <a:p>
+              <a:r>
+                <a:rPr lang="en-CA" dirty="0" smtClean="0"/>
+                <a:t>t</a:t>
+              </a:r>
+              <a:endParaRPr lang="en-CA" dirty="0"/>
+            </a:p>
+          </p:txBody>
+        </p:sp>
+      </p:grpSp>
+      <p:grpSp>
+        <p:nvGrpSpPr>
+          <p:cNvPr id="52" name="Group 51"/>
+          <p:cNvGrpSpPr/>
+          <p:nvPr/>
+        </p:nvGrpSpPr>
+        <p:grpSpPr>
+          <a:xfrm>
+            <a:off x="261327" y="2362200"/>
+            <a:ext cx="2558073" cy="3722132"/>
+            <a:chOff x="261327" y="2362200"/>
+            <a:chExt cx="2558073" cy="3722132"/>
+          </a:xfrm>
+        </p:grpSpPr>
+        <p:sp>
+          <p:nvSpPr>
+            <p:cNvPr id="47" name="Oval 46"/>
+            <p:cNvSpPr/>
+            <p:nvPr/>
+          </p:nvSpPr>
+          <p:spPr>
+            <a:xfrm>
+              <a:off x="609600" y="2667000"/>
+              <a:ext cx="685800" cy="457200"/>
+            </a:xfrm>
+            <a:prstGeom prst="ellipse">
+              <a:avLst/>
+            </a:prstGeom>
+            <a:solidFill>
+              <a:schemeClr val="accent1">
+                <a:alpha val="20000"/>
+              </a:schemeClr>
+            </a:solidFill>
+            <a:ln>
+              <a:noFill/>
+            </a:ln>
+          </p:spPr>
+          <p:style>
+            <a:lnRef idx="2">
+              <a:schemeClr val="accent1">
+                <a:shade val="50000"/>
+              </a:schemeClr>
+            </a:lnRef>
+            <a:fillRef idx="1">
+              <a:schemeClr val="accent1"/>
+            </a:fillRef>
+            <a:effectRef idx="0">
+              <a:schemeClr val="accent1"/>
+            </a:effectRef>
+            <a:fontRef idx="minor">
+              <a:schemeClr val="lt1"/>
+            </a:fontRef>
+          </p:style>
+          <p:txBody>
+            <a:bodyPr rtlCol="0" anchor="ctr"/>
+            <a:lstStyle/>
+            <a:p>
+              <a:pPr algn="ctr"/>
+              <a:endParaRPr lang="en-CA"/>
+            </a:p>
+          </p:txBody>
+        </p:sp>
+        <p:sp>
+          <p:nvSpPr>
+            <p:cNvPr id="48" name="Oval 47"/>
+            <p:cNvSpPr/>
+            <p:nvPr/>
+          </p:nvSpPr>
+          <p:spPr>
+            <a:xfrm>
+              <a:off x="1295400" y="2362200"/>
+              <a:ext cx="685800" cy="457200"/>
+            </a:xfrm>
+            <a:prstGeom prst="ellipse">
+              <a:avLst/>
+            </a:prstGeom>
+            <a:solidFill>
+              <a:schemeClr val="accent1">
+                <a:alpha val="20000"/>
+              </a:schemeClr>
+            </a:solidFill>
+            <a:ln>
+              <a:noFill/>
+            </a:ln>
+          </p:spPr>
+          <p:style>
+            <a:lnRef idx="2">
+              <a:schemeClr val="accent1">
+                <a:shade val="50000"/>
+              </a:schemeClr>
+            </a:lnRef>
+            <a:fillRef idx="1">
+              <a:schemeClr val="accent1"/>
+            </a:fillRef>
+            <a:effectRef idx="0">
+              <a:schemeClr val="accent1"/>
+            </a:effectRef>
+            <a:fontRef idx="minor">
+              <a:schemeClr val="lt1"/>
+            </a:fontRef>
+          </p:style>
+          <p:txBody>
+            <a:bodyPr rtlCol="0" anchor="ctr"/>
+            <a:lstStyle/>
+            <a:p>
+              <a:pPr algn="ctr"/>
+              <a:endParaRPr lang="en-CA"/>
+            </a:p>
+          </p:txBody>
+        </p:sp>
+        <p:sp>
+          <p:nvSpPr>
+            <p:cNvPr id="50" name="TextBox 49"/>
+            <p:cNvSpPr txBox="1"/>
+            <p:nvPr/>
+          </p:nvSpPr>
+          <p:spPr>
+            <a:xfrm>
+              <a:off x="261327" y="5715000"/>
+              <a:ext cx="2558073" cy="369332"/>
+            </a:xfrm>
+            <a:prstGeom prst="rect">
+              <a:avLst/>
+            </a:prstGeom>
+            <a:noFill/>
+          </p:spPr>
+          <p:txBody>
+            <a:bodyPr wrap="none" rtlCol="0">
+              <a:spAutoFit/>
+            </a:bodyPr>
+            <a:lstStyle/>
+            <a:p>
+              <a:r>
+                <a:rPr lang="en-CA" dirty="0" smtClean="0"/>
+                <a:t>Either one gives activates</a:t>
+              </a:r>
+              <a:endParaRPr lang="en-CA" dirty="0"/>
+            </a:p>
+          </p:txBody>
+        </p:sp>
+        <p:sp>
+          <p:nvSpPr>
+            <p:cNvPr id="51" name="Oval 50"/>
+            <p:cNvSpPr/>
+            <p:nvPr/>
+          </p:nvSpPr>
+          <p:spPr>
+            <a:xfrm>
+              <a:off x="1371600" y="5203372"/>
+              <a:ext cx="1447800" cy="457200"/>
+            </a:xfrm>
+            <a:prstGeom prst="ellipse">
+              <a:avLst/>
+            </a:prstGeom>
+            <a:solidFill>
+              <a:schemeClr val="accent1">
+                <a:alpha val="20000"/>
+              </a:schemeClr>
+            </a:solidFill>
+            <a:ln>
+              <a:noFill/>
+            </a:ln>
+          </p:spPr>
+          <p:style>
+            <a:lnRef idx="2">
+              <a:schemeClr val="accent1">
+                <a:shade val="50000"/>
+              </a:schemeClr>
+            </a:lnRef>
+            <a:fillRef idx="1">
+              <a:schemeClr val="accent1"/>
+            </a:fillRef>
+            <a:effectRef idx="0">
+              <a:schemeClr val="accent1"/>
+            </a:effectRef>
+            <a:fontRef idx="minor">
+              <a:schemeClr val="lt1"/>
+            </a:fontRef>
+          </p:style>
+          <p:txBody>
+            <a:bodyPr rtlCol="0" anchor="ctr"/>
+            <a:lstStyle/>
+            <a:p>
+              <a:pPr algn="ctr"/>
+              <a:endParaRPr lang="en-CA"/>
+            </a:p>
+          </p:txBody>
+        </p:sp>
+      </p:grpSp>
+      <p:grpSp>
+        <p:nvGrpSpPr>
+          <p:cNvPr id="58" name="Group 57"/>
+          <p:cNvGrpSpPr/>
+          <p:nvPr/>
+        </p:nvGrpSpPr>
+        <p:grpSpPr>
+          <a:xfrm>
+            <a:off x="2133600" y="2362200"/>
+            <a:ext cx="3843253" cy="3701144"/>
+            <a:chOff x="2133600" y="2362200"/>
+            <a:chExt cx="3843253" cy="3701144"/>
+          </a:xfrm>
+        </p:grpSpPr>
+        <p:sp>
+          <p:nvSpPr>
+            <p:cNvPr id="54" name="Oval 53"/>
+            <p:cNvSpPr/>
+            <p:nvPr/>
+          </p:nvSpPr>
+          <p:spPr>
+            <a:xfrm>
+              <a:off x="2743200" y="2667000"/>
+              <a:ext cx="685800" cy="457200"/>
+            </a:xfrm>
+            <a:prstGeom prst="ellipse">
+              <a:avLst/>
+            </a:prstGeom>
+            <a:solidFill>
+              <a:srgbClr val="FF0000">
+                <a:alpha val="20000"/>
+              </a:srgbClr>
+            </a:solidFill>
+            <a:ln>
+              <a:noFill/>
+            </a:ln>
+          </p:spPr>
+          <p:style>
+            <a:lnRef idx="2">
+              <a:schemeClr val="accent1">
+                <a:shade val="50000"/>
+              </a:schemeClr>
+            </a:lnRef>
+            <a:fillRef idx="1">
+              <a:schemeClr val="accent1"/>
+            </a:fillRef>
+            <a:effectRef idx="0">
+              <a:schemeClr val="accent1"/>
+            </a:effectRef>
+            <a:fontRef idx="minor">
+              <a:schemeClr val="lt1"/>
+            </a:fontRef>
+          </p:style>
+          <p:txBody>
+            <a:bodyPr rtlCol="0" anchor="ctr"/>
+            <a:lstStyle/>
+            <a:p>
+              <a:pPr algn="ctr"/>
+              <a:endParaRPr lang="en-CA"/>
+            </a:p>
+          </p:txBody>
+        </p:sp>
+        <p:sp>
+          <p:nvSpPr>
+            <p:cNvPr id="55" name="Oval 54"/>
+            <p:cNvSpPr/>
+            <p:nvPr/>
+          </p:nvSpPr>
+          <p:spPr>
+            <a:xfrm>
+              <a:off x="2133600" y="2362200"/>
+              <a:ext cx="685800" cy="457200"/>
+            </a:xfrm>
+            <a:prstGeom prst="ellipse">
+              <a:avLst/>
+            </a:prstGeom>
+            <a:solidFill>
+              <a:srgbClr val="FF0000">
+                <a:alpha val="20000"/>
+              </a:srgbClr>
+            </a:solidFill>
+            <a:ln>
+              <a:noFill/>
+            </a:ln>
+          </p:spPr>
+          <p:style>
+            <a:lnRef idx="2">
+              <a:schemeClr val="accent1">
+                <a:shade val="50000"/>
+              </a:schemeClr>
+            </a:lnRef>
+            <a:fillRef idx="1">
+              <a:schemeClr val="accent1"/>
+            </a:fillRef>
+            <a:effectRef idx="0">
+              <a:schemeClr val="accent1"/>
+            </a:effectRef>
+            <a:fontRef idx="minor">
+              <a:schemeClr val="lt1"/>
+            </a:fontRef>
+          </p:style>
+          <p:txBody>
+            <a:bodyPr rtlCol="0" anchor="ctr"/>
+            <a:lstStyle/>
+            <a:p>
+              <a:pPr algn="ctr"/>
+              <a:endParaRPr lang="en-CA"/>
+            </a:p>
+          </p:txBody>
+        </p:sp>
+        <p:sp>
+          <p:nvSpPr>
+            <p:cNvPr id="56" name="Oval 55"/>
+            <p:cNvSpPr/>
+            <p:nvPr/>
+          </p:nvSpPr>
+          <p:spPr>
+            <a:xfrm>
+              <a:off x="3048000" y="5257800"/>
+              <a:ext cx="1295400" cy="457200"/>
+            </a:xfrm>
+            <a:prstGeom prst="ellipse">
+              <a:avLst/>
+            </a:prstGeom>
+            <a:solidFill>
+              <a:srgbClr val="FF0000">
+                <a:alpha val="20000"/>
+              </a:srgbClr>
+            </a:solidFill>
+            <a:ln>
+              <a:noFill/>
+            </a:ln>
+          </p:spPr>
+          <p:style>
+            <a:lnRef idx="2">
+              <a:schemeClr val="accent1">
+                <a:shade val="50000"/>
+              </a:schemeClr>
+            </a:lnRef>
+            <a:fillRef idx="1">
+              <a:schemeClr val="accent1"/>
+            </a:fillRef>
+            <a:effectRef idx="0">
+              <a:schemeClr val="accent1"/>
+            </a:effectRef>
+            <a:fontRef idx="minor">
+              <a:schemeClr val="lt1"/>
+            </a:fontRef>
+          </p:style>
+          <p:txBody>
+            <a:bodyPr rtlCol="0" anchor="ctr"/>
+            <a:lstStyle/>
+            <a:p>
+              <a:pPr algn="ctr"/>
+              <a:endParaRPr lang="en-CA"/>
+            </a:p>
+          </p:txBody>
+        </p:sp>
+        <p:sp>
+          <p:nvSpPr>
+            <p:cNvPr id="57" name="TextBox 56"/>
+            <p:cNvSpPr txBox="1"/>
+            <p:nvPr/>
+          </p:nvSpPr>
+          <p:spPr>
+            <a:xfrm>
+              <a:off x="2971800" y="5694012"/>
+              <a:ext cx="3005053" cy="369332"/>
+            </a:xfrm>
+            <a:prstGeom prst="rect">
+              <a:avLst/>
+            </a:prstGeom>
+            <a:noFill/>
+          </p:spPr>
+          <p:txBody>
+            <a:bodyPr wrap="none" rtlCol="0">
+              <a:spAutoFit/>
+            </a:bodyPr>
+            <a:lstStyle/>
+            <a:p>
+              <a:r>
+                <a:rPr lang="en-CA" dirty="0" smtClean="0"/>
+                <a:t>Both are necessary to activate</a:t>
+              </a:r>
+              <a:endParaRPr lang="en-CA" dirty="0"/>
+            </a:p>
+          </p:txBody>
+        </p:sp>
+      </p:grpSp>
     </p:spTree>
   </p:cSld>
   <p:clrMapOvr>
@@ -7309,6 +9468,165 @@
                       </p:childTnLst>
                     </p:cTn>
                   </p:par>
+                  <p:par>
+                    <p:cTn id="23" fill="hold">
+                      <p:stCondLst>
+                        <p:cond delay="indefinite"/>
+                      </p:stCondLst>
+                      <p:childTnLst>
+                        <p:par>
+                          <p:cTn id="24" fill="hold">
+                            <p:stCondLst>
+                              <p:cond delay="0"/>
+                            </p:stCondLst>
+                            <p:childTnLst>
+                              <p:par>
+                                <p:cTn id="25" presetID="3" presetClass="entr" presetSubtype="10" fill="hold" nodeType="clickEffect">
+                                  <p:stCondLst>
+                                    <p:cond delay="0"/>
+                                  </p:stCondLst>
+                                  <p:childTnLst>
+                                    <p:set>
+                                      <p:cBhvr>
+                                        <p:cTn id="26" dur="1" fill="hold">
+                                          <p:stCondLst>
+                                            <p:cond delay="0"/>
+                                          </p:stCondLst>
+                                        </p:cTn>
+                                        <p:tgtEl>
+                                          <p:spTgt spid="46"/>
+                                        </p:tgtEl>
+                                        <p:attrNameLst>
+                                          <p:attrName>style.visibility</p:attrName>
+                                        </p:attrNameLst>
+                                      </p:cBhvr>
+                                      <p:to>
+                                        <p:strVal val="visible"/>
+                                      </p:to>
+                                    </p:set>
+                                    <p:animEffect transition="in" filter="blinds(horizontal)">
+                                      <p:cBhvr>
+                                        <p:cTn id="27" dur="500"/>
+                                        <p:tgtEl>
+                                          <p:spTgt spid="46"/>
+                                        </p:tgtEl>
+                                      </p:cBhvr>
+                                    </p:animEffect>
+                                  </p:childTnLst>
+                                </p:cTn>
+                              </p:par>
+                            </p:childTnLst>
+                          </p:cTn>
+                        </p:par>
+                      </p:childTnLst>
+                    </p:cTn>
+                  </p:par>
+                  <p:par>
+                    <p:cTn id="28" fill="hold">
+                      <p:stCondLst>
+                        <p:cond delay="indefinite"/>
+                      </p:stCondLst>
+                      <p:childTnLst>
+                        <p:par>
+                          <p:cTn id="29" fill="hold">
+                            <p:stCondLst>
+                              <p:cond delay="0"/>
+                            </p:stCondLst>
+                            <p:childTnLst>
+                              <p:par>
+                                <p:cTn id="30" presetID="9" presetClass="entr" presetSubtype="0" fill="hold" nodeType="clickEffect">
+                                  <p:stCondLst>
+                                    <p:cond delay="0"/>
+                                  </p:stCondLst>
+                                  <p:childTnLst>
+                                    <p:set>
+                                      <p:cBhvr>
+                                        <p:cTn id="31" dur="1" fill="hold">
+                                          <p:stCondLst>
+                                            <p:cond delay="0"/>
+                                          </p:stCondLst>
+                                        </p:cTn>
+                                        <p:tgtEl>
+                                          <p:spTgt spid="58"/>
+                                        </p:tgtEl>
+                                        <p:attrNameLst>
+                                          <p:attrName>style.visibility</p:attrName>
+                                        </p:attrNameLst>
+                                      </p:cBhvr>
+                                      <p:to>
+                                        <p:strVal val="visible"/>
+                                      </p:to>
+                                    </p:set>
+                                    <p:animEffect transition="in" filter="dissolve">
+                                      <p:cBhvr>
+                                        <p:cTn id="32" dur="500"/>
+                                        <p:tgtEl>
+                                          <p:spTgt spid="58"/>
+                                        </p:tgtEl>
+                                      </p:cBhvr>
+                                    </p:animEffect>
+                                  </p:childTnLst>
+                                </p:cTn>
+                              </p:par>
+                            </p:childTnLst>
+                          </p:cTn>
+                        </p:par>
+                      </p:childTnLst>
+                    </p:cTn>
+                  </p:par>
+                  <p:par>
+                    <p:cTn id="33" fill="hold">
+                      <p:stCondLst>
+                        <p:cond delay="indefinite"/>
+                      </p:stCondLst>
+                      <p:childTnLst>
+                        <p:par>
+                          <p:cTn id="34" fill="hold">
+                            <p:stCondLst>
+                              <p:cond delay="0"/>
+                            </p:stCondLst>
+                            <p:childTnLst>
+                              <p:par>
+                                <p:cTn id="35" presetID="9" presetClass="entr" presetSubtype="0" fill="hold" nodeType="clickEffect">
+                                  <p:stCondLst>
+                                    <p:cond delay="0"/>
+                                  </p:stCondLst>
+                                  <p:childTnLst>
+                                    <p:set>
+                                      <p:cBhvr>
+                                        <p:cTn id="36" dur="1" fill="hold">
+                                          <p:stCondLst>
+                                            <p:cond delay="0"/>
+                                          </p:stCondLst>
+                                        </p:cTn>
+                                        <p:tgtEl>
+                                          <p:spTgt spid="52"/>
+                                        </p:tgtEl>
+                                        <p:attrNameLst>
+                                          <p:attrName>style.visibility</p:attrName>
+                                        </p:attrNameLst>
+                                      </p:cBhvr>
+                                      <p:to>
+                                        <p:strVal val="visible"/>
+                                      </p:to>
+                                    </p:set>
+                                    <p:animEffect transition="in" filter="dissolve">
+                                      <p:cBhvr>
+                                        <p:cTn id="37" dur="500"/>
+                                        <p:tgtEl>
+                                          <p:spTgt spid="52"/>
+                                        </p:tgtEl>
+                                      </p:cBhvr>
+                                    </p:animEffect>
+                                  </p:childTnLst>
+                                </p:cTn>
+                              </p:par>
+                            </p:childTnLst>
+                          </p:cTn>
+                        </p:par>
+                      </p:childTnLst>
+                    </p:cTn>
+                  </p:par>
                 </p:childTnLst>
               </p:cTn>
               <p:prevCondLst>
@@ -7340,7 +9658,7 @@
 </p:sld>
 </file>
 
-<file path=ppt/slides/slide16.xml><?xml version="1.0" encoding="utf-8"?>
+<file path=ppt/slides/slide17.xml><?xml version="1.0" encoding="utf-8"?>
 <p:sld xmlns:a="http://schemas.openxmlformats.org/drawingml/2006/main" xmlns:r="http://schemas.openxmlformats.org/officeDocument/2006/relationships" xmlns:p="http://schemas.openxmlformats.org/presentationml/2006/main">
   <p:cSld>
     <p:spTree>
@@ -7427,6 +9745,2204 @@
 </p:sld>
 </file>
 
+<file path=ppt/slides/slide18.xml><?xml version="1.0" encoding="utf-8"?>
+<p:sld xmlns:a="http://schemas.openxmlformats.org/drawingml/2006/main" xmlns:r="http://schemas.openxmlformats.org/officeDocument/2006/relationships" xmlns:p="http://schemas.openxmlformats.org/presentationml/2006/main">
+  <p:cSld>
+    <p:spTree>
+      <p:nvGrpSpPr>
+        <p:cNvPr id="1" name=""/>
+        <p:cNvGrpSpPr/>
+        <p:nvPr/>
+      </p:nvGrpSpPr>
+      <p:grpSpPr>
+        <a:xfrm>
+          <a:off x="0" y="0"/>
+          <a:ext cx="0" cy="0"/>
+          <a:chOff x="0" y="0"/>
+          <a:chExt cx="0" cy="0"/>
+        </a:xfrm>
+      </p:grpSpPr>
+      <p:grpSp>
+        <p:nvGrpSpPr>
+          <p:cNvPr id="132" name="Group 131"/>
+          <p:cNvGrpSpPr/>
+          <p:nvPr/>
+        </p:nvGrpSpPr>
+        <p:grpSpPr>
+          <a:xfrm>
+            <a:off x="252020" y="152400"/>
+            <a:ext cx="8739580" cy="6477000"/>
+            <a:chOff x="252020" y="152400"/>
+            <a:chExt cx="8739580" cy="6477000"/>
+          </a:xfrm>
+        </p:grpSpPr>
+        <p:grpSp>
+          <p:nvGrpSpPr>
+            <p:cNvPr id="68" name="Group 67"/>
+            <p:cNvGrpSpPr/>
+            <p:nvPr/>
+          </p:nvGrpSpPr>
+          <p:grpSpPr>
+            <a:xfrm>
+              <a:off x="533401" y="838200"/>
+              <a:ext cx="7772399" cy="4876800"/>
+              <a:chOff x="533401" y="838200"/>
+              <a:chExt cx="7772399" cy="4876800"/>
+            </a:xfrm>
+          </p:grpSpPr>
+          <p:sp>
+            <p:nvSpPr>
+              <p:cNvPr id="69" name="Rectangle 68"/>
+              <p:cNvSpPr/>
+              <p:nvPr/>
+            </p:nvSpPr>
+            <p:spPr>
+              <a:xfrm>
+                <a:off x="1143000" y="838200"/>
+                <a:ext cx="7162800" cy="1143000"/>
+              </a:xfrm>
+              <a:prstGeom prst="rect">
+                <a:avLst/>
+              </a:prstGeom>
+              <a:solidFill>
+                <a:schemeClr val="accent1">
+                  <a:alpha val="20000"/>
+                </a:schemeClr>
+              </a:solidFill>
+            </p:spPr>
+            <p:style>
+              <a:lnRef idx="1">
+                <a:schemeClr val="accent5"/>
+              </a:lnRef>
+              <a:fillRef idx="2">
+                <a:schemeClr val="accent5"/>
+              </a:fillRef>
+              <a:effectRef idx="1">
+                <a:schemeClr val="accent5"/>
+              </a:effectRef>
+              <a:fontRef idx="minor">
+                <a:schemeClr val="dk1"/>
+              </a:fontRef>
+            </p:style>
+            <p:txBody>
+              <a:bodyPr rtlCol="0" anchor="ctr"/>
+              <a:lstStyle/>
+              <a:p>
+                <a:pPr algn="ctr"/>
+                <a:endParaRPr lang="en-US"/>
+              </a:p>
+            </p:txBody>
+          </p:sp>
+          <p:sp>
+            <p:nvSpPr>
+              <p:cNvPr id="70" name="Rectangle 69"/>
+              <p:cNvSpPr/>
+              <p:nvPr/>
+            </p:nvSpPr>
+            <p:spPr>
+              <a:xfrm>
+                <a:off x="1143000" y="2743200"/>
+                <a:ext cx="7162800" cy="1143000"/>
+              </a:xfrm>
+              <a:prstGeom prst="rect">
+                <a:avLst/>
+              </a:prstGeom>
+              <a:solidFill>
+                <a:schemeClr val="accent1">
+                  <a:alpha val="20000"/>
+                </a:schemeClr>
+              </a:solidFill>
+            </p:spPr>
+            <p:style>
+              <a:lnRef idx="1">
+                <a:schemeClr val="accent5"/>
+              </a:lnRef>
+              <a:fillRef idx="2">
+                <a:schemeClr val="accent5"/>
+              </a:fillRef>
+              <a:effectRef idx="1">
+                <a:schemeClr val="accent5"/>
+              </a:effectRef>
+              <a:fontRef idx="minor">
+                <a:schemeClr val="dk1"/>
+              </a:fontRef>
+            </p:style>
+            <p:txBody>
+              <a:bodyPr rtlCol="0" anchor="ctr"/>
+              <a:lstStyle/>
+              <a:p>
+                <a:pPr algn="ctr"/>
+                <a:endParaRPr lang="en-US"/>
+              </a:p>
+            </p:txBody>
+          </p:sp>
+          <p:sp>
+            <p:nvSpPr>
+              <p:cNvPr id="71" name="Rectangle 70"/>
+              <p:cNvSpPr/>
+              <p:nvPr/>
+            </p:nvSpPr>
+            <p:spPr>
+              <a:xfrm>
+                <a:off x="1066800" y="4572000"/>
+                <a:ext cx="7162800" cy="1143000"/>
+              </a:xfrm>
+              <a:prstGeom prst="rect">
+                <a:avLst/>
+              </a:prstGeom>
+              <a:solidFill>
+                <a:schemeClr val="accent1">
+                  <a:alpha val="20000"/>
+                </a:schemeClr>
+              </a:solidFill>
+            </p:spPr>
+            <p:style>
+              <a:lnRef idx="1">
+                <a:schemeClr val="accent5"/>
+              </a:lnRef>
+              <a:fillRef idx="2">
+                <a:schemeClr val="accent5"/>
+              </a:fillRef>
+              <a:effectRef idx="1">
+                <a:schemeClr val="accent5"/>
+              </a:effectRef>
+              <a:fontRef idx="minor">
+                <a:schemeClr val="dk1"/>
+              </a:fontRef>
+            </p:style>
+            <p:txBody>
+              <a:bodyPr rtlCol="0" anchor="ctr"/>
+              <a:lstStyle/>
+              <a:p>
+                <a:pPr algn="ctr"/>
+                <a:endParaRPr lang="en-US"/>
+              </a:p>
+            </p:txBody>
+          </p:sp>
+          <p:sp>
+            <p:nvSpPr>
+              <p:cNvPr id="72" name="TextBox 71"/>
+              <p:cNvSpPr txBox="1"/>
+              <p:nvPr/>
+            </p:nvSpPr>
+            <p:spPr>
+              <a:xfrm rot="16200000">
+                <a:off x="25762" y="3098439"/>
+                <a:ext cx="1384610" cy="369332"/>
+              </a:xfrm>
+              <a:prstGeom prst="rect">
+                <a:avLst/>
+              </a:prstGeom>
+              <a:noFill/>
+            </p:spPr>
+            <p:txBody>
+              <a:bodyPr wrap="none" rtlCol="0">
+                <a:spAutoFit/>
+              </a:bodyPr>
+              <a:lstStyle/>
+              <a:p>
+                <a:r>
+                  <a:rPr lang="en-US" dirty="0" smtClean="0"/>
+                  <a:t>Slab or Layer</a:t>
+                </a:r>
+                <a:endParaRPr lang="en-US" dirty="0"/>
+              </a:p>
+            </p:txBody>
+          </p:sp>
+        </p:grpSp>
+        <p:grpSp>
+          <p:nvGrpSpPr>
+            <p:cNvPr id="73" name="Group 72"/>
+            <p:cNvGrpSpPr/>
+            <p:nvPr/>
+          </p:nvGrpSpPr>
+          <p:grpSpPr>
+            <a:xfrm>
+              <a:off x="2590800" y="990600"/>
+              <a:ext cx="3886200" cy="914400"/>
+              <a:chOff x="2438400" y="990600"/>
+              <a:chExt cx="3886200" cy="914400"/>
+            </a:xfrm>
+          </p:grpSpPr>
+          <p:sp>
+            <p:nvSpPr>
+              <p:cNvPr id="74" name="Oval 73"/>
+              <p:cNvSpPr/>
+              <p:nvPr/>
+            </p:nvSpPr>
+            <p:spPr>
+              <a:xfrm>
+                <a:off x="2438400" y="990600"/>
+                <a:ext cx="914400" cy="914400"/>
+              </a:xfrm>
+              <a:prstGeom prst="ellipse">
+                <a:avLst/>
+              </a:prstGeom>
+            </p:spPr>
+            <p:style>
+              <a:lnRef idx="2">
+                <a:schemeClr val="accent1">
+                  <a:shade val="50000"/>
+                </a:schemeClr>
+              </a:lnRef>
+              <a:fillRef idx="1">
+                <a:schemeClr val="accent1"/>
+              </a:fillRef>
+              <a:effectRef idx="0">
+                <a:schemeClr val="accent1"/>
+              </a:effectRef>
+              <a:fontRef idx="minor">
+                <a:schemeClr val="lt1"/>
+              </a:fontRef>
+            </p:style>
+            <p:txBody>
+              <a:bodyPr rtlCol="0" anchor="ctr"/>
+              <a:lstStyle/>
+              <a:p>
+                <a:pPr algn="ctr"/>
+                <a:endParaRPr lang="en-US"/>
+              </a:p>
+            </p:txBody>
+          </p:sp>
+          <p:sp>
+            <p:nvSpPr>
+              <p:cNvPr id="75" name="Oval 74"/>
+              <p:cNvSpPr/>
+              <p:nvPr/>
+            </p:nvSpPr>
+            <p:spPr>
+              <a:xfrm>
+                <a:off x="3924300" y="990600"/>
+                <a:ext cx="914400" cy="914400"/>
+              </a:xfrm>
+              <a:prstGeom prst="ellipse">
+                <a:avLst/>
+              </a:prstGeom>
+            </p:spPr>
+            <p:style>
+              <a:lnRef idx="2">
+                <a:schemeClr val="accent1">
+                  <a:shade val="50000"/>
+                </a:schemeClr>
+              </a:lnRef>
+              <a:fillRef idx="1">
+                <a:schemeClr val="accent1"/>
+              </a:fillRef>
+              <a:effectRef idx="0">
+                <a:schemeClr val="accent1"/>
+              </a:effectRef>
+              <a:fontRef idx="minor">
+                <a:schemeClr val="lt1"/>
+              </a:fontRef>
+            </p:style>
+            <p:txBody>
+              <a:bodyPr rtlCol="0" anchor="ctr"/>
+              <a:lstStyle/>
+              <a:p>
+                <a:pPr algn="ctr"/>
+                <a:endParaRPr lang="en-US"/>
+              </a:p>
+            </p:txBody>
+          </p:sp>
+          <p:sp>
+            <p:nvSpPr>
+              <p:cNvPr id="76" name="Oval 75"/>
+              <p:cNvSpPr/>
+              <p:nvPr/>
+            </p:nvSpPr>
+            <p:spPr>
+              <a:xfrm>
+                <a:off x="5410200" y="990600"/>
+                <a:ext cx="914400" cy="914400"/>
+              </a:xfrm>
+              <a:prstGeom prst="ellipse">
+                <a:avLst/>
+              </a:prstGeom>
+            </p:spPr>
+            <p:style>
+              <a:lnRef idx="2">
+                <a:schemeClr val="accent1">
+                  <a:shade val="50000"/>
+                </a:schemeClr>
+              </a:lnRef>
+              <a:fillRef idx="1">
+                <a:schemeClr val="accent1"/>
+              </a:fillRef>
+              <a:effectRef idx="0">
+                <a:schemeClr val="accent1"/>
+              </a:effectRef>
+              <a:fontRef idx="minor">
+                <a:schemeClr val="lt1"/>
+              </a:fontRef>
+            </p:style>
+            <p:txBody>
+              <a:bodyPr rtlCol="0" anchor="ctr"/>
+              <a:lstStyle/>
+              <a:p>
+                <a:pPr algn="ctr"/>
+                <a:endParaRPr lang="en-US"/>
+              </a:p>
+            </p:txBody>
+          </p:sp>
+        </p:grpSp>
+        <p:grpSp>
+          <p:nvGrpSpPr>
+            <p:cNvPr id="77" name="Group 76"/>
+            <p:cNvGrpSpPr/>
+            <p:nvPr/>
+          </p:nvGrpSpPr>
+          <p:grpSpPr>
+            <a:xfrm>
+              <a:off x="1905000" y="2895600"/>
+              <a:ext cx="5486400" cy="914400"/>
+              <a:chOff x="1905000" y="2819400"/>
+              <a:chExt cx="5486400" cy="914400"/>
+            </a:xfrm>
+          </p:grpSpPr>
+          <p:sp>
+            <p:nvSpPr>
+              <p:cNvPr id="78" name="Oval 77"/>
+              <p:cNvSpPr/>
+              <p:nvPr/>
+            </p:nvSpPr>
+            <p:spPr>
+              <a:xfrm>
+                <a:off x="1905000" y="2819400"/>
+                <a:ext cx="914400" cy="914400"/>
+              </a:xfrm>
+              <a:prstGeom prst="ellipse">
+                <a:avLst/>
+              </a:prstGeom>
+            </p:spPr>
+            <p:style>
+              <a:lnRef idx="2">
+                <a:schemeClr val="accent1">
+                  <a:shade val="50000"/>
+                </a:schemeClr>
+              </a:lnRef>
+              <a:fillRef idx="1">
+                <a:schemeClr val="accent1"/>
+              </a:fillRef>
+              <a:effectRef idx="0">
+                <a:schemeClr val="accent1"/>
+              </a:effectRef>
+              <a:fontRef idx="minor">
+                <a:schemeClr val="lt1"/>
+              </a:fontRef>
+            </p:style>
+            <p:txBody>
+              <a:bodyPr rtlCol="0" anchor="ctr"/>
+              <a:lstStyle/>
+              <a:p>
+                <a:pPr algn="ctr"/>
+                <a:endParaRPr lang="en-US"/>
+              </a:p>
+            </p:txBody>
+          </p:sp>
+          <p:sp>
+            <p:nvSpPr>
+              <p:cNvPr id="79" name="Oval 78"/>
+              <p:cNvSpPr/>
+              <p:nvPr/>
+            </p:nvSpPr>
+            <p:spPr>
+              <a:xfrm>
+                <a:off x="3429000" y="2819400"/>
+                <a:ext cx="914400" cy="914400"/>
+              </a:xfrm>
+              <a:prstGeom prst="ellipse">
+                <a:avLst/>
+              </a:prstGeom>
+            </p:spPr>
+            <p:style>
+              <a:lnRef idx="2">
+                <a:schemeClr val="accent1">
+                  <a:shade val="50000"/>
+                </a:schemeClr>
+              </a:lnRef>
+              <a:fillRef idx="1">
+                <a:schemeClr val="accent1"/>
+              </a:fillRef>
+              <a:effectRef idx="0">
+                <a:schemeClr val="accent1"/>
+              </a:effectRef>
+              <a:fontRef idx="minor">
+                <a:schemeClr val="lt1"/>
+              </a:fontRef>
+            </p:style>
+            <p:txBody>
+              <a:bodyPr rtlCol="0" anchor="ctr"/>
+              <a:lstStyle/>
+              <a:p>
+                <a:pPr algn="ctr"/>
+                <a:endParaRPr lang="en-US"/>
+              </a:p>
+            </p:txBody>
+          </p:sp>
+          <p:sp>
+            <p:nvSpPr>
+              <p:cNvPr id="80" name="Oval 79"/>
+              <p:cNvSpPr/>
+              <p:nvPr/>
+            </p:nvSpPr>
+            <p:spPr>
+              <a:xfrm>
+                <a:off x="4953000" y="2819400"/>
+                <a:ext cx="914400" cy="914400"/>
+              </a:xfrm>
+              <a:prstGeom prst="ellipse">
+                <a:avLst/>
+              </a:prstGeom>
+            </p:spPr>
+            <p:style>
+              <a:lnRef idx="2">
+                <a:schemeClr val="accent1">
+                  <a:shade val="50000"/>
+                </a:schemeClr>
+              </a:lnRef>
+              <a:fillRef idx="1">
+                <a:schemeClr val="accent1"/>
+              </a:fillRef>
+              <a:effectRef idx="0">
+                <a:schemeClr val="accent1"/>
+              </a:effectRef>
+              <a:fontRef idx="minor">
+                <a:schemeClr val="lt1"/>
+              </a:fontRef>
+            </p:style>
+            <p:txBody>
+              <a:bodyPr rtlCol="0" anchor="ctr"/>
+              <a:lstStyle/>
+              <a:p>
+                <a:pPr algn="ctr"/>
+                <a:endParaRPr lang="en-US"/>
+              </a:p>
+            </p:txBody>
+          </p:sp>
+          <p:sp>
+            <p:nvSpPr>
+              <p:cNvPr id="81" name="Oval 80"/>
+              <p:cNvSpPr/>
+              <p:nvPr/>
+            </p:nvSpPr>
+            <p:spPr>
+              <a:xfrm>
+                <a:off x="6477000" y="2819400"/>
+                <a:ext cx="914400" cy="914400"/>
+              </a:xfrm>
+              <a:prstGeom prst="ellipse">
+                <a:avLst/>
+              </a:prstGeom>
+            </p:spPr>
+            <p:style>
+              <a:lnRef idx="2">
+                <a:schemeClr val="accent1">
+                  <a:shade val="50000"/>
+                </a:schemeClr>
+              </a:lnRef>
+              <a:fillRef idx="1">
+                <a:schemeClr val="accent1"/>
+              </a:fillRef>
+              <a:effectRef idx="0">
+                <a:schemeClr val="accent1"/>
+              </a:effectRef>
+              <a:fontRef idx="minor">
+                <a:schemeClr val="lt1"/>
+              </a:fontRef>
+            </p:style>
+            <p:txBody>
+              <a:bodyPr rtlCol="0" anchor="ctr"/>
+              <a:lstStyle/>
+              <a:p>
+                <a:pPr algn="ctr"/>
+                <a:endParaRPr lang="en-US"/>
+              </a:p>
+            </p:txBody>
+          </p:sp>
+        </p:grpSp>
+        <p:grpSp>
+          <p:nvGrpSpPr>
+            <p:cNvPr id="82" name="Group 81"/>
+            <p:cNvGrpSpPr/>
+            <p:nvPr/>
+          </p:nvGrpSpPr>
+          <p:grpSpPr>
+            <a:xfrm>
+              <a:off x="2667000" y="4648200"/>
+              <a:ext cx="3962400" cy="914400"/>
+              <a:chOff x="2743200" y="4648200"/>
+              <a:chExt cx="3962400" cy="914400"/>
+            </a:xfrm>
+          </p:grpSpPr>
+          <p:sp>
+            <p:nvSpPr>
+              <p:cNvPr id="83" name="Oval 82"/>
+              <p:cNvSpPr/>
+              <p:nvPr/>
+            </p:nvSpPr>
+            <p:spPr>
+              <a:xfrm>
+                <a:off x="2743200" y="4648200"/>
+                <a:ext cx="914400" cy="914400"/>
+              </a:xfrm>
+              <a:prstGeom prst="ellipse">
+                <a:avLst/>
+              </a:prstGeom>
+            </p:spPr>
+            <p:style>
+              <a:lnRef idx="2">
+                <a:schemeClr val="accent1">
+                  <a:shade val="50000"/>
+                </a:schemeClr>
+              </a:lnRef>
+              <a:fillRef idx="1">
+                <a:schemeClr val="accent1"/>
+              </a:fillRef>
+              <a:effectRef idx="0">
+                <a:schemeClr val="accent1"/>
+              </a:effectRef>
+              <a:fontRef idx="minor">
+                <a:schemeClr val="lt1"/>
+              </a:fontRef>
+            </p:style>
+            <p:txBody>
+              <a:bodyPr rtlCol="0" anchor="ctr"/>
+              <a:lstStyle/>
+              <a:p>
+                <a:pPr algn="ctr"/>
+                <a:endParaRPr lang="en-US"/>
+              </a:p>
+            </p:txBody>
+          </p:sp>
+          <p:sp>
+            <p:nvSpPr>
+              <p:cNvPr id="84" name="Oval 83"/>
+              <p:cNvSpPr/>
+              <p:nvPr/>
+            </p:nvSpPr>
+            <p:spPr>
+              <a:xfrm>
+                <a:off x="4267200" y="4648200"/>
+                <a:ext cx="914400" cy="914400"/>
+              </a:xfrm>
+              <a:prstGeom prst="ellipse">
+                <a:avLst/>
+              </a:prstGeom>
+            </p:spPr>
+            <p:style>
+              <a:lnRef idx="2">
+                <a:schemeClr val="accent1">
+                  <a:shade val="50000"/>
+                </a:schemeClr>
+              </a:lnRef>
+              <a:fillRef idx="1">
+                <a:schemeClr val="accent1"/>
+              </a:fillRef>
+              <a:effectRef idx="0">
+                <a:schemeClr val="accent1"/>
+              </a:effectRef>
+              <a:fontRef idx="minor">
+                <a:schemeClr val="lt1"/>
+              </a:fontRef>
+            </p:style>
+            <p:txBody>
+              <a:bodyPr rtlCol="0" anchor="ctr"/>
+              <a:lstStyle/>
+              <a:p>
+                <a:pPr algn="ctr"/>
+                <a:endParaRPr lang="en-US"/>
+              </a:p>
+            </p:txBody>
+          </p:sp>
+          <p:sp>
+            <p:nvSpPr>
+              <p:cNvPr id="85" name="Oval 84"/>
+              <p:cNvSpPr/>
+              <p:nvPr/>
+            </p:nvSpPr>
+            <p:spPr>
+              <a:xfrm>
+                <a:off x="5791200" y="4648200"/>
+                <a:ext cx="914400" cy="914400"/>
+              </a:xfrm>
+              <a:prstGeom prst="ellipse">
+                <a:avLst/>
+              </a:prstGeom>
+            </p:spPr>
+            <p:style>
+              <a:lnRef idx="2">
+                <a:schemeClr val="accent1">
+                  <a:shade val="50000"/>
+                </a:schemeClr>
+              </a:lnRef>
+              <a:fillRef idx="1">
+                <a:schemeClr val="accent1"/>
+              </a:fillRef>
+              <a:effectRef idx="0">
+                <a:schemeClr val="accent1"/>
+              </a:effectRef>
+              <a:fontRef idx="minor">
+                <a:schemeClr val="lt1"/>
+              </a:fontRef>
+            </p:style>
+            <p:txBody>
+              <a:bodyPr rtlCol="0" anchor="ctr"/>
+              <a:lstStyle/>
+              <a:p>
+                <a:pPr algn="ctr"/>
+                <a:endParaRPr lang="en-US"/>
+              </a:p>
+            </p:txBody>
+          </p:sp>
+        </p:grpSp>
+        <p:cxnSp>
+          <p:nvCxnSpPr>
+            <p:cNvPr id="86" name="Straight Arrow Connector 85"/>
+            <p:cNvCxnSpPr>
+              <a:stCxn id="83" idx="2"/>
+              <a:endCxn id="78" idx="5"/>
+            </p:cNvCxnSpPr>
+            <p:nvPr/>
+          </p:nvCxnSpPr>
+          <p:spPr>
+            <a:xfrm rot="10800000" flipH="1">
+              <a:off x="2666999" y="3676090"/>
+              <a:ext cx="18489" cy="1429311"/>
+            </a:xfrm>
+            <a:prstGeom prst="straightConnector1">
+              <a:avLst/>
+            </a:prstGeom>
+            <a:ln>
+              <a:tailEnd type="arrow"/>
+            </a:ln>
+          </p:spPr>
+          <p:style>
+            <a:lnRef idx="1">
+              <a:schemeClr val="accent1"/>
+            </a:lnRef>
+            <a:fillRef idx="0">
+              <a:schemeClr val="accent1"/>
+            </a:fillRef>
+            <a:effectRef idx="0">
+              <a:schemeClr val="accent1"/>
+            </a:effectRef>
+            <a:fontRef idx="minor">
+              <a:schemeClr val="tx1"/>
+            </a:fontRef>
+          </p:style>
+        </p:cxnSp>
+        <p:cxnSp>
+          <p:nvCxnSpPr>
+            <p:cNvPr id="87" name="Straight Arrow Connector 86"/>
+            <p:cNvCxnSpPr>
+              <a:stCxn id="84" idx="0"/>
+              <a:endCxn id="79" idx="5"/>
+            </p:cNvCxnSpPr>
+            <p:nvPr/>
+          </p:nvCxnSpPr>
+          <p:spPr>
+            <a:xfrm rot="16200000" flipV="1">
+              <a:off x="3942790" y="3942789"/>
+              <a:ext cx="972111" cy="438711"/>
+            </a:xfrm>
+            <a:prstGeom prst="straightConnector1">
+              <a:avLst/>
+            </a:prstGeom>
+            <a:ln>
+              <a:tailEnd type="arrow"/>
+            </a:ln>
+          </p:spPr>
+          <p:style>
+            <a:lnRef idx="1">
+              <a:schemeClr val="accent1"/>
+            </a:lnRef>
+            <a:fillRef idx="0">
+              <a:schemeClr val="accent1"/>
+            </a:fillRef>
+            <a:effectRef idx="0">
+              <a:schemeClr val="accent1"/>
+            </a:effectRef>
+            <a:fontRef idx="minor">
+              <a:schemeClr val="tx1"/>
+            </a:fontRef>
+          </p:style>
+        </p:cxnSp>
+        <p:cxnSp>
+          <p:nvCxnSpPr>
+            <p:cNvPr id="88" name="Straight Arrow Connector 87"/>
+            <p:cNvCxnSpPr>
+              <a:stCxn id="85" idx="0"/>
+              <a:endCxn id="80" idx="5"/>
+            </p:cNvCxnSpPr>
+            <p:nvPr/>
+          </p:nvCxnSpPr>
+          <p:spPr>
+            <a:xfrm rot="16200000" flipV="1">
+              <a:off x="5466790" y="3942789"/>
+              <a:ext cx="972111" cy="438711"/>
+            </a:xfrm>
+            <a:prstGeom prst="straightConnector1">
+              <a:avLst/>
+            </a:prstGeom>
+            <a:ln>
+              <a:tailEnd type="arrow"/>
+            </a:ln>
+          </p:spPr>
+          <p:style>
+            <a:lnRef idx="1">
+              <a:schemeClr val="accent1"/>
+            </a:lnRef>
+            <a:fillRef idx="0">
+              <a:schemeClr val="accent1"/>
+            </a:fillRef>
+            <a:effectRef idx="0">
+              <a:schemeClr val="accent1"/>
+            </a:effectRef>
+            <a:fontRef idx="minor">
+              <a:schemeClr val="tx1"/>
+            </a:fontRef>
+          </p:style>
+        </p:cxnSp>
+        <p:cxnSp>
+          <p:nvCxnSpPr>
+            <p:cNvPr id="89" name="Straight Arrow Connector 88"/>
+            <p:cNvCxnSpPr>
+              <a:stCxn id="85" idx="7"/>
+              <a:endCxn id="81" idx="5"/>
+            </p:cNvCxnSpPr>
+            <p:nvPr/>
+          </p:nvCxnSpPr>
+          <p:spPr>
+            <a:xfrm rot="5400000" flipH="1" flipV="1">
+              <a:off x="6323478" y="3848100"/>
+              <a:ext cx="1106022" cy="762000"/>
+            </a:xfrm>
+            <a:prstGeom prst="straightConnector1">
+              <a:avLst/>
+            </a:prstGeom>
+            <a:ln>
+              <a:tailEnd type="arrow"/>
+            </a:ln>
+          </p:spPr>
+          <p:style>
+            <a:lnRef idx="1">
+              <a:schemeClr val="accent1"/>
+            </a:lnRef>
+            <a:fillRef idx="0">
+              <a:schemeClr val="accent1"/>
+            </a:fillRef>
+            <a:effectRef idx="0">
+              <a:schemeClr val="accent1"/>
+            </a:effectRef>
+            <a:fontRef idx="minor">
+              <a:schemeClr val="tx1"/>
+            </a:fontRef>
+          </p:style>
+        </p:cxnSp>
+        <p:cxnSp>
+          <p:nvCxnSpPr>
+            <p:cNvPr id="90" name="Straight Arrow Connector 89"/>
+            <p:cNvCxnSpPr>
+              <a:stCxn id="84" idx="6"/>
+              <a:endCxn id="81" idx="4"/>
+            </p:cNvCxnSpPr>
+            <p:nvPr/>
+          </p:nvCxnSpPr>
+          <p:spPr>
+            <a:xfrm flipV="1">
+              <a:off x="5105400" y="3810000"/>
+              <a:ext cx="1828800" cy="1295400"/>
+            </a:xfrm>
+            <a:prstGeom prst="straightConnector1">
+              <a:avLst/>
+            </a:prstGeom>
+            <a:ln>
+              <a:tailEnd type="arrow"/>
+            </a:ln>
+          </p:spPr>
+          <p:style>
+            <a:lnRef idx="1">
+              <a:schemeClr val="accent1"/>
+            </a:lnRef>
+            <a:fillRef idx="0">
+              <a:schemeClr val="accent1"/>
+            </a:fillRef>
+            <a:effectRef idx="0">
+              <a:schemeClr val="accent1"/>
+            </a:effectRef>
+            <a:fontRef idx="minor">
+              <a:schemeClr val="tx1"/>
+            </a:fontRef>
+          </p:style>
+        </p:cxnSp>
+        <p:cxnSp>
+          <p:nvCxnSpPr>
+            <p:cNvPr id="91" name="Straight Arrow Connector 90"/>
+            <p:cNvCxnSpPr>
+              <a:stCxn id="83" idx="7"/>
+              <a:endCxn id="81" idx="3"/>
+            </p:cNvCxnSpPr>
+            <p:nvPr/>
+          </p:nvCxnSpPr>
+          <p:spPr>
+            <a:xfrm rot="5400000" flipH="1" flipV="1">
+              <a:off x="4476189" y="2647389"/>
+              <a:ext cx="1106022" cy="3163422"/>
+            </a:xfrm>
+            <a:prstGeom prst="straightConnector1">
+              <a:avLst/>
+            </a:prstGeom>
+            <a:ln>
+              <a:tailEnd type="arrow"/>
+            </a:ln>
+          </p:spPr>
+          <p:style>
+            <a:lnRef idx="1">
+              <a:schemeClr val="accent1"/>
+            </a:lnRef>
+            <a:fillRef idx="0">
+              <a:schemeClr val="accent1"/>
+            </a:fillRef>
+            <a:effectRef idx="0">
+              <a:schemeClr val="accent1"/>
+            </a:effectRef>
+            <a:fontRef idx="minor">
+              <a:schemeClr val="tx1"/>
+            </a:fontRef>
+          </p:style>
+        </p:cxnSp>
+        <p:cxnSp>
+          <p:nvCxnSpPr>
+            <p:cNvPr id="92" name="Straight Arrow Connector 91"/>
+            <p:cNvCxnSpPr>
+              <a:endCxn id="80" idx="3"/>
+            </p:cNvCxnSpPr>
+            <p:nvPr/>
+          </p:nvCxnSpPr>
+          <p:spPr>
+            <a:xfrm flipV="1">
+              <a:off x="3124200" y="3676089"/>
+              <a:ext cx="1962711" cy="1124512"/>
+            </a:xfrm>
+            <a:prstGeom prst="straightConnector1">
+              <a:avLst/>
+            </a:prstGeom>
+            <a:ln>
+              <a:tailEnd type="arrow"/>
+            </a:ln>
+          </p:spPr>
+          <p:style>
+            <a:lnRef idx="1">
+              <a:schemeClr val="accent1"/>
+            </a:lnRef>
+            <a:fillRef idx="0">
+              <a:schemeClr val="accent1"/>
+            </a:fillRef>
+            <a:effectRef idx="0">
+              <a:schemeClr val="accent1"/>
+            </a:effectRef>
+            <a:fontRef idx="minor">
+              <a:schemeClr val="tx1"/>
+            </a:fontRef>
+          </p:style>
+        </p:cxnSp>
+        <p:cxnSp>
+          <p:nvCxnSpPr>
+            <p:cNvPr id="93" name="Straight Arrow Connector 92"/>
+            <p:cNvCxnSpPr>
+              <a:stCxn id="84" idx="1"/>
+              <a:endCxn id="78" idx="6"/>
+            </p:cNvCxnSpPr>
+            <p:nvPr/>
+          </p:nvCxnSpPr>
+          <p:spPr>
+            <a:xfrm rot="16200000" flipV="1">
+              <a:off x="2857501" y="3314700"/>
+              <a:ext cx="1429311" cy="1505511"/>
+            </a:xfrm>
+            <a:prstGeom prst="straightConnector1">
+              <a:avLst/>
+            </a:prstGeom>
+            <a:ln>
+              <a:tailEnd type="arrow"/>
+            </a:ln>
+          </p:spPr>
+          <p:style>
+            <a:lnRef idx="1">
+              <a:schemeClr val="accent1"/>
+            </a:lnRef>
+            <a:fillRef idx="0">
+              <a:schemeClr val="accent1"/>
+            </a:fillRef>
+            <a:effectRef idx="0">
+              <a:schemeClr val="accent1"/>
+            </a:effectRef>
+            <a:fontRef idx="minor">
+              <a:schemeClr val="tx1"/>
+            </a:fontRef>
+          </p:style>
+        </p:cxnSp>
+        <p:cxnSp>
+          <p:nvCxnSpPr>
+            <p:cNvPr id="94" name="Straight Arrow Connector 93"/>
+            <p:cNvCxnSpPr>
+              <a:stCxn id="83" idx="1"/>
+              <a:endCxn id="79" idx="4"/>
+            </p:cNvCxnSpPr>
+            <p:nvPr/>
+          </p:nvCxnSpPr>
+          <p:spPr>
+            <a:xfrm rot="5400000" flipH="1" flipV="1">
+              <a:off x="2857500" y="3753412"/>
+              <a:ext cx="972111" cy="1085289"/>
+            </a:xfrm>
+            <a:prstGeom prst="straightConnector1">
+              <a:avLst/>
+            </a:prstGeom>
+            <a:ln>
+              <a:tailEnd type="arrow"/>
+            </a:ln>
+          </p:spPr>
+          <p:style>
+            <a:lnRef idx="1">
+              <a:schemeClr val="accent1"/>
+            </a:lnRef>
+            <a:fillRef idx="0">
+              <a:schemeClr val="accent1"/>
+            </a:fillRef>
+            <a:effectRef idx="0">
+              <a:schemeClr val="accent1"/>
+            </a:effectRef>
+            <a:fontRef idx="minor">
+              <a:schemeClr val="tx1"/>
+            </a:fontRef>
+          </p:style>
+        </p:cxnSp>
+        <p:cxnSp>
+          <p:nvCxnSpPr>
+            <p:cNvPr id="95" name="Straight Arrow Connector 94"/>
+            <p:cNvCxnSpPr>
+              <a:stCxn id="84" idx="7"/>
+              <a:endCxn id="80" idx="4"/>
+            </p:cNvCxnSpPr>
+            <p:nvPr/>
+          </p:nvCxnSpPr>
+          <p:spPr>
+            <a:xfrm rot="5400000" flipH="1" flipV="1">
+              <a:off x="4704789" y="4076701"/>
+              <a:ext cx="972111" cy="438711"/>
+            </a:xfrm>
+            <a:prstGeom prst="straightConnector1">
+              <a:avLst/>
+            </a:prstGeom>
+            <a:ln>
+              <a:tailEnd type="arrow"/>
+            </a:ln>
+          </p:spPr>
+          <p:style>
+            <a:lnRef idx="1">
+              <a:schemeClr val="accent1"/>
+            </a:lnRef>
+            <a:fillRef idx="0">
+              <a:schemeClr val="accent1"/>
+            </a:fillRef>
+            <a:effectRef idx="0">
+              <a:schemeClr val="accent1"/>
+            </a:effectRef>
+            <a:fontRef idx="minor">
+              <a:schemeClr val="tx1"/>
+            </a:fontRef>
+          </p:style>
+        </p:cxnSp>
+        <p:cxnSp>
+          <p:nvCxnSpPr>
+            <p:cNvPr id="96" name="Straight Arrow Connector 95"/>
+            <p:cNvCxnSpPr>
+              <a:stCxn id="85" idx="1"/>
+              <a:endCxn id="79" idx="6"/>
+            </p:cNvCxnSpPr>
+            <p:nvPr/>
+          </p:nvCxnSpPr>
+          <p:spPr>
+            <a:xfrm rot="16200000" flipV="1">
+              <a:off x="4381501" y="3314700"/>
+              <a:ext cx="1429311" cy="1505511"/>
+            </a:xfrm>
+            <a:prstGeom prst="straightConnector1">
+              <a:avLst/>
+            </a:prstGeom>
+            <a:ln>
+              <a:tailEnd type="arrow"/>
+            </a:ln>
+          </p:spPr>
+          <p:style>
+            <a:lnRef idx="1">
+              <a:schemeClr val="accent1"/>
+            </a:lnRef>
+            <a:fillRef idx="0">
+              <a:schemeClr val="accent1"/>
+            </a:fillRef>
+            <a:effectRef idx="0">
+              <a:schemeClr val="accent1"/>
+            </a:effectRef>
+            <a:fontRef idx="minor">
+              <a:schemeClr val="tx1"/>
+            </a:fontRef>
+          </p:style>
+        </p:cxnSp>
+        <p:cxnSp>
+          <p:nvCxnSpPr>
+            <p:cNvPr id="97" name="Straight Arrow Connector 96"/>
+            <p:cNvCxnSpPr>
+              <a:stCxn id="85" idx="2"/>
+              <a:endCxn id="78" idx="7"/>
+            </p:cNvCxnSpPr>
+            <p:nvPr/>
+          </p:nvCxnSpPr>
+          <p:spPr>
+            <a:xfrm rot="10800000">
+              <a:off x="2685490" y="3029512"/>
+              <a:ext cx="3029511" cy="2075889"/>
+            </a:xfrm>
+            <a:prstGeom prst="straightConnector1">
+              <a:avLst/>
+            </a:prstGeom>
+            <a:ln>
+              <a:tailEnd type="arrow"/>
+            </a:ln>
+          </p:spPr>
+          <p:style>
+            <a:lnRef idx="1">
+              <a:schemeClr val="accent1"/>
+            </a:lnRef>
+            <a:fillRef idx="0">
+              <a:schemeClr val="accent1"/>
+            </a:fillRef>
+            <a:effectRef idx="0">
+              <a:schemeClr val="accent1"/>
+            </a:effectRef>
+            <a:fontRef idx="minor">
+              <a:schemeClr val="tx1"/>
+            </a:fontRef>
+          </p:style>
+        </p:cxnSp>
+        <p:cxnSp>
+          <p:nvCxnSpPr>
+            <p:cNvPr id="98" name="Straight Arrow Connector 97"/>
+            <p:cNvCxnSpPr>
+              <a:stCxn id="74" idx="0"/>
+            </p:cNvCxnSpPr>
+            <p:nvPr/>
+          </p:nvCxnSpPr>
+          <p:spPr>
+            <a:xfrm rot="5400000" flipH="1" flipV="1">
+              <a:off x="2743994" y="685006"/>
+              <a:ext cx="609600" cy="1588"/>
+            </a:xfrm>
+            <a:prstGeom prst="straightConnector1">
+              <a:avLst/>
+            </a:prstGeom>
+            <a:ln>
+              <a:tailEnd type="arrow"/>
+            </a:ln>
+          </p:spPr>
+          <p:style>
+            <a:lnRef idx="1">
+              <a:schemeClr val="accent1"/>
+            </a:lnRef>
+            <a:fillRef idx="0">
+              <a:schemeClr val="accent1"/>
+            </a:fillRef>
+            <a:effectRef idx="0">
+              <a:schemeClr val="accent1"/>
+            </a:effectRef>
+            <a:fontRef idx="minor">
+              <a:schemeClr val="tx1"/>
+            </a:fontRef>
+          </p:style>
+        </p:cxnSp>
+        <p:cxnSp>
+          <p:nvCxnSpPr>
+            <p:cNvPr id="99" name="Straight Arrow Connector 98"/>
+            <p:cNvCxnSpPr>
+              <a:stCxn id="75" idx="0"/>
+            </p:cNvCxnSpPr>
+            <p:nvPr/>
+          </p:nvCxnSpPr>
+          <p:spPr>
+            <a:xfrm rot="5400000" flipH="1" flipV="1">
+              <a:off x="4248150" y="666750"/>
+              <a:ext cx="609600" cy="38100"/>
+            </a:xfrm>
+            <a:prstGeom prst="straightConnector1">
+              <a:avLst/>
+            </a:prstGeom>
+            <a:ln>
+              <a:tailEnd type="arrow"/>
+            </a:ln>
+          </p:spPr>
+          <p:style>
+            <a:lnRef idx="1">
+              <a:schemeClr val="accent1"/>
+            </a:lnRef>
+            <a:fillRef idx="0">
+              <a:schemeClr val="accent1"/>
+            </a:fillRef>
+            <a:effectRef idx="0">
+              <a:schemeClr val="accent1"/>
+            </a:effectRef>
+            <a:fontRef idx="minor">
+              <a:schemeClr val="tx1"/>
+            </a:fontRef>
+          </p:style>
+        </p:cxnSp>
+        <p:cxnSp>
+          <p:nvCxnSpPr>
+            <p:cNvPr id="100" name="Straight Arrow Connector 99"/>
+            <p:cNvCxnSpPr>
+              <a:stCxn id="76" idx="0"/>
+            </p:cNvCxnSpPr>
+            <p:nvPr/>
+          </p:nvCxnSpPr>
+          <p:spPr>
+            <a:xfrm rot="5400000" flipH="1" flipV="1">
+              <a:off x="5753894" y="723106"/>
+              <a:ext cx="533400" cy="1588"/>
+            </a:xfrm>
+            <a:prstGeom prst="straightConnector1">
+              <a:avLst/>
+            </a:prstGeom>
+            <a:ln>
+              <a:tailEnd type="arrow"/>
+            </a:ln>
+          </p:spPr>
+          <p:style>
+            <a:lnRef idx="1">
+              <a:schemeClr val="accent1"/>
+            </a:lnRef>
+            <a:fillRef idx="0">
+              <a:schemeClr val="accent1"/>
+            </a:fillRef>
+            <a:effectRef idx="0">
+              <a:schemeClr val="accent1"/>
+            </a:effectRef>
+            <a:fontRef idx="minor">
+              <a:schemeClr val="tx1"/>
+            </a:fontRef>
+          </p:style>
+        </p:cxnSp>
+        <p:cxnSp>
+          <p:nvCxnSpPr>
+            <p:cNvPr id="101" name="Straight Arrow Connector 100"/>
+            <p:cNvCxnSpPr/>
+            <p:nvPr/>
+          </p:nvCxnSpPr>
+          <p:spPr>
+            <a:xfrm rot="5400000" flipH="1" flipV="1">
+              <a:off x="2972594" y="5790406"/>
+              <a:ext cx="457200" cy="1588"/>
+            </a:xfrm>
+            <a:prstGeom prst="straightConnector1">
+              <a:avLst/>
+            </a:prstGeom>
+            <a:ln>
+              <a:tailEnd type="arrow"/>
+            </a:ln>
+          </p:spPr>
+          <p:style>
+            <a:lnRef idx="1">
+              <a:schemeClr val="accent1"/>
+            </a:lnRef>
+            <a:fillRef idx="0">
+              <a:schemeClr val="accent1"/>
+            </a:fillRef>
+            <a:effectRef idx="0">
+              <a:schemeClr val="accent1"/>
+            </a:effectRef>
+            <a:fontRef idx="minor">
+              <a:schemeClr val="tx1"/>
+            </a:fontRef>
+          </p:style>
+        </p:cxnSp>
+        <p:cxnSp>
+          <p:nvCxnSpPr>
+            <p:cNvPr id="102" name="Straight Arrow Connector 101"/>
+            <p:cNvCxnSpPr/>
+            <p:nvPr/>
+          </p:nvCxnSpPr>
+          <p:spPr>
+            <a:xfrm rot="5400000" flipH="1" flipV="1">
+              <a:off x="4496594" y="5790406"/>
+              <a:ext cx="457200" cy="1588"/>
+            </a:xfrm>
+            <a:prstGeom prst="straightConnector1">
+              <a:avLst/>
+            </a:prstGeom>
+            <a:ln>
+              <a:tailEnd type="arrow"/>
+            </a:ln>
+          </p:spPr>
+          <p:style>
+            <a:lnRef idx="1">
+              <a:schemeClr val="accent1"/>
+            </a:lnRef>
+            <a:fillRef idx="0">
+              <a:schemeClr val="accent1"/>
+            </a:fillRef>
+            <a:effectRef idx="0">
+              <a:schemeClr val="accent1"/>
+            </a:effectRef>
+            <a:fontRef idx="minor">
+              <a:schemeClr val="tx1"/>
+            </a:fontRef>
+          </p:style>
+        </p:cxnSp>
+        <p:cxnSp>
+          <p:nvCxnSpPr>
+            <p:cNvPr id="103" name="Straight Arrow Connector 102"/>
+            <p:cNvCxnSpPr/>
+            <p:nvPr/>
+          </p:nvCxnSpPr>
+          <p:spPr>
+            <a:xfrm rot="5400000" flipH="1" flipV="1">
+              <a:off x="5944394" y="5790406"/>
+              <a:ext cx="457200" cy="1588"/>
+            </a:xfrm>
+            <a:prstGeom prst="straightConnector1">
+              <a:avLst/>
+            </a:prstGeom>
+            <a:ln>
+              <a:tailEnd type="arrow"/>
+            </a:ln>
+          </p:spPr>
+          <p:style>
+            <a:lnRef idx="1">
+              <a:schemeClr val="accent1"/>
+            </a:lnRef>
+            <a:fillRef idx="0">
+              <a:schemeClr val="accent1"/>
+            </a:fillRef>
+            <a:effectRef idx="0">
+              <a:schemeClr val="accent1"/>
+            </a:effectRef>
+            <a:fontRef idx="minor">
+              <a:schemeClr val="tx1"/>
+            </a:fontRef>
+          </p:style>
+        </p:cxnSp>
+        <p:cxnSp>
+          <p:nvCxnSpPr>
+            <p:cNvPr id="104" name="Straight Arrow Connector 103"/>
+            <p:cNvCxnSpPr>
+              <a:stCxn id="78" idx="0"/>
+              <a:endCxn id="75" idx="4"/>
+            </p:cNvCxnSpPr>
+            <p:nvPr/>
+          </p:nvCxnSpPr>
+          <p:spPr>
+            <a:xfrm rot="5400000" flipH="1" flipV="1">
+              <a:off x="2952750" y="1314450"/>
+              <a:ext cx="990600" cy="2171700"/>
+            </a:xfrm>
+            <a:prstGeom prst="straightConnector1">
+              <a:avLst/>
+            </a:prstGeom>
+            <a:ln>
+              <a:tailEnd type="arrow"/>
+            </a:ln>
+          </p:spPr>
+          <p:style>
+            <a:lnRef idx="1">
+              <a:schemeClr val="accent1"/>
+            </a:lnRef>
+            <a:fillRef idx="0">
+              <a:schemeClr val="accent1"/>
+            </a:fillRef>
+            <a:effectRef idx="0">
+              <a:schemeClr val="accent1"/>
+            </a:effectRef>
+            <a:fontRef idx="minor">
+              <a:schemeClr val="tx1"/>
+            </a:fontRef>
+          </p:style>
+        </p:cxnSp>
+        <p:cxnSp>
+          <p:nvCxnSpPr>
+            <p:cNvPr id="105" name="Straight Arrow Connector 104"/>
+            <p:cNvCxnSpPr>
+              <a:stCxn id="78" idx="0"/>
+              <a:endCxn id="74" idx="4"/>
+            </p:cNvCxnSpPr>
+            <p:nvPr/>
+          </p:nvCxnSpPr>
+          <p:spPr>
+            <a:xfrm rot="5400000" flipH="1" flipV="1">
+              <a:off x="2209800" y="2057400"/>
+              <a:ext cx="990600" cy="685800"/>
+            </a:xfrm>
+            <a:prstGeom prst="straightConnector1">
+              <a:avLst/>
+            </a:prstGeom>
+            <a:ln>
+              <a:tailEnd type="arrow"/>
+            </a:ln>
+          </p:spPr>
+          <p:style>
+            <a:lnRef idx="1">
+              <a:schemeClr val="accent1"/>
+            </a:lnRef>
+            <a:fillRef idx="0">
+              <a:schemeClr val="accent1"/>
+            </a:fillRef>
+            <a:effectRef idx="0">
+              <a:schemeClr val="accent1"/>
+            </a:effectRef>
+            <a:fontRef idx="minor">
+              <a:schemeClr val="tx1"/>
+            </a:fontRef>
+          </p:style>
+        </p:cxnSp>
+        <p:cxnSp>
+          <p:nvCxnSpPr>
+            <p:cNvPr id="106" name="Straight Arrow Connector 105"/>
+            <p:cNvCxnSpPr>
+              <a:stCxn id="78" idx="0"/>
+              <a:endCxn id="76" idx="3"/>
+            </p:cNvCxnSpPr>
+            <p:nvPr/>
+          </p:nvCxnSpPr>
+          <p:spPr>
+            <a:xfrm rot="5400000" flipH="1" flipV="1">
+              <a:off x="3467100" y="666190"/>
+              <a:ext cx="1124511" cy="3334311"/>
+            </a:xfrm>
+            <a:prstGeom prst="straightConnector1">
+              <a:avLst/>
+            </a:prstGeom>
+            <a:ln>
+              <a:tailEnd type="arrow"/>
+            </a:ln>
+          </p:spPr>
+          <p:style>
+            <a:lnRef idx="1">
+              <a:schemeClr val="accent1"/>
+            </a:lnRef>
+            <a:fillRef idx="0">
+              <a:schemeClr val="accent1"/>
+            </a:fillRef>
+            <a:effectRef idx="0">
+              <a:schemeClr val="accent1"/>
+            </a:effectRef>
+            <a:fontRef idx="minor">
+              <a:schemeClr val="tx1"/>
+            </a:fontRef>
+          </p:style>
+        </p:cxnSp>
+        <p:cxnSp>
+          <p:nvCxnSpPr>
+            <p:cNvPr id="107" name="Straight Arrow Connector 106"/>
+            <p:cNvCxnSpPr>
+              <a:stCxn id="79" idx="0"/>
+              <a:endCxn id="76" idx="2"/>
+            </p:cNvCxnSpPr>
+            <p:nvPr/>
+          </p:nvCxnSpPr>
+          <p:spPr>
+            <a:xfrm rot="5400000" flipH="1" flipV="1">
+              <a:off x="4000500" y="1333500"/>
+              <a:ext cx="1447800" cy="1676400"/>
+            </a:xfrm>
+            <a:prstGeom prst="straightConnector1">
+              <a:avLst/>
+            </a:prstGeom>
+            <a:ln>
+              <a:tailEnd type="arrow"/>
+            </a:ln>
+          </p:spPr>
+          <p:style>
+            <a:lnRef idx="1">
+              <a:schemeClr val="accent1"/>
+            </a:lnRef>
+            <a:fillRef idx="0">
+              <a:schemeClr val="accent1"/>
+            </a:fillRef>
+            <a:effectRef idx="0">
+              <a:schemeClr val="accent1"/>
+            </a:effectRef>
+            <a:fontRef idx="minor">
+              <a:schemeClr val="tx1"/>
+            </a:fontRef>
+          </p:style>
+        </p:cxnSp>
+        <p:cxnSp>
+          <p:nvCxnSpPr>
+            <p:cNvPr id="108" name="Straight Arrow Connector 107"/>
+            <p:cNvCxnSpPr>
+              <a:stCxn id="79" idx="0"/>
+              <a:endCxn id="75" idx="3"/>
+            </p:cNvCxnSpPr>
+            <p:nvPr/>
+          </p:nvCxnSpPr>
+          <p:spPr>
+            <a:xfrm rot="5400000" flipH="1" flipV="1">
+              <a:off x="3486150" y="2171140"/>
+              <a:ext cx="1124511" cy="324411"/>
+            </a:xfrm>
+            <a:prstGeom prst="straightConnector1">
+              <a:avLst/>
+            </a:prstGeom>
+            <a:ln>
+              <a:tailEnd type="arrow"/>
+            </a:ln>
+          </p:spPr>
+          <p:style>
+            <a:lnRef idx="1">
+              <a:schemeClr val="accent1"/>
+            </a:lnRef>
+            <a:fillRef idx="0">
+              <a:schemeClr val="accent1"/>
+            </a:fillRef>
+            <a:effectRef idx="0">
+              <a:schemeClr val="accent1"/>
+            </a:effectRef>
+            <a:fontRef idx="minor">
+              <a:schemeClr val="tx1"/>
+            </a:fontRef>
+          </p:style>
+        </p:cxnSp>
+        <p:cxnSp>
+          <p:nvCxnSpPr>
+            <p:cNvPr id="109" name="Straight Arrow Connector 108"/>
+            <p:cNvCxnSpPr>
+              <a:stCxn id="79" idx="0"/>
+              <a:endCxn id="74" idx="4"/>
+            </p:cNvCxnSpPr>
+            <p:nvPr/>
+          </p:nvCxnSpPr>
+          <p:spPr>
+            <a:xfrm rot="16200000" flipV="1">
+              <a:off x="2971800" y="1981200"/>
+              <a:ext cx="990600" cy="838200"/>
+            </a:xfrm>
+            <a:prstGeom prst="straightConnector1">
+              <a:avLst/>
+            </a:prstGeom>
+            <a:ln>
+              <a:tailEnd type="arrow"/>
+            </a:ln>
+          </p:spPr>
+          <p:style>
+            <a:lnRef idx="1">
+              <a:schemeClr val="accent1"/>
+            </a:lnRef>
+            <a:fillRef idx="0">
+              <a:schemeClr val="accent1"/>
+            </a:fillRef>
+            <a:effectRef idx="0">
+              <a:schemeClr val="accent1"/>
+            </a:effectRef>
+            <a:fontRef idx="minor">
+              <a:schemeClr val="tx1"/>
+            </a:fontRef>
+          </p:style>
+        </p:cxnSp>
+        <p:cxnSp>
+          <p:nvCxnSpPr>
+            <p:cNvPr id="110" name="Straight Arrow Connector 109"/>
+            <p:cNvCxnSpPr>
+              <a:stCxn id="80" idx="0"/>
+              <a:endCxn id="76" idx="4"/>
+            </p:cNvCxnSpPr>
+            <p:nvPr/>
+          </p:nvCxnSpPr>
+          <p:spPr>
+            <a:xfrm rot="5400000" flipH="1" flipV="1">
+              <a:off x="5219700" y="2095500"/>
+              <a:ext cx="990600" cy="609600"/>
+            </a:xfrm>
+            <a:prstGeom prst="straightConnector1">
+              <a:avLst/>
+            </a:prstGeom>
+            <a:ln>
+              <a:tailEnd type="arrow"/>
+            </a:ln>
+          </p:spPr>
+          <p:style>
+            <a:lnRef idx="1">
+              <a:schemeClr val="accent1"/>
+            </a:lnRef>
+            <a:fillRef idx="0">
+              <a:schemeClr val="accent1"/>
+            </a:fillRef>
+            <a:effectRef idx="0">
+              <a:schemeClr val="accent1"/>
+            </a:effectRef>
+            <a:fontRef idx="minor">
+              <a:schemeClr val="tx1"/>
+            </a:fontRef>
+          </p:style>
+        </p:cxnSp>
+        <p:cxnSp>
+          <p:nvCxnSpPr>
+            <p:cNvPr id="111" name="Straight Arrow Connector 110"/>
+            <p:cNvCxnSpPr>
+              <a:stCxn id="80" idx="0"/>
+              <a:endCxn id="75" idx="5"/>
+            </p:cNvCxnSpPr>
+            <p:nvPr/>
+          </p:nvCxnSpPr>
+          <p:spPr>
+            <a:xfrm rot="16200000" flipV="1">
+              <a:off x="4571440" y="2056839"/>
+              <a:ext cx="1124511" cy="553011"/>
+            </a:xfrm>
+            <a:prstGeom prst="straightConnector1">
+              <a:avLst/>
+            </a:prstGeom>
+            <a:ln>
+              <a:tailEnd type="arrow"/>
+            </a:ln>
+          </p:spPr>
+          <p:style>
+            <a:lnRef idx="1">
+              <a:schemeClr val="accent1"/>
+            </a:lnRef>
+            <a:fillRef idx="0">
+              <a:schemeClr val="accent1"/>
+            </a:fillRef>
+            <a:effectRef idx="0">
+              <a:schemeClr val="accent1"/>
+            </a:effectRef>
+            <a:fontRef idx="minor">
+              <a:schemeClr val="tx1"/>
+            </a:fontRef>
+          </p:style>
+        </p:cxnSp>
+        <p:cxnSp>
+          <p:nvCxnSpPr>
+            <p:cNvPr id="112" name="Straight Arrow Connector 111"/>
+            <p:cNvCxnSpPr>
+              <a:stCxn id="80" idx="0"/>
+              <a:endCxn id="74" idx="5"/>
+            </p:cNvCxnSpPr>
+            <p:nvPr/>
+          </p:nvCxnSpPr>
+          <p:spPr>
+            <a:xfrm rot="16200000" flipV="1">
+              <a:off x="3828490" y="1313889"/>
+              <a:ext cx="1124511" cy="2038911"/>
+            </a:xfrm>
+            <a:prstGeom prst="straightConnector1">
+              <a:avLst/>
+            </a:prstGeom>
+            <a:ln>
+              <a:tailEnd type="arrow"/>
+            </a:ln>
+          </p:spPr>
+          <p:style>
+            <a:lnRef idx="1">
+              <a:schemeClr val="accent1"/>
+            </a:lnRef>
+            <a:fillRef idx="0">
+              <a:schemeClr val="accent1"/>
+            </a:fillRef>
+            <a:effectRef idx="0">
+              <a:schemeClr val="accent1"/>
+            </a:effectRef>
+            <a:fontRef idx="minor">
+              <a:schemeClr val="tx1"/>
+            </a:fontRef>
+          </p:style>
+        </p:cxnSp>
+        <p:cxnSp>
+          <p:nvCxnSpPr>
+            <p:cNvPr id="113" name="Straight Arrow Connector 112"/>
+            <p:cNvCxnSpPr>
+              <a:stCxn id="81" idx="0"/>
+              <a:endCxn id="76" idx="5"/>
+            </p:cNvCxnSpPr>
+            <p:nvPr/>
+          </p:nvCxnSpPr>
+          <p:spPr>
+            <a:xfrm rot="16200000" flipV="1">
+              <a:off x="6076390" y="2037789"/>
+              <a:ext cx="1124511" cy="591111"/>
+            </a:xfrm>
+            <a:prstGeom prst="straightConnector1">
+              <a:avLst/>
+            </a:prstGeom>
+            <a:ln>
+              <a:tailEnd type="arrow"/>
+            </a:ln>
+          </p:spPr>
+          <p:style>
+            <a:lnRef idx="1">
+              <a:schemeClr val="accent1"/>
+            </a:lnRef>
+            <a:fillRef idx="0">
+              <a:schemeClr val="accent1"/>
+            </a:fillRef>
+            <a:effectRef idx="0">
+              <a:schemeClr val="accent1"/>
+            </a:effectRef>
+            <a:fontRef idx="minor">
+              <a:schemeClr val="tx1"/>
+            </a:fontRef>
+          </p:style>
+        </p:cxnSp>
+        <p:cxnSp>
+          <p:nvCxnSpPr>
+            <p:cNvPr id="114" name="Straight Arrow Connector 113"/>
+            <p:cNvCxnSpPr>
+              <a:stCxn id="81" idx="0"/>
+              <a:endCxn id="75" idx="6"/>
+            </p:cNvCxnSpPr>
+            <p:nvPr/>
+          </p:nvCxnSpPr>
+          <p:spPr>
+            <a:xfrm rot="16200000" flipV="1">
+              <a:off x="5238750" y="1200150"/>
+              <a:ext cx="1447800" cy="1943100"/>
+            </a:xfrm>
+            <a:prstGeom prst="straightConnector1">
+              <a:avLst/>
+            </a:prstGeom>
+            <a:ln>
+              <a:tailEnd type="arrow"/>
+            </a:ln>
+          </p:spPr>
+          <p:style>
+            <a:lnRef idx="1">
+              <a:schemeClr val="accent1"/>
+            </a:lnRef>
+            <a:fillRef idx="0">
+              <a:schemeClr val="accent1"/>
+            </a:fillRef>
+            <a:effectRef idx="0">
+              <a:schemeClr val="accent1"/>
+            </a:effectRef>
+            <a:fontRef idx="minor">
+              <a:schemeClr val="tx1"/>
+            </a:fontRef>
+          </p:style>
+        </p:cxnSp>
+        <p:cxnSp>
+          <p:nvCxnSpPr>
+            <p:cNvPr id="115" name="Straight Arrow Connector 114"/>
+            <p:cNvCxnSpPr>
+              <a:stCxn id="81" idx="0"/>
+              <a:endCxn id="74" idx="6"/>
+            </p:cNvCxnSpPr>
+            <p:nvPr/>
+          </p:nvCxnSpPr>
+          <p:spPr>
+            <a:xfrm rot="16200000" flipV="1">
+              <a:off x="4495800" y="457200"/>
+              <a:ext cx="1447800" cy="3429000"/>
+            </a:xfrm>
+            <a:prstGeom prst="straightConnector1">
+              <a:avLst/>
+            </a:prstGeom>
+            <a:ln>
+              <a:tailEnd type="arrow"/>
+            </a:ln>
+          </p:spPr>
+          <p:style>
+            <a:lnRef idx="1">
+              <a:schemeClr val="accent1"/>
+            </a:lnRef>
+            <a:fillRef idx="0">
+              <a:schemeClr val="accent1"/>
+            </a:fillRef>
+            <a:effectRef idx="0">
+              <a:schemeClr val="accent1"/>
+            </a:effectRef>
+            <a:fontRef idx="minor">
+              <a:schemeClr val="tx1"/>
+            </a:fontRef>
+          </p:style>
+        </p:cxnSp>
+        <p:sp>
+          <p:nvSpPr>
+            <p:cNvPr id="116" name="TextBox 115"/>
+            <p:cNvSpPr txBox="1"/>
+            <p:nvPr/>
+          </p:nvSpPr>
+          <p:spPr>
+            <a:xfrm>
+              <a:off x="6781800" y="5029200"/>
+              <a:ext cx="996876" cy="369332"/>
+            </a:xfrm>
+            <a:prstGeom prst="rect">
+              <a:avLst/>
+            </a:prstGeom>
+            <a:noFill/>
+          </p:spPr>
+          <p:txBody>
+            <a:bodyPr wrap="none" rtlCol="0">
+              <a:spAutoFit/>
+            </a:bodyPr>
+            <a:lstStyle/>
+            <a:p>
+              <a:r>
+                <a:rPr lang="en-US" dirty="0" smtClean="0"/>
+                <a:t>Neuron </a:t>
+              </a:r>
+              <a:r>
+                <a:rPr lang="en-US" dirty="0" err="1" smtClean="0"/>
+                <a:t>i</a:t>
+              </a:r>
+              <a:endParaRPr lang="en-US" dirty="0"/>
+            </a:p>
+          </p:txBody>
+        </p:sp>
+        <p:grpSp>
+          <p:nvGrpSpPr>
+            <p:cNvPr id="117" name="Group 116"/>
+            <p:cNvGrpSpPr/>
+            <p:nvPr/>
+          </p:nvGrpSpPr>
+          <p:grpSpPr>
+            <a:xfrm>
+              <a:off x="2649390" y="5867400"/>
+              <a:ext cx="3542022" cy="762000"/>
+              <a:chOff x="2649390" y="5867400"/>
+              <a:chExt cx="3542022" cy="762000"/>
+            </a:xfrm>
+          </p:grpSpPr>
+          <p:sp>
+            <p:nvSpPr>
+              <p:cNvPr id="118" name="TextBox 117"/>
+              <p:cNvSpPr txBox="1"/>
+              <p:nvPr/>
+            </p:nvSpPr>
+            <p:spPr>
+              <a:xfrm>
+                <a:off x="2649390" y="5867400"/>
+                <a:ext cx="474810" cy="369332"/>
+              </a:xfrm>
+              <a:prstGeom prst="rect">
+                <a:avLst/>
+              </a:prstGeom>
+              <a:noFill/>
+            </p:spPr>
+            <p:txBody>
+              <a:bodyPr wrap="none" rtlCol="0">
+                <a:spAutoFit/>
+              </a:bodyPr>
+              <a:lstStyle/>
+              <a:p>
+                <a:r>
+                  <a:rPr lang="en-US" i="1" dirty="0"/>
+                  <a:t>I</a:t>
+                </a:r>
+                <a:r>
+                  <a:rPr lang="en-US" i="1" dirty="0" smtClean="0"/>
+                  <a:t>_1</a:t>
+                </a:r>
+                <a:endParaRPr lang="en-US" i="1" dirty="0"/>
+              </a:p>
+            </p:txBody>
+          </p:sp>
+          <p:sp>
+            <p:nvSpPr>
+              <p:cNvPr id="119" name="TextBox 118"/>
+              <p:cNvSpPr txBox="1"/>
+              <p:nvPr/>
+            </p:nvSpPr>
+            <p:spPr>
+              <a:xfrm>
+                <a:off x="4249590" y="5867400"/>
+                <a:ext cx="474810" cy="369332"/>
+              </a:xfrm>
+              <a:prstGeom prst="rect">
+                <a:avLst/>
+              </a:prstGeom>
+              <a:noFill/>
+            </p:spPr>
+            <p:txBody>
+              <a:bodyPr wrap="none" rtlCol="0">
+                <a:spAutoFit/>
+              </a:bodyPr>
+              <a:lstStyle/>
+              <a:p>
+                <a:r>
+                  <a:rPr lang="en-US" i="1" dirty="0" smtClean="0"/>
+                  <a:t>I_2</a:t>
+                </a:r>
+                <a:endParaRPr lang="en-US" i="1" dirty="0"/>
+              </a:p>
+            </p:txBody>
+          </p:sp>
+          <p:sp>
+            <p:nvSpPr>
+              <p:cNvPr id="120" name="TextBox 119"/>
+              <p:cNvSpPr txBox="1"/>
+              <p:nvPr/>
+            </p:nvSpPr>
+            <p:spPr>
+              <a:xfrm>
+                <a:off x="5715000" y="5867400"/>
+                <a:ext cx="476412" cy="369332"/>
+              </a:xfrm>
+              <a:prstGeom prst="rect">
+                <a:avLst/>
+              </a:prstGeom>
+              <a:noFill/>
+            </p:spPr>
+            <p:txBody>
+              <a:bodyPr wrap="none" rtlCol="0">
+                <a:spAutoFit/>
+              </a:bodyPr>
+              <a:lstStyle/>
+              <a:p>
+                <a:r>
+                  <a:rPr lang="en-US" i="1" dirty="0" err="1" smtClean="0"/>
+                  <a:t>I_n</a:t>
+                </a:r>
+                <a:endParaRPr lang="en-US" i="1" dirty="0"/>
+              </a:p>
+            </p:txBody>
+          </p:sp>
+          <p:sp>
+            <p:nvSpPr>
+              <p:cNvPr id="121" name="TextBox 120"/>
+              <p:cNvSpPr txBox="1"/>
+              <p:nvPr/>
+            </p:nvSpPr>
+            <p:spPr>
+              <a:xfrm>
+                <a:off x="3873190" y="6260068"/>
+                <a:ext cx="1238737" cy="369332"/>
+              </a:xfrm>
+              <a:prstGeom prst="rect">
+                <a:avLst/>
+              </a:prstGeom>
+              <a:noFill/>
+            </p:spPr>
+            <p:txBody>
+              <a:bodyPr wrap="none" rtlCol="0">
+                <a:spAutoFit/>
+              </a:bodyPr>
+              <a:lstStyle/>
+              <a:p>
+                <a:r>
+                  <a:rPr lang="en-US" dirty="0" smtClean="0"/>
+                  <a:t>Input Layer</a:t>
+                </a:r>
+                <a:endParaRPr lang="en-US" dirty="0"/>
+              </a:p>
+            </p:txBody>
+          </p:sp>
+        </p:grpSp>
+        <p:grpSp>
+          <p:nvGrpSpPr>
+            <p:cNvPr id="122" name="Group 121"/>
+            <p:cNvGrpSpPr/>
+            <p:nvPr/>
+          </p:nvGrpSpPr>
+          <p:grpSpPr>
+            <a:xfrm>
+              <a:off x="2133600" y="152400"/>
+              <a:ext cx="5372658" cy="369332"/>
+              <a:chOff x="2133600" y="152400"/>
+              <a:chExt cx="5372658" cy="369332"/>
+            </a:xfrm>
+          </p:grpSpPr>
+          <p:sp>
+            <p:nvSpPr>
+              <p:cNvPr id="123" name="TextBox 122"/>
+              <p:cNvSpPr txBox="1"/>
+              <p:nvPr/>
+            </p:nvSpPr>
+            <p:spPr>
+              <a:xfrm>
+                <a:off x="2133600" y="152400"/>
+                <a:ext cx="569387" cy="369332"/>
+              </a:xfrm>
+              <a:prstGeom prst="rect">
+                <a:avLst/>
+              </a:prstGeom>
+              <a:noFill/>
+            </p:spPr>
+            <p:txBody>
+              <a:bodyPr wrap="none" rtlCol="0">
+                <a:spAutoFit/>
+              </a:bodyPr>
+              <a:lstStyle/>
+              <a:p>
+                <a:r>
+                  <a:rPr lang="en-US" i="1" dirty="0" smtClean="0"/>
+                  <a:t>O_1</a:t>
+                </a:r>
+                <a:endParaRPr lang="en-US" i="1" dirty="0"/>
+              </a:p>
+            </p:txBody>
+          </p:sp>
+          <p:sp>
+            <p:nvSpPr>
+              <p:cNvPr id="124" name="TextBox 123"/>
+              <p:cNvSpPr txBox="1"/>
+              <p:nvPr/>
+            </p:nvSpPr>
+            <p:spPr>
+              <a:xfrm>
+                <a:off x="3581400" y="152400"/>
+                <a:ext cx="569387" cy="369332"/>
+              </a:xfrm>
+              <a:prstGeom prst="rect">
+                <a:avLst/>
+              </a:prstGeom>
+              <a:noFill/>
+            </p:spPr>
+            <p:txBody>
+              <a:bodyPr wrap="none" rtlCol="0">
+                <a:spAutoFit/>
+              </a:bodyPr>
+              <a:lstStyle/>
+              <a:p>
+                <a:r>
+                  <a:rPr lang="en-US" i="1" dirty="0" smtClean="0"/>
+                  <a:t>O_2</a:t>
+                </a:r>
+                <a:endParaRPr lang="en-US" i="1" dirty="0"/>
+              </a:p>
+            </p:txBody>
+          </p:sp>
+          <p:sp>
+            <p:nvSpPr>
+              <p:cNvPr id="125" name="TextBox 124"/>
+              <p:cNvSpPr txBox="1"/>
+              <p:nvPr/>
+            </p:nvSpPr>
+            <p:spPr>
+              <a:xfrm>
+                <a:off x="5181600" y="152400"/>
+                <a:ext cx="569387" cy="369332"/>
+              </a:xfrm>
+              <a:prstGeom prst="rect">
+                <a:avLst/>
+              </a:prstGeom>
+              <a:noFill/>
+            </p:spPr>
+            <p:txBody>
+              <a:bodyPr wrap="none" rtlCol="0">
+                <a:spAutoFit/>
+              </a:bodyPr>
+              <a:lstStyle/>
+              <a:p>
+                <a:r>
+                  <a:rPr lang="en-US" i="1" dirty="0" err="1" smtClean="0"/>
+                  <a:t>O_n</a:t>
+                </a:r>
+                <a:endParaRPr lang="en-US" i="1" dirty="0"/>
+              </a:p>
+            </p:txBody>
+          </p:sp>
+          <p:sp>
+            <p:nvSpPr>
+              <p:cNvPr id="126" name="TextBox 125"/>
+              <p:cNvSpPr txBox="1"/>
+              <p:nvPr/>
+            </p:nvSpPr>
+            <p:spPr>
+              <a:xfrm>
+                <a:off x="6096000" y="152400"/>
+                <a:ext cx="1410258" cy="369332"/>
+              </a:xfrm>
+              <a:prstGeom prst="rect">
+                <a:avLst/>
+              </a:prstGeom>
+              <a:noFill/>
+            </p:spPr>
+            <p:txBody>
+              <a:bodyPr wrap="none" rtlCol="0">
+                <a:spAutoFit/>
+              </a:bodyPr>
+              <a:lstStyle/>
+              <a:p>
+                <a:r>
+                  <a:rPr lang="en-US" dirty="0" smtClean="0"/>
+                  <a:t>Output Layer</a:t>
+                </a:r>
+                <a:endParaRPr lang="en-US" dirty="0"/>
+              </a:p>
+            </p:txBody>
+          </p:sp>
+        </p:grpSp>
+        <p:pic>
+          <p:nvPicPr>
+            <p:cNvPr id="127" name="Picture 3"/>
+            <p:cNvPicPr>
+              <a:picLocks noChangeAspect="1" noChangeArrowheads="1"/>
+            </p:cNvPicPr>
+            <p:nvPr/>
+          </p:nvPicPr>
+          <p:blipFill>
+            <a:blip r:embed="rId2" cstate="print"/>
+            <a:srcRect/>
+            <a:stretch>
+              <a:fillRect/>
+            </a:stretch>
+          </p:blipFill>
+          <p:spPr bwMode="auto">
+            <a:xfrm>
+              <a:off x="7086600" y="4065752"/>
+              <a:ext cx="609600" cy="353848"/>
+            </a:xfrm>
+            <a:prstGeom prst="rect">
+              <a:avLst/>
+            </a:prstGeom>
+            <a:noFill/>
+            <a:ln w="9525">
+              <a:noFill/>
+              <a:miter lim="800000"/>
+              <a:headEnd/>
+              <a:tailEnd/>
+            </a:ln>
+            <a:effectLst/>
+          </p:spPr>
+        </p:pic>
+        <p:sp>
+          <p:nvSpPr>
+            <p:cNvPr id="128" name="TextBox 127"/>
+            <p:cNvSpPr txBox="1"/>
+            <p:nvPr/>
+          </p:nvSpPr>
+          <p:spPr>
+            <a:xfrm>
+              <a:off x="252020" y="468868"/>
+              <a:ext cx="1957780" cy="369332"/>
+            </a:xfrm>
+            <a:prstGeom prst="rect">
+              <a:avLst/>
+            </a:prstGeom>
+            <a:noFill/>
+          </p:spPr>
+          <p:txBody>
+            <a:bodyPr wrap="none" rtlCol="0">
+              <a:spAutoFit/>
+            </a:bodyPr>
+            <a:lstStyle/>
+            <a:p>
+              <a:r>
+                <a:rPr lang="en-CA" dirty="0" smtClean="0"/>
+                <a:t>Time is </a:t>
+              </a:r>
+              <a:r>
+                <a:rPr lang="en-CA" dirty="0" err="1" smtClean="0"/>
+                <a:t>discretized</a:t>
+              </a:r>
+              <a:endParaRPr lang="en-CA" dirty="0"/>
+            </a:p>
+          </p:txBody>
+        </p:sp>
+        <p:sp>
+          <p:nvSpPr>
+            <p:cNvPr id="129" name="TextBox 128"/>
+            <p:cNvSpPr txBox="1"/>
+            <p:nvPr/>
+          </p:nvSpPr>
+          <p:spPr>
+            <a:xfrm>
+              <a:off x="8542438" y="4964668"/>
+              <a:ext cx="449162" cy="369332"/>
+            </a:xfrm>
+            <a:prstGeom prst="rect">
+              <a:avLst/>
+            </a:prstGeom>
+            <a:noFill/>
+          </p:spPr>
+          <p:txBody>
+            <a:bodyPr wrap="none" rtlCol="0">
+              <a:spAutoFit/>
+            </a:bodyPr>
+            <a:lstStyle/>
+            <a:p>
+              <a:r>
+                <a:rPr lang="en-CA" dirty="0" smtClean="0"/>
+                <a:t>t-2</a:t>
+              </a:r>
+              <a:endParaRPr lang="en-CA" dirty="0"/>
+            </a:p>
+          </p:txBody>
+        </p:sp>
+        <p:sp>
+          <p:nvSpPr>
+            <p:cNvPr id="130" name="TextBox 129"/>
+            <p:cNvSpPr txBox="1"/>
+            <p:nvPr/>
+          </p:nvSpPr>
+          <p:spPr>
+            <a:xfrm>
+              <a:off x="8636214" y="1219200"/>
+              <a:ext cx="261610" cy="369332"/>
+            </a:xfrm>
+            <a:prstGeom prst="rect">
+              <a:avLst/>
+            </a:prstGeom>
+            <a:noFill/>
+          </p:spPr>
+          <p:txBody>
+            <a:bodyPr wrap="none" rtlCol="0">
+              <a:spAutoFit/>
+            </a:bodyPr>
+            <a:lstStyle/>
+            <a:p>
+              <a:r>
+                <a:rPr lang="en-CA" dirty="0" smtClean="0"/>
+                <a:t>t</a:t>
+              </a:r>
+              <a:endParaRPr lang="en-CA" dirty="0"/>
+            </a:p>
+          </p:txBody>
+        </p:sp>
+        <p:sp>
+          <p:nvSpPr>
+            <p:cNvPr id="131" name="TextBox 130"/>
+            <p:cNvSpPr txBox="1"/>
+            <p:nvPr/>
+          </p:nvSpPr>
+          <p:spPr>
+            <a:xfrm>
+              <a:off x="8524805" y="2971800"/>
+              <a:ext cx="449162" cy="369332"/>
+            </a:xfrm>
+            <a:prstGeom prst="rect">
+              <a:avLst/>
+            </a:prstGeom>
+            <a:noFill/>
+          </p:spPr>
+          <p:txBody>
+            <a:bodyPr wrap="none" rtlCol="0">
+              <a:spAutoFit/>
+            </a:bodyPr>
+            <a:lstStyle/>
+            <a:p>
+              <a:r>
+                <a:rPr lang="en-CA" dirty="0" smtClean="0"/>
+                <a:t>t-1</a:t>
+              </a:r>
+              <a:endParaRPr lang="en-CA" dirty="0"/>
+            </a:p>
+          </p:txBody>
+        </p:sp>
+      </p:grpSp>
+    </p:spTree>
+  </p:cSld>
+  <p:clrMapOvr>
+    <a:masterClrMapping/>
+  </p:clrMapOvr>
+  <p:timing>
+    <p:tnLst>
+      <p:par>
+        <p:cTn id="1" dur="indefinite" restart="never" nodeType="tmRoot"/>
+      </p:par>
+    </p:tnLst>
+  </p:timing>
+</p:sld>
+</file>
+
 <file path=ppt/slides/slide2.xml><?xml version="1.0" encoding="utf-8"?>
 <p:sld xmlns:a="http://schemas.openxmlformats.org/drawingml/2006/main" xmlns:r="http://schemas.openxmlformats.org/officeDocument/2006/relationships" xmlns:p="http://schemas.openxmlformats.org/presentationml/2006/main">
   <p:cSld>
@@ -7530,9 +12046,261 @@
   <p:timing>
     <p:tnLst>
       <p:par>
-        <p:cTn id="1" dur="indefinite" restart="never" nodeType="tmRoot"/>
+        <p:cTn id="1" dur="indefinite" restart="never" nodeType="tmRoot">
+          <p:childTnLst>
+            <p:seq concurrent="1" nextAc="seek">
+              <p:cTn id="2" dur="indefinite" nodeType="mainSeq">
+                <p:childTnLst>
+                  <p:par>
+                    <p:cTn id="3" fill="hold">
+                      <p:stCondLst>
+                        <p:cond delay="indefinite"/>
+                      </p:stCondLst>
+                      <p:childTnLst>
+                        <p:par>
+                          <p:cTn id="4" fill="hold">
+                            <p:stCondLst>
+                              <p:cond delay="0"/>
+                            </p:stCondLst>
+                            <p:childTnLst>
+                              <p:par>
+                                <p:cTn id="5" presetID="9" presetClass="entr" presetSubtype="0" fill="hold" grpId="0" nodeType="clickEffect">
+                                  <p:stCondLst>
+                                    <p:cond delay="0"/>
+                                  </p:stCondLst>
+                                  <p:childTnLst>
+                                    <p:set>
+                                      <p:cBhvr>
+                                        <p:cTn id="6" dur="1" fill="hold">
+                                          <p:stCondLst>
+                                            <p:cond delay="0"/>
+                                          </p:stCondLst>
+                                        </p:cTn>
+                                        <p:tgtEl>
+                                          <p:spTgt spid="3">
+                                            <p:txEl>
+                                              <p:pRg st="0" end="0"/>
+                                            </p:txEl>
+                                          </p:spTgt>
+                                        </p:tgtEl>
+                                        <p:attrNameLst>
+                                          <p:attrName>style.visibility</p:attrName>
+                                        </p:attrNameLst>
+                                      </p:cBhvr>
+                                      <p:to>
+                                        <p:strVal val="visible"/>
+                                      </p:to>
+                                    </p:set>
+                                    <p:animEffect transition="in" filter="dissolve">
+                                      <p:cBhvr>
+                                        <p:cTn id="7" dur="500"/>
+                                        <p:tgtEl>
+                                          <p:spTgt spid="3">
+                                            <p:txEl>
+                                              <p:pRg st="0" end="0"/>
+                                            </p:txEl>
+                                          </p:spTgt>
+                                        </p:tgtEl>
+                                      </p:cBhvr>
+                                    </p:animEffect>
+                                  </p:childTnLst>
+                                </p:cTn>
+                              </p:par>
+                              <p:par>
+                                <p:cTn id="8" presetID="9" presetClass="entr" presetSubtype="0" fill="hold" grpId="0" nodeType="withEffect">
+                                  <p:stCondLst>
+                                    <p:cond delay="0"/>
+                                  </p:stCondLst>
+                                  <p:childTnLst>
+                                    <p:set>
+                                      <p:cBhvr>
+                                        <p:cTn id="9" dur="1" fill="hold">
+                                          <p:stCondLst>
+                                            <p:cond delay="0"/>
+                                          </p:stCondLst>
+                                        </p:cTn>
+                                        <p:tgtEl>
+                                          <p:spTgt spid="3">
+                                            <p:txEl>
+                                              <p:pRg st="1" end="1"/>
+                                            </p:txEl>
+                                          </p:spTgt>
+                                        </p:tgtEl>
+                                        <p:attrNameLst>
+                                          <p:attrName>style.visibility</p:attrName>
+                                        </p:attrNameLst>
+                                      </p:cBhvr>
+                                      <p:to>
+                                        <p:strVal val="visible"/>
+                                      </p:to>
+                                    </p:set>
+                                    <p:animEffect transition="in" filter="dissolve">
+                                      <p:cBhvr>
+                                        <p:cTn id="10" dur="500"/>
+                                        <p:tgtEl>
+                                          <p:spTgt spid="3">
+                                            <p:txEl>
+                                              <p:pRg st="1" end="1"/>
+                                            </p:txEl>
+                                          </p:spTgt>
+                                        </p:tgtEl>
+                                      </p:cBhvr>
+                                    </p:animEffect>
+                                  </p:childTnLst>
+                                </p:cTn>
+                              </p:par>
+                            </p:childTnLst>
+                          </p:cTn>
+                        </p:par>
+                      </p:childTnLst>
+                    </p:cTn>
+                  </p:par>
+                  <p:par>
+                    <p:cTn id="11" fill="hold">
+                      <p:stCondLst>
+                        <p:cond delay="indefinite"/>
+                      </p:stCondLst>
+                      <p:childTnLst>
+                        <p:par>
+                          <p:cTn id="12" fill="hold">
+                            <p:stCondLst>
+                              <p:cond delay="0"/>
+                            </p:stCondLst>
+                            <p:childTnLst>
+                              <p:par>
+                                <p:cTn id="13" presetID="9" presetClass="entr" presetSubtype="0" fill="hold" grpId="0" nodeType="clickEffect">
+                                  <p:stCondLst>
+                                    <p:cond delay="0"/>
+                                  </p:stCondLst>
+                                  <p:childTnLst>
+                                    <p:set>
+                                      <p:cBhvr>
+                                        <p:cTn id="14" dur="1" fill="hold">
+                                          <p:stCondLst>
+                                            <p:cond delay="0"/>
+                                          </p:stCondLst>
+                                        </p:cTn>
+                                        <p:tgtEl>
+                                          <p:spTgt spid="3">
+                                            <p:txEl>
+                                              <p:pRg st="2" end="2"/>
+                                            </p:txEl>
+                                          </p:spTgt>
+                                        </p:tgtEl>
+                                        <p:attrNameLst>
+                                          <p:attrName>style.visibility</p:attrName>
+                                        </p:attrNameLst>
+                                      </p:cBhvr>
+                                      <p:to>
+                                        <p:strVal val="visible"/>
+                                      </p:to>
+                                    </p:set>
+                                    <p:animEffect transition="in" filter="dissolve">
+                                      <p:cBhvr>
+                                        <p:cTn id="15" dur="500"/>
+                                        <p:tgtEl>
+                                          <p:spTgt spid="3">
+                                            <p:txEl>
+                                              <p:pRg st="2" end="2"/>
+                                            </p:txEl>
+                                          </p:spTgt>
+                                        </p:tgtEl>
+                                      </p:cBhvr>
+                                    </p:animEffect>
+                                  </p:childTnLst>
+                                </p:cTn>
+                              </p:par>
+                            </p:childTnLst>
+                          </p:cTn>
+                        </p:par>
+                      </p:childTnLst>
+                    </p:cTn>
+                  </p:par>
+                  <p:par>
+                    <p:cTn id="16" fill="hold">
+                      <p:stCondLst>
+                        <p:cond delay="indefinite"/>
+                      </p:stCondLst>
+                      <p:childTnLst>
+                        <p:par>
+                          <p:cTn id="17" fill="hold">
+                            <p:stCondLst>
+                              <p:cond delay="0"/>
+                            </p:stCondLst>
+                            <p:childTnLst>
+                              <p:par>
+                                <p:cTn id="18" presetID="9" presetClass="entr" presetSubtype="0" fill="hold" grpId="0" nodeType="clickEffect">
+                                  <p:stCondLst>
+                                    <p:cond delay="0"/>
+                                  </p:stCondLst>
+                                  <p:childTnLst>
+                                    <p:set>
+                                      <p:cBhvr>
+                                        <p:cTn id="19" dur="1" fill="hold">
+                                          <p:stCondLst>
+                                            <p:cond delay="0"/>
+                                          </p:stCondLst>
+                                        </p:cTn>
+                                        <p:tgtEl>
+                                          <p:spTgt spid="3">
+                                            <p:txEl>
+                                              <p:pRg st="3" end="3"/>
+                                            </p:txEl>
+                                          </p:spTgt>
+                                        </p:tgtEl>
+                                        <p:attrNameLst>
+                                          <p:attrName>style.visibility</p:attrName>
+                                        </p:attrNameLst>
+                                      </p:cBhvr>
+                                      <p:to>
+                                        <p:strVal val="visible"/>
+                                      </p:to>
+                                    </p:set>
+                                    <p:animEffect transition="in" filter="dissolve">
+                                      <p:cBhvr>
+                                        <p:cTn id="20" dur="500"/>
+                                        <p:tgtEl>
+                                          <p:spTgt spid="3">
+                                            <p:txEl>
+                                              <p:pRg st="3" end="3"/>
+                                            </p:txEl>
+                                          </p:spTgt>
+                                        </p:tgtEl>
+                                      </p:cBhvr>
+                                    </p:animEffect>
+                                  </p:childTnLst>
+                                </p:cTn>
+                              </p:par>
+                            </p:childTnLst>
+                          </p:cTn>
+                        </p:par>
+                      </p:childTnLst>
+                    </p:cTn>
+                  </p:par>
+                </p:childTnLst>
+              </p:cTn>
+              <p:prevCondLst>
+                <p:cond evt="onPrev" delay="0">
+                  <p:tgtEl>
+                    <p:sldTgt/>
+                  </p:tgtEl>
+                </p:cond>
+              </p:prevCondLst>
+              <p:nextCondLst>
+                <p:cond evt="onNext" delay="0">
+                  <p:tgtEl>
+                    <p:sldTgt/>
+                  </p:tgtEl>
+                </p:cond>
+              </p:nextCondLst>
+            </p:seq>
+          </p:childTnLst>
+        </p:cTn>
       </p:par>
     </p:tnLst>
+    <p:bldLst>
+      <p:bldP spid="3" grpId="0" build="p"/>
+    </p:bldLst>
   </p:timing>
 </p:sld>
 </file>
@@ -7629,9 +12397,243 @@
   <p:timing>
     <p:tnLst>
       <p:par>
-        <p:cTn id="1" dur="indefinite" restart="never" nodeType="tmRoot"/>
+        <p:cTn id="1" dur="indefinite" restart="never" nodeType="tmRoot">
+          <p:childTnLst>
+            <p:seq concurrent="1" nextAc="seek">
+              <p:cTn id="2" dur="indefinite" nodeType="mainSeq">
+                <p:childTnLst>
+                  <p:par>
+                    <p:cTn id="3" fill="hold">
+                      <p:stCondLst>
+                        <p:cond delay="indefinite"/>
+                      </p:stCondLst>
+                      <p:childTnLst>
+                        <p:par>
+                          <p:cTn id="4" fill="hold">
+                            <p:stCondLst>
+                              <p:cond delay="0"/>
+                            </p:stCondLst>
+                            <p:childTnLst>
+                              <p:par>
+                                <p:cTn id="5" presetID="3" presetClass="entr" presetSubtype="10" fill="hold" grpId="0" nodeType="clickEffect">
+                                  <p:stCondLst>
+                                    <p:cond delay="0"/>
+                                  </p:stCondLst>
+                                  <p:childTnLst>
+                                    <p:set>
+                                      <p:cBhvr>
+                                        <p:cTn id="6" dur="1" fill="hold">
+                                          <p:stCondLst>
+                                            <p:cond delay="0"/>
+                                          </p:stCondLst>
+                                        </p:cTn>
+                                        <p:tgtEl>
+                                          <p:spTgt spid="3">
+                                            <p:txEl>
+                                              <p:pRg st="0" end="0"/>
+                                            </p:txEl>
+                                          </p:spTgt>
+                                        </p:tgtEl>
+                                        <p:attrNameLst>
+                                          <p:attrName>style.visibility</p:attrName>
+                                        </p:attrNameLst>
+                                      </p:cBhvr>
+                                      <p:to>
+                                        <p:strVal val="visible"/>
+                                      </p:to>
+                                    </p:set>
+                                    <p:animEffect transition="in" filter="blinds(horizontal)">
+                                      <p:cBhvr>
+                                        <p:cTn id="7" dur="500"/>
+                                        <p:tgtEl>
+                                          <p:spTgt spid="3">
+                                            <p:txEl>
+                                              <p:pRg st="0" end="0"/>
+                                            </p:txEl>
+                                          </p:spTgt>
+                                        </p:tgtEl>
+                                      </p:cBhvr>
+                                    </p:animEffect>
+                                  </p:childTnLst>
+                                </p:cTn>
+                              </p:par>
+                            </p:childTnLst>
+                          </p:cTn>
+                        </p:par>
+                      </p:childTnLst>
+                    </p:cTn>
+                  </p:par>
+                  <p:par>
+                    <p:cTn id="8" fill="hold">
+                      <p:stCondLst>
+                        <p:cond delay="indefinite"/>
+                      </p:stCondLst>
+                      <p:childTnLst>
+                        <p:par>
+                          <p:cTn id="9" fill="hold">
+                            <p:stCondLst>
+                              <p:cond delay="0"/>
+                            </p:stCondLst>
+                            <p:childTnLst>
+                              <p:par>
+                                <p:cTn id="10" presetID="3" presetClass="entr" presetSubtype="10" fill="hold" grpId="0" nodeType="clickEffect">
+                                  <p:stCondLst>
+                                    <p:cond delay="0"/>
+                                  </p:stCondLst>
+                                  <p:childTnLst>
+                                    <p:set>
+                                      <p:cBhvr>
+                                        <p:cTn id="11" dur="1" fill="hold">
+                                          <p:stCondLst>
+                                            <p:cond delay="0"/>
+                                          </p:stCondLst>
+                                        </p:cTn>
+                                        <p:tgtEl>
+                                          <p:spTgt spid="3">
+                                            <p:txEl>
+                                              <p:pRg st="1" end="1"/>
+                                            </p:txEl>
+                                          </p:spTgt>
+                                        </p:tgtEl>
+                                        <p:attrNameLst>
+                                          <p:attrName>style.visibility</p:attrName>
+                                        </p:attrNameLst>
+                                      </p:cBhvr>
+                                      <p:to>
+                                        <p:strVal val="visible"/>
+                                      </p:to>
+                                    </p:set>
+                                    <p:animEffect transition="in" filter="blinds(horizontal)">
+                                      <p:cBhvr>
+                                        <p:cTn id="12" dur="500"/>
+                                        <p:tgtEl>
+                                          <p:spTgt spid="3">
+                                            <p:txEl>
+                                              <p:pRg st="1" end="1"/>
+                                            </p:txEl>
+                                          </p:spTgt>
+                                        </p:tgtEl>
+                                      </p:cBhvr>
+                                    </p:animEffect>
+                                  </p:childTnLst>
+                                </p:cTn>
+                              </p:par>
+                              <p:par>
+                                <p:cTn id="13" presetID="3" presetClass="entr" presetSubtype="10" fill="hold" grpId="0" nodeType="withEffect">
+                                  <p:stCondLst>
+                                    <p:cond delay="0"/>
+                                  </p:stCondLst>
+                                  <p:childTnLst>
+                                    <p:set>
+                                      <p:cBhvr>
+                                        <p:cTn id="14" dur="1" fill="hold">
+                                          <p:stCondLst>
+                                            <p:cond delay="0"/>
+                                          </p:stCondLst>
+                                        </p:cTn>
+                                        <p:tgtEl>
+                                          <p:spTgt spid="3">
+                                            <p:txEl>
+                                              <p:pRg st="2" end="2"/>
+                                            </p:txEl>
+                                          </p:spTgt>
+                                        </p:tgtEl>
+                                        <p:attrNameLst>
+                                          <p:attrName>style.visibility</p:attrName>
+                                        </p:attrNameLst>
+                                      </p:cBhvr>
+                                      <p:to>
+                                        <p:strVal val="visible"/>
+                                      </p:to>
+                                    </p:set>
+                                    <p:animEffect transition="in" filter="blinds(horizontal)">
+                                      <p:cBhvr>
+                                        <p:cTn id="15" dur="500"/>
+                                        <p:tgtEl>
+                                          <p:spTgt spid="3">
+                                            <p:txEl>
+                                              <p:pRg st="2" end="2"/>
+                                            </p:txEl>
+                                          </p:spTgt>
+                                        </p:tgtEl>
+                                      </p:cBhvr>
+                                    </p:animEffect>
+                                  </p:childTnLst>
+                                </p:cTn>
+                              </p:par>
+                              <p:par>
+                                <p:cTn id="16" presetID="3" presetClass="entr" presetSubtype="10" fill="hold" grpId="0" nodeType="withEffect">
+                                  <p:stCondLst>
+                                    <p:cond delay="0"/>
+                                  </p:stCondLst>
+                                  <p:childTnLst>
+                                    <p:set>
+                                      <p:cBhvr>
+                                        <p:cTn id="17" dur="1" fill="hold">
+                                          <p:stCondLst>
+                                            <p:cond delay="0"/>
+                                          </p:stCondLst>
+                                        </p:cTn>
+                                        <p:tgtEl>
+                                          <p:spTgt spid="3">
+                                            <p:txEl>
+                                              <p:pRg st="3" end="3"/>
+                                            </p:txEl>
+                                          </p:spTgt>
+                                        </p:tgtEl>
+                                        <p:attrNameLst>
+                                          <p:attrName>style.visibility</p:attrName>
+                                        </p:attrNameLst>
+                                      </p:cBhvr>
+                                      <p:to>
+                                        <p:strVal val="visible"/>
+                                      </p:to>
+                                    </p:set>
+                                    <p:animEffect transition="in" filter="blinds(horizontal)">
+                                      <p:cBhvr>
+                                        <p:cTn id="18" dur="500"/>
+                                        <p:tgtEl>
+                                          <p:spTgt spid="3">
+                                            <p:txEl>
+                                              <p:pRg st="3" end="3"/>
+                                            </p:txEl>
+                                          </p:spTgt>
+                                        </p:tgtEl>
+                                      </p:cBhvr>
+                                    </p:animEffect>
+                                  </p:childTnLst>
+                                </p:cTn>
+                              </p:par>
+                            </p:childTnLst>
+                          </p:cTn>
+                        </p:par>
+                      </p:childTnLst>
+                    </p:cTn>
+                  </p:par>
+                </p:childTnLst>
+              </p:cTn>
+              <p:prevCondLst>
+                <p:cond evt="onPrev" delay="0">
+                  <p:tgtEl>
+                    <p:sldTgt/>
+                  </p:tgtEl>
+                </p:cond>
+              </p:prevCondLst>
+              <p:nextCondLst>
+                <p:cond evt="onNext" delay="0">
+                  <p:tgtEl>
+                    <p:sldTgt/>
+                  </p:tgtEl>
+                </p:cond>
+              </p:nextCondLst>
+            </p:seq>
+          </p:childTnLst>
+        </p:cTn>
       </p:par>
     </p:tnLst>
+    <p:bldLst>
+      <p:bldP spid="3" grpId="0" build="p"/>
+    </p:bldLst>
   </p:timing>
 </p:sld>
 </file>
@@ -9680,6 +14682,130 @@
           <a:effectLst/>
         </p:spPr>
       </p:pic>
+      <p:sp>
+        <p:nvSpPr>
+          <p:cNvPr id="62" name="TextBox 61"/>
+          <p:cNvSpPr txBox="1"/>
+          <p:nvPr/>
+        </p:nvSpPr>
+        <p:spPr>
+          <a:xfrm>
+            <a:off x="252020" y="468868"/>
+            <a:ext cx="1957780" cy="369332"/>
+          </a:xfrm>
+          <a:prstGeom prst="rect">
+            <a:avLst/>
+          </a:prstGeom>
+          <a:noFill/>
+        </p:spPr>
+        <p:txBody>
+          <a:bodyPr wrap="none" rtlCol="0">
+            <a:spAutoFit/>
+          </a:bodyPr>
+          <a:lstStyle/>
+          <a:p>
+            <a:r>
+              <a:rPr lang="en-CA" dirty="0" smtClean="0"/>
+              <a:t>Time is </a:t>
+            </a:r>
+            <a:r>
+              <a:rPr lang="en-CA" dirty="0" err="1" smtClean="0"/>
+              <a:t>discretized</a:t>
+            </a:r>
+            <a:endParaRPr lang="en-CA" dirty="0"/>
+          </a:p>
+        </p:txBody>
+      </p:sp>
+      <p:sp>
+        <p:nvSpPr>
+          <p:cNvPr id="63" name="TextBox 62"/>
+          <p:cNvSpPr txBox="1"/>
+          <p:nvPr/>
+        </p:nvSpPr>
+        <p:spPr>
+          <a:xfrm>
+            <a:off x="8542438" y="4964668"/>
+            <a:ext cx="449162" cy="369332"/>
+          </a:xfrm>
+          <a:prstGeom prst="rect">
+            <a:avLst/>
+          </a:prstGeom>
+          <a:noFill/>
+        </p:spPr>
+        <p:txBody>
+          <a:bodyPr wrap="none" rtlCol="0">
+            <a:spAutoFit/>
+          </a:bodyPr>
+          <a:lstStyle/>
+          <a:p>
+            <a:r>
+              <a:rPr lang="en-CA" dirty="0" smtClean="0"/>
+              <a:t>t-2</a:t>
+            </a:r>
+            <a:endParaRPr lang="en-CA" dirty="0"/>
+          </a:p>
+        </p:txBody>
+      </p:sp>
+      <p:sp>
+        <p:nvSpPr>
+          <p:cNvPr id="64" name="TextBox 63"/>
+          <p:cNvSpPr txBox="1"/>
+          <p:nvPr/>
+        </p:nvSpPr>
+        <p:spPr>
+          <a:xfrm>
+            <a:off x="8636214" y="1219200"/>
+            <a:ext cx="261610" cy="369332"/>
+          </a:xfrm>
+          <a:prstGeom prst="rect">
+            <a:avLst/>
+          </a:prstGeom>
+          <a:noFill/>
+        </p:spPr>
+        <p:txBody>
+          <a:bodyPr wrap="none" rtlCol="0">
+            <a:spAutoFit/>
+          </a:bodyPr>
+          <a:lstStyle/>
+          <a:p>
+            <a:r>
+              <a:rPr lang="en-CA" dirty="0" smtClean="0"/>
+              <a:t>t</a:t>
+            </a:r>
+            <a:endParaRPr lang="en-CA" dirty="0"/>
+          </a:p>
+        </p:txBody>
+      </p:sp>
+      <p:sp>
+        <p:nvSpPr>
+          <p:cNvPr id="65" name="TextBox 64"/>
+          <p:cNvSpPr txBox="1"/>
+          <p:nvPr/>
+        </p:nvSpPr>
+        <p:spPr>
+          <a:xfrm>
+            <a:off x="8524805" y="2971800"/>
+            <a:ext cx="449162" cy="369332"/>
+          </a:xfrm>
+          <a:prstGeom prst="rect">
+            <a:avLst/>
+          </a:prstGeom>
+          <a:noFill/>
+        </p:spPr>
+        <p:txBody>
+          <a:bodyPr wrap="none" rtlCol="0">
+            <a:spAutoFit/>
+          </a:bodyPr>
+          <a:lstStyle/>
+          <a:p>
+            <a:r>
+              <a:rPr lang="en-CA" dirty="0" smtClean="0"/>
+              <a:t>t-1</a:t>
+            </a:r>
+            <a:endParaRPr lang="en-CA" dirty="0"/>
+          </a:p>
+        </p:txBody>
+      </p:sp>
     </p:spTree>
   </p:cSld>
   <p:clrMapOvr>
@@ -9958,6 +15084,164 @@
                       </p:childTnLst>
                     </p:cTn>
                   </p:par>
+                  <p:par>
+                    <p:cTn id="28" fill="hold">
+                      <p:stCondLst>
+                        <p:cond delay="indefinite"/>
+                      </p:stCondLst>
+                      <p:childTnLst>
+                        <p:par>
+                          <p:cTn id="29" fill="hold">
+                            <p:stCondLst>
+                              <p:cond delay="0"/>
+                            </p:stCondLst>
+                            <p:childTnLst>
+                              <p:par>
+                                <p:cTn id="30" presetID="9" presetClass="entr" presetSubtype="0" fill="hold" grpId="0" nodeType="clickEffect">
+                                  <p:stCondLst>
+                                    <p:cond delay="0"/>
+                                  </p:stCondLst>
+                                  <p:childTnLst>
+                                    <p:set>
+                                      <p:cBhvr>
+                                        <p:cTn id="31" dur="1" fill="hold">
+                                          <p:stCondLst>
+                                            <p:cond delay="0"/>
+                                          </p:stCondLst>
+                                        </p:cTn>
+                                        <p:tgtEl>
+                                          <p:spTgt spid="62"/>
+                                        </p:tgtEl>
+                                        <p:attrNameLst>
+                                          <p:attrName>style.visibility</p:attrName>
+                                        </p:attrNameLst>
+                                      </p:cBhvr>
+                                      <p:to>
+                                        <p:strVal val="visible"/>
+                                      </p:to>
+                                    </p:set>
+                                    <p:animEffect transition="in" filter="dissolve">
+                                      <p:cBhvr>
+                                        <p:cTn id="32" dur="500"/>
+                                        <p:tgtEl>
+                                          <p:spTgt spid="62"/>
+                                        </p:tgtEl>
+                                      </p:cBhvr>
+                                    </p:animEffect>
+                                  </p:childTnLst>
+                                </p:cTn>
+                              </p:par>
+                              <p:par>
+                                <p:cTn id="33" presetID="9" presetClass="entr" presetSubtype="0" fill="hold" grpId="0" nodeType="withEffect">
+                                  <p:stCondLst>
+                                    <p:cond delay="0"/>
+                                  </p:stCondLst>
+                                  <p:childTnLst>
+                                    <p:set>
+                                      <p:cBhvr>
+                                        <p:cTn id="34" dur="1" fill="hold">
+                                          <p:stCondLst>
+                                            <p:cond delay="0"/>
+                                          </p:stCondLst>
+                                        </p:cTn>
+                                        <p:tgtEl>
+                                          <p:spTgt spid="63"/>
+                                        </p:tgtEl>
+                                        <p:attrNameLst>
+                                          <p:attrName>style.visibility</p:attrName>
+                                        </p:attrNameLst>
+                                      </p:cBhvr>
+                                      <p:to>
+                                        <p:strVal val="visible"/>
+                                      </p:to>
+                                    </p:set>
+                                    <p:animEffect transition="in" filter="dissolve">
+                                      <p:cBhvr>
+                                        <p:cTn id="35" dur="500"/>
+                                        <p:tgtEl>
+                                          <p:spTgt spid="63"/>
+                                        </p:tgtEl>
+                                      </p:cBhvr>
+                                    </p:animEffect>
+                                  </p:childTnLst>
+                                </p:cTn>
+                              </p:par>
+                              <p:par>
+                                <p:cTn id="36" presetID="9" presetClass="entr" presetSubtype="0" fill="hold" grpId="0" nodeType="withEffect">
+                                  <p:stCondLst>
+                                    <p:cond delay="0"/>
+                                  </p:stCondLst>
+                                  <p:childTnLst>
+                                    <p:set>
+                                      <p:cBhvr>
+                                        <p:cTn id="37" dur="1" fill="hold">
+                                          <p:stCondLst>
+                                            <p:cond delay="0"/>
+                                          </p:stCondLst>
+                                        </p:cTn>
+                                        <p:tgtEl>
+                                          <p:spTgt spid="64"/>
+                                        </p:tgtEl>
+                                        <p:attrNameLst>
+                                          <p:attrName>style.visibility</p:attrName>
+                                        </p:attrNameLst>
+                                      </p:cBhvr>
+                                      <p:to>
+                                        <p:strVal val="visible"/>
+                                      </p:to>
+                                    </p:set>
+                                    <p:animEffect transition="in" filter="dissolve">
+                                      <p:cBhvr>
+                                        <p:cTn id="38" dur="500"/>
+                                        <p:tgtEl>
+                                          <p:spTgt spid="64"/>
+                                        </p:tgtEl>
+                                      </p:cBhvr>
+                                    </p:animEffect>
+                                  </p:childTnLst>
+                                </p:cTn>
+                              </p:par>
+                              <p:par>
+                                <p:cTn id="39" presetID="9" presetClass="entr" presetSubtype="0" fill="hold" grpId="0" nodeType="withEffect">
+                                  <p:stCondLst>
+                                    <p:cond delay="0"/>
+                                  </p:stCondLst>
+                                  <p:childTnLst>
+                                    <p:set>
+                                      <p:cBhvr>
+                                        <p:cTn id="40" dur="1" fill="hold">
+                                          <p:stCondLst>
+                                            <p:cond delay="0"/>
+                                          </p:stCondLst>
+                                        </p:cTn>
+                                        <p:tgtEl>
+                                          <p:spTgt spid="65"/>
+                                        </p:tgtEl>
+                                        <p:attrNameLst>
+                                          <p:attrName>style.visibility</p:attrName>
+                                        </p:attrNameLst>
+                                      </p:cBhvr>
+                                      <p:to>
+                                        <p:strVal val="visible"/>
+                                      </p:to>
+                                    </p:set>
+                                    <p:animEffect transition="in" filter="dissolve">
+                                      <p:cBhvr>
+                                        <p:cTn id="41" dur="500"/>
+                                        <p:tgtEl>
+                                          <p:spTgt spid="65"/>
+                                        </p:tgtEl>
+                                      </p:cBhvr>
+                                    </p:animEffect>
+                                  </p:childTnLst>
+                                </p:cTn>
+                              </p:par>
+                            </p:childTnLst>
+                          </p:cTn>
+                        </p:par>
+                      </p:childTnLst>
+                    </p:cTn>
+                  </p:par>
                 </p:childTnLst>
               </p:cTn>
               <p:prevCondLst>
@@ -9981,6 +15265,10 @@
     </p:tnLst>
     <p:bldLst>
       <p:bldP spid="142" grpId="0"/>
+      <p:bldP spid="62" grpId="0"/>
+      <p:bldP spid="63" grpId="0"/>
+      <p:bldP spid="64" grpId="0"/>
+      <p:bldP spid="65" grpId="0"/>
     </p:bldLst>
   </p:timing>
 </p:sld>
@@ -10447,7 +15735,7 @@
         <p:spPr>
           <a:xfrm>
             <a:off x="7010400" y="3392269"/>
-            <a:ext cx="1878143" cy="646331"/>
+            <a:ext cx="1786258" cy="646331"/>
           </a:xfrm>
           <a:prstGeom prst="rect">
             <a:avLst/>
@@ -10462,7 +15750,7 @@
           <a:p>
             <a:r>
               <a:rPr lang="en-US" dirty="0" smtClean="0"/>
-              <a:t>Activation value is</a:t>
+              <a:t>Output  value is</a:t>
             </a:r>
           </a:p>
           <a:p>
@@ -10483,9 +15771,9 @@
         <p:grpSpPr>
           <a:xfrm>
             <a:off x="3505200" y="457200"/>
-            <a:ext cx="1966500" cy="2209802"/>
+            <a:ext cx="2819400" cy="2209799"/>
             <a:chOff x="3505200" y="457200"/>
-            <a:chExt cx="1966500" cy="2209802"/>
+            <a:chExt cx="2819400" cy="2209799"/>
           </a:xfrm>
         </p:grpSpPr>
         <p:sp>
@@ -10497,7 +15785,7 @@
           <p:spPr>
             <a:xfrm>
               <a:off x="3505200" y="457200"/>
-              <a:ext cx="1966500" cy="369332"/>
+              <a:ext cx="2819400" cy="646331"/>
             </a:xfrm>
             <a:prstGeom prst="rect">
               <a:avLst/>
@@ -10512,7 +15800,23 @@
             <a:p>
               <a:r>
                 <a:rPr lang="en-US" dirty="0" smtClean="0"/>
-                <a:t>Activation function</a:t>
+                <a:t>Activation function when </a:t>
+              </a:r>
+              <a:r>
+                <a:rPr lang="en-US" dirty="0" err="1" smtClean="0"/>
+                <a:t>a_i</a:t>
+              </a:r>
+              <a:r>
+                <a:rPr lang="en-US" dirty="0" smtClean="0"/>
+                <a:t>(t) = </a:t>
+              </a:r>
+              <a:r>
+                <a:rPr lang="en-US" dirty="0" err="1" smtClean="0"/>
+                <a:t>net_i</a:t>
+              </a:r>
+              <a:r>
+                <a:rPr lang="en-US" dirty="0" smtClean="0"/>
+                <a:t>(t)</a:t>
               </a:r>
               <a:endParaRPr lang="en-US" dirty="0"/>
             </a:p>
@@ -10528,8 +15832,8 @@
           </p:nvCxnSpPr>
           <p:spPr>
             <a:xfrm rot="16200000" flipH="1">
-              <a:off x="3838590" y="1476392"/>
-              <a:ext cx="1840470" cy="540750"/>
+              <a:off x="4190316" y="1828115"/>
+              <a:ext cx="1563469" cy="114300"/>
             </a:xfrm>
             <a:prstGeom prst="straightConnector1">
               <a:avLst/>
@@ -11052,7 +16356,9 @@
         </p:nvSpPr>
         <p:spPr/>
         <p:txBody>
-          <a:bodyPr/>
+          <a:bodyPr>
+            <a:normAutofit fontScale="92500" lnSpcReduction="20000"/>
+          </a:bodyPr>
           <a:lstStyle/>
           <a:p>
             <a:r>
@@ -11071,7 +16377,50 @@
               <a:rPr lang="en-US" dirty="0" smtClean="0"/>
               <a:t>The modulated inputs are then integrated. (summed)</a:t>
             </a:r>
-            <a:endParaRPr lang="en-US" dirty="0"/>
+          </a:p>
+          <a:p>
+            <a:r>
+              <a:rPr lang="en-US" dirty="0" smtClean="0"/>
+              <a:t>An activation value is determined. (I don’t understand how? Separate function F they don’t talk much about.)</a:t>
+            </a:r>
+          </a:p>
+          <a:p>
+            <a:r>
+              <a:rPr lang="en-US" i="1" dirty="0" err="1" smtClean="0"/>
+              <a:t>ai</a:t>
+            </a:r>
+            <a:r>
+              <a:rPr lang="en-US" i="1" dirty="0" smtClean="0"/>
+              <a:t>(t) = </a:t>
+            </a:r>
+            <a:r>
+              <a:rPr lang="en-US" i="1" dirty="0" err="1" smtClean="0"/>
+              <a:t>Fi</a:t>
+            </a:r>
+            <a:r>
+              <a:rPr lang="en-US" i="1" dirty="0" smtClean="0"/>
+              <a:t>(</a:t>
+            </a:r>
+            <a:r>
+              <a:rPr lang="en-US" i="1" dirty="0" err="1" smtClean="0"/>
+              <a:t>ai</a:t>
+            </a:r>
+            <a:r>
+              <a:rPr lang="en-US" i="1" dirty="0" smtClean="0"/>
+              <a:t>(t-1), </a:t>
+            </a:r>
+            <a:r>
+              <a:rPr lang="en-US" i="1" dirty="0" err="1" smtClean="0"/>
+              <a:t>net_i</a:t>
+            </a:r>
+            <a:r>
+              <a:rPr lang="en-US" i="1" dirty="0" smtClean="0"/>
+              <a:t>(t)). </a:t>
+            </a:r>
+            <a:r>
+              <a:rPr lang="en-US" b="1" i="1" dirty="0" smtClean="0"/>
+              <a:t>F is not activation function!</a:t>
+            </a:r>
           </a:p>
         </p:txBody>
       </p:sp>
@@ -11138,18 +16487,114 @@
         </p:nvSpPr>
         <p:spPr/>
         <p:txBody>
-          <a:bodyPr/>
+          <a:bodyPr>
+            <a:normAutofit lnSpcReduction="10000"/>
+          </a:bodyPr>
           <a:lstStyle/>
           <a:p>
             <a:r>
               <a:rPr lang="en-US" dirty="0" smtClean="0"/>
-              <a:t>An activation value is calculated with an activation function, which takes the sum of the inputs.</a:t>
-            </a:r>
-          </a:p>
-          <a:p>
+              <a:t>The </a:t>
+            </a:r>
+            <a:r>
+              <a:rPr lang="en-US" b="1" dirty="0" smtClean="0"/>
+              <a:t>output value</a:t>
+            </a:r>
             <a:r>
               <a:rPr lang="en-US" dirty="0" smtClean="0"/>
-              <a:t>The activation value is then propagated to other neurons.</a:t>
+              <a:t> is calculated with an </a:t>
+            </a:r>
+            <a:r>
+              <a:rPr lang="en-US" b="1" dirty="0" smtClean="0"/>
+              <a:t>activation function</a:t>
+            </a:r>
+            <a:r>
+              <a:rPr lang="en-US" dirty="0" smtClean="0"/>
+              <a:t>, which takes as input the </a:t>
+            </a:r>
+            <a:r>
+              <a:rPr lang="en-US" b="1" dirty="0" smtClean="0"/>
+              <a:t>activation value</a:t>
+            </a:r>
+            <a:r>
+              <a:rPr lang="en-US" dirty="0" smtClean="0"/>
+              <a:t>.</a:t>
+            </a:r>
+          </a:p>
+          <a:p>
+            <a:r>
+              <a:rPr lang="en-US" i="1" dirty="0" err="1" smtClean="0"/>
+              <a:t>f_i</a:t>
+            </a:r>
+            <a:r>
+              <a:rPr lang="en-US" i="1" dirty="0" smtClean="0"/>
+              <a:t>(</a:t>
+            </a:r>
+            <a:r>
+              <a:rPr lang="en-US" i="1" dirty="0" err="1" smtClean="0"/>
+              <a:t>a_i</a:t>
+            </a:r>
+            <a:r>
+              <a:rPr lang="en-US" i="1" dirty="0" smtClean="0"/>
+              <a:t>(t))</a:t>
+            </a:r>
+            <a:r>
+              <a:rPr lang="en-US" dirty="0" smtClean="0"/>
+              <a:t> </a:t>
+            </a:r>
+            <a:r>
+              <a:rPr lang="en-US" b="1" dirty="0" smtClean="0"/>
+              <a:t>or</a:t>
+            </a:r>
+            <a:r>
+              <a:rPr lang="en-US" dirty="0" smtClean="0"/>
+              <a:t> </a:t>
+            </a:r>
+            <a:r>
+              <a:rPr lang="en-US" i="1" dirty="0" err="1" smtClean="0"/>
+              <a:t>f_i</a:t>
+            </a:r>
+            <a:r>
+              <a:rPr lang="en-US" i="1" dirty="0" smtClean="0"/>
+              <a:t>(</a:t>
+            </a:r>
+            <a:r>
+              <a:rPr lang="en-US" i="1" dirty="0" err="1" smtClean="0"/>
+              <a:t>net_i</a:t>
+            </a:r>
+            <a:r>
+              <a:rPr lang="en-US" i="1" dirty="0" smtClean="0"/>
+              <a:t>(t)) if </a:t>
+            </a:r>
+            <a:r>
+              <a:rPr lang="en-US" i="1" dirty="0" err="1" smtClean="0"/>
+              <a:t>a_i</a:t>
+            </a:r>
+            <a:r>
+              <a:rPr lang="en-US" i="1" dirty="0" smtClean="0"/>
+              <a:t>(t) = </a:t>
+            </a:r>
+            <a:r>
+              <a:rPr lang="en-US" i="1" dirty="0" err="1" smtClean="0"/>
+              <a:t>net_i</a:t>
+            </a:r>
+            <a:r>
+              <a:rPr lang="en-US" i="1" dirty="0" smtClean="0"/>
+              <a:t>(t)</a:t>
+            </a:r>
+          </a:p>
+          <a:p>
+            <a:r>
+              <a:rPr lang="en-US" dirty="0" smtClean="0"/>
+              <a:t>The </a:t>
+            </a:r>
+            <a:r>
+              <a:rPr lang="en-US" b="1" dirty="0" smtClean="0"/>
+              <a:t>output value </a:t>
+            </a:r>
+            <a:r>
+              <a:rPr lang="en-US" dirty="0" smtClean="0"/>
+              <a:t>is then propagated to other neurons. This output value is input value to other neurons.</a:t>
             </a:r>
           </a:p>
           <a:p>
@@ -11163,7 +16608,7 @@
             </a:r>
             <a:r>
               <a:rPr lang="en-US" dirty="0" smtClean="0"/>
-              <a:t>.</a:t>
+              <a:t>: linear, binary threshold… etc…</a:t>
             </a:r>
             <a:endParaRPr lang="en-US" dirty="0"/>
           </a:p>
@@ -11177,9 +16622,279 @@
   <p:timing>
     <p:tnLst>
       <p:par>
-        <p:cTn id="1" dur="indefinite" restart="never" nodeType="tmRoot"/>
+        <p:cTn id="1" dur="indefinite" restart="never" nodeType="tmRoot">
+          <p:childTnLst>
+            <p:seq concurrent="1" nextAc="seek">
+              <p:cTn id="2" dur="indefinite" nodeType="mainSeq">
+                <p:childTnLst>
+                  <p:par>
+                    <p:cTn id="3" fill="hold">
+                      <p:stCondLst>
+                        <p:cond delay="indefinite"/>
+                      </p:stCondLst>
+                      <p:childTnLst>
+                        <p:par>
+                          <p:cTn id="4" fill="hold">
+                            <p:stCondLst>
+                              <p:cond delay="0"/>
+                            </p:stCondLst>
+                            <p:childTnLst>
+                              <p:par>
+                                <p:cTn id="5" presetID="3" presetClass="entr" presetSubtype="10" fill="hold" grpId="0" nodeType="clickEffect">
+                                  <p:stCondLst>
+                                    <p:cond delay="0"/>
+                                  </p:stCondLst>
+                                  <p:childTnLst>
+                                    <p:set>
+                                      <p:cBhvr>
+                                        <p:cTn id="6" dur="1" fill="hold">
+                                          <p:stCondLst>
+                                            <p:cond delay="0"/>
+                                          </p:stCondLst>
+                                        </p:cTn>
+                                        <p:tgtEl>
+                                          <p:spTgt spid="3">
+                                            <p:txEl>
+                                              <p:pRg st="0" end="0"/>
+                                            </p:txEl>
+                                          </p:spTgt>
+                                        </p:tgtEl>
+                                        <p:attrNameLst>
+                                          <p:attrName>style.visibility</p:attrName>
+                                        </p:attrNameLst>
+                                      </p:cBhvr>
+                                      <p:to>
+                                        <p:strVal val="visible"/>
+                                      </p:to>
+                                    </p:set>
+                                    <p:animEffect transition="in" filter="blinds(horizontal)">
+                                      <p:cBhvr>
+                                        <p:cTn id="7" dur="500"/>
+                                        <p:tgtEl>
+                                          <p:spTgt spid="3">
+                                            <p:txEl>
+                                              <p:pRg st="0" end="0"/>
+                                            </p:txEl>
+                                          </p:spTgt>
+                                        </p:tgtEl>
+                                      </p:cBhvr>
+                                    </p:animEffect>
+                                  </p:childTnLst>
+                                </p:cTn>
+                              </p:par>
+                            </p:childTnLst>
+                          </p:cTn>
+                        </p:par>
+                      </p:childTnLst>
+                    </p:cTn>
+                  </p:par>
+                  <p:par>
+                    <p:cTn id="8" fill="hold">
+                      <p:stCondLst>
+                        <p:cond delay="indefinite"/>
+                      </p:stCondLst>
+                      <p:childTnLst>
+                        <p:par>
+                          <p:cTn id="9" fill="hold">
+                            <p:stCondLst>
+                              <p:cond delay="0"/>
+                            </p:stCondLst>
+                            <p:childTnLst>
+                              <p:par>
+                                <p:cTn id="10" presetID="3" presetClass="entr" presetSubtype="10" fill="hold" grpId="0" nodeType="clickEffect">
+                                  <p:stCondLst>
+                                    <p:cond delay="0"/>
+                                  </p:stCondLst>
+                                  <p:childTnLst>
+                                    <p:set>
+                                      <p:cBhvr>
+                                        <p:cTn id="11" dur="1" fill="hold">
+                                          <p:stCondLst>
+                                            <p:cond delay="0"/>
+                                          </p:stCondLst>
+                                        </p:cTn>
+                                        <p:tgtEl>
+                                          <p:spTgt spid="3">
+                                            <p:txEl>
+                                              <p:pRg st="1" end="1"/>
+                                            </p:txEl>
+                                          </p:spTgt>
+                                        </p:tgtEl>
+                                        <p:attrNameLst>
+                                          <p:attrName>style.visibility</p:attrName>
+                                        </p:attrNameLst>
+                                      </p:cBhvr>
+                                      <p:to>
+                                        <p:strVal val="visible"/>
+                                      </p:to>
+                                    </p:set>
+                                    <p:animEffect transition="in" filter="blinds(horizontal)">
+                                      <p:cBhvr>
+                                        <p:cTn id="12" dur="500"/>
+                                        <p:tgtEl>
+                                          <p:spTgt spid="3">
+                                            <p:txEl>
+                                              <p:pRg st="1" end="1"/>
+                                            </p:txEl>
+                                          </p:spTgt>
+                                        </p:tgtEl>
+                                      </p:cBhvr>
+                                    </p:animEffect>
+                                  </p:childTnLst>
+                                </p:cTn>
+                              </p:par>
+                            </p:childTnLst>
+                          </p:cTn>
+                        </p:par>
+                      </p:childTnLst>
+                    </p:cTn>
+                  </p:par>
+                  <p:par>
+                    <p:cTn id="13" fill="hold">
+                      <p:stCondLst>
+                        <p:cond delay="indefinite"/>
+                      </p:stCondLst>
+                      <p:childTnLst>
+                        <p:par>
+                          <p:cTn id="14" fill="hold">
+                            <p:stCondLst>
+                              <p:cond delay="0"/>
+                            </p:stCondLst>
+                            <p:childTnLst>
+                              <p:par>
+                                <p:cTn id="15" presetID="3" presetClass="entr" presetSubtype="10" fill="hold" grpId="0" nodeType="clickEffect">
+                                  <p:stCondLst>
+                                    <p:cond delay="0"/>
+                                  </p:stCondLst>
+                                  <p:childTnLst>
+                                    <p:set>
+                                      <p:cBhvr>
+                                        <p:cTn id="16" dur="1" fill="hold">
+                                          <p:stCondLst>
+                                            <p:cond delay="0"/>
+                                          </p:stCondLst>
+                                        </p:cTn>
+                                        <p:tgtEl>
+                                          <p:spTgt spid="3">
+                                            <p:txEl>
+                                              <p:pRg st="2" end="2"/>
+                                            </p:txEl>
+                                          </p:spTgt>
+                                        </p:tgtEl>
+                                        <p:attrNameLst>
+                                          <p:attrName>style.visibility</p:attrName>
+                                        </p:attrNameLst>
+                                      </p:cBhvr>
+                                      <p:to>
+                                        <p:strVal val="visible"/>
+                                      </p:to>
+                                    </p:set>
+                                    <p:animEffect transition="in" filter="blinds(horizontal)">
+                                      <p:cBhvr>
+                                        <p:cTn id="17" dur="500"/>
+                                        <p:tgtEl>
+                                          <p:spTgt spid="3">
+                                            <p:txEl>
+                                              <p:pRg st="2" end="2"/>
+                                            </p:txEl>
+                                          </p:spTgt>
+                                        </p:tgtEl>
+                                      </p:cBhvr>
+                                    </p:animEffect>
+                                  </p:childTnLst>
+                                </p:cTn>
+                              </p:par>
+                            </p:childTnLst>
+                          </p:cTn>
+                        </p:par>
+                      </p:childTnLst>
+                    </p:cTn>
+                  </p:par>
+                  <p:par>
+                    <p:cTn id="18" fill="hold">
+                      <p:stCondLst>
+                        <p:cond delay="indefinite"/>
+                      </p:stCondLst>
+                      <p:childTnLst>
+                        <p:par>
+                          <p:cTn id="19" fill="hold">
+                            <p:stCondLst>
+                              <p:cond delay="0"/>
+                            </p:stCondLst>
+                            <p:childTnLst>
+                              <p:par>
+                                <p:cTn id="20" presetID="3" presetClass="entr" presetSubtype="10" fill="hold" grpId="0" nodeType="clickEffect">
+                                  <p:stCondLst>
+                                    <p:cond delay="0"/>
+                                  </p:stCondLst>
+                                  <p:childTnLst>
+                                    <p:set>
+                                      <p:cBhvr>
+                                        <p:cTn id="21" dur="1" fill="hold">
+                                          <p:stCondLst>
+                                            <p:cond delay="0"/>
+                                          </p:stCondLst>
+                                        </p:cTn>
+                                        <p:tgtEl>
+                                          <p:spTgt spid="3">
+                                            <p:txEl>
+                                              <p:pRg st="3" end="3"/>
+                                            </p:txEl>
+                                          </p:spTgt>
+                                        </p:tgtEl>
+                                        <p:attrNameLst>
+                                          <p:attrName>style.visibility</p:attrName>
+                                        </p:attrNameLst>
+                                      </p:cBhvr>
+                                      <p:to>
+                                        <p:strVal val="visible"/>
+                                      </p:to>
+                                    </p:set>
+                                    <p:animEffect transition="in" filter="blinds(horizontal)">
+                                      <p:cBhvr>
+                                        <p:cTn id="22" dur="500"/>
+                                        <p:tgtEl>
+                                          <p:spTgt spid="3">
+                                            <p:txEl>
+                                              <p:pRg st="3" end="3"/>
+                                            </p:txEl>
+                                          </p:spTgt>
+                                        </p:tgtEl>
+                                      </p:cBhvr>
+                                    </p:animEffect>
+                                  </p:childTnLst>
+                                </p:cTn>
+                              </p:par>
+                            </p:childTnLst>
+                          </p:cTn>
+                        </p:par>
+                      </p:childTnLst>
+                    </p:cTn>
+                  </p:par>
+                </p:childTnLst>
+              </p:cTn>
+              <p:prevCondLst>
+                <p:cond evt="onPrev" delay="0">
+                  <p:tgtEl>
+                    <p:sldTgt/>
+                  </p:tgtEl>
+                </p:cond>
+              </p:prevCondLst>
+              <p:nextCondLst>
+                <p:cond evt="onNext" delay="0">
+                  <p:tgtEl>
+                    <p:sldTgt/>
+                  </p:tgtEl>
+                </p:cond>
+              </p:nextCondLst>
+            </p:seq>
+          </p:childTnLst>
+        </p:cTn>
       </p:par>
     </p:tnLst>
+    <p:bldLst>
+      <p:bldP spid="3" grpId="0" build="p"/>
+    </p:bldLst>
   </p:timing>
 </p:sld>
 </file>
@@ -11240,38 +16955,38 @@
           <a:lstStyle/>
           <a:p>
             <a:r>
-              <a:rPr lang="en-US" dirty="0" err="1" smtClean="0"/>
+              <a:rPr lang="en-US" i="1" dirty="0" err="1" smtClean="0"/>
               <a:t>Net_i</a:t>
             </a:r>
             <a:r>
-              <a:rPr lang="en-US" dirty="0" smtClean="0"/>
+              <a:rPr lang="en-US" i="1" dirty="0" smtClean="0"/>
               <a:t> = o * </a:t>
             </a:r>
             <a:r>
-              <a:rPr lang="en-US" dirty="0" err="1" smtClean="0"/>
+              <a:rPr lang="en-US" i="1" dirty="0" err="1" smtClean="0"/>
               <a:t>w_i</a:t>
             </a:r>
-            <a:endParaRPr lang="en-US" dirty="0" smtClean="0"/>
-          </a:p>
-          <a:p>
-            <a:r>
-              <a:rPr lang="en-US" dirty="0" smtClean="0"/>
-              <a:t>||o||||</a:t>
-            </a:r>
-            <a:r>
-              <a:rPr lang="en-US" dirty="0" err="1" smtClean="0"/>
+            <a:endParaRPr lang="en-US" i="1" dirty="0" smtClean="0"/>
+          </a:p>
+          <a:p>
+            <a:r>
+              <a:rPr lang="en-US" i="1" dirty="0" smtClean="0"/>
+              <a:t>||o|| ||</a:t>
+            </a:r>
+            <a:r>
+              <a:rPr lang="en-US" i="1" dirty="0" err="1" smtClean="0"/>
               <a:t>W_i</a:t>
             </a:r>
             <a:r>
-              <a:rPr lang="en-US" dirty="0" smtClean="0"/>
+              <a:rPr lang="en-US" i="1" dirty="0" smtClean="0"/>
               <a:t>|| * </a:t>
             </a:r>
             <a:r>
-              <a:rPr lang="en-US" dirty="0" err="1" smtClean="0"/>
+              <a:rPr lang="en-US" i="1" dirty="0" err="1" smtClean="0"/>
               <a:t>cos</a:t>
             </a:r>
             <a:r>
-              <a:rPr lang="en-US" dirty="0" smtClean="0"/>
+              <a:rPr lang="en-US" i="1" dirty="0" smtClean="0"/>
               <a:t>(theta)</a:t>
             </a:r>
           </a:p>
@@ -11537,478 +17252,9 @@
           <a:chExt cx="0" cy="0"/>
         </a:xfrm>
       </p:grpSpPr>
-      <p:pic>
-        <p:nvPicPr>
-          <p:cNvPr id="30723" name="Picture 3"/>
-          <p:cNvPicPr>
-            <a:picLocks noChangeAspect="1" noChangeArrowheads="1"/>
-          </p:cNvPicPr>
-          <p:nvPr/>
-        </p:nvPicPr>
-        <p:blipFill>
-          <a:blip r:embed="rId3" cstate="print"/>
-          <a:srcRect/>
-          <a:stretch>
-            <a:fillRect/>
-          </a:stretch>
-        </p:blipFill>
-        <p:spPr bwMode="auto">
-          <a:xfrm>
-            <a:off x="561975" y="3238500"/>
-            <a:ext cx="6296025" cy="2933700"/>
-          </a:xfrm>
-          <a:prstGeom prst="rect">
-            <a:avLst/>
-          </a:prstGeom>
-          <a:noFill/>
-          <a:ln w="9525">
-            <a:noFill/>
-            <a:miter lim="800000"/>
-            <a:headEnd/>
-            <a:tailEnd/>
-          </a:ln>
-          <a:effectLst/>
-        </p:spPr>
-      </p:pic>
-      <p:grpSp>
-        <p:nvGrpSpPr>
-          <p:cNvPr id="10" name="Group 9"/>
-          <p:cNvGrpSpPr/>
-          <p:nvPr/>
-        </p:nvGrpSpPr>
-        <p:grpSpPr>
-          <a:xfrm>
-            <a:off x="6781800" y="1600200"/>
-            <a:ext cx="914400" cy="914400"/>
-            <a:chOff x="4343400" y="3733800"/>
-            <a:chExt cx="914400" cy="914400"/>
-          </a:xfrm>
-        </p:grpSpPr>
-        <p:sp>
-          <p:nvSpPr>
-            <p:cNvPr id="9" name="Oval 8"/>
-            <p:cNvSpPr/>
-            <p:nvPr/>
-          </p:nvSpPr>
-          <p:spPr>
-            <a:xfrm>
-              <a:off x="4343400" y="3733800"/>
-              <a:ext cx="914400" cy="914400"/>
-            </a:xfrm>
-            <a:prstGeom prst="ellipse">
-              <a:avLst/>
-            </a:prstGeom>
-          </p:spPr>
-          <p:style>
-            <a:lnRef idx="2">
-              <a:schemeClr val="accent1"/>
-            </a:lnRef>
-            <a:fillRef idx="1">
-              <a:schemeClr val="lt1"/>
-            </a:fillRef>
-            <a:effectRef idx="0">
-              <a:schemeClr val="accent1"/>
-            </a:effectRef>
-            <a:fontRef idx="minor">
-              <a:schemeClr val="dk1"/>
-            </a:fontRef>
-          </p:style>
-          <p:txBody>
-            <a:bodyPr rtlCol="0" anchor="ctr"/>
-            <a:lstStyle/>
-            <a:p>
-              <a:pPr algn="ctr"/>
-              <a:endParaRPr lang="en-US"/>
-            </a:p>
-          </p:txBody>
-        </p:sp>
-        <p:pic>
-          <p:nvPicPr>
-            <p:cNvPr id="30724" name="Picture 4"/>
-            <p:cNvPicPr>
-              <a:picLocks noChangeAspect="1" noChangeArrowheads="1"/>
-            </p:cNvPicPr>
-            <p:nvPr/>
-          </p:nvPicPr>
-          <p:blipFill>
-            <a:blip r:embed="rId4" cstate="print"/>
-            <a:srcRect/>
-            <a:stretch>
-              <a:fillRect/>
-            </a:stretch>
-          </p:blipFill>
-          <p:spPr bwMode="auto">
-            <a:xfrm>
-              <a:off x="4495800" y="4105275"/>
-              <a:ext cx="95250" cy="161925"/>
-            </a:xfrm>
-            <a:prstGeom prst="rect">
-              <a:avLst/>
-            </a:prstGeom>
-            <a:noFill/>
-            <a:ln w="9525">
-              <a:noFill/>
-              <a:miter lim="800000"/>
-              <a:headEnd/>
-              <a:tailEnd/>
-            </a:ln>
-            <a:effectLst/>
-          </p:spPr>
-        </p:pic>
-        <p:sp>
-          <p:nvSpPr>
-            <p:cNvPr id="8" name="TextBox 7"/>
-            <p:cNvSpPr txBox="1"/>
-            <p:nvPr/>
-          </p:nvSpPr>
-          <p:spPr>
-            <a:xfrm>
-              <a:off x="4572000" y="3999344"/>
-              <a:ext cx="593432" cy="338554"/>
-            </a:xfrm>
-            <a:prstGeom prst="rect">
-              <a:avLst/>
-            </a:prstGeom>
-            <a:noFill/>
-          </p:spPr>
-          <p:txBody>
-            <a:bodyPr wrap="none" rtlCol="0">
-              <a:spAutoFit/>
-            </a:bodyPr>
-            <a:lstStyle/>
-            <a:p>
-              <a:r>
-                <a:rPr lang="en-US" sz="1600" dirty="0" smtClean="0"/>
-                <a:t>= 0.4</a:t>
-              </a:r>
-              <a:endParaRPr lang="en-US" sz="1600" dirty="0"/>
-            </a:p>
-          </p:txBody>
-        </p:sp>
-      </p:grpSp>
-      <p:sp>
-        <p:nvSpPr>
-          <p:cNvPr id="12" name="Oval 11"/>
-          <p:cNvSpPr/>
-          <p:nvPr/>
-        </p:nvSpPr>
-        <p:spPr>
-          <a:xfrm>
-            <a:off x="5181600" y="4114800"/>
-            <a:ext cx="838200" cy="838200"/>
-          </a:xfrm>
-          <a:prstGeom prst="ellipse">
-            <a:avLst/>
-          </a:prstGeom>
-          <a:ln>
-            <a:noFill/>
-          </a:ln>
-        </p:spPr>
-        <p:style>
-          <a:lnRef idx="2">
-            <a:schemeClr val="accent1"/>
-          </a:lnRef>
-          <a:fillRef idx="1">
-            <a:schemeClr val="lt1"/>
-          </a:fillRef>
-          <a:effectRef idx="0">
-            <a:schemeClr val="accent1"/>
-          </a:effectRef>
-          <a:fontRef idx="minor">
-            <a:schemeClr val="dk1"/>
-          </a:fontRef>
-        </p:style>
-        <p:txBody>
-          <a:bodyPr rtlCol="0" anchor="ctr"/>
-          <a:lstStyle/>
-          <a:p>
-            <a:pPr algn="ctr"/>
-            <a:r>
-              <a:rPr lang="en-US" dirty="0" smtClean="0"/>
-              <a:t>0.0</a:t>
-            </a:r>
-            <a:endParaRPr lang="en-US" dirty="0"/>
-          </a:p>
-        </p:txBody>
-      </p:sp>
-      <p:sp>
-        <p:nvSpPr>
-          <p:cNvPr id="15" name="Oval 14"/>
-          <p:cNvSpPr/>
-          <p:nvPr/>
-        </p:nvSpPr>
-        <p:spPr>
-          <a:xfrm>
-            <a:off x="6273800" y="4114800"/>
-            <a:ext cx="838200" cy="838200"/>
-          </a:xfrm>
-          <a:prstGeom prst="ellipse">
-            <a:avLst/>
-          </a:prstGeom>
-          <a:ln>
-            <a:noFill/>
-          </a:ln>
-        </p:spPr>
-        <p:style>
-          <a:lnRef idx="2">
-            <a:schemeClr val="accent1"/>
-          </a:lnRef>
-          <a:fillRef idx="1">
-            <a:schemeClr val="lt1"/>
-          </a:fillRef>
-          <a:effectRef idx="0">
-            <a:schemeClr val="accent1"/>
-          </a:effectRef>
-          <a:fontRef idx="minor">
-            <a:schemeClr val="dk1"/>
-          </a:fontRef>
-        </p:style>
-        <p:txBody>
-          <a:bodyPr rtlCol="0" anchor="ctr"/>
-          <a:lstStyle/>
-          <a:p>
-            <a:pPr algn="ctr"/>
-            <a:r>
-              <a:rPr lang="en-US" dirty="0" smtClean="0"/>
-              <a:t>0.2</a:t>
-            </a:r>
-            <a:endParaRPr lang="en-US" dirty="0"/>
-          </a:p>
-        </p:txBody>
-      </p:sp>
-      <p:sp>
-        <p:nvSpPr>
-          <p:cNvPr id="16" name="Oval 15"/>
-          <p:cNvSpPr/>
-          <p:nvPr/>
-        </p:nvSpPr>
-        <p:spPr>
-          <a:xfrm>
-            <a:off x="7366000" y="4114800"/>
-            <a:ext cx="838200" cy="838200"/>
-          </a:xfrm>
-          <a:prstGeom prst="ellipse">
-            <a:avLst/>
-          </a:prstGeom>
-          <a:ln>
-            <a:noFill/>
-          </a:ln>
-        </p:spPr>
-        <p:style>
-          <a:lnRef idx="2">
-            <a:schemeClr val="accent1"/>
-          </a:lnRef>
-          <a:fillRef idx="1">
-            <a:schemeClr val="lt1"/>
-          </a:fillRef>
-          <a:effectRef idx="0">
-            <a:schemeClr val="accent1"/>
-          </a:effectRef>
-          <a:fontRef idx="minor">
-            <a:schemeClr val="dk1"/>
-          </a:fontRef>
-        </p:style>
-        <p:txBody>
-          <a:bodyPr rtlCol="0" anchor="ctr"/>
-          <a:lstStyle/>
-          <a:p>
-            <a:pPr algn="ctr"/>
-            <a:r>
-              <a:rPr lang="en-US" dirty="0" smtClean="0"/>
-              <a:t>0.3</a:t>
-            </a:r>
-            <a:endParaRPr lang="en-US" dirty="0"/>
-          </a:p>
-        </p:txBody>
-      </p:sp>
-      <p:sp>
-        <p:nvSpPr>
-          <p:cNvPr id="17" name="Oval 16"/>
-          <p:cNvSpPr/>
-          <p:nvPr/>
-        </p:nvSpPr>
-        <p:spPr>
-          <a:xfrm>
-            <a:off x="8458200" y="4114800"/>
-            <a:ext cx="838200" cy="838200"/>
-          </a:xfrm>
-          <a:prstGeom prst="ellipse">
-            <a:avLst/>
-          </a:prstGeom>
-          <a:ln>
-            <a:noFill/>
-          </a:ln>
-        </p:spPr>
-        <p:style>
-          <a:lnRef idx="2">
-            <a:schemeClr val="accent1"/>
-          </a:lnRef>
-          <a:fillRef idx="1">
-            <a:schemeClr val="lt1"/>
-          </a:fillRef>
-          <a:effectRef idx="0">
-            <a:schemeClr val="accent1"/>
-          </a:effectRef>
-          <a:fontRef idx="minor">
-            <a:schemeClr val="dk1"/>
-          </a:fontRef>
-        </p:style>
-        <p:txBody>
-          <a:bodyPr rtlCol="0" anchor="ctr"/>
-          <a:lstStyle/>
-          <a:p>
-            <a:pPr algn="ctr"/>
-            <a:r>
-              <a:rPr lang="en-US" dirty="0" smtClean="0"/>
-              <a:t>-0.2</a:t>
-            </a:r>
-            <a:endParaRPr lang="en-US" dirty="0"/>
-          </a:p>
-        </p:txBody>
-      </p:sp>
-      <p:cxnSp>
-        <p:nvCxnSpPr>
-          <p:cNvPr id="19" name="Straight Arrow Connector 18"/>
-          <p:cNvCxnSpPr>
-            <a:stCxn id="12" idx="0"/>
-          </p:cNvCxnSpPr>
-          <p:nvPr/>
-        </p:nvCxnSpPr>
-        <p:spPr>
-          <a:xfrm rot="5400000" flipH="1" flipV="1">
-            <a:off x="5619750" y="2495550"/>
-            <a:ext cx="1600200" cy="1638300"/>
-          </a:xfrm>
-          <a:prstGeom prst="straightConnector1">
-            <a:avLst/>
-          </a:prstGeom>
-          <a:ln>
-            <a:tailEnd type="arrow"/>
-          </a:ln>
-        </p:spPr>
-        <p:style>
-          <a:lnRef idx="1">
-            <a:schemeClr val="accent1"/>
-          </a:lnRef>
-          <a:fillRef idx="0">
-            <a:schemeClr val="accent1"/>
-          </a:fillRef>
-          <a:effectRef idx="0">
-            <a:schemeClr val="accent1"/>
-          </a:effectRef>
-          <a:fontRef idx="minor">
-            <a:schemeClr val="tx1"/>
-          </a:fontRef>
-        </p:style>
-      </p:cxnSp>
-      <p:cxnSp>
-        <p:nvCxnSpPr>
-          <p:cNvPr id="20" name="Straight Arrow Connector 19"/>
-          <p:cNvCxnSpPr>
-            <a:stCxn id="15" idx="0"/>
-          </p:cNvCxnSpPr>
-          <p:nvPr/>
-        </p:nvCxnSpPr>
-        <p:spPr>
-          <a:xfrm rot="5400000" flipH="1" flipV="1">
-            <a:off x="6165850" y="3041650"/>
-            <a:ext cx="1600200" cy="546100"/>
-          </a:xfrm>
-          <a:prstGeom prst="straightConnector1">
-            <a:avLst/>
-          </a:prstGeom>
-          <a:ln>
-            <a:tailEnd type="arrow"/>
-          </a:ln>
-        </p:spPr>
-        <p:style>
-          <a:lnRef idx="1">
-            <a:schemeClr val="accent1"/>
-          </a:lnRef>
-          <a:fillRef idx="0">
-            <a:schemeClr val="accent1"/>
-          </a:fillRef>
-          <a:effectRef idx="0">
-            <a:schemeClr val="accent1"/>
-          </a:effectRef>
-          <a:fontRef idx="minor">
-            <a:schemeClr val="tx1"/>
-          </a:fontRef>
-        </p:style>
-      </p:cxnSp>
-      <p:cxnSp>
-        <p:nvCxnSpPr>
-          <p:cNvPr id="23" name="Straight Arrow Connector 22"/>
-          <p:cNvCxnSpPr>
-            <a:stCxn id="16" idx="0"/>
-          </p:cNvCxnSpPr>
-          <p:nvPr/>
-        </p:nvCxnSpPr>
-        <p:spPr>
-          <a:xfrm rot="16200000" flipV="1">
-            <a:off x="6711950" y="3041650"/>
-            <a:ext cx="1600200" cy="546100"/>
-          </a:xfrm>
-          <a:prstGeom prst="straightConnector1">
-            <a:avLst/>
-          </a:prstGeom>
-          <a:ln>
-            <a:tailEnd type="arrow"/>
-          </a:ln>
-        </p:spPr>
-        <p:style>
-          <a:lnRef idx="1">
-            <a:schemeClr val="accent1"/>
-          </a:lnRef>
-          <a:fillRef idx="0">
-            <a:schemeClr val="accent1"/>
-          </a:fillRef>
-          <a:effectRef idx="0">
-            <a:schemeClr val="accent1"/>
-          </a:effectRef>
-          <a:fontRef idx="minor">
-            <a:schemeClr val="tx1"/>
-          </a:fontRef>
-        </p:style>
-      </p:cxnSp>
-      <p:cxnSp>
-        <p:nvCxnSpPr>
-          <p:cNvPr id="26" name="Straight Arrow Connector 25"/>
-          <p:cNvCxnSpPr>
-            <a:stCxn id="17" idx="0"/>
-          </p:cNvCxnSpPr>
-          <p:nvPr/>
-        </p:nvCxnSpPr>
-        <p:spPr>
-          <a:xfrm rot="16200000" flipV="1">
-            <a:off x="7258050" y="2495550"/>
-            <a:ext cx="1600200" cy="1638300"/>
-          </a:xfrm>
-          <a:prstGeom prst="straightConnector1">
-            <a:avLst/>
-          </a:prstGeom>
-          <a:ln>
-            <a:tailEnd type="arrow"/>
-          </a:ln>
-        </p:spPr>
-        <p:style>
-          <a:lnRef idx="1">
-            <a:schemeClr val="accent1"/>
-          </a:lnRef>
-          <a:fillRef idx="0">
-            <a:schemeClr val="accent1"/>
-          </a:fillRef>
-          <a:effectRef idx="0">
-            <a:schemeClr val="accent1"/>
-          </a:effectRef>
-          <a:fontRef idx="minor">
-            <a:schemeClr val="tx1"/>
-          </a:fontRef>
-        </p:style>
-      </p:cxnSp>
-      <p:sp>
-        <p:nvSpPr>
-          <p:cNvPr id="48" name="Title 47"/>
+      <p:sp>
+        <p:nvSpPr>
+          <p:cNvPr id="2" name="Title 1"/>
           <p:cNvSpPr>
             <a:spLocks noGrp="1"/>
           </p:cNvSpPr>
@@ -12022,16 +17268,16 @@
           <a:lstStyle/>
           <a:p>
             <a:r>
-              <a:rPr lang="en-US" dirty="0" smtClean="0"/>
-              <a:t>Threshold Function</a:t>
-            </a:r>
-            <a:endParaRPr lang="en-US" dirty="0"/>
+              <a:rPr lang="en-CA" dirty="0" smtClean="0"/>
+              <a:t>Linear input</a:t>
+            </a:r>
+            <a:endParaRPr lang="en-CA" dirty="0"/>
           </a:p>
         </p:txBody>
       </p:sp>
       <p:sp>
         <p:nvSpPr>
-          <p:cNvPr id="47" name="Content Placeholder 46"/>
+          <p:cNvPr id="3" name="Content Placeholder 2"/>
           <p:cNvSpPr>
             <a:spLocks noGrp="1"/>
           </p:cNvSpPr>
@@ -12041,156 +17287,80 @@
         </p:nvSpPr>
         <p:spPr/>
         <p:txBody>
-          <a:bodyPr/>
-          <a:lstStyle/>
-          <a:p>
-            <a:r>
-              <a:rPr lang="en-US" dirty="0" smtClean="0"/>
-              <a:t>Hard Limited output</a:t>
-            </a:r>
-          </a:p>
-          <a:p>
-            <a:r>
-              <a:rPr lang="en-US" dirty="0" smtClean="0"/>
-              <a:t>Only two possible outputs 0 or 1</a:t>
-            </a:r>
-          </a:p>
-          <a:p>
-            <a:endParaRPr lang="en-US" dirty="0"/>
-          </a:p>
-        </p:txBody>
-      </p:sp>
-      <p:cxnSp>
-        <p:nvCxnSpPr>
-          <p:cNvPr id="18" name="Straight Arrow Connector 17"/>
-          <p:cNvCxnSpPr/>
-          <p:nvPr/>
-        </p:nvCxnSpPr>
-        <p:spPr>
-          <a:xfrm rot="5400000" flipH="1" flipV="1">
-            <a:off x="6781800" y="1143000"/>
-            <a:ext cx="914400" cy="1588"/>
-          </a:xfrm>
-          <a:prstGeom prst="straightConnector1">
-            <a:avLst/>
-          </a:prstGeom>
-          <a:ln>
-            <a:tailEnd type="arrow"/>
-          </a:ln>
-        </p:spPr>
-        <p:style>
-          <a:lnRef idx="1">
-            <a:schemeClr val="accent1"/>
-          </a:lnRef>
-          <a:fillRef idx="0">
-            <a:schemeClr val="accent1"/>
-          </a:fillRef>
-          <a:effectRef idx="0">
-            <a:schemeClr val="accent1"/>
-          </a:effectRef>
-          <a:fontRef idx="minor">
-            <a:schemeClr val="tx1"/>
-          </a:fontRef>
-        </p:style>
-      </p:cxnSp>
-      <p:sp>
-        <p:nvSpPr>
-          <p:cNvPr id="27" name="TextBox 26"/>
-          <p:cNvSpPr txBox="1"/>
-          <p:nvPr/>
-        </p:nvSpPr>
-        <p:spPr>
-          <a:xfrm>
-            <a:off x="7239000" y="914400"/>
-            <a:ext cx="301686" cy="369332"/>
-          </a:xfrm>
-          <a:prstGeom prst="rect">
-            <a:avLst/>
-          </a:prstGeom>
-          <a:noFill/>
-        </p:spPr>
-        <p:txBody>
-          <a:bodyPr wrap="none" rtlCol="0">
-            <a:spAutoFit/>
+          <a:bodyPr>
+            <a:normAutofit/>
           </a:bodyPr>
           <a:lstStyle/>
           <a:p>
             <a:r>
-              <a:rPr lang="en-US" dirty="0" smtClean="0"/>
-              <a:t>1</a:t>
-            </a:r>
-            <a:endParaRPr lang="en-US" dirty="0"/>
-          </a:p>
-        </p:txBody>
-      </p:sp>
-      <p:sp>
-        <p:nvSpPr>
-          <p:cNvPr id="29" name="Rectangle 28"/>
-          <p:cNvSpPr/>
-          <p:nvPr/>
-        </p:nvSpPr>
-        <p:spPr>
-          <a:xfrm>
-            <a:off x="7315200" y="914400"/>
-            <a:ext cx="533400" cy="457200"/>
-          </a:xfrm>
-          <a:prstGeom prst="rect">
-            <a:avLst/>
-          </a:prstGeom>
-          <a:ln>
-            <a:noFill/>
-          </a:ln>
-        </p:spPr>
-        <p:style>
-          <a:lnRef idx="2">
-            <a:schemeClr val="accent1"/>
-          </a:lnRef>
-          <a:fillRef idx="1">
-            <a:schemeClr val="lt1"/>
-          </a:fillRef>
-          <a:effectRef idx="0">
-            <a:schemeClr val="accent1"/>
-          </a:effectRef>
-          <a:fontRef idx="minor">
-            <a:schemeClr val="dk1"/>
-          </a:fontRef>
-        </p:style>
-        <p:txBody>
-          <a:bodyPr rtlCol="0" anchor="ctr"/>
-          <a:lstStyle/>
-          <a:p>
-            <a:pPr algn="ctr"/>
-            <a:endParaRPr lang="en-US"/>
-          </a:p>
-        </p:txBody>
-      </p:sp>
-      <p:sp>
-        <p:nvSpPr>
-          <p:cNvPr id="28" name="TextBox 27"/>
-          <p:cNvSpPr txBox="1"/>
-          <p:nvPr/>
-        </p:nvSpPr>
-        <p:spPr>
-          <a:xfrm>
-            <a:off x="7239000" y="914400"/>
-            <a:ext cx="301686" cy="369332"/>
-          </a:xfrm>
-          <a:prstGeom prst="rect">
-            <a:avLst/>
-          </a:prstGeom>
-          <a:noFill/>
-        </p:spPr>
-        <p:txBody>
-          <a:bodyPr wrap="none" rtlCol="0">
-            <a:spAutoFit/>
-          </a:bodyPr>
-          <a:lstStyle/>
-          <a:p>
-            <a:r>
-              <a:rPr lang="en-US" dirty="0" smtClean="0"/>
-              <a:t>0</a:t>
-            </a:r>
-            <a:endParaRPr lang="en-US" dirty="0"/>
+              <a:rPr lang="en-CA" dirty="0" smtClean="0"/>
+              <a:t>Sum of everything that goes in goes out.</a:t>
+            </a:r>
+          </a:p>
+          <a:p>
+            <a:r>
+              <a:rPr lang="en-CA" i="1" dirty="0" smtClean="0"/>
+              <a:t>f_{</a:t>
+            </a:r>
+            <a:r>
+              <a:rPr lang="en-CA" i="1" dirty="0" err="1" smtClean="0"/>
+              <a:t>i</a:t>
+            </a:r>
+            <a:r>
+              <a:rPr lang="en-CA" i="1" dirty="0" smtClean="0"/>
+              <a:t>}^{l}(</a:t>
+            </a:r>
+            <a:r>
+              <a:rPr lang="en-CA" i="1" dirty="0" err="1" smtClean="0"/>
+              <a:t>net_i</a:t>
+            </a:r>
+            <a:r>
+              <a:rPr lang="en-CA" i="1" dirty="0" smtClean="0"/>
+              <a:t>(t)) = </a:t>
+            </a:r>
+            <a:r>
+              <a:rPr lang="en-CA" i="1" dirty="0" err="1" smtClean="0"/>
+              <a:t>net_i</a:t>
+            </a:r>
+            <a:r>
+              <a:rPr lang="en-CA" i="1" dirty="0" smtClean="0"/>
+              <a:t>(t)</a:t>
+            </a:r>
+          </a:p>
+          <a:p>
+            <a:r>
+              <a:rPr lang="en-CA" dirty="0" smtClean="0"/>
+              <a:t>Applications:</a:t>
+            </a:r>
+          </a:p>
+          <a:p>
+            <a:pPr lvl="1"/>
+            <a:r>
+              <a:rPr lang="en-CA" dirty="0" smtClean="0"/>
+              <a:t>Fan out units – signal </a:t>
+            </a:r>
+            <a:r>
+              <a:rPr lang="en-CA" dirty="0" err="1" smtClean="0"/>
+              <a:t>distriburtion</a:t>
+            </a:r>
+            <a:r>
+              <a:rPr lang="en-CA" dirty="0" smtClean="0"/>
+              <a:t> (unaltered)</a:t>
+            </a:r>
+          </a:p>
+          <a:p>
+            <a:pPr lvl="1"/>
+            <a:r>
+              <a:rPr lang="en-CA" dirty="0" smtClean="0"/>
+              <a:t>Linear combiner – pattern multiplexing</a:t>
+            </a:r>
+          </a:p>
+          <a:p>
+            <a:pPr lvl="1"/>
+            <a:r>
+              <a:rPr lang="en-CA" dirty="0" smtClean="0"/>
+              <a:t>Analog Output device – signal produced is to be interpreted by another network unit or by the outside world as a continuous variable indicator ?</a:t>
+            </a:r>
           </a:p>
         </p:txBody>
       </p:sp>
@@ -12233,7 +17403,11 @@
                                           </p:stCondLst>
                                         </p:cTn>
                                         <p:tgtEl>
-                                          <p:spTgt spid="27"/>
+                                          <p:spTgt spid="3">
+                                            <p:txEl>
+                                              <p:pRg st="0" end="0"/>
+                                            </p:txEl>
+                                          </p:spTgt>
                                         </p:tgtEl>
                                         <p:attrNameLst>
                                           <p:attrName>style.visibility</p:attrName>
@@ -12247,42 +17421,11 @@
                                       <p:cBhvr>
                                         <p:cTn id="7" dur="500"/>
                                         <p:tgtEl>
-                                          <p:spTgt spid="27"/>
-                                        </p:tgtEl>
-                                      </p:cBhvr>
-                                    </p:animEffect>
-                                  </p:childTnLst>
-                                </p:cTn>
-                              </p:par>
-                              <p:par>
-                                <p:cTn id="8" presetID="10" presetClass="entr" presetSubtype="0" fill="hold" nodeType="withEffect">
-                                  <p:stCondLst>
-                                    <p:cond delay="0"/>
-                                  </p:stCondLst>
-                                  <p:childTnLst>
-                                    <p:set>
-                                      <p:cBhvr>
-                                        <p:cTn id="9" dur="1" fill="hold">
-                                          <p:stCondLst>
-                                            <p:cond delay="0"/>
-                                          </p:stCondLst>
-                                        </p:cTn>
-                                        <p:tgtEl>
-                                          <p:spTgt spid="18"/>
-                                        </p:tgtEl>
-                                        <p:attrNameLst>
-                                          <p:attrName>style.visibility</p:attrName>
-                                        </p:attrNameLst>
-                                      </p:cBhvr>
-                                      <p:to>
-                                        <p:strVal val="visible"/>
-                                      </p:to>
-                                    </p:set>
-                                    <p:animEffect transition="in" filter="fade">
-                                      <p:cBhvr>
-                                        <p:cTn id="10" dur="2000"/>
-                                        <p:tgtEl>
-                                          <p:spTgt spid="18"/>
+                                          <p:spTgt spid="3">
+                                            <p:txEl>
+                                              <p:pRg st="0" end="0"/>
+                                            </p:txEl>
+                                          </p:spTgt>
                                         </p:tgtEl>
                                       </p:cBhvr>
                                     </p:animEffect>
@@ -12296,67 +17439,36 @@
                     </p:cTn>
                   </p:par>
                   <p:par>
-                    <p:cTn id="11" fill="hold">
+                    <p:cTn id="8" fill="hold">
                       <p:stCondLst>
                         <p:cond delay="indefinite"/>
                       </p:stCondLst>
                       <p:childTnLst>
                         <p:par>
-                          <p:cTn id="12" fill="hold">
+                          <p:cTn id="9" fill="hold">
                             <p:stCondLst>
                               <p:cond delay="0"/>
                             </p:stCondLst>
                             <p:childTnLst>
                               <p:par>
-                                <p:cTn id="13" presetID="10" presetClass="entr" presetSubtype="0" fill="hold" nodeType="clickEffect">
+                                <p:cTn id="10" presetID="9" presetClass="entr" presetSubtype="0" fill="hold" grpId="0" nodeType="clickEffect">
                                   <p:stCondLst>
                                     <p:cond delay="0"/>
                                   </p:stCondLst>
                                   <p:childTnLst>
                                     <p:set>
                                       <p:cBhvr>
-                                        <p:cTn id="14" dur="1" fill="hold">
+                                        <p:cTn id="11" dur="1" fill="hold">
                                           <p:stCondLst>
                                             <p:cond delay="0"/>
                                           </p:stCondLst>
                                         </p:cTn>
                                         <p:tgtEl>
-                                          <p:spTgt spid="26"/>
-                                        </p:tgtEl>
-                                        <p:attrNameLst>
-                                          <p:attrName>style.visibility</p:attrName>
-                                        </p:attrNameLst>
-                                      </p:cBhvr>
-                                      <p:to>
-                                        <p:strVal val="visible"/>
-                                      </p:to>
-                                    </p:set>
-                                    <p:animEffect transition="in" filter="fade">
-                                      <p:cBhvr>
-                                        <p:cTn id="15" dur="2000"/>
-                                        <p:tgtEl>
-                                          <p:spTgt spid="26"/>
-                                        </p:tgtEl>
-                                      </p:cBhvr>
-                                    </p:animEffect>
-                                  </p:childTnLst>
-                                </p:cTn>
-                              </p:par>
-                              <p:par>
-                                <p:cTn id="16" presetID="9" presetClass="entr" presetSubtype="0" fill="hold" grpId="0" nodeType="withEffect">
-                                  <p:stCondLst>
-                                    <p:cond delay="0"/>
-                                  </p:stCondLst>
-                                  <p:childTnLst>
-                                    <p:set>
-                                      <p:cBhvr>
-                                        <p:cTn id="17" dur="1" fill="hold">
-                                          <p:stCondLst>
-                                            <p:cond delay="0"/>
-                                          </p:stCondLst>
-                                        </p:cTn>
-                                        <p:tgtEl>
-                                          <p:spTgt spid="17"/>
+                                          <p:spTgt spid="3">
+                                            <p:txEl>
+                                              <p:pRg st="1" end="1"/>
+                                            </p:txEl>
+                                          </p:spTgt>
                                         </p:tgtEl>
                                         <p:attrNameLst>
                                           <p:attrName>style.visibility</p:attrName>
@@ -12368,9 +17480,13 @@
                                     </p:set>
                                     <p:animEffect transition="in" filter="dissolve">
                                       <p:cBhvr>
-                                        <p:cTn id="18" dur="500"/>
+                                        <p:cTn id="12" dur="500"/>
                                         <p:tgtEl>
-                                          <p:spTgt spid="17"/>
+                                          <p:spTgt spid="3">
+                                            <p:txEl>
+                                              <p:pRg st="1" end="1"/>
+                                            </p:txEl>
+                                          </p:spTgt>
                                         </p:tgtEl>
                                       </p:cBhvr>
                                     </p:animEffect>
@@ -12384,19 +17500,105 @@
                     </p:cTn>
                   </p:par>
                   <p:par>
-                    <p:cTn id="19" fill="hold">
+                    <p:cTn id="13" fill="hold">
                       <p:stCondLst>
                         <p:cond delay="indefinite"/>
                       </p:stCondLst>
                       <p:childTnLst>
                         <p:par>
-                          <p:cTn id="20" fill="hold">
+                          <p:cTn id="14" fill="hold">
                             <p:stCondLst>
                               <p:cond delay="0"/>
                             </p:stCondLst>
                             <p:childTnLst>
                               <p:par>
-                                <p:cTn id="21" presetID="9" presetClass="entr" presetSubtype="0" fill="hold" grpId="0" nodeType="clickEffect">
+                                <p:cTn id="15" presetID="9" presetClass="entr" presetSubtype="0" fill="hold" grpId="0" nodeType="clickEffect">
+                                  <p:stCondLst>
+                                    <p:cond delay="0"/>
+                                  </p:stCondLst>
+                                  <p:childTnLst>
+                                    <p:set>
+                                      <p:cBhvr>
+                                        <p:cTn id="16" dur="1" fill="hold">
+                                          <p:stCondLst>
+                                            <p:cond delay="0"/>
+                                          </p:stCondLst>
+                                        </p:cTn>
+                                        <p:tgtEl>
+                                          <p:spTgt spid="3">
+                                            <p:txEl>
+                                              <p:pRg st="2" end="2"/>
+                                            </p:txEl>
+                                          </p:spTgt>
+                                        </p:tgtEl>
+                                        <p:attrNameLst>
+                                          <p:attrName>style.visibility</p:attrName>
+                                        </p:attrNameLst>
+                                      </p:cBhvr>
+                                      <p:to>
+                                        <p:strVal val="visible"/>
+                                      </p:to>
+                                    </p:set>
+                                    <p:animEffect transition="in" filter="dissolve">
+                                      <p:cBhvr>
+                                        <p:cTn id="17" dur="500"/>
+                                        <p:tgtEl>
+                                          <p:spTgt spid="3">
+                                            <p:txEl>
+                                              <p:pRg st="2" end="2"/>
+                                            </p:txEl>
+                                          </p:spTgt>
+                                        </p:tgtEl>
+                                      </p:cBhvr>
+                                    </p:animEffect>
+                                  </p:childTnLst>
+                                </p:cTn>
+                              </p:par>
+                              <p:par>
+                                <p:cTn id="18" presetID="9" presetClass="entr" presetSubtype="0" fill="hold" grpId="0" nodeType="withEffect">
+                                  <p:stCondLst>
+                                    <p:cond delay="0"/>
+                                  </p:stCondLst>
+                                  <p:childTnLst>
+                                    <p:set>
+                                      <p:cBhvr>
+                                        <p:cTn id="19" dur="1" fill="hold">
+                                          <p:stCondLst>
+                                            <p:cond delay="0"/>
+                                          </p:stCondLst>
+                                        </p:cTn>
+                                        <p:tgtEl>
+                                          <p:spTgt spid="3">
+                                            <p:txEl>
+                                              <p:pRg st="3" end="3"/>
+                                            </p:txEl>
+                                          </p:spTgt>
+                                        </p:tgtEl>
+                                        <p:attrNameLst>
+                                          <p:attrName>style.visibility</p:attrName>
+                                        </p:attrNameLst>
+                                      </p:cBhvr>
+                                      <p:to>
+                                        <p:strVal val="visible"/>
+                                      </p:to>
+                                    </p:set>
+                                    <p:animEffect transition="in" filter="dissolve">
+                                      <p:cBhvr>
+                                        <p:cTn id="20" dur="500"/>
+                                        <p:tgtEl>
+                                          <p:spTgt spid="3">
+                                            <p:txEl>
+                                              <p:pRg st="3" end="3"/>
+                                            </p:txEl>
+                                          </p:spTgt>
+                                        </p:tgtEl>
+                                      </p:cBhvr>
+                                    </p:animEffect>
+                                  </p:childTnLst>
+                                </p:cTn>
+                              </p:par>
+                              <p:par>
+                                <p:cTn id="21" presetID="9" presetClass="entr" presetSubtype="0" fill="hold" grpId="0" nodeType="withEffect">
                                   <p:stCondLst>
                                     <p:cond delay="0"/>
                                   </p:stCondLst>
@@ -12409,7 +17611,11 @@
                                           </p:stCondLst>
                                         </p:cTn>
                                         <p:tgtEl>
-                                          <p:spTgt spid="29"/>
+                                          <p:spTgt spid="3">
+                                            <p:txEl>
+                                              <p:pRg st="4" end="4"/>
+                                            </p:txEl>
+                                          </p:spTgt>
                                         </p:tgtEl>
                                         <p:attrNameLst>
                                           <p:attrName>style.visibility</p:attrName>
@@ -12423,7 +17629,11 @@
                                       <p:cBhvr>
                                         <p:cTn id="23" dur="500"/>
                                         <p:tgtEl>
-                                          <p:spTgt spid="29"/>
+                                          <p:spTgt spid="3">
+                                            <p:txEl>
+                                              <p:pRg st="4" end="4"/>
+                                            </p:txEl>
+                                          </p:spTgt>
                                         </p:tgtEl>
                                       </p:cBhvr>
                                     </p:animEffect>
@@ -12431,7 +17641,7 @@
                                 </p:cTn>
                               </p:par>
                               <p:par>
-                                <p:cTn id="24" presetID="9" presetClass="entr" presetSubtype="0" fill="hold" grpId="1" nodeType="withEffect">
+                                <p:cTn id="24" presetID="9" presetClass="entr" presetSubtype="0" fill="hold" grpId="0" nodeType="withEffect">
                                   <p:stCondLst>
                                     <p:cond delay="0"/>
                                   </p:stCondLst>
@@ -12444,7 +17654,11 @@
                                           </p:stCondLst>
                                         </p:cTn>
                                         <p:tgtEl>
-                                          <p:spTgt spid="28"/>
+                                          <p:spTgt spid="3">
+                                            <p:txEl>
+                                              <p:pRg st="5" end="5"/>
+                                            </p:txEl>
+                                          </p:spTgt>
                                         </p:tgtEl>
                                         <p:attrNameLst>
                                           <p:attrName>style.visibility</p:attrName>
@@ -12458,7 +17672,11 @@
                                       <p:cBhvr>
                                         <p:cTn id="26" dur="500"/>
                                         <p:tgtEl>
-                                          <p:spTgt spid="28"/>
+                                          <p:spTgt spid="3">
+                                            <p:txEl>
+                                              <p:pRg st="5" end="5"/>
+                                            </p:txEl>
+                                          </p:spTgt>
                                         </p:tgtEl>
                                       </p:cBhvr>
                                     </p:animEffect>
@@ -12493,10 +17711,7 @@
       </p:par>
     </p:tnLst>
     <p:bldLst>
-      <p:bldP spid="17" grpId="0" animBg="1"/>
-      <p:bldP spid="27" grpId="0"/>
-      <p:bldP spid="29" grpId="0" animBg="1"/>
-      <p:bldP spid="28" grpId="1"/>
+      <p:bldP spid="3" grpId="0" build="p"/>
     </p:bldLst>
   </p:timing>
 </p:sld>
